--- a/reports/submission/Capstone_Final_Presentation.pptx
+++ b/reports/submission/Capstone_Final_Presentation.pptx
@@ -9,19 +9,20 @@
     <p:sldId id="257" r:id="rId3"/>
     <p:sldId id="261" r:id="rId4"/>
     <p:sldId id="258" r:id="rId5"/>
-    <p:sldId id="259" r:id="rId6"/>
-    <p:sldId id="260" r:id="rId7"/>
-    <p:sldId id="262" r:id="rId8"/>
-    <p:sldId id="264" r:id="rId9"/>
-    <p:sldId id="263" r:id="rId10"/>
-    <p:sldId id="265" r:id="rId11"/>
-    <p:sldId id="266" r:id="rId12"/>
-    <p:sldId id="267" r:id="rId13"/>
-    <p:sldId id="268" r:id="rId14"/>
-    <p:sldId id="269" r:id="rId15"/>
-    <p:sldId id="270" r:id="rId16"/>
-    <p:sldId id="271" r:id="rId17"/>
-    <p:sldId id="272" r:id="rId18"/>
+    <p:sldId id="273" r:id="rId6"/>
+    <p:sldId id="259" r:id="rId7"/>
+    <p:sldId id="260" r:id="rId8"/>
+    <p:sldId id="262" r:id="rId9"/>
+    <p:sldId id="264" r:id="rId10"/>
+    <p:sldId id="263" r:id="rId11"/>
+    <p:sldId id="265" r:id="rId12"/>
+    <p:sldId id="266" r:id="rId13"/>
+    <p:sldId id="267" r:id="rId14"/>
+    <p:sldId id="268" r:id="rId15"/>
+    <p:sldId id="269" r:id="rId16"/>
+    <p:sldId id="270" r:id="rId17"/>
+    <p:sldId id="271" r:id="rId18"/>
+    <p:sldId id="272" r:id="rId19"/>
   </p:sldIdLst>
   <p:sldSz cx="12192000" cy="6858000"/>
   <p:notesSz cx="6858000" cy="9144000"/>
@@ -5580,6 +5581,14 @@
 <file path=ppt/slides/slide10.xml><?xml version="1.0" encoding="utf-8"?>
 <p:sld xmlns:a="http://schemas.openxmlformats.org/drawingml/2006/main" xmlns:r="http://schemas.openxmlformats.org/officeDocument/2006/relationships" xmlns:p="http://schemas.openxmlformats.org/presentationml/2006/main">
   <p:cSld>
+    <p:bg>
+      <p:bgPr>
+        <a:solidFill>
+          <a:schemeClr val="bg1"/>
+        </a:solidFill>
+        <a:effectLst/>
+      </p:bgPr>
+    </p:bg>
     <p:spTree>
       <p:nvGrpSpPr>
         <p:cNvPr id="1" name=""/>
@@ -5594,12 +5603,72 @@
           <a:chExt cx="0" cy="0"/>
         </a:xfrm>
       </p:grpSpPr>
+      <p:sp useBgFill="1">
+        <p:nvSpPr>
+          <p:cNvPr id="23" name="Rectangle 22">
+            <a:extLst>
+              <a:ext uri="{FF2B5EF4-FFF2-40B4-BE49-F238E27FC236}">
+                <a16:creationId xmlns:a16="http://schemas.microsoft.com/office/drawing/2014/main" id="{0B9EE3F3-89B7-43C3-8651-C4C96830993D}"/>
+              </a:ext>
+              <a:ext uri="{C183D7F6-B498-43B3-948B-1728B52AA6E4}">
+                <adec:decorative xmlns:adec="http://schemas.microsoft.com/office/drawing/2017/decorative" val="1"/>
+              </a:ext>
+            </a:extLst>
+          </p:cNvPr>
+          <p:cNvSpPr>
+            <a:spLocks noGrp="1" noRot="1" noChangeAspect="1" noMove="1" noResize="1" noEditPoints="1" noAdjustHandles="1" noChangeArrowheads="1" noChangeShapeType="1" noTextEdit="1"/>
+          </p:cNvSpPr>
+          <p:nvPr>
+            <p:extLst>
+              <p:ext uri="{386F3935-93C4-4BCD-93E2-E3B085C9AB24}">
+                <p16:designElem xmlns:p16="http://schemas.microsoft.com/office/powerpoint/2015/main" val="1"/>
+              </p:ext>
+            </p:extLst>
+          </p:nvPr>
+        </p:nvSpPr>
+        <p:spPr>
+          <a:xfrm>
+            <a:off x="0" y="0"/>
+            <a:ext cx="12192000" cy="6858000"/>
+          </a:xfrm>
+          <a:prstGeom prst="rect">
+            <a:avLst/>
+          </a:prstGeom>
+          <a:ln>
+            <a:noFill/>
+          </a:ln>
+        </p:spPr>
+        <p:style>
+          <a:lnRef idx="2">
+            <a:schemeClr val="accent1">
+              <a:shade val="50000"/>
+            </a:schemeClr>
+          </a:lnRef>
+          <a:fillRef idx="1">
+            <a:schemeClr val="accent1"/>
+          </a:fillRef>
+          <a:effectRef idx="0">
+            <a:schemeClr val="accent1"/>
+          </a:effectRef>
+          <a:fontRef idx="minor">
+            <a:schemeClr val="lt1"/>
+          </a:fontRef>
+        </p:style>
+        <p:txBody>
+          <a:bodyPr rtlCol="0" anchor="ctr"/>
+          <a:lstStyle/>
+          <a:p>
+            <a:pPr algn="ctr"/>
+            <a:endParaRPr lang="en-US"/>
+          </a:p>
+        </p:txBody>
+      </p:sp>
       <p:sp>
         <p:nvSpPr>
           <p:cNvPr id="2" name="Title 1">
             <a:extLst>
               <a:ext uri="{FF2B5EF4-FFF2-40B4-BE49-F238E27FC236}">
-                <a16:creationId xmlns:a16="http://schemas.microsoft.com/office/drawing/2014/main" id="{2D14258E-2D0E-604C-A878-D631618F0F88}"/>
+                <a16:creationId xmlns:a16="http://schemas.microsoft.com/office/drawing/2014/main" id="{69B8BA33-CF05-0548-999E-720A8E0240B2}"/>
               </a:ext>
             </a:extLst>
           </p:cNvPr>
@@ -5610,49 +5679,281 @@
             <p:ph type="title"/>
           </p:nvPr>
         </p:nvSpPr>
-        <p:spPr/>
+        <p:spPr>
+          <a:xfrm>
+            <a:off x="411480" y="991443"/>
+            <a:ext cx="4443154" cy="1087819"/>
+          </a:xfrm>
+        </p:spPr>
+        <p:txBody>
+          <a:bodyPr anchor="b">
+            <a:normAutofit/>
+          </a:bodyPr>
+          <a:lstStyle/>
+          <a:p>
+            <a:r>
+              <a:rPr lang="en-US" sz="2900"/>
+              <a:t>EDA: Most Percentage of Admissions Offers</a:t>
+            </a:r>
+          </a:p>
+        </p:txBody>
+      </p:sp>
+      <p:sp>
+        <p:nvSpPr>
+          <p:cNvPr id="25" name="Rectangle 24">
+            <a:extLst>
+              <a:ext uri="{FF2B5EF4-FFF2-40B4-BE49-F238E27FC236}">
+                <a16:creationId xmlns:a16="http://schemas.microsoft.com/office/drawing/2014/main" id="{33AE4636-AEEC-45D6-84D4-7AC2DA48ECF8}"/>
+              </a:ext>
+              <a:ext uri="{C183D7F6-B498-43B3-948B-1728B52AA6E4}">
+                <adec:decorative xmlns:adec="http://schemas.microsoft.com/office/drawing/2017/decorative" val="1"/>
+              </a:ext>
+            </a:extLst>
+          </p:cNvPr>
+          <p:cNvSpPr>
+            <a:spLocks noGrp="1" noRot="1" noChangeAspect="1" noMove="1" noResize="1" noEditPoints="1" noAdjustHandles="1" noChangeArrowheads="1" noChangeShapeType="1" noTextEdit="1"/>
+          </p:cNvSpPr>
+          <p:nvPr>
+            <p:extLst>
+              <p:ext uri="{386F3935-93C4-4BCD-93E2-E3B085C9AB24}">
+                <p16:designElem xmlns:p16="http://schemas.microsoft.com/office/powerpoint/2015/main" val="1"/>
+              </p:ext>
+            </p:extLst>
+          </p:nvPr>
+        </p:nvSpPr>
+        <p:spPr>
+          <a:xfrm rot="5400000">
+            <a:off x="649223" y="387939"/>
+            <a:ext cx="73152" cy="548640"/>
+          </a:xfrm>
+          <a:prstGeom prst="rect">
+            <a:avLst/>
+          </a:prstGeom>
+          <a:solidFill>
+            <a:schemeClr val="accent1"/>
+          </a:solidFill>
+          <a:ln>
+            <a:noFill/>
+          </a:ln>
+        </p:spPr>
+        <p:style>
+          <a:lnRef idx="2">
+            <a:schemeClr val="accent1">
+              <a:shade val="50000"/>
+            </a:schemeClr>
+          </a:lnRef>
+          <a:fillRef idx="1">
+            <a:schemeClr val="accent1"/>
+          </a:fillRef>
+          <a:effectRef idx="0">
+            <a:schemeClr val="accent1"/>
+          </a:effectRef>
+          <a:fontRef idx="minor">
+            <a:schemeClr val="lt1"/>
+          </a:fontRef>
+        </p:style>
+        <p:txBody>
+          <a:bodyPr rtlCol="0" anchor="ctr"/>
+          <a:lstStyle/>
+          <a:p>
+            <a:pPr marL="0" marR="0" lvl="0" indent="0" algn="ctr" defTabSz="914400" rtl="0" eaLnBrk="1" fontAlgn="auto" latinLnBrk="0" hangingPunct="1">
+              <a:lnSpc>
+                <a:spcPct val="100000"/>
+              </a:lnSpc>
+              <a:spcBef>
+                <a:spcPts val="0"/>
+              </a:spcBef>
+              <a:spcAft>
+                <a:spcPts val="0"/>
+              </a:spcAft>
+              <a:buClrTx/>
+              <a:buSzTx/>
+              <a:buFontTx/>
+              <a:buNone/>
+              <a:tabLst/>
+              <a:defRPr/>
+            </a:pPr>
+            <a:endParaRPr kumimoji="0" lang="en-US" sz="1800" b="0" i="0" u="none" strike="noStrike" kern="1200" cap="none" spc="0" normalizeH="0" baseline="0" noProof="0">
+              <a:ln>
+                <a:noFill/>
+              </a:ln>
+              <a:solidFill>
+                <a:prstClr val="white"/>
+              </a:solidFill>
+              <a:effectLst/>
+              <a:uLnTx/>
+              <a:uFillTx/>
+              <a:latin typeface="Calibri" panose="020F0502020204030204"/>
+              <a:ea typeface="+mn-ea"/>
+              <a:cs typeface="+mn-cs"/>
+            </a:endParaRPr>
+          </a:p>
+        </p:txBody>
+      </p:sp>
+      <p:sp>
+        <p:nvSpPr>
+          <p:cNvPr id="27" name="Rectangle 26">
+            <a:extLst>
+              <a:ext uri="{FF2B5EF4-FFF2-40B4-BE49-F238E27FC236}">
+                <a16:creationId xmlns:a16="http://schemas.microsoft.com/office/drawing/2014/main" id="{8D9CE0F4-2EB2-4F1F-8AAC-DB3571D9FE10}"/>
+              </a:ext>
+              <a:ext uri="{C183D7F6-B498-43B3-948B-1728B52AA6E4}">
+                <adec:decorative xmlns:adec="http://schemas.microsoft.com/office/drawing/2017/decorative" val="1"/>
+              </a:ext>
+            </a:extLst>
+          </p:cNvPr>
+          <p:cNvSpPr>
+            <a:spLocks noGrp="1" noRot="1" noChangeAspect="1" noMove="1" noResize="1" noEditPoints="1" noAdjustHandles="1" noChangeArrowheads="1" noChangeShapeType="1" noTextEdit="1"/>
+          </p:cNvSpPr>
+          <p:nvPr>
+            <p:extLst>
+              <p:ext uri="{386F3935-93C4-4BCD-93E2-E3B085C9AB24}">
+                <p16:designElem xmlns:p16="http://schemas.microsoft.com/office/powerpoint/2015/main" val="1"/>
+              </p:ext>
+            </p:extLst>
+          </p:nvPr>
+        </p:nvSpPr>
+        <p:spPr>
+          <a:xfrm>
+            <a:off x="411480" y="2285541"/>
+            <a:ext cx="4389120" cy="18288"/>
+          </a:xfrm>
+          <a:prstGeom prst="rect">
+            <a:avLst/>
+          </a:prstGeom>
+          <a:solidFill>
+            <a:schemeClr val="tx2">
+              <a:lumMod val="25000"/>
+              <a:lumOff val="75000"/>
+            </a:schemeClr>
+          </a:solidFill>
+          <a:ln w="3175">
+            <a:noFill/>
+          </a:ln>
+          <a:effectLst/>
+        </p:spPr>
+        <p:style>
+          <a:lnRef idx="2">
+            <a:schemeClr val="accent1">
+              <a:shade val="50000"/>
+            </a:schemeClr>
+          </a:lnRef>
+          <a:fillRef idx="1">
+            <a:schemeClr val="accent1"/>
+          </a:fillRef>
+          <a:effectRef idx="0">
+            <a:schemeClr val="accent1"/>
+          </a:effectRef>
+          <a:fontRef idx="minor">
+            <a:schemeClr val="lt1"/>
+          </a:fontRef>
+        </p:style>
+        <p:txBody>
+          <a:bodyPr rtlCol="0" anchor="ctr"/>
+          <a:lstStyle/>
+          <a:p>
+            <a:pPr marL="0" marR="0" lvl="0" indent="0" algn="ctr" defTabSz="914400" rtl="0" eaLnBrk="1" fontAlgn="auto" latinLnBrk="0" hangingPunct="1">
+              <a:lnSpc>
+                <a:spcPct val="100000"/>
+              </a:lnSpc>
+              <a:spcBef>
+                <a:spcPts val="0"/>
+              </a:spcBef>
+              <a:spcAft>
+                <a:spcPts val="0"/>
+              </a:spcAft>
+              <a:buClrTx/>
+              <a:buSzTx/>
+              <a:buFontTx/>
+              <a:buNone/>
+              <a:tabLst/>
+              <a:defRPr/>
+            </a:pPr>
+            <a:endParaRPr kumimoji="0" lang="en-US" sz="1800" b="0" i="0" u="none" strike="noStrike" kern="1200" cap="none" spc="0" normalizeH="0" baseline="0" noProof="0">
+              <a:ln>
+                <a:noFill/>
+              </a:ln>
+              <a:solidFill>
+                <a:prstClr val="white"/>
+              </a:solidFill>
+              <a:effectLst/>
+              <a:uLnTx/>
+              <a:uFillTx/>
+              <a:latin typeface="Calibri" panose="020F0502020204030204"/>
+              <a:ea typeface="+mn-ea"/>
+              <a:cs typeface="+mn-cs"/>
+            </a:endParaRPr>
+          </a:p>
+        </p:txBody>
+      </p:sp>
+      <p:sp>
+        <p:nvSpPr>
+          <p:cNvPr id="9" name="Content Placeholder 8">
+            <a:extLst>
+              <a:ext uri="{FF2B5EF4-FFF2-40B4-BE49-F238E27FC236}">
+                <a16:creationId xmlns:a16="http://schemas.microsoft.com/office/drawing/2014/main" id="{2D19A7FD-C0F9-4A34-B3FA-1E782BC1D38A}"/>
+              </a:ext>
+            </a:extLst>
+          </p:cNvPr>
+          <p:cNvSpPr>
+            <a:spLocks noGrp="1"/>
+          </p:cNvSpPr>
+          <p:nvPr>
+            <p:ph idx="1"/>
+          </p:nvPr>
+        </p:nvSpPr>
+        <p:spPr>
+          <a:xfrm>
+            <a:off x="411480" y="2684095"/>
+            <a:ext cx="4443154" cy="3492868"/>
+          </a:xfrm>
+        </p:spPr>
         <p:txBody>
           <a:bodyPr>
-            <a:normAutofit fontScale="90000"/>
+            <a:normAutofit/>
           </a:bodyPr>
           <a:lstStyle/>
           <a:p>
             <a:r>
-              <a:rPr lang="en-US" dirty="0"/>
-              <a:t>EDA: Least Percentage of Admissions Offers</a:t>
+              <a:rPr lang="en-US" sz="1700" dirty="0"/>
+              <a:t>Among the schools with the highest percentage of their test takers/students receiving admissions offers, nearly all have less than 50% Black &amp; Latinx student bodies (green).</a:t>
             </a:r>
           </a:p>
         </p:txBody>
       </p:sp>
-      <p:sp>
-        <p:nvSpPr>
-          <p:cNvPr id="3" name="Content Placeholder 2">
-            <a:extLst>
-              <a:ext uri="{FF2B5EF4-FFF2-40B4-BE49-F238E27FC236}">
-                <a16:creationId xmlns:a16="http://schemas.microsoft.com/office/drawing/2014/main" id="{EA5CEBA7-596F-E242-8459-BA544B810082}"/>
-              </a:ext>
-            </a:extLst>
-          </p:cNvPr>
-          <p:cNvSpPr>
-            <a:spLocks noGrp="1"/>
-          </p:cNvSpPr>
-          <p:nvPr>
-            <p:ph idx="1"/>
-          </p:nvPr>
-        </p:nvSpPr>
-        <p:spPr/>
-        <p:txBody>
-          <a:bodyPr/>
-          <a:lstStyle/>
-          <a:p>
-            <a:endParaRPr lang="en-US"/>
-          </a:p>
-        </p:txBody>
-      </p:sp>
+      <p:pic>
+        <p:nvPicPr>
+          <p:cNvPr id="5" name="Content Placeholder 4" descr="A picture containing chart&#10;&#10;Description automatically generated">
+            <a:extLst>
+              <a:ext uri="{FF2B5EF4-FFF2-40B4-BE49-F238E27FC236}">
+                <a16:creationId xmlns:a16="http://schemas.microsoft.com/office/drawing/2014/main" id="{59D188C5-604C-D347-B824-35D674034778}"/>
+              </a:ext>
+            </a:extLst>
+          </p:cNvPr>
+          <p:cNvPicPr>
+            <a:picLocks noChangeAspect="1"/>
+          </p:cNvPicPr>
+          <p:nvPr/>
+        </p:nvPicPr>
+        <p:blipFill rotWithShape="1">
+          <a:blip r:embed="rId2"/>
+          <a:srcRect l="7020" r="3" b="3"/>
+          <a:stretch/>
+        </p:blipFill>
+        <p:spPr>
+          <a:xfrm>
+            <a:off x="4855249" y="477391"/>
+            <a:ext cx="7311226" cy="6035040"/>
+          </a:xfrm>
+          <a:prstGeom prst="rect">
+            <a:avLst/>
+          </a:prstGeom>
+        </p:spPr>
+      </p:pic>
     </p:spTree>
     <p:extLst>
       <p:ext uri="{BB962C8B-B14F-4D97-AF65-F5344CB8AC3E}">
-        <p14:creationId xmlns:p14="http://schemas.microsoft.com/office/powerpoint/2010/main" val="2181058263"/>
+        <p14:creationId xmlns:p14="http://schemas.microsoft.com/office/powerpoint/2010/main" val="1895960851"/>
       </p:ext>
     </p:extLst>
   </p:cSld>
@@ -5665,6 +5966,14 @@
 <file path=ppt/slides/slide11.xml><?xml version="1.0" encoding="utf-8"?>
 <p:sld xmlns:a="http://schemas.openxmlformats.org/drawingml/2006/main" xmlns:r="http://schemas.openxmlformats.org/officeDocument/2006/relationships" xmlns:p="http://schemas.openxmlformats.org/presentationml/2006/main">
   <p:cSld>
+    <p:bg>
+      <p:bgPr>
+        <a:solidFill>
+          <a:schemeClr val="bg1"/>
+        </a:solidFill>
+        <a:effectLst/>
+      </p:bgPr>
+    </p:bg>
     <p:spTree>
       <p:nvGrpSpPr>
         <p:cNvPr id="1" name=""/>
@@ -5679,12 +5988,72 @@
           <a:chExt cx="0" cy="0"/>
         </a:xfrm>
       </p:grpSpPr>
+      <p:sp useBgFill="1">
+        <p:nvSpPr>
+          <p:cNvPr id="21" name="Rectangle 20">
+            <a:extLst>
+              <a:ext uri="{FF2B5EF4-FFF2-40B4-BE49-F238E27FC236}">
+                <a16:creationId xmlns:a16="http://schemas.microsoft.com/office/drawing/2014/main" id="{F94AA2BD-2E3F-4B1D-8127-5744B8115311}"/>
+              </a:ext>
+              <a:ext uri="{C183D7F6-B498-43B3-948B-1728B52AA6E4}">
+                <adec:decorative xmlns:adec="http://schemas.microsoft.com/office/drawing/2017/decorative" val="1"/>
+              </a:ext>
+            </a:extLst>
+          </p:cNvPr>
+          <p:cNvSpPr>
+            <a:spLocks noGrp="1" noRot="1" noChangeAspect="1" noMove="1" noResize="1" noEditPoints="1" noAdjustHandles="1" noChangeArrowheads="1" noChangeShapeType="1" noTextEdit="1"/>
+          </p:cNvSpPr>
+          <p:nvPr>
+            <p:extLst>
+              <p:ext uri="{386F3935-93C4-4BCD-93E2-E3B085C9AB24}">
+                <p16:designElem xmlns:p16="http://schemas.microsoft.com/office/powerpoint/2015/main" val="1"/>
+              </p:ext>
+            </p:extLst>
+          </p:nvPr>
+        </p:nvSpPr>
+        <p:spPr>
+          <a:xfrm>
+            <a:off x="0" y="0"/>
+            <a:ext cx="12192000" cy="6858000"/>
+          </a:xfrm>
+          <a:prstGeom prst="rect">
+            <a:avLst/>
+          </a:prstGeom>
+          <a:ln>
+            <a:noFill/>
+          </a:ln>
+        </p:spPr>
+        <p:style>
+          <a:lnRef idx="2">
+            <a:schemeClr val="accent1">
+              <a:shade val="50000"/>
+            </a:schemeClr>
+          </a:lnRef>
+          <a:fillRef idx="1">
+            <a:schemeClr val="accent1"/>
+          </a:fillRef>
+          <a:effectRef idx="0">
+            <a:schemeClr val="accent1"/>
+          </a:effectRef>
+          <a:fontRef idx="minor">
+            <a:schemeClr val="lt1"/>
+          </a:fontRef>
+        </p:style>
+        <p:txBody>
+          <a:bodyPr rtlCol="0" anchor="ctr"/>
+          <a:lstStyle/>
+          <a:p>
+            <a:pPr algn="ctr"/>
+            <a:endParaRPr lang="en-US"/>
+          </a:p>
+        </p:txBody>
+      </p:sp>
       <p:sp>
         <p:nvSpPr>
           <p:cNvPr id="2" name="Title 1">
             <a:extLst>
               <a:ext uri="{FF2B5EF4-FFF2-40B4-BE49-F238E27FC236}">
-                <a16:creationId xmlns:a16="http://schemas.microsoft.com/office/drawing/2014/main" id="{DDBD151B-C849-9642-9794-68B780D8FCE2}"/>
+                <a16:creationId xmlns:a16="http://schemas.microsoft.com/office/drawing/2014/main" id="{2D14258E-2D0E-604C-A878-D631618F0F88}"/>
               </a:ext>
             </a:extLst>
           </p:cNvPr>
@@ -5695,24 +6064,219 @@
             <p:ph type="title"/>
           </p:nvPr>
         </p:nvSpPr>
-        <p:spPr/>
-        <p:txBody>
-          <a:bodyPr/>
+        <p:spPr>
+          <a:xfrm>
+            <a:off x="411480" y="987552"/>
+            <a:ext cx="4485861" cy="1088136"/>
+          </a:xfrm>
+        </p:spPr>
+        <p:txBody>
+          <a:bodyPr anchor="b">
+            <a:normAutofit/>
+          </a:bodyPr>
           <a:lstStyle/>
           <a:p>
             <a:r>
-              <a:rPr lang="en-US" dirty="0"/>
-              <a:t>EDA: Highest Number of Offers</a:t>
+              <a:rPr lang="en-US" sz="2900"/>
+              <a:t>EDA: Least Percentage of Admissions Offers</a:t>
             </a:r>
           </a:p>
         </p:txBody>
       </p:sp>
       <p:sp>
         <p:nvSpPr>
-          <p:cNvPr id="3" name="Content Placeholder 2">
-            <a:extLst>
-              <a:ext uri="{FF2B5EF4-FFF2-40B4-BE49-F238E27FC236}">
-                <a16:creationId xmlns:a16="http://schemas.microsoft.com/office/drawing/2014/main" id="{DD9DB8B0-26F9-6E4A-916A-9A72B42C2B35}"/>
+          <p:cNvPr id="23" name="Rectangle 22">
+            <a:extLst>
+              <a:ext uri="{FF2B5EF4-FFF2-40B4-BE49-F238E27FC236}">
+                <a16:creationId xmlns:a16="http://schemas.microsoft.com/office/drawing/2014/main" id="{4BD02261-2DC8-4AA8-9E16-7751AE892445}"/>
+              </a:ext>
+              <a:ext uri="{C183D7F6-B498-43B3-948B-1728B52AA6E4}">
+                <adec:decorative xmlns:adec="http://schemas.microsoft.com/office/drawing/2017/decorative" val="1"/>
+              </a:ext>
+            </a:extLst>
+          </p:cNvPr>
+          <p:cNvSpPr>
+            <a:spLocks noGrp="1" noRot="1" noChangeAspect="1" noMove="1" noResize="1" noEditPoints="1" noAdjustHandles="1" noChangeArrowheads="1" noChangeShapeType="1" noTextEdit="1"/>
+          </p:cNvSpPr>
+          <p:nvPr>
+            <p:extLst>
+              <p:ext uri="{386F3935-93C4-4BCD-93E2-E3B085C9AB24}">
+                <p16:designElem xmlns:p16="http://schemas.microsoft.com/office/powerpoint/2015/main" val="1"/>
+              </p:ext>
+            </p:extLst>
+          </p:nvPr>
+        </p:nvSpPr>
+        <p:spPr>
+          <a:xfrm rot="5400000">
+            <a:off x="649223" y="387939"/>
+            <a:ext cx="73152" cy="548640"/>
+          </a:xfrm>
+          <a:prstGeom prst="rect">
+            <a:avLst/>
+          </a:prstGeom>
+          <a:solidFill>
+            <a:schemeClr val="accent1"/>
+          </a:solidFill>
+          <a:ln>
+            <a:noFill/>
+          </a:ln>
+        </p:spPr>
+        <p:style>
+          <a:lnRef idx="2">
+            <a:schemeClr val="accent1">
+              <a:shade val="50000"/>
+            </a:schemeClr>
+          </a:lnRef>
+          <a:fillRef idx="1">
+            <a:schemeClr val="accent1"/>
+          </a:fillRef>
+          <a:effectRef idx="0">
+            <a:schemeClr val="accent1"/>
+          </a:effectRef>
+          <a:fontRef idx="minor">
+            <a:schemeClr val="lt1"/>
+          </a:fontRef>
+        </p:style>
+        <p:txBody>
+          <a:bodyPr rtlCol="0" anchor="ctr"/>
+          <a:lstStyle/>
+          <a:p>
+            <a:pPr marL="0" marR="0" lvl="0" indent="0" algn="ctr" defTabSz="914400" rtl="0" eaLnBrk="1" fontAlgn="auto" latinLnBrk="0" hangingPunct="1">
+              <a:lnSpc>
+                <a:spcPct val="100000"/>
+              </a:lnSpc>
+              <a:spcBef>
+                <a:spcPts val="0"/>
+              </a:spcBef>
+              <a:spcAft>
+                <a:spcPts val="0"/>
+              </a:spcAft>
+              <a:buClrTx/>
+              <a:buSzTx/>
+              <a:buFontTx/>
+              <a:buNone/>
+              <a:tabLst/>
+              <a:defRPr/>
+            </a:pPr>
+            <a:endParaRPr kumimoji="0" lang="en-US" sz="1800" b="0" i="0" u="none" strike="noStrike" kern="1200" cap="none" spc="0" normalizeH="0" baseline="0" noProof="0">
+              <a:ln>
+                <a:noFill/>
+              </a:ln>
+              <a:solidFill>
+                <a:prstClr val="white"/>
+              </a:solidFill>
+              <a:effectLst/>
+              <a:uLnTx/>
+              <a:uFillTx/>
+              <a:latin typeface="Calibri" panose="020F0502020204030204"/>
+              <a:ea typeface="+mn-ea"/>
+              <a:cs typeface="+mn-cs"/>
+            </a:endParaRPr>
+          </a:p>
+        </p:txBody>
+      </p:sp>
+      <p:sp>
+        <p:nvSpPr>
+          <p:cNvPr id="25" name="Rectangle 24">
+            <a:extLst>
+              <a:ext uri="{FF2B5EF4-FFF2-40B4-BE49-F238E27FC236}">
+                <a16:creationId xmlns:a16="http://schemas.microsoft.com/office/drawing/2014/main" id="{3D752CF2-2291-40B5-B462-C17B174C10BC}"/>
+              </a:ext>
+              <a:ext uri="{C183D7F6-B498-43B3-948B-1728B52AA6E4}">
+                <adec:decorative xmlns:adec="http://schemas.microsoft.com/office/drawing/2017/decorative" val="1"/>
+              </a:ext>
+            </a:extLst>
+          </p:cNvPr>
+          <p:cNvSpPr>
+            <a:spLocks noGrp="1" noRot="1" noChangeAspect="1" noMove="1" noResize="1" noEditPoints="1" noAdjustHandles="1" noChangeArrowheads="1" noChangeShapeType="1" noTextEdit="1"/>
+          </p:cNvSpPr>
+          <p:nvPr>
+            <p:extLst>
+              <p:ext uri="{386F3935-93C4-4BCD-93E2-E3B085C9AB24}">
+                <p16:designElem xmlns:p16="http://schemas.microsoft.com/office/powerpoint/2015/main" val="1"/>
+              </p:ext>
+            </p:extLst>
+          </p:nvPr>
+        </p:nvSpPr>
+        <p:spPr>
+          <a:xfrm>
+            <a:off x="411480" y="2286000"/>
+            <a:ext cx="4389120" cy="18288"/>
+          </a:xfrm>
+          <a:prstGeom prst="rect">
+            <a:avLst/>
+          </a:prstGeom>
+          <a:solidFill>
+            <a:schemeClr val="tx2">
+              <a:lumMod val="25000"/>
+              <a:lumOff val="75000"/>
+            </a:schemeClr>
+          </a:solidFill>
+          <a:ln w="3175">
+            <a:noFill/>
+          </a:ln>
+          <a:effectLst/>
+        </p:spPr>
+        <p:style>
+          <a:lnRef idx="2">
+            <a:schemeClr val="accent1">
+              <a:shade val="50000"/>
+            </a:schemeClr>
+          </a:lnRef>
+          <a:fillRef idx="1">
+            <a:schemeClr val="accent1"/>
+          </a:fillRef>
+          <a:effectRef idx="0">
+            <a:schemeClr val="accent1"/>
+          </a:effectRef>
+          <a:fontRef idx="minor">
+            <a:schemeClr val="lt1"/>
+          </a:fontRef>
+        </p:style>
+        <p:txBody>
+          <a:bodyPr rtlCol="0" anchor="ctr"/>
+          <a:lstStyle/>
+          <a:p>
+            <a:pPr marL="0" marR="0" lvl="0" indent="0" algn="ctr" defTabSz="914400" rtl="0" eaLnBrk="1" fontAlgn="auto" latinLnBrk="0" hangingPunct="1">
+              <a:lnSpc>
+                <a:spcPct val="100000"/>
+              </a:lnSpc>
+              <a:spcBef>
+                <a:spcPts val="0"/>
+              </a:spcBef>
+              <a:spcAft>
+                <a:spcPts val="0"/>
+              </a:spcAft>
+              <a:buClrTx/>
+              <a:buSzTx/>
+              <a:buFontTx/>
+              <a:buNone/>
+              <a:tabLst/>
+              <a:defRPr/>
+            </a:pPr>
+            <a:endParaRPr kumimoji="0" lang="en-US" sz="1800" b="0" i="0" u="none" strike="noStrike" kern="1200" cap="none" spc="0" normalizeH="0" baseline="0" noProof="0">
+              <a:ln>
+                <a:noFill/>
+              </a:ln>
+              <a:solidFill>
+                <a:prstClr val="white"/>
+              </a:solidFill>
+              <a:effectLst/>
+              <a:uLnTx/>
+              <a:uFillTx/>
+              <a:latin typeface="Calibri" panose="020F0502020204030204"/>
+              <a:ea typeface="+mn-ea"/>
+              <a:cs typeface="+mn-cs"/>
+            </a:endParaRPr>
+          </a:p>
+        </p:txBody>
+      </p:sp>
+      <p:sp>
+        <p:nvSpPr>
+          <p:cNvPr id="9" name="Content Placeholder 8">
+            <a:extLst>
+              <a:ext uri="{FF2B5EF4-FFF2-40B4-BE49-F238E27FC236}">
+                <a16:creationId xmlns:a16="http://schemas.microsoft.com/office/drawing/2014/main" id="{AA99009D-D39D-4515-AAED-3C059EE7E8CF}"/>
               </a:ext>
             </a:extLst>
           </p:cNvPr>
@@ -5723,19 +6287,100 @@
             <p:ph idx="1"/>
           </p:nvPr>
         </p:nvSpPr>
-        <p:spPr/>
-        <p:txBody>
-          <a:bodyPr/>
-          <a:lstStyle/>
-          <a:p>
-            <a:endParaRPr lang="en-US"/>
-          </a:p>
-        </p:txBody>
-      </p:sp>
+        <p:spPr>
+          <a:xfrm>
+            <a:off x="411479" y="2688336"/>
+            <a:ext cx="4498848" cy="3584448"/>
+          </a:xfrm>
+        </p:spPr>
+        <p:txBody>
+          <a:bodyPr anchor="t">
+            <a:normAutofit/>
+          </a:bodyPr>
+          <a:lstStyle/>
+          <a:p>
+            <a:r>
+              <a:rPr lang="en-US" sz="1700" dirty="0"/>
+              <a:t>Among the schools where the least percentage of their students received admissions offers, nearly all have 50% or more Black &amp; Latinx student bodies (green).</a:t>
+            </a:r>
+          </a:p>
+        </p:txBody>
+      </p:sp>
+      <p:pic>
+        <p:nvPicPr>
+          <p:cNvPr id="5" name="Content Placeholder 4" descr="A picture containing chart&#10;&#10;Description automatically generated">
+            <a:extLst>
+              <a:ext uri="{FF2B5EF4-FFF2-40B4-BE49-F238E27FC236}">
+                <a16:creationId xmlns:a16="http://schemas.microsoft.com/office/drawing/2014/main" id="{A30EC5EF-2FFE-6D47-976B-D0574034A2E9}"/>
+              </a:ext>
+            </a:extLst>
+          </p:cNvPr>
+          <p:cNvPicPr>
+            <a:picLocks noChangeAspect="1"/>
+          </p:cNvPicPr>
+          <p:nvPr/>
+        </p:nvPicPr>
+        <p:blipFill rotWithShape="1">
+          <a:blip r:embed="rId2"/>
+          <a:srcRect l="16435" r="2" b="2"/>
+          <a:stretch/>
+        </p:blipFill>
+        <p:spPr>
+          <a:xfrm>
+            <a:off x="5308052" y="10"/>
+            <a:ext cx="6883948" cy="6857990"/>
+          </a:xfrm>
+          <a:custGeom>
+            <a:avLst/>
+            <a:gdLst/>
+            <a:ahLst/>
+            <a:cxnLst/>
+            <a:rect l="l" t="t" r="r" b="b"/>
+            <a:pathLst>
+              <a:path w="6883948" h="6858000">
+                <a:moveTo>
+                  <a:pt x="365648" y="0"/>
+                </a:moveTo>
+                <a:lnTo>
+                  <a:pt x="6883948" y="0"/>
+                </a:lnTo>
+                <a:lnTo>
+                  <a:pt x="6883948" y="6858000"/>
+                </a:lnTo>
+                <a:lnTo>
+                  <a:pt x="365648" y="6858000"/>
+                </a:lnTo>
+                <a:lnTo>
+                  <a:pt x="360213" y="6835050"/>
+                </a:lnTo>
+                <a:cubicBezTo>
+                  <a:pt x="128263" y="5788167"/>
+                  <a:pt x="0" y="4637179"/>
+                  <a:pt x="0" y="3429001"/>
+                </a:cubicBezTo>
+                <a:cubicBezTo>
+                  <a:pt x="0" y="2220824"/>
+                  <a:pt x="128263" y="1069835"/>
+                  <a:pt x="360213" y="22952"/>
+                </a:cubicBezTo>
+                <a:close/>
+              </a:path>
+            </a:pathLst>
+          </a:custGeom>
+          <a:effectLst>
+            <a:outerShdw blurRad="50800" dist="38100" dir="10800000" algn="r" rotWithShape="0">
+              <a:schemeClr val="bg1">
+                <a:lumMod val="85000"/>
+                <a:alpha val="30000"/>
+              </a:schemeClr>
+            </a:outerShdw>
+          </a:effectLst>
+        </p:spPr>
+      </p:pic>
     </p:spTree>
     <p:extLst>
       <p:ext uri="{BB962C8B-B14F-4D97-AF65-F5344CB8AC3E}">
-        <p14:creationId xmlns:p14="http://schemas.microsoft.com/office/powerpoint/2010/main" val="2796203050"/>
+        <p14:creationId xmlns:p14="http://schemas.microsoft.com/office/powerpoint/2010/main" val="2181058263"/>
       </p:ext>
     </p:extLst>
   </p:cSld>
@@ -5748,6 +6393,14 @@
 <file path=ppt/slides/slide12.xml><?xml version="1.0" encoding="utf-8"?>
 <p:sld xmlns:a="http://schemas.openxmlformats.org/drawingml/2006/main" xmlns:r="http://schemas.openxmlformats.org/officeDocument/2006/relationships" xmlns:p="http://schemas.openxmlformats.org/presentationml/2006/main">
   <p:cSld>
+    <p:bg>
+      <p:bgPr>
+        <a:solidFill>
+          <a:schemeClr val="bg1"/>
+        </a:solidFill>
+        <a:effectLst/>
+      </p:bgPr>
+    </p:bg>
     <p:spTree>
       <p:nvGrpSpPr>
         <p:cNvPr id="1" name=""/>
@@ -5762,12 +6415,72 @@
           <a:chExt cx="0" cy="0"/>
         </a:xfrm>
       </p:grpSpPr>
+      <p:sp useBgFill="1">
+        <p:nvSpPr>
+          <p:cNvPr id="12" name="Rectangle 11">
+            <a:extLst>
+              <a:ext uri="{FF2B5EF4-FFF2-40B4-BE49-F238E27FC236}">
+                <a16:creationId xmlns:a16="http://schemas.microsoft.com/office/drawing/2014/main" id="{F94AA2BD-2E3F-4B1D-8127-5744B8115311}"/>
+              </a:ext>
+              <a:ext uri="{C183D7F6-B498-43B3-948B-1728B52AA6E4}">
+                <adec:decorative xmlns:adec="http://schemas.microsoft.com/office/drawing/2017/decorative" val="1"/>
+              </a:ext>
+            </a:extLst>
+          </p:cNvPr>
+          <p:cNvSpPr>
+            <a:spLocks noGrp="1" noRot="1" noChangeAspect="1" noMove="1" noResize="1" noEditPoints="1" noAdjustHandles="1" noChangeArrowheads="1" noChangeShapeType="1" noTextEdit="1"/>
+          </p:cNvSpPr>
+          <p:nvPr>
+            <p:extLst>
+              <p:ext uri="{386F3935-93C4-4BCD-93E2-E3B085C9AB24}">
+                <p16:designElem xmlns:p16="http://schemas.microsoft.com/office/powerpoint/2015/main" val="1"/>
+              </p:ext>
+            </p:extLst>
+          </p:nvPr>
+        </p:nvSpPr>
+        <p:spPr>
+          <a:xfrm>
+            <a:off x="0" y="0"/>
+            <a:ext cx="12192000" cy="6858000"/>
+          </a:xfrm>
+          <a:prstGeom prst="rect">
+            <a:avLst/>
+          </a:prstGeom>
+          <a:ln>
+            <a:noFill/>
+          </a:ln>
+        </p:spPr>
+        <p:style>
+          <a:lnRef idx="2">
+            <a:schemeClr val="accent1">
+              <a:shade val="50000"/>
+            </a:schemeClr>
+          </a:lnRef>
+          <a:fillRef idx="1">
+            <a:schemeClr val="accent1"/>
+          </a:fillRef>
+          <a:effectRef idx="0">
+            <a:schemeClr val="accent1"/>
+          </a:effectRef>
+          <a:fontRef idx="minor">
+            <a:schemeClr val="lt1"/>
+          </a:fontRef>
+        </p:style>
+        <p:txBody>
+          <a:bodyPr rtlCol="0" anchor="ctr"/>
+          <a:lstStyle/>
+          <a:p>
+            <a:pPr algn="ctr"/>
+            <a:endParaRPr lang="en-US"/>
+          </a:p>
+        </p:txBody>
+      </p:sp>
       <p:sp>
         <p:nvSpPr>
           <p:cNvPr id="2" name="Title 1">
             <a:extLst>
               <a:ext uri="{FF2B5EF4-FFF2-40B4-BE49-F238E27FC236}">
-                <a16:creationId xmlns:a16="http://schemas.microsoft.com/office/drawing/2014/main" id="{48DEFF4B-6C22-7344-AA5A-51E44FED9FE8}"/>
+                <a16:creationId xmlns:a16="http://schemas.microsoft.com/office/drawing/2014/main" id="{DDBD151B-C849-9642-9794-68B780D8FCE2}"/>
               </a:ext>
             </a:extLst>
           </p:cNvPr>
@@ -5778,24 +6491,219 @@
             <p:ph type="title"/>
           </p:nvPr>
         </p:nvSpPr>
-        <p:spPr/>
-        <p:txBody>
-          <a:bodyPr/>
+        <p:spPr>
+          <a:xfrm>
+            <a:off x="411480" y="987552"/>
+            <a:ext cx="4485861" cy="1088136"/>
+          </a:xfrm>
+        </p:spPr>
+        <p:txBody>
+          <a:bodyPr anchor="b">
+            <a:normAutofit/>
+          </a:bodyPr>
           <a:lstStyle/>
           <a:p>
             <a:r>
-              <a:rPr lang="en-US" dirty="0"/>
-              <a:t>Model Comparison</a:t>
+              <a:rPr lang="en-US" sz="3400"/>
+              <a:t>EDA: Highest Number of Offers</a:t>
             </a:r>
           </a:p>
         </p:txBody>
       </p:sp>
       <p:sp>
         <p:nvSpPr>
-          <p:cNvPr id="3" name="Content Placeholder 2">
-            <a:extLst>
-              <a:ext uri="{FF2B5EF4-FFF2-40B4-BE49-F238E27FC236}">
-                <a16:creationId xmlns:a16="http://schemas.microsoft.com/office/drawing/2014/main" id="{4874994A-DAAB-5B4C-B76D-C8B9BE4B12F2}"/>
+          <p:cNvPr id="14" name="Rectangle 13">
+            <a:extLst>
+              <a:ext uri="{FF2B5EF4-FFF2-40B4-BE49-F238E27FC236}">
+                <a16:creationId xmlns:a16="http://schemas.microsoft.com/office/drawing/2014/main" id="{4BD02261-2DC8-4AA8-9E16-7751AE892445}"/>
+              </a:ext>
+              <a:ext uri="{C183D7F6-B498-43B3-948B-1728B52AA6E4}">
+                <adec:decorative xmlns:adec="http://schemas.microsoft.com/office/drawing/2017/decorative" val="1"/>
+              </a:ext>
+            </a:extLst>
+          </p:cNvPr>
+          <p:cNvSpPr>
+            <a:spLocks noGrp="1" noRot="1" noChangeAspect="1" noMove="1" noResize="1" noEditPoints="1" noAdjustHandles="1" noChangeArrowheads="1" noChangeShapeType="1" noTextEdit="1"/>
+          </p:cNvSpPr>
+          <p:nvPr>
+            <p:extLst>
+              <p:ext uri="{386F3935-93C4-4BCD-93E2-E3B085C9AB24}">
+                <p16:designElem xmlns:p16="http://schemas.microsoft.com/office/powerpoint/2015/main" val="1"/>
+              </p:ext>
+            </p:extLst>
+          </p:nvPr>
+        </p:nvSpPr>
+        <p:spPr>
+          <a:xfrm rot="5400000">
+            <a:off x="649223" y="387939"/>
+            <a:ext cx="73152" cy="548640"/>
+          </a:xfrm>
+          <a:prstGeom prst="rect">
+            <a:avLst/>
+          </a:prstGeom>
+          <a:solidFill>
+            <a:schemeClr val="accent1"/>
+          </a:solidFill>
+          <a:ln>
+            <a:noFill/>
+          </a:ln>
+        </p:spPr>
+        <p:style>
+          <a:lnRef idx="2">
+            <a:schemeClr val="accent1">
+              <a:shade val="50000"/>
+            </a:schemeClr>
+          </a:lnRef>
+          <a:fillRef idx="1">
+            <a:schemeClr val="accent1"/>
+          </a:fillRef>
+          <a:effectRef idx="0">
+            <a:schemeClr val="accent1"/>
+          </a:effectRef>
+          <a:fontRef idx="minor">
+            <a:schemeClr val="lt1"/>
+          </a:fontRef>
+        </p:style>
+        <p:txBody>
+          <a:bodyPr rtlCol="0" anchor="ctr"/>
+          <a:lstStyle/>
+          <a:p>
+            <a:pPr marL="0" marR="0" lvl="0" indent="0" algn="ctr" defTabSz="914400" rtl="0" eaLnBrk="1" fontAlgn="auto" latinLnBrk="0" hangingPunct="1">
+              <a:lnSpc>
+                <a:spcPct val="100000"/>
+              </a:lnSpc>
+              <a:spcBef>
+                <a:spcPts val="0"/>
+              </a:spcBef>
+              <a:spcAft>
+                <a:spcPts val="0"/>
+              </a:spcAft>
+              <a:buClrTx/>
+              <a:buSzTx/>
+              <a:buFontTx/>
+              <a:buNone/>
+              <a:tabLst/>
+              <a:defRPr/>
+            </a:pPr>
+            <a:endParaRPr kumimoji="0" lang="en-US" sz="1800" b="0" i="0" u="none" strike="noStrike" kern="1200" cap="none" spc="0" normalizeH="0" baseline="0" noProof="0">
+              <a:ln>
+                <a:noFill/>
+              </a:ln>
+              <a:solidFill>
+                <a:prstClr val="white"/>
+              </a:solidFill>
+              <a:effectLst/>
+              <a:uLnTx/>
+              <a:uFillTx/>
+              <a:latin typeface="Calibri" panose="020F0502020204030204"/>
+              <a:ea typeface="+mn-ea"/>
+              <a:cs typeface="+mn-cs"/>
+            </a:endParaRPr>
+          </a:p>
+        </p:txBody>
+      </p:sp>
+      <p:sp>
+        <p:nvSpPr>
+          <p:cNvPr id="16" name="Rectangle 15">
+            <a:extLst>
+              <a:ext uri="{FF2B5EF4-FFF2-40B4-BE49-F238E27FC236}">
+                <a16:creationId xmlns:a16="http://schemas.microsoft.com/office/drawing/2014/main" id="{3D752CF2-2291-40B5-B462-C17B174C10BC}"/>
+              </a:ext>
+              <a:ext uri="{C183D7F6-B498-43B3-948B-1728B52AA6E4}">
+                <adec:decorative xmlns:adec="http://schemas.microsoft.com/office/drawing/2017/decorative" val="1"/>
+              </a:ext>
+            </a:extLst>
+          </p:cNvPr>
+          <p:cNvSpPr>
+            <a:spLocks noGrp="1" noRot="1" noChangeAspect="1" noMove="1" noResize="1" noEditPoints="1" noAdjustHandles="1" noChangeArrowheads="1" noChangeShapeType="1" noTextEdit="1"/>
+          </p:cNvSpPr>
+          <p:nvPr>
+            <p:extLst>
+              <p:ext uri="{386F3935-93C4-4BCD-93E2-E3B085C9AB24}">
+                <p16:designElem xmlns:p16="http://schemas.microsoft.com/office/powerpoint/2015/main" val="1"/>
+              </p:ext>
+            </p:extLst>
+          </p:nvPr>
+        </p:nvSpPr>
+        <p:spPr>
+          <a:xfrm>
+            <a:off x="411480" y="2286000"/>
+            <a:ext cx="4389120" cy="18288"/>
+          </a:xfrm>
+          <a:prstGeom prst="rect">
+            <a:avLst/>
+          </a:prstGeom>
+          <a:solidFill>
+            <a:schemeClr val="tx2">
+              <a:lumMod val="25000"/>
+              <a:lumOff val="75000"/>
+            </a:schemeClr>
+          </a:solidFill>
+          <a:ln w="3175">
+            <a:noFill/>
+          </a:ln>
+          <a:effectLst/>
+        </p:spPr>
+        <p:style>
+          <a:lnRef idx="2">
+            <a:schemeClr val="accent1">
+              <a:shade val="50000"/>
+            </a:schemeClr>
+          </a:lnRef>
+          <a:fillRef idx="1">
+            <a:schemeClr val="accent1"/>
+          </a:fillRef>
+          <a:effectRef idx="0">
+            <a:schemeClr val="accent1"/>
+          </a:effectRef>
+          <a:fontRef idx="minor">
+            <a:schemeClr val="lt1"/>
+          </a:fontRef>
+        </p:style>
+        <p:txBody>
+          <a:bodyPr rtlCol="0" anchor="ctr"/>
+          <a:lstStyle/>
+          <a:p>
+            <a:pPr marL="0" marR="0" lvl="0" indent="0" algn="ctr" defTabSz="914400" rtl="0" eaLnBrk="1" fontAlgn="auto" latinLnBrk="0" hangingPunct="1">
+              <a:lnSpc>
+                <a:spcPct val="100000"/>
+              </a:lnSpc>
+              <a:spcBef>
+                <a:spcPts val="0"/>
+              </a:spcBef>
+              <a:spcAft>
+                <a:spcPts val="0"/>
+              </a:spcAft>
+              <a:buClrTx/>
+              <a:buSzTx/>
+              <a:buFontTx/>
+              <a:buNone/>
+              <a:tabLst/>
+              <a:defRPr/>
+            </a:pPr>
+            <a:endParaRPr kumimoji="0" lang="en-US" sz="1800" b="0" i="0" u="none" strike="noStrike" kern="1200" cap="none" spc="0" normalizeH="0" baseline="0" noProof="0">
+              <a:ln>
+                <a:noFill/>
+              </a:ln>
+              <a:solidFill>
+                <a:prstClr val="white"/>
+              </a:solidFill>
+              <a:effectLst/>
+              <a:uLnTx/>
+              <a:uFillTx/>
+              <a:latin typeface="Calibri" panose="020F0502020204030204"/>
+              <a:ea typeface="+mn-ea"/>
+              <a:cs typeface="+mn-cs"/>
+            </a:endParaRPr>
+          </a:p>
+        </p:txBody>
+      </p:sp>
+      <p:sp>
+        <p:nvSpPr>
+          <p:cNvPr id="9" name="Content Placeholder 8">
+            <a:extLst>
+              <a:ext uri="{FF2B5EF4-FFF2-40B4-BE49-F238E27FC236}">
+                <a16:creationId xmlns:a16="http://schemas.microsoft.com/office/drawing/2014/main" id="{0B1418EE-8E75-470F-92AA-C3ACB6DFB774}"/>
               </a:ext>
             </a:extLst>
           </p:cNvPr>
@@ -5806,19 +6714,100 @@
             <p:ph idx="1"/>
           </p:nvPr>
         </p:nvSpPr>
-        <p:spPr/>
-        <p:txBody>
-          <a:bodyPr/>
-          <a:lstStyle/>
-          <a:p>
-            <a:endParaRPr lang="en-US"/>
-          </a:p>
-        </p:txBody>
-      </p:sp>
+        <p:spPr>
+          <a:xfrm>
+            <a:off x="411479" y="2688336"/>
+            <a:ext cx="4498848" cy="3584448"/>
+          </a:xfrm>
+        </p:spPr>
+        <p:txBody>
+          <a:bodyPr anchor="t">
+            <a:normAutofit/>
+          </a:bodyPr>
+          <a:lstStyle/>
+          <a:p>
+            <a:r>
+              <a:rPr lang="en-US" sz="1700" dirty="0"/>
+              <a:t>Among the schools that received the highest number of admissions offers for their test takers, only 1 has a 50+% Black &amp; Latinx student body.</a:t>
+            </a:r>
+          </a:p>
+        </p:txBody>
+      </p:sp>
+      <p:pic>
+        <p:nvPicPr>
+          <p:cNvPr id="5" name="Content Placeholder 4" descr="Chart&#10;&#10;Description automatically generated">
+            <a:extLst>
+              <a:ext uri="{FF2B5EF4-FFF2-40B4-BE49-F238E27FC236}">
+                <a16:creationId xmlns:a16="http://schemas.microsoft.com/office/drawing/2014/main" id="{2601CDBF-3FF2-944C-9D74-B86FF9221BA2}"/>
+              </a:ext>
+            </a:extLst>
+          </p:cNvPr>
+          <p:cNvPicPr>
+            <a:picLocks noChangeAspect="1"/>
+          </p:cNvPicPr>
+          <p:nvPr/>
+        </p:nvPicPr>
+        <p:blipFill rotWithShape="1">
+          <a:blip r:embed="rId2"/>
+          <a:srcRect l="22709" r="-1" b="-1"/>
+          <a:stretch/>
+        </p:blipFill>
+        <p:spPr>
+          <a:xfrm>
+            <a:off x="5308052" y="10"/>
+            <a:ext cx="6883948" cy="6857990"/>
+          </a:xfrm>
+          <a:custGeom>
+            <a:avLst/>
+            <a:gdLst/>
+            <a:ahLst/>
+            <a:cxnLst/>
+            <a:rect l="l" t="t" r="r" b="b"/>
+            <a:pathLst>
+              <a:path w="6883948" h="6858000">
+                <a:moveTo>
+                  <a:pt x="365648" y="0"/>
+                </a:moveTo>
+                <a:lnTo>
+                  <a:pt x="6883948" y="0"/>
+                </a:lnTo>
+                <a:lnTo>
+                  <a:pt x="6883948" y="6858000"/>
+                </a:lnTo>
+                <a:lnTo>
+                  <a:pt x="365648" y="6858000"/>
+                </a:lnTo>
+                <a:lnTo>
+                  <a:pt x="360213" y="6835050"/>
+                </a:lnTo>
+                <a:cubicBezTo>
+                  <a:pt x="128263" y="5788167"/>
+                  <a:pt x="0" y="4637179"/>
+                  <a:pt x="0" y="3429001"/>
+                </a:cubicBezTo>
+                <a:cubicBezTo>
+                  <a:pt x="0" y="2220824"/>
+                  <a:pt x="128263" y="1069835"/>
+                  <a:pt x="360213" y="22952"/>
+                </a:cubicBezTo>
+                <a:close/>
+              </a:path>
+            </a:pathLst>
+          </a:custGeom>
+          <a:effectLst>
+            <a:outerShdw blurRad="50800" dist="38100" dir="10800000" algn="r" rotWithShape="0">
+              <a:schemeClr val="bg1">
+                <a:lumMod val="85000"/>
+                <a:alpha val="30000"/>
+              </a:schemeClr>
+            </a:outerShdw>
+          </a:effectLst>
+        </p:spPr>
+      </p:pic>
     </p:spTree>
     <p:extLst>
       <p:ext uri="{BB962C8B-B14F-4D97-AF65-F5344CB8AC3E}">
-        <p14:creationId xmlns:p14="http://schemas.microsoft.com/office/powerpoint/2010/main" val="3612509354"/>
+        <p14:creationId xmlns:p14="http://schemas.microsoft.com/office/powerpoint/2010/main" val="2796203050"/>
       </p:ext>
     </p:extLst>
   </p:cSld>
@@ -5831,6 +6820,14 @@
 <file path=ppt/slides/slide13.xml><?xml version="1.0" encoding="utf-8"?>
 <p:sld xmlns:a="http://schemas.openxmlformats.org/drawingml/2006/main" xmlns:r="http://schemas.openxmlformats.org/officeDocument/2006/relationships" xmlns:p="http://schemas.openxmlformats.org/presentationml/2006/main">
   <p:cSld>
+    <p:bg>
+      <p:bgPr>
+        <a:solidFill>
+          <a:schemeClr val="bg1"/>
+        </a:solidFill>
+        <a:effectLst/>
+      </p:bgPr>
+    </p:bg>
     <p:spTree>
       <p:nvGrpSpPr>
         <p:cNvPr id="1" name=""/>
@@ -5845,12 +6842,410 @@
           <a:chExt cx="0" cy="0"/>
         </a:xfrm>
       </p:grpSpPr>
+      <p:sp useBgFill="1">
+        <p:nvSpPr>
+          <p:cNvPr id="32" name="Rectangle 31">
+            <a:extLst>
+              <a:ext uri="{FF2B5EF4-FFF2-40B4-BE49-F238E27FC236}">
+                <a16:creationId xmlns:a16="http://schemas.microsoft.com/office/drawing/2014/main" id="{5C9B446A-6343-4E56-90BA-061E4DDF0FFB}"/>
+              </a:ext>
+              <a:ext uri="{C183D7F6-B498-43B3-948B-1728B52AA6E4}">
+                <adec:decorative xmlns:adec="http://schemas.microsoft.com/office/drawing/2017/decorative" val="1"/>
+              </a:ext>
+            </a:extLst>
+          </p:cNvPr>
+          <p:cNvSpPr>
+            <a:spLocks noGrp="1" noRot="1" noChangeAspect="1" noMove="1" noResize="1" noEditPoints="1" noAdjustHandles="1" noChangeArrowheads="1" noChangeShapeType="1" noTextEdit="1"/>
+          </p:cNvSpPr>
+          <p:nvPr>
+            <p:extLst>
+              <p:ext uri="{386F3935-93C4-4BCD-93E2-E3B085C9AB24}">
+                <p16:designElem xmlns:p16="http://schemas.microsoft.com/office/powerpoint/2015/main" val="1"/>
+              </p:ext>
+            </p:extLst>
+          </p:nvPr>
+        </p:nvSpPr>
+        <p:spPr>
+          <a:xfrm>
+            <a:off x="0" y="0"/>
+            <a:ext cx="12192000" cy="6858000"/>
+          </a:xfrm>
+          <a:prstGeom prst="rect">
+            <a:avLst/>
+          </a:prstGeom>
+          <a:ln>
+            <a:noFill/>
+          </a:ln>
+        </p:spPr>
+        <p:style>
+          <a:lnRef idx="2">
+            <a:schemeClr val="accent1">
+              <a:shade val="50000"/>
+            </a:schemeClr>
+          </a:lnRef>
+          <a:fillRef idx="1">
+            <a:schemeClr val="accent1"/>
+          </a:fillRef>
+          <a:effectRef idx="0">
+            <a:schemeClr val="accent1"/>
+          </a:effectRef>
+          <a:fontRef idx="minor">
+            <a:schemeClr val="lt1"/>
+          </a:fontRef>
+        </p:style>
+        <p:txBody>
+          <a:bodyPr rtlCol="0" anchor="ctr"/>
+          <a:lstStyle/>
+          <a:p>
+            <a:pPr algn="ctr"/>
+            <a:endParaRPr lang="en-US"/>
+          </a:p>
+        </p:txBody>
+      </p:sp>
+      <p:sp useBgFill="1">
+        <p:nvSpPr>
+          <p:cNvPr id="34" name="Freeform: Shape 33">
+            <a:extLst>
+              <a:ext uri="{FF2B5EF4-FFF2-40B4-BE49-F238E27FC236}">
+                <a16:creationId xmlns:a16="http://schemas.microsoft.com/office/drawing/2014/main" id="{3EC72A1B-03D3-499C-B4BF-AC68EEC22B10}"/>
+              </a:ext>
+              <a:ext uri="{C183D7F6-B498-43B3-948B-1728B52AA6E4}">
+                <adec:decorative xmlns:adec="http://schemas.microsoft.com/office/drawing/2017/decorative" val="1"/>
+              </a:ext>
+            </a:extLst>
+          </p:cNvPr>
+          <p:cNvSpPr>
+            <a:spLocks noGrp="1" noRot="1" noChangeAspect="1" noMove="1" noResize="1" noEditPoints="1" noAdjustHandles="1" noChangeArrowheads="1" noChangeShapeType="1" noTextEdit="1"/>
+          </p:cNvSpPr>
+          <p:nvPr>
+            <p:extLst>
+              <p:ext uri="{386F3935-93C4-4BCD-93E2-E3B085C9AB24}">
+                <p16:designElem xmlns:p16="http://schemas.microsoft.com/office/powerpoint/2015/main" val="1"/>
+              </p:ext>
+            </p:extLst>
+          </p:nvPr>
+        </p:nvSpPr>
+        <p:spPr>
+          <a:xfrm>
+            <a:off x="-1" y="0"/>
+            <a:ext cx="4455673" cy="6858000"/>
+          </a:xfrm>
+          <a:custGeom>
+            <a:avLst/>
+            <a:gdLst>
+              <a:gd name="connsiteX0" fmla="*/ 0 w 4455673"/>
+              <a:gd name="connsiteY0" fmla="*/ 0 h 6858000"/>
+              <a:gd name="connsiteX1" fmla="*/ 3242695 w 4455673"/>
+              <a:gd name="connsiteY1" fmla="*/ 0 h 6858000"/>
+              <a:gd name="connsiteX2" fmla="*/ 3305678 w 4455673"/>
+              <a:gd name="connsiteY2" fmla="*/ 69271 h 6858000"/>
+              <a:gd name="connsiteX3" fmla="*/ 4455673 w 4455673"/>
+              <a:gd name="connsiteY3" fmla="*/ 3429000 h 6858000"/>
+              <a:gd name="connsiteX4" fmla="*/ 3305678 w 4455673"/>
+              <a:gd name="connsiteY4" fmla="*/ 6788730 h 6858000"/>
+              <a:gd name="connsiteX5" fmla="*/ 3242695 w 4455673"/>
+              <a:gd name="connsiteY5" fmla="*/ 6858000 h 6858000"/>
+              <a:gd name="connsiteX6" fmla="*/ 0 w 4455673"/>
+              <a:gd name="connsiteY6" fmla="*/ 6858000 h 6858000"/>
+            </a:gdLst>
+            <a:ahLst/>
+            <a:cxnLst>
+              <a:cxn ang="0">
+                <a:pos x="connsiteX0" y="connsiteY0"/>
+              </a:cxn>
+              <a:cxn ang="0">
+                <a:pos x="connsiteX1" y="connsiteY1"/>
+              </a:cxn>
+              <a:cxn ang="0">
+                <a:pos x="connsiteX2" y="connsiteY2"/>
+              </a:cxn>
+              <a:cxn ang="0">
+                <a:pos x="connsiteX3" y="connsiteY3"/>
+              </a:cxn>
+              <a:cxn ang="0">
+                <a:pos x="connsiteX4" y="connsiteY4"/>
+              </a:cxn>
+              <a:cxn ang="0">
+                <a:pos x="connsiteX5" y="connsiteY5"/>
+              </a:cxn>
+              <a:cxn ang="0">
+                <a:pos x="connsiteX6" y="connsiteY6"/>
+              </a:cxn>
+            </a:cxnLst>
+            <a:rect l="l" t="t" r="r" b="b"/>
+            <a:pathLst>
+              <a:path w="4455673" h="6858000">
+                <a:moveTo>
+                  <a:pt x="0" y="0"/>
+                </a:moveTo>
+                <a:lnTo>
+                  <a:pt x="3242695" y="0"/>
+                </a:lnTo>
+                <a:lnTo>
+                  <a:pt x="3305678" y="69271"/>
+                </a:lnTo>
+                <a:cubicBezTo>
+                  <a:pt x="4016204" y="929100"/>
+                  <a:pt x="4455673" y="2116944"/>
+                  <a:pt x="4455673" y="3429000"/>
+                </a:cubicBezTo>
+                <a:cubicBezTo>
+                  <a:pt x="4455673" y="4741056"/>
+                  <a:pt x="4016204" y="5928900"/>
+                  <a:pt x="3305678" y="6788730"/>
+                </a:cubicBezTo>
+                <a:lnTo>
+                  <a:pt x="3242695" y="6858000"/>
+                </a:lnTo>
+                <a:lnTo>
+                  <a:pt x="0" y="6858000"/>
+                </a:lnTo>
+                <a:close/>
+              </a:path>
+            </a:pathLst>
+          </a:custGeom>
+          <a:ln w="9525">
+            <a:solidFill>
+              <a:schemeClr val="tx2">
+                <a:lumMod val="10000"/>
+                <a:lumOff val="90000"/>
+              </a:schemeClr>
+            </a:solidFill>
+          </a:ln>
+          <a:effectLst>
+            <a:outerShdw blurRad="50800" dist="38100" algn="l" rotWithShape="0">
+              <a:schemeClr val="bg1">
+                <a:lumMod val="85000"/>
+                <a:alpha val="30000"/>
+              </a:schemeClr>
+            </a:outerShdw>
+          </a:effectLst>
+        </p:spPr>
+        <p:style>
+          <a:lnRef idx="2">
+            <a:schemeClr val="accent1">
+              <a:shade val="50000"/>
+            </a:schemeClr>
+          </a:lnRef>
+          <a:fillRef idx="1">
+            <a:schemeClr val="accent1"/>
+          </a:fillRef>
+          <a:effectRef idx="0">
+            <a:schemeClr val="accent1"/>
+          </a:effectRef>
+          <a:fontRef idx="minor">
+            <a:schemeClr val="lt1"/>
+          </a:fontRef>
+        </p:style>
+        <p:txBody>
+          <a:bodyPr wrap="square" rtlCol="0" anchor="ctr">
+            <a:noAutofit/>
+          </a:bodyPr>
+          <a:lstStyle/>
+          <a:p>
+            <a:pPr marL="0" marR="0" lvl="0" indent="0" algn="ctr" defTabSz="914400" rtl="0" eaLnBrk="1" fontAlgn="auto" latinLnBrk="0" hangingPunct="1">
+              <a:lnSpc>
+                <a:spcPct val="100000"/>
+              </a:lnSpc>
+              <a:spcBef>
+                <a:spcPts val="0"/>
+              </a:spcBef>
+              <a:spcAft>
+                <a:spcPts val="0"/>
+              </a:spcAft>
+              <a:buClrTx/>
+              <a:buSzTx/>
+              <a:buFontTx/>
+              <a:buNone/>
+              <a:tabLst/>
+              <a:defRPr/>
+            </a:pPr>
+            <a:endParaRPr kumimoji="0" lang="en-US" sz="1800" b="0" i="0" u="none" strike="noStrike" kern="1200" cap="none" spc="0" normalizeH="0" baseline="0" noProof="0">
+              <a:ln>
+                <a:noFill/>
+              </a:ln>
+              <a:solidFill>
+                <a:prstClr val="white"/>
+              </a:solidFill>
+              <a:effectLst/>
+              <a:uLnTx/>
+              <a:uFillTx/>
+              <a:latin typeface="Calibri" panose="020F0502020204030204"/>
+              <a:ea typeface="+mn-ea"/>
+              <a:cs typeface="+mn-cs"/>
+            </a:endParaRPr>
+          </a:p>
+        </p:txBody>
+      </p:sp>
+      <p:sp useBgFill="1">
+        <p:nvSpPr>
+          <p:cNvPr id="36" name="Freeform: Shape 35">
+            <a:extLst>
+              <a:ext uri="{FF2B5EF4-FFF2-40B4-BE49-F238E27FC236}">
+                <a16:creationId xmlns:a16="http://schemas.microsoft.com/office/drawing/2014/main" id="{216322C2-3CF0-4D33-BF90-3F384CF6D232}"/>
+              </a:ext>
+              <a:ext uri="{C183D7F6-B498-43B3-948B-1728B52AA6E4}">
+                <adec:decorative xmlns:adec="http://schemas.microsoft.com/office/drawing/2017/decorative" val="1"/>
+              </a:ext>
+            </a:extLst>
+          </p:cNvPr>
+          <p:cNvSpPr>
+            <a:spLocks noGrp="1" noRot="1" noChangeAspect="1" noMove="1" noResize="1" noEditPoints="1" noAdjustHandles="1" noChangeArrowheads="1" noChangeShapeType="1" noTextEdit="1"/>
+          </p:cNvSpPr>
+          <p:nvPr>
+            <p:extLst>
+              <p:ext uri="{386F3935-93C4-4BCD-93E2-E3B085C9AB24}">
+                <p16:designElem xmlns:p16="http://schemas.microsoft.com/office/powerpoint/2015/main" val="1"/>
+              </p:ext>
+            </p:extLst>
+          </p:nvPr>
+        </p:nvSpPr>
+        <p:spPr>
+          <a:xfrm>
+            <a:off x="0" y="0"/>
+            <a:ext cx="4446529" cy="6858000"/>
+          </a:xfrm>
+          <a:custGeom>
+            <a:avLst/>
+            <a:gdLst>
+              <a:gd name="connsiteX0" fmla="*/ 0 w 4446529"/>
+              <a:gd name="connsiteY0" fmla="*/ 0 h 6858000"/>
+              <a:gd name="connsiteX1" fmla="*/ 3233551 w 4446529"/>
+              <a:gd name="connsiteY1" fmla="*/ 0 h 6858000"/>
+              <a:gd name="connsiteX2" fmla="*/ 3296534 w 4446529"/>
+              <a:gd name="connsiteY2" fmla="*/ 69271 h 6858000"/>
+              <a:gd name="connsiteX3" fmla="*/ 4446529 w 4446529"/>
+              <a:gd name="connsiteY3" fmla="*/ 3429000 h 6858000"/>
+              <a:gd name="connsiteX4" fmla="*/ 3296534 w 4446529"/>
+              <a:gd name="connsiteY4" fmla="*/ 6788730 h 6858000"/>
+              <a:gd name="connsiteX5" fmla="*/ 3233551 w 4446529"/>
+              <a:gd name="connsiteY5" fmla="*/ 6858000 h 6858000"/>
+              <a:gd name="connsiteX6" fmla="*/ 0 w 4446529"/>
+              <a:gd name="connsiteY6" fmla="*/ 6858000 h 6858000"/>
+            </a:gdLst>
+            <a:ahLst/>
+            <a:cxnLst>
+              <a:cxn ang="0">
+                <a:pos x="connsiteX0" y="connsiteY0"/>
+              </a:cxn>
+              <a:cxn ang="0">
+                <a:pos x="connsiteX1" y="connsiteY1"/>
+              </a:cxn>
+              <a:cxn ang="0">
+                <a:pos x="connsiteX2" y="connsiteY2"/>
+              </a:cxn>
+              <a:cxn ang="0">
+                <a:pos x="connsiteX3" y="connsiteY3"/>
+              </a:cxn>
+              <a:cxn ang="0">
+                <a:pos x="connsiteX4" y="connsiteY4"/>
+              </a:cxn>
+              <a:cxn ang="0">
+                <a:pos x="connsiteX5" y="connsiteY5"/>
+              </a:cxn>
+              <a:cxn ang="0">
+                <a:pos x="connsiteX6" y="connsiteY6"/>
+              </a:cxn>
+            </a:cxnLst>
+            <a:rect l="l" t="t" r="r" b="b"/>
+            <a:pathLst>
+              <a:path w="4446529" h="6858000">
+                <a:moveTo>
+                  <a:pt x="0" y="0"/>
+                </a:moveTo>
+                <a:lnTo>
+                  <a:pt x="3233551" y="0"/>
+                </a:lnTo>
+                <a:lnTo>
+                  <a:pt x="3296534" y="69271"/>
+                </a:lnTo>
+                <a:cubicBezTo>
+                  <a:pt x="4007060" y="929100"/>
+                  <a:pt x="4446529" y="2116944"/>
+                  <a:pt x="4446529" y="3429000"/>
+                </a:cubicBezTo>
+                <a:cubicBezTo>
+                  <a:pt x="4446529" y="4741056"/>
+                  <a:pt x="4007060" y="5928900"/>
+                  <a:pt x="3296534" y="6788730"/>
+                </a:cubicBezTo>
+                <a:lnTo>
+                  <a:pt x="3233551" y="6858000"/>
+                </a:lnTo>
+                <a:lnTo>
+                  <a:pt x="0" y="6858000"/>
+                </a:lnTo>
+                <a:close/>
+              </a:path>
+            </a:pathLst>
+          </a:custGeom>
+          <a:ln w="9525">
+            <a:noFill/>
+          </a:ln>
+          <a:effectLst/>
+        </p:spPr>
+        <p:style>
+          <a:lnRef idx="2">
+            <a:schemeClr val="accent1">
+              <a:shade val="50000"/>
+            </a:schemeClr>
+          </a:lnRef>
+          <a:fillRef idx="1">
+            <a:schemeClr val="accent1"/>
+          </a:fillRef>
+          <a:effectRef idx="0">
+            <a:schemeClr val="accent1"/>
+          </a:effectRef>
+          <a:fontRef idx="minor">
+            <a:schemeClr val="lt1"/>
+          </a:fontRef>
+        </p:style>
+        <p:txBody>
+          <a:bodyPr wrap="square" rtlCol="0" anchor="ctr">
+            <a:noAutofit/>
+          </a:bodyPr>
+          <a:lstStyle/>
+          <a:p>
+            <a:pPr marL="0" marR="0" lvl="0" indent="0" algn="ctr" defTabSz="914400" rtl="0" eaLnBrk="1" fontAlgn="auto" latinLnBrk="0" hangingPunct="1">
+              <a:lnSpc>
+                <a:spcPct val="100000"/>
+              </a:lnSpc>
+              <a:spcBef>
+                <a:spcPts val="0"/>
+              </a:spcBef>
+              <a:spcAft>
+                <a:spcPts val="0"/>
+              </a:spcAft>
+              <a:buClrTx/>
+              <a:buSzTx/>
+              <a:buFontTx/>
+              <a:buNone/>
+              <a:tabLst/>
+              <a:defRPr/>
+            </a:pPr>
+            <a:endParaRPr kumimoji="0" lang="en-US" sz="1800" b="0" i="0" u="none" strike="noStrike" kern="1200" cap="none" spc="0" normalizeH="0" baseline="0" noProof="0">
+              <a:ln>
+                <a:noFill/>
+              </a:ln>
+              <a:solidFill>
+                <a:prstClr val="white"/>
+              </a:solidFill>
+              <a:effectLst/>
+              <a:uLnTx/>
+              <a:uFillTx/>
+              <a:latin typeface="Calibri" panose="020F0502020204030204"/>
+              <a:ea typeface="+mn-ea"/>
+              <a:cs typeface="+mn-cs"/>
+            </a:endParaRPr>
+          </a:p>
+        </p:txBody>
+      </p:sp>
       <p:sp>
         <p:nvSpPr>
           <p:cNvPr id="2" name="Title 1">
             <a:extLst>
               <a:ext uri="{FF2B5EF4-FFF2-40B4-BE49-F238E27FC236}">
-                <a16:creationId xmlns:a16="http://schemas.microsoft.com/office/drawing/2014/main" id="{CC428867-EB96-F549-A0DC-64F0FF92162F}"/>
+                <a16:creationId xmlns:a16="http://schemas.microsoft.com/office/drawing/2014/main" id="{48DEFF4B-6C22-7344-AA5A-51E44FED9FE8}"/>
               </a:ext>
             </a:extLst>
           </p:cNvPr>
@@ -5861,24 +7256,219 @@
             <p:ph type="title"/>
           </p:nvPr>
         </p:nvSpPr>
-        <p:spPr/>
-        <p:txBody>
-          <a:bodyPr/>
+        <p:spPr>
+          <a:xfrm>
+            <a:off x="371094" y="1161288"/>
+            <a:ext cx="3438144" cy="1124712"/>
+          </a:xfrm>
+        </p:spPr>
+        <p:txBody>
+          <a:bodyPr anchor="b">
+            <a:normAutofit/>
+          </a:bodyPr>
           <a:lstStyle/>
           <a:p>
             <a:r>
-              <a:rPr lang="en-US" dirty="0"/>
-              <a:t>Recommendation #1</a:t>
+              <a:rPr lang="en-US" sz="2800"/>
+              <a:t>Model Comparison</a:t>
             </a:r>
           </a:p>
         </p:txBody>
       </p:sp>
       <p:sp>
         <p:nvSpPr>
-          <p:cNvPr id="3" name="Content Placeholder 2">
-            <a:extLst>
-              <a:ext uri="{FF2B5EF4-FFF2-40B4-BE49-F238E27FC236}">
-                <a16:creationId xmlns:a16="http://schemas.microsoft.com/office/drawing/2014/main" id="{DD196E2B-493C-2845-AAEA-6DBEA4B59920}"/>
+          <p:cNvPr id="38" name="Rectangle 37">
+            <a:extLst>
+              <a:ext uri="{FF2B5EF4-FFF2-40B4-BE49-F238E27FC236}">
+                <a16:creationId xmlns:a16="http://schemas.microsoft.com/office/drawing/2014/main" id="{55D4142C-5077-457F-A6AD-3FECFDB39685}"/>
+              </a:ext>
+              <a:ext uri="{C183D7F6-B498-43B3-948B-1728B52AA6E4}">
+                <adec:decorative xmlns:adec="http://schemas.microsoft.com/office/drawing/2017/decorative" val="1"/>
+              </a:ext>
+            </a:extLst>
+          </p:cNvPr>
+          <p:cNvSpPr>
+            <a:spLocks noGrp="1" noRot="1" noChangeAspect="1" noMove="1" noResize="1" noEditPoints="1" noAdjustHandles="1" noChangeArrowheads="1" noChangeShapeType="1" noTextEdit="1"/>
+          </p:cNvSpPr>
+          <p:nvPr>
+            <p:extLst>
+              <p:ext uri="{386F3935-93C4-4BCD-93E2-E3B085C9AB24}">
+                <p16:designElem xmlns:p16="http://schemas.microsoft.com/office/powerpoint/2015/main" val="1"/>
+              </p:ext>
+            </p:extLst>
+          </p:nvPr>
+        </p:nvSpPr>
+        <p:spPr>
+          <a:xfrm rot="5400000">
+            <a:off x="662559" y="605790"/>
+            <a:ext cx="73152" cy="548640"/>
+          </a:xfrm>
+          <a:prstGeom prst="rect">
+            <a:avLst/>
+          </a:prstGeom>
+          <a:solidFill>
+            <a:schemeClr val="accent1"/>
+          </a:solidFill>
+          <a:ln>
+            <a:noFill/>
+          </a:ln>
+        </p:spPr>
+        <p:style>
+          <a:lnRef idx="2">
+            <a:schemeClr val="accent1">
+              <a:shade val="50000"/>
+            </a:schemeClr>
+          </a:lnRef>
+          <a:fillRef idx="1">
+            <a:schemeClr val="accent1"/>
+          </a:fillRef>
+          <a:effectRef idx="0">
+            <a:schemeClr val="accent1"/>
+          </a:effectRef>
+          <a:fontRef idx="minor">
+            <a:schemeClr val="lt1"/>
+          </a:fontRef>
+        </p:style>
+        <p:txBody>
+          <a:bodyPr rtlCol="0" anchor="ctr"/>
+          <a:lstStyle/>
+          <a:p>
+            <a:pPr marL="0" marR="0" lvl="0" indent="0" algn="ctr" defTabSz="914400" rtl="0" eaLnBrk="1" fontAlgn="auto" latinLnBrk="0" hangingPunct="1">
+              <a:lnSpc>
+                <a:spcPct val="100000"/>
+              </a:lnSpc>
+              <a:spcBef>
+                <a:spcPts val="0"/>
+              </a:spcBef>
+              <a:spcAft>
+                <a:spcPts val="0"/>
+              </a:spcAft>
+              <a:buClrTx/>
+              <a:buSzTx/>
+              <a:buFontTx/>
+              <a:buNone/>
+              <a:tabLst/>
+              <a:defRPr/>
+            </a:pPr>
+            <a:endParaRPr kumimoji="0" lang="en-US" sz="1800" b="0" i="0" u="none" strike="noStrike" kern="1200" cap="none" spc="0" normalizeH="0" baseline="0" noProof="0">
+              <a:ln>
+                <a:noFill/>
+              </a:ln>
+              <a:solidFill>
+                <a:prstClr val="white"/>
+              </a:solidFill>
+              <a:effectLst/>
+              <a:uLnTx/>
+              <a:uFillTx/>
+              <a:latin typeface="Calibri" panose="020F0502020204030204"/>
+              <a:ea typeface="+mn-ea"/>
+              <a:cs typeface="+mn-cs"/>
+            </a:endParaRPr>
+          </a:p>
+        </p:txBody>
+      </p:sp>
+      <p:sp>
+        <p:nvSpPr>
+          <p:cNvPr id="40" name="Rectangle 39">
+            <a:extLst>
+              <a:ext uri="{FF2B5EF4-FFF2-40B4-BE49-F238E27FC236}">
+                <a16:creationId xmlns:a16="http://schemas.microsoft.com/office/drawing/2014/main" id="{7A5F0580-5EE9-419F-96EE-B6529EF6E7D0}"/>
+              </a:ext>
+              <a:ext uri="{C183D7F6-B498-43B3-948B-1728B52AA6E4}">
+                <adec:decorative xmlns:adec="http://schemas.microsoft.com/office/drawing/2017/decorative" val="1"/>
+              </a:ext>
+            </a:extLst>
+          </p:cNvPr>
+          <p:cNvSpPr>
+            <a:spLocks noGrp="1" noRot="1" noChangeAspect="1" noMove="1" noResize="1" noEditPoints="1" noAdjustHandles="1" noChangeArrowheads="1" noChangeShapeType="1" noTextEdit="1"/>
+          </p:cNvSpPr>
+          <p:nvPr>
+            <p:extLst>
+              <p:ext uri="{386F3935-93C4-4BCD-93E2-E3B085C9AB24}">
+                <p16:designElem xmlns:p16="http://schemas.microsoft.com/office/powerpoint/2015/main" val="1"/>
+              </p:ext>
+            </p:extLst>
+          </p:nvPr>
+        </p:nvSpPr>
+        <p:spPr>
+          <a:xfrm>
+            <a:off x="428244" y="2443480"/>
+            <a:ext cx="3337560" cy="18288"/>
+          </a:xfrm>
+          <a:prstGeom prst="rect">
+            <a:avLst/>
+          </a:prstGeom>
+          <a:solidFill>
+            <a:schemeClr val="tx2">
+              <a:lumMod val="25000"/>
+              <a:lumOff val="75000"/>
+            </a:schemeClr>
+          </a:solidFill>
+          <a:ln w="3175">
+            <a:noFill/>
+          </a:ln>
+          <a:effectLst/>
+        </p:spPr>
+        <p:style>
+          <a:lnRef idx="2">
+            <a:schemeClr val="accent1">
+              <a:shade val="50000"/>
+            </a:schemeClr>
+          </a:lnRef>
+          <a:fillRef idx="1">
+            <a:schemeClr val="accent1"/>
+          </a:fillRef>
+          <a:effectRef idx="0">
+            <a:schemeClr val="accent1"/>
+          </a:effectRef>
+          <a:fontRef idx="minor">
+            <a:schemeClr val="lt1"/>
+          </a:fontRef>
+        </p:style>
+        <p:txBody>
+          <a:bodyPr rtlCol="0" anchor="ctr"/>
+          <a:lstStyle/>
+          <a:p>
+            <a:pPr marL="0" marR="0" lvl="0" indent="0" algn="ctr" defTabSz="914400" rtl="0" eaLnBrk="1" fontAlgn="auto" latinLnBrk="0" hangingPunct="1">
+              <a:lnSpc>
+                <a:spcPct val="100000"/>
+              </a:lnSpc>
+              <a:spcBef>
+                <a:spcPts val="0"/>
+              </a:spcBef>
+              <a:spcAft>
+                <a:spcPts val="0"/>
+              </a:spcAft>
+              <a:buClrTx/>
+              <a:buSzTx/>
+              <a:buFontTx/>
+              <a:buNone/>
+              <a:tabLst/>
+              <a:defRPr/>
+            </a:pPr>
+            <a:endParaRPr kumimoji="0" lang="en-US" sz="1800" b="0" i="0" u="none" strike="noStrike" kern="1200" cap="none" spc="0" normalizeH="0" baseline="0" noProof="0">
+              <a:ln>
+                <a:noFill/>
+              </a:ln>
+              <a:solidFill>
+                <a:prstClr val="white"/>
+              </a:solidFill>
+              <a:effectLst/>
+              <a:uLnTx/>
+              <a:uFillTx/>
+              <a:latin typeface="Calibri" panose="020F0502020204030204"/>
+              <a:ea typeface="+mn-ea"/>
+              <a:cs typeface="+mn-cs"/>
+            </a:endParaRPr>
+          </a:p>
+        </p:txBody>
+      </p:sp>
+      <p:sp>
+        <p:nvSpPr>
+          <p:cNvPr id="9" name="Content Placeholder 8">
+            <a:extLst>
+              <a:ext uri="{FF2B5EF4-FFF2-40B4-BE49-F238E27FC236}">
+                <a16:creationId xmlns:a16="http://schemas.microsoft.com/office/drawing/2014/main" id="{51FCE473-7B24-4C12-80F3-E2F0A18E4322}"/>
               </a:ext>
             </a:extLst>
           </p:cNvPr>
@@ -5889,19 +7479,82 @@
             <p:ph idx="1"/>
           </p:nvPr>
         </p:nvSpPr>
-        <p:spPr/>
-        <p:txBody>
-          <a:bodyPr/>
-          <a:lstStyle/>
-          <a:p>
-            <a:endParaRPr lang="en-US"/>
-          </a:p>
-        </p:txBody>
-      </p:sp>
+        <p:spPr>
+          <a:xfrm>
+            <a:off x="371094" y="2718054"/>
+            <a:ext cx="3438906" cy="3207258"/>
+          </a:xfrm>
+        </p:spPr>
+        <p:txBody>
+          <a:bodyPr anchor="t">
+            <a:normAutofit/>
+          </a:bodyPr>
+          <a:lstStyle/>
+          <a:p>
+            <a:pPr>
+              <a:lnSpc>
+                <a:spcPct val="100000"/>
+              </a:lnSpc>
+            </a:pPr>
+            <a:r>
+              <a:rPr lang="en-US" sz="1400"/>
+              <a:t>I compared 3 different regression models and an ensemble method to determine which approach produced accurate results of predicting the number of offers a schools received.</a:t>
+            </a:r>
+          </a:p>
+          <a:p>
+            <a:pPr>
+              <a:lnSpc>
+                <a:spcPct val="100000"/>
+              </a:lnSpc>
+            </a:pPr>
+            <a:r>
+              <a:rPr lang="en-US" sz="1400"/>
+              <a:t>I determined that the ensemble method’s (Voting) 3% increase in accuracy wasn’t worth the trade off of more time/complexity of the simpler linear regression (OLS).</a:t>
+            </a:r>
+          </a:p>
+        </p:txBody>
+      </p:sp>
+      <p:pic>
+        <p:nvPicPr>
+          <p:cNvPr id="5" name="Content Placeholder 4" descr="Chart, scatter chart&#10;&#10;Description automatically generated">
+            <a:extLst>
+              <a:ext uri="{FF2B5EF4-FFF2-40B4-BE49-F238E27FC236}">
+                <a16:creationId xmlns:a16="http://schemas.microsoft.com/office/drawing/2014/main" id="{FE0760C2-5A00-3B44-80A4-9D4FAE0EBDF2}"/>
+              </a:ext>
+            </a:extLst>
+          </p:cNvPr>
+          <p:cNvPicPr>
+            <a:picLocks noChangeAspect="1"/>
+          </p:cNvPicPr>
+          <p:nvPr/>
+        </p:nvPicPr>
+        <p:blipFill>
+          <a:blip r:embed="rId2"/>
+          <a:stretch>
+            <a:fillRect/>
+          </a:stretch>
+        </p:blipFill>
+        <p:spPr>
+          <a:xfrm>
+            <a:off x="4552870" y="970956"/>
+            <a:ext cx="7614134" cy="5025328"/>
+          </a:xfrm>
+          <a:prstGeom prst="rect">
+            <a:avLst/>
+          </a:prstGeom>
+          <a:ln>
+            <a:solidFill>
+              <a:schemeClr val="bg1">
+                <a:lumMod val="85000"/>
+              </a:schemeClr>
+            </a:solidFill>
+          </a:ln>
+        </p:spPr>
+      </p:pic>
     </p:spTree>
     <p:extLst>
       <p:ext uri="{BB962C8B-B14F-4D97-AF65-F5344CB8AC3E}">
-        <p14:creationId xmlns:p14="http://schemas.microsoft.com/office/powerpoint/2010/main" val="3303986192"/>
+        <p14:creationId xmlns:p14="http://schemas.microsoft.com/office/powerpoint/2010/main" val="3612509354"/>
       </p:ext>
     </p:extLst>
   </p:cSld>
@@ -5914,6 +7567,14 @@
 <file path=ppt/slides/slide14.xml><?xml version="1.0" encoding="utf-8"?>
 <p:sld xmlns:a="http://schemas.openxmlformats.org/drawingml/2006/main" xmlns:r="http://schemas.openxmlformats.org/officeDocument/2006/relationships" xmlns:p="http://schemas.openxmlformats.org/presentationml/2006/main">
   <p:cSld>
+    <p:bg>
+      <p:bgPr>
+        <a:solidFill>
+          <a:schemeClr val="bg1"/>
+        </a:solidFill>
+        <a:effectLst/>
+      </p:bgPr>
+    </p:bg>
     <p:spTree>
       <p:nvGrpSpPr>
         <p:cNvPr id="1" name=""/>
@@ -5928,12 +7589,410 @@
           <a:chExt cx="0" cy="0"/>
         </a:xfrm>
       </p:grpSpPr>
+      <p:sp useBgFill="1">
+        <p:nvSpPr>
+          <p:cNvPr id="62" name="Rectangle 54">
+            <a:extLst>
+              <a:ext uri="{FF2B5EF4-FFF2-40B4-BE49-F238E27FC236}">
+                <a16:creationId xmlns:a16="http://schemas.microsoft.com/office/drawing/2014/main" id="{5C9B446A-6343-4E56-90BA-061E4DDF0FFB}"/>
+              </a:ext>
+              <a:ext uri="{C183D7F6-B498-43B3-948B-1728B52AA6E4}">
+                <adec:decorative xmlns:adec="http://schemas.microsoft.com/office/drawing/2017/decorative" val="1"/>
+              </a:ext>
+            </a:extLst>
+          </p:cNvPr>
+          <p:cNvSpPr>
+            <a:spLocks noGrp="1" noRot="1" noChangeAspect="1" noMove="1" noResize="1" noEditPoints="1" noAdjustHandles="1" noChangeArrowheads="1" noChangeShapeType="1" noTextEdit="1"/>
+          </p:cNvSpPr>
+          <p:nvPr>
+            <p:extLst>
+              <p:ext uri="{386F3935-93C4-4BCD-93E2-E3B085C9AB24}">
+                <p16:designElem xmlns:p16="http://schemas.microsoft.com/office/powerpoint/2015/main" val="1"/>
+              </p:ext>
+            </p:extLst>
+          </p:nvPr>
+        </p:nvSpPr>
+        <p:spPr>
+          <a:xfrm>
+            <a:off x="0" y="0"/>
+            <a:ext cx="12192000" cy="6858000"/>
+          </a:xfrm>
+          <a:prstGeom prst="rect">
+            <a:avLst/>
+          </a:prstGeom>
+          <a:ln>
+            <a:noFill/>
+          </a:ln>
+        </p:spPr>
+        <p:style>
+          <a:lnRef idx="2">
+            <a:schemeClr val="accent1">
+              <a:shade val="50000"/>
+            </a:schemeClr>
+          </a:lnRef>
+          <a:fillRef idx="1">
+            <a:schemeClr val="accent1"/>
+          </a:fillRef>
+          <a:effectRef idx="0">
+            <a:schemeClr val="accent1"/>
+          </a:effectRef>
+          <a:fontRef idx="minor">
+            <a:schemeClr val="lt1"/>
+          </a:fontRef>
+        </p:style>
+        <p:txBody>
+          <a:bodyPr rtlCol="0" anchor="ctr"/>
+          <a:lstStyle/>
+          <a:p>
+            <a:pPr algn="ctr"/>
+            <a:endParaRPr lang="en-US"/>
+          </a:p>
+        </p:txBody>
+      </p:sp>
+      <p:sp useBgFill="1">
+        <p:nvSpPr>
+          <p:cNvPr id="64" name="Freeform: Shape 56">
+            <a:extLst>
+              <a:ext uri="{FF2B5EF4-FFF2-40B4-BE49-F238E27FC236}">
+                <a16:creationId xmlns:a16="http://schemas.microsoft.com/office/drawing/2014/main" id="{3EC72A1B-03D3-499C-B4BF-AC68EEC22B10}"/>
+              </a:ext>
+              <a:ext uri="{C183D7F6-B498-43B3-948B-1728B52AA6E4}">
+                <adec:decorative xmlns:adec="http://schemas.microsoft.com/office/drawing/2017/decorative" val="1"/>
+              </a:ext>
+            </a:extLst>
+          </p:cNvPr>
+          <p:cNvSpPr>
+            <a:spLocks noGrp="1" noRot="1" noChangeAspect="1" noMove="1" noResize="1" noEditPoints="1" noAdjustHandles="1" noChangeArrowheads="1" noChangeShapeType="1" noTextEdit="1"/>
+          </p:cNvSpPr>
+          <p:nvPr>
+            <p:extLst>
+              <p:ext uri="{386F3935-93C4-4BCD-93E2-E3B085C9AB24}">
+                <p16:designElem xmlns:p16="http://schemas.microsoft.com/office/powerpoint/2015/main" val="1"/>
+              </p:ext>
+            </p:extLst>
+          </p:nvPr>
+        </p:nvSpPr>
+        <p:spPr>
+          <a:xfrm>
+            <a:off x="-1" y="0"/>
+            <a:ext cx="4455673" cy="6858000"/>
+          </a:xfrm>
+          <a:custGeom>
+            <a:avLst/>
+            <a:gdLst>
+              <a:gd name="connsiteX0" fmla="*/ 0 w 4455673"/>
+              <a:gd name="connsiteY0" fmla="*/ 0 h 6858000"/>
+              <a:gd name="connsiteX1" fmla="*/ 3242695 w 4455673"/>
+              <a:gd name="connsiteY1" fmla="*/ 0 h 6858000"/>
+              <a:gd name="connsiteX2" fmla="*/ 3305678 w 4455673"/>
+              <a:gd name="connsiteY2" fmla="*/ 69271 h 6858000"/>
+              <a:gd name="connsiteX3" fmla="*/ 4455673 w 4455673"/>
+              <a:gd name="connsiteY3" fmla="*/ 3429000 h 6858000"/>
+              <a:gd name="connsiteX4" fmla="*/ 3305678 w 4455673"/>
+              <a:gd name="connsiteY4" fmla="*/ 6788730 h 6858000"/>
+              <a:gd name="connsiteX5" fmla="*/ 3242695 w 4455673"/>
+              <a:gd name="connsiteY5" fmla="*/ 6858000 h 6858000"/>
+              <a:gd name="connsiteX6" fmla="*/ 0 w 4455673"/>
+              <a:gd name="connsiteY6" fmla="*/ 6858000 h 6858000"/>
+            </a:gdLst>
+            <a:ahLst/>
+            <a:cxnLst>
+              <a:cxn ang="0">
+                <a:pos x="connsiteX0" y="connsiteY0"/>
+              </a:cxn>
+              <a:cxn ang="0">
+                <a:pos x="connsiteX1" y="connsiteY1"/>
+              </a:cxn>
+              <a:cxn ang="0">
+                <a:pos x="connsiteX2" y="connsiteY2"/>
+              </a:cxn>
+              <a:cxn ang="0">
+                <a:pos x="connsiteX3" y="connsiteY3"/>
+              </a:cxn>
+              <a:cxn ang="0">
+                <a:pos x="connsiteX4" y="connsiteY4"/>
+              </a:cxn>
+              <a:cxn ang="0">
+                <a:pos x="connsiteX5" y="connsiteY5"/>
+              </a:cxn>
+              <a:cxn ang="0">
+                <a:pos x="connsiteX6" y="connsiteY6"/>
+              </a:cxn>
+            </a:cxnLst>
+            <a:rect l="l" t="t" r="r" b="b"/>
+            <a:pathLst>
+              <a:path w="4455673" h="6858000">
+                <a:moveTo>
+                  <a:pt x="0" y="0"/>
+                </a:moveTo>
+                <a:lnTo>
+                  <a:pt x="3242695" y="0"/>
+                </a:lnTo>
+                <a:lnTo>
+                  <a:pt x="3305678" y="69271"/>
+                </a:lnTo>
+                <a:cubicBezTo>
+                  <a:pt x="4016204" y="929100"/>
+                  <a:pt x="4455673" y="2116944"/>
+                  <a:pt x="4455673" y="3429000"/>
+                </a:cubicBezTo>
+                <a:cubicBezTo>
+                  <a:pt x="4455673" y="4741056"/>
+                  <a:pt x="4016204" y="5928900"/>
+                  <a:pt x="3305678" y="6788730"/>
+                </a:cubicBezTo>
+                <a:lnTo>
+                  <a:pt x="3242695" y="6858000"/>
+                </a:lnTo>
+                <a:lnTo>
+                  <a:pt x="0" y="6858000"/>
+                </a:lnTo>
+                <a:close/>
+              </a:path>
+            </a:pathLst>
+          </a:custGeom>
+          <a:ln w="9525">
+            <a:solidFill>
+              <a:schemeClr val="tx2">
+                <a:lumMod val="10000"/>
+                <a:lumOff val="90000"/>
+              </a:schemeClr>
+            </a:solidFill>
+          </a:ln>
+          <a:effectLst>
+            <a:outerShdw blurRad="50800" dist="38100" algn="l" rotWithShape="0">
+              <a:schemeClr val="bg1">
+                <a:lumMod val="85000"/>
+                <a:alpha val="30000"/>
+              </a:schemeClr>
+            </a:outerShdw>
+          </a:effectLst>
+        </p:spPr>
+        <p:style>
+          <a:lnRef idx="2">
+            <a:schemeClr val="accent1">
+              <a:shade val="50000"/>
+            </a:schemeClr>
+          </a:lnRef>
+          <a:fillRef idx="1">
+            <a:schemeClr val="accent1"/>
+          </a:fillRef>
+          <a:effectRef idx="0">
+            <a:schemeClr val="accent1"/>
+          </a:effectRef>
+          <a:fontRef idx="minor">
+            <a:schemeClr val="lt1"/>
+          </a:fontRef>
+        </p:style>
+        <p:txBody>
+          <a:bodyPr wrap="square" rtlCol="0" anchor="ctr">
+            <a:noAutofit/>
+          </a:bodyPr>
+          <a:lstStyle/>
+          <a:p>
+            <a:pPr marL="0" marR="0" lvl="0" indent="0" algn="ctr" defTabSz="914400" rtl="0" eaLnBrk="1" fontAlgn="auto" latinLnBrk="0" hangingPunct="1">
+              <a:lnSpc>
+                <a:spcPct val="100000"/>
+              </a:lnSpc>
+              <a:spcBef>
+                <a:spcPts val="0"/>
+              </a:spcBef>
+              <a:spcAft>
+                <a:spcPts val="0"/>
+              </a:spcAft>
+              <a:buClrTx/>
+              <a:buSzTx/>
+              <a:buFontTx/>
+              <a:buNone/>
+              <a:tabLst/>
+              <a:defRPr/>
+            </a:pPr>
+            <a:endParaRPr kumimoji="0" lang="en-US" sz="1800" b="0" i="0" u="none" strike="noStrike" kern="1200" cap="none" spc="0" normalizeH="0" baseline="0" noProof="0">
+              <a:ln>
+                <a:noFill/>
+              </a:ln>
+              <a:solidFill>
+                <a:prstClr val="white"/>
+              </a:solidFill>
+              <a:effectLst/>
+              <a:uLnTx/>
+              <a:uFillTx/>
+              <a:latin typeface="Calibri" panose="020F0502020204030204"/>
+              <a:ea typeface="+mn-ea"/>
+              <a:cs typeface="+mn-cs"/>
+            </a:endParaRPr>
+          </a:p>
+        </p:txBody>
+      </p:sp>
+      <p:sp useBgFill="1">
+        <p:nvSpPr>
+          <p:cNvPr id="65" name="Freeform: Shape 58">
+            <a:extLst>
+              <a:ext uri="{FF2B5EF4-FFF2-40B4-BE49-F238E27FC236}">
+                <a16:creationId xmlns:a16="http://schemas.microsoft.com/office/drawing/2014/main" id="{216322C2-3CF0-4D33-BF90-3F384CF6D232}"/>
+              </a:ext>
+              <a:ext uri="{C183D7F6-B498-43B3-948B-1728B52AA6E4}">
+                <adec:decorative xmlns:adec="http://schemas.microsoft.com/office/drawing/2017/decorative" val="1"/>
+              </a:ext>
+            </a:extLst>
+          </p:cNvPr>
+          <p:cNvSpPr>
+            <a:spLocks noGrp="1" noRot="1" noChangeAspect="1" noMove="1" noResize="1" noEditPoints="1" noAdjustHandles="1" noChangeArrowheads="1" noChangeShapeType="1" noTextEdit="1"/>
+          </p:cNvSpPr>
+          <p:nvPr>
+            <p:extLst>
+              <p:ext uri="{386F3935-93C4-4BCD-93E2-E3B085C9AB24}">
+                <p16:designElem xmlns:p16="http://schemas.microsoft.com/office/powerpoint/2015/main" val="1"/>
+              </p:ext>
+            </p:extLst>
+          </p:nvPr>
+        </p:nvSpPr>
+        <p:spPr>
+          <a:xfrm>
+            <a:off x="0" y="0"/>
+            <a:ext cx="4446529" cy="6858000"/>
+          </a:xfrm>
+          <a:custGeom>
+            <a:avLst/>
+            <a:gdLst>
+              <a:gd name="connsiteX0" fmla="*/ 0 w 4446529"/>
+              <a:gd name="connsiteY0" fmla="*/ 0 h 6858000"/>
+              <a:gd name="connsiteX1" fmla="*/ 3233551 w 4446529"/>
+              <a:gd name="connsiteY1" fmla="*/ 0 h 6858000"/>
+              <a:gd name="connsiteX2" fmla="*/ 3296534 w 4446529"/>
+              <a:gd name="connsiteY2" fmla="*/ 69271 h 6858000"/>
+              <a:gd name="connsiteX3" fmla="*/ 4446529 w 4446529"/>
+              <a:gd name="connsiteY3" fmla="*/ 3429000 h 6858000"/>
+              <a:gd name="connsiteX4" fmla="*/ 3296534 w 4446529"/>
+              <a:gd name="connsiteY4" fmla="*/ 6788730 h 6858000"/>
+              <a:gd name="connsiteX5" fmla="*/ 3233551 w 4446529"/>
+              <a:gd name="connsiteY5" fmla="*/ 6858000 h 6858000"/>
+              <a:gd name="connsiteX6" fmla="*/ 0 w 4446529"/>
+              <a:gd name="connsiteY6" fmla="*/ 6858000 h 6858000"/>
+            </a:gdLst>
+            <a:ahLst/>
+            <a:cxnLst>
+              <a:cxn ang="0">
+                <a:pos x="connsiteX0" y="connsiteY0"/>
+              </a:cxn>
+              <a:cxn ang="0">
+                <a:pos x="connsiteX1" y="connsiteY1"/>
+              </a:cxn>
+              <a:cxn ang="0">
+                <a:pos x="connsiteX2" y="connsiteY2"/>
+              </a:cxn>
+              <a:cxn ang="0">
+                <a:pos x="connsiteX3" y="connsiteY3"/>
+              </a:cxn>
+              <a:cxn ang="0">
+                <a:pos x="connsiteX4" y="connsiteY4"/>
+              </a:cxn>
+              <a:cxn ang="0">
+                <a:pos x="connsiteX5" y="connsiteY5"/>
+              </a:cxn>
+              <a:cxn ang="0">
+                <a:pos x="connsiteX6" y="connsiteY6"/>
+              </a:cxn>
+            </a:cxnLst>
+            <a:rect l="l" t="t" r="r" b="b"/>
+            <a:pathLst>
+              <a:path w="4446529" h="6858000">
+                <a:moveTo>
+                  <a:pt x="0" y="0"/>
+                </a:moveTo>
+                <a:lnTo>
+                  <a:pt x="3233551" y="0"/>
+                </a:lnTo>
+                <a:lnTo>
+                  <a:pt x="3296534" y="69271"/>
+                </a:lnTo>
+                <a:cubicBezTo>
+                  <a:pt x="4007060" y="929100"/>
+                  <a:pt x="4446529" y="2116944"/>
+                  <a:pt x="4446529" y="3429000"/>
+                </a:cubicBezTo>
+                <a:cubicBezTo>
+                  <a:pt x="4446529" y="4741056"/>
+                  <a:pt x="4007060" y="5928900"/>
+                  <a:pt x="3296534" y="6788730"/>
+                </a:cubicBezTo>
+                <a:lnTo>
+                  <a:pt x="3233551" y="6858000"/>
+                </a:lnTo>
+                <a:lnTo>
+                  <a:pt x="0" y="6858000"/>
+                </a:lnTo>
+                <a:close/>
+              </a:path>
+            </a:pathLst>
+          </a:custGeom>
+          <a:ln w="9525">
+            <a:noFill/>
+          </a:ln>
+          <a:effectLst/>
+        </p:spPr>
+        <p:style>
+          <a:lnRef idx="2">
+            <a:schemeClr val="accent1">
+              <a:shade val="50000"/>
+            </a:schemeClr>
+          </a:lnRef>
+          <a:fillRef idx="1">
+            <a:schemeClr val="accent1"/>
+          </a:fillRef>
+          <a:effectRef idx="0">
+            <a:schemeClr val="accent1"/>
+          </a:effectRef>
+          <a:fontRef idx="minor">
+            <a:schemeClr val="lt1"/>
+          </a:fontRef>
+        </p:style>
+        <p:txBody>
+          <a:bodyPr wrap="square" rtlCol="0" anchor="ctr">
+            <a:noAutofit/>
+          </a:bodyPr>
+          <a:lstStyle/>
+          <a:p>
+            <a:pPr marL="0" marR="0" lvl="0" indent="0" algn="ctr" defTabSz="914400" rtl="0" eaLnBrk="1" fontAlgn="auto" latinLnBrk="0" hangingPunct="1">
+              <a:lnSpc>
+                <a:spcPct val="100000"/>
+              </a:lnSpc>
+              <a:spcBef>
+                <a:spcPts val="0"/>
+              </a:spcBef>
+              <a:spcAft>
+                <a:spcPts val="0"/>
+              </a:spcAft>
+              <a:buClrTx/>
+              <a:buSzTx/>
+              <a:buFontTx/>
+              <a:buNone/>
+              <a:tabLst/>
+              <a:defRPr/>
+            </a:pPr>
+            <a:endParaRPr kumimoji="0" lang="en-US" sz="1800" b="0" i="0" u="none" strike="noStrike" kern="1200" cap="none" spc="0" normalizeH="0" baseline="0" noProof="0">
+              <a:ln>
+                <a:noFill/>
+              </a:ln>
+              <a:solidFill>
+                <a:prstClr val="white"/>
+              </a:solidFill>
+              <a:effectLst/>
+              <a:uLnTx/>
+              <a:uFillTx/>
+              <a:latin typeface="Calibri" panose="020F0502020204030204"/>
+              <a:ea typeface="+mn-ea"/>
+              <a:cs typeface="+mn-cs"/>
+            </a:endParaRPr>
+          </a:p>
+        </p:txBody>
+      </p:sp>
       <p:sp>
         <p:nvSpPr>
           <p:cNvPr id="2" name="Title 1">
             <a:extLst>
               <a:ext uri="{FF2B5EF4-FFF2-40B4-BE49-F238E27FC236}">
-                <a16:creationId xmlns:a16="http://schemas.microsoft.com/office/drawing/2014/main" id="{66554A0F-0FB7-AC49-A66D-1B7BB34702AC}"/>
+                <a16:creationId xmlns:a16="http://schemas.microsoft.com/office/drawing/2014/main" id="{CC428867-EB96-F549-A0DC-64F0FF92162F}"/>
               </a:ext>
             </a:extLst>
           </p:cNvPr>
@@ -5944,24 +8003,219 @@
             <p:ph type="title"/>
           </p:nvPr>
         </p:nvSpPr>
-        <p:spPr/>
-        <p:txBody>
-          <a:bodyPr/>
+        <p:spPr>
+          <a:xfrm>
+            <a:off x="371094" y="1161288"/>
+            <a:ext cx="3438144" cy="1124712"/>
+          </a:xfrm>
+        </p:spPr>
+        <p:txBody>
+          <a:bodyPr anchor="b">
+            <a:normAutofit/>
+          </a:bodyPr>
           <a:lstStyle/>
           <a:p>
             <a:r>
-              <a:rPr lang="en-US" dirty="0"/>
-              <a:t>Recommendation #1: Schools</a:t>
+              <a:rPr lang="en-US" sz="2800" dirty="0"/>
+              <a:t>Recommendation #1: More Testers</a:t>
             </a:r>
           </a:p>
         </p:txBody>
       </p:sp>
       <p:sp>
         <p:nvSpPr>
-          <p:cNvPr id="3" name="Content Placeholder 2">
-            <a:extLst>
-              <a:ext uri="{FF2B5EF4-FFF2-40B4-BE49-F238E27FC236}">
-                <a16:creationId xmlns:a16="http://schemas.microsoft.com/office/drawing/2014/main" id="{ACFC3A57-2AC6-4B49-8DFE-9359FDF478F9}"/>
+          <p:cNvPr id="61" name="Rectangle 60">
+            <a:extLst>
+              <a:ext uri="{FF2B5EF4-FFF2-40B4-BE49-F238E27FC236}">
+                <a16:creationId xmlns:a16="http://schemas.microsoft.com/office/drawing/2014/main" id="{55D4142C-5077-457F-A6AD-3FECFDB39685}"/>
+              </a:ext>
+              <a:ext uri="{C183D7F6-B498-43B3-948B-1728B52AA6E4}">
+                <adec:decorative xmlns:adec="http://schemas.microsoft.com/office/drawing/2017/decorative" val="1"/>
+              </a:ext>
+            </a:extLst>
+          </p:cNvPr>
+          <p:cNvSpPr>
+            <a:spLocks noGrp="1" noRot="1" noChangeAspect="1" noMove="1" noResize="1" noEditPoints="1" noAdjustHandles="1" noChangeArrowheads="1" noChangeShapeType="1" noTextEdit="1"/>
+          </p:cNvSpPr>
+          <p:nvPr>
+            <p:extLst>
+              <p:ext uri="{386F3935-93C4-4BCD-93E2-E3B085C9AB24}">
+                <p16:designElem xmlns:p16="http://schemas.microsoft.com/office/powerpoint/2015/main" val="1"/>
+              </p:ext>
+            </p:extLst>
+          </p:nvPr>
+        </p:nvSpPr>
+        <p:spPr>
+          <a:xfrm rot="5400000">
+            <a:off x="662559" y="605790"/>
+            <a:ext cx="73152" cy="548640"/>
+          </a:xfrm>
+          <a:prstGeom prst="rect">
+            <a:avLst/>
+          </a:prstGeom>
+          <a:solidFill>
+            <a:schemeClr val="accent1"/>
+          </a:solidFill>
+          <a:ln>
+            <a:noFill/>
+          </a:ln>
+        </p:spPr>
+        <p:style>
+          <a:lnRef idx="2">
+            <a:schemeClr val="accent1">
+              <a:shade val="50000"/>
+            </a:schemeClr>
+          </a:lnRef>
+          <a:fillRef idx="1">
+            <a:schemeClr val="accent1"/>
+          </a:fillRef>
+          <a:effectRef idx="0">
+            <a:schemeClr val="accent1"/>
+          </a:effectRef>
+          <a:fontRef idx="minor">
+            <a:schemeClr val="lt1"/>
+          </a:fontRef>
+        </p:style>
+        <p:txBody>
+          <a:bodyPr rtlCol="0" anchor="ctr"/>
+          <a:lstStyle/>
+          <a:p>
+            <a:pPr marL="0" marR="0" lvl="0" indent="0" algn="ctr" defTabSz="914400" rtl="0" eaLnBrk="1" fontAlgn="auto" latinLnBrk="0" hangingPunct="1">
+              <a:lnSpc>
+                <a:spcPct val="100000"/>
+              </a:lnSpc>
+              <a:spcBef>
+                <a:spcPts val="0"/>
+              </a:spcBef>
+              <a:spcAft>
+                <a:spcPts val="0"/>
+              </a:spcAft>
+              <a:buClrTx/>
+              <a:buSzTx/>
+              <a:buFontTx/>
+              <a:buNone/>
+              <a:tabLst/>
+              <a:defRPr/>
+            </a:pPr>
+            <a:endParaRPr kumimoji="0" lang="en-US" sz="1800" b="0" i="0" u="none" strike="noStrike" kern="1200" cap="none" spc="0" normalizeH="0" baseline="0" noProof="0">
+              <a:ln>
+                <a:noFill/>
+              </a:ln>
+              <a:solidFill>
+                <a:prstClr val="white"/>
+              </a:solidFill>
+              <a:effectLst/>
+              <a:uLnTx/>
+              <a:uFillTx/>
+              <a:latin typeface="Calibri" panose="020F0502020204030204"/>
+              <a:ea typeface="+mn-ea"/>
+              <a:cs typeface="+mn-cs"/>
+            </a:endParaRPr>
+          </a:p>
+        </p:txBody>
+      </p:sp>
+      <p:sp>
+        <p:nvSpPr>
+          <p:cNvPr id="63" name="Rectangle 62">
+            <a:extLst>
+              <a:ext uri="{FF2B5EF4-FFF2-40B4-BE49-F238E27FC236}">
+                <a16:creationId xmlns:a16="http://schemas.microsoft.com/office/drawing/2014/main" id="{7A5F0580-5EE9-419F-96EE-B6529EF6E7D0}"/>
+              </a:ext>
+              <a:ext uri="{C183D7F6-B498-43B3-948B-1728B52AA6E4}">
+                <adec:decorative xmlns:adec="http://schemas.microsoft.com/office/drawing/2017/decorative" val="1"/>
+              </a:ext>
+            </a:extLst>
+          </p:cNvPr>
+          <p:cNvSpPr>
+            <a:spLocks noGrp="1" noRot="1" noChangeAspect="1" noMove="1" noResize="1" noEditPoints="1" noAdjustHandles="1" noChangeArrowheads="1" noChangeShapeType="1" noTextEdit="1"/>
+          </p:cNvSpPr>
+          <p:nvPr>
+            <p:extLst>
+              <p:ext uri="{386F3935-93C4-4BCD-93E2-E3B085C9AB24}">
+                <p16:designElem xmlns:p16="http://schemas.microsoft.com/office/powerpoint/2015/main" val="1"/>
+              </p:ext>
+            </p:extLst>
+          </p:nvPr>
+        </p:nvSpPr>
+        <p:spPr>
+          <a:xfrm>
+            <a:off x="428244" y="2443480"/>
+            <a:ext cx="3337560" cy="18288"/>
+          </a:xfrm>
+          <a:prstGeom prst="rect">
+            <a:avLst/>
+          </a:prstGeom>
+          <a:solidFill>
+            <a:schemeClr val="tx2">
+              <a:lumMod val="25000"/>
+              <a:lumOff val="75000"/>
+            </a:schemeClr>
+          </a:solidFill>
+          <a:ln w="3175">
+            <a:noFill/>
+          </a:ln>
+          <a:effectLst/>
+        </p:spPr>
+        <p:style>
+          <a:lnRef idx="2">
+            <a:schemeClr val="accent1">
+              <a:shade val="50000"/>
+            </a:schemeClr>
+          </a:lnRef>
+          <a:fillRef idx="1">
+            <a:schemeClr val="accent1"/>
+          </a:fillRef>
+          <a:effectRef idx="0">
+            <a:schemeClr val="accent1"/>
+          </a:effectRef>
+          <a:fontRef idx="minor">
+            <a:schemeClr val="lt1"/>
+          </a:fontRef>
+        </p:style>
+        <p:txBody>
+          <a:bodyPr rtlCol="0" anchor="ctr"/>
+          <a:lstStyle/>
+          <a:p>
+            <a:pPr marL="0" marR="0" lvl="0" indent="0" algn="ctr" defTabSz="914400" rtl="0" eaLnBrk="1" fontAlgn="auto" latinLnBrk="0" hangingPunct="1">
+              <a:lnSpc>
+                <a:spcPct val="100000"/>
+              </a:lnSpc>
+              <a:spcBef>
+                <a:spcPts val="0"/>
+              </a:spcBef>
+              <a:spcAft>
+                <a:spcPts val="0"/>
+              </a:spcAft>
+              <a:buClrTx/>
+              <a:buSzTx/>
+              <a:buFontTx/>
+              <a:buNone/>
+              <a:tabLst/>
+              <a:defRPr/>
+            </a:pPr>
+            <a:endParaRPr kumimoji="0" lang="en-US" sz="1800" b="0" i="0" u="none" strike="noStrike" kern="1200" cap="none" spc="0" normalizeH="0" baseline="0" noProof="0">
+              <a:ln>
+                <a:noFill/>
+              </a:ln>
+              <a:solidFill>
+                <a:prstClr val="white"/>
+              </a:solidFill>
+              <a:effectLst/>
+              <a:uLnTx/>
+              <a:uFillTx/>
+              <a:latin typeface="Calibri" panose="020F0502020204030204"/>
+              <a:ea typeface="+mn-ea"/>
+              <a:cs typeface="+mn-cs"/>
+            </a:endParaRPr>
+          </a:p>
+        </p:txBody>
+      </p:sp>
+      <p:sp>
+        <p:nvSpPr>
+          <p:cNvPr id="9" name="Content Placeholder 8">
+            <a:extLst>
+              <a:ext uri="{FF2B5EF4-FFF2-40B4-BE49-F238E27FC236}">
+                <a16:creationId xmlns:a16="http://schemas.microsoft.com/office/drawing/2014/main" id="{B0D29EF1-809C-447D-A26C-5EDD9FDFE7F2}"/>
               </a:ext>
             </a:extLst>
           </p:cNvPr>
@@ -5972,19 +8226,58 @@
             <p:ph idx="1"/>
           </p:nvPr>
         </p:nvSpPr>
-        <p:spPr/>
-        <p:txBody>
-          <a:bodyPr/>
-          <a:lstStyle/>
-          <a:p>
-            <a:endParaRPr lang="en-US"/>
-          </a:p>
-        </p:txBody>
-      </p:sp>
+        <p:spPr>
+          <a:xfrm>
+            <a:off x="371094" y="2718054"/>
+            <a:ext cx="3438906" cy="3207258"/>
+          </a:xfrm>
+        </p:spPr>
+        <p:txBody>
+          <a:bodyPr anchor="t">
+            <a:normAutofit/>
+          </a:bodyPr>
+          <a:lstStyle/>
+          <a:p>
+            <a:r>
+              <a:rPr lang="en-US" sz="1700" dirty="0"/>
+              <a:t>There was a strong correlation between the number of admissions offers received and the actual number of SHSAT test takers the schools sent.</a:t>
+            </a:r>
+          </a:p>
+        </p:txBody>
+      </p:sp>
+      <p:pic>
+        <p:nvPicPr>
+          <p:cNvPr id="5" name="Content Placeholder 4" descr="Chart, scatter chart&#10;&#10;Description automatically generated">
+            <a:extLst>
+              <a:ext uri="{FF2B5EF4-FFF2-40B4-BE49-F238E27FC236}">
+                <a16:creationId xmlns:a16="http://schemas.microsoft.com/office/drawing/2014/main" id="{092211BB-D4B0-034D-8671-329AB82D2915}"/>
+              </a:ext>
+            </a:extLst>
+          </p:cNvPr>
+          <p:cNvPicPr>
+            <a:picLocks noChangeAspect="1"/>
+          </p:cNvPicPr>
+          <p:nvPr/>
+        </p:nvPicPr>
+        <p:blipFill rotWithShape="1">
+          <a:blip r:embed="rId2"/>
+          <a:srcRect r="19856" b="-2"/>
+          <a:stretch/>
+        </p:blipFill>
+        <p:spPr>
+          <a:xfrm>
+            <a:off x="4447428" y="289114"/>
+            <a:ext cx="7728766" cy="6389012"/>
+          </a:xfrm>
+          <a:prstGeom prst="rect">
+            <a:avLst/>
+          </a:prstGeom>
+        </p:spPr>
+      </p:pic>
     </p:spTree>
     <p:extLst>
       <p:ext uri="{BB962C8B-B14F-4D97-AF65-F5344CB8AC3E}">
-        <p14:creationId xmlns:p14="http://schemas.microsoft.com/office/powerpoint/2010/main" val="4207377131"/>
+        <p14:creationId xmlns:p14="http://schemas.microsoft.com/office/powerpoint/2010/main" val="3303986192"/>
       </p:ext>
     </p:extLst>
   </p:cSld>
@@ -5997,6 +8290,14 @@
 <file path=ppt/slides/slide15.xml><?xml version="1.0" encoding="utf-8"?>
 <p:sld xmlns:a="http://schemas.openxmlformats.org/drawingml/2006/main" xmlns:r="http://schemas.openxmlformats.org/officeDocument/2006/relationships" xmlns:p="http://schemas.openxmlformats.org/presentationml/2006/main">
   <p:cSld>
+    <p:bg>
+      <p:bgPr>
+        <a:solidFill>
+          <a:schemeClr val="bg1"/>
+        </a:solidFill>
+        <a:effectLst/>
+      </p:bgPr>
+    </p:bg>
     <p:spTree>
       <p:nvGrpSpPr>
         <p:cNvPr id="1" name=""/>
@@ -6011,12 +8312,72 @@
           <a:chExt cx="0" cy="0"/>
         </a:xfrm>
       </p:grpSpPr>
+      <p:sp useBgFill="1">
+        <p:nvSpPr>
+          <p:cNvPr id="12" name="Rectangle 11">
+            <a:extLst>
+              <a:ext uri="{FF2B5EF4-FFF2-40B4-BE49-F238E27FC236}">
+                <a16:creationId xmlns:a16="http://schemas.microsoft.com/office/drawing/2014/main" id="{0B9EE3F3-89B7-43C3-8651-C4C96830993D}"/>
+              </a:ext>
+              <a:ext uri="{C183D7F6-B498-43B3-948B-1728B52AA6E4}">
+                <adec:decorative xmlns:adec="http://schemas.microsoft.com/office/drawing/2017/decorative" val="1"/>
+              </a:ext>
+            </a:extLst>
+          </p:cNvPr>
+          <p:cNvSpPr>
+            <a:spLocks noGrp="1" noRot="1" noChangeAspect="1" noMove="1" noResize="1" noEditPoints="1" noAdjustHandles="1" noChangeArrowheads="1" noChangeShapeType="1" noTextEdit="1"/>
+          </p:cNvSpPr>
+          <p:nvPr>
+            <p:extLst>
+              <p:ext uri="{386F3935-93C4-4BCD-93E2-E3B085C9AB24}">
+                <p16:designElem xmlns:p16="http://schemas.microsoft.com/office/powerpoint/2015/main" val="1"/>
+              </p:ext>
+            </p:extLst>
+          </p:nvPr>
+        </p:nvSpPr>
+        <p:spPr>
+          <a:xfrm>
+            <a:off x="0" y="0"/>
+            <a:ext cx="12192000" cy="6858000"/>
+          </a:xfrm>
+          <a:prstGeom prst="rect">
+            <a:avLst/>
+          </a:prstGeom>
+          <a:ln>
+            <a:noFill/>
+          </a:ln>
+        </p:spPr>
+        <p:style>
+          <a:lnRef idx="2">
+            <a:schemeClr val="accent1">
+              <a:shade val="50000"/>
+            </a:schemeClr>
+          </a:lnRef>
+          <a:fillRef idx="1">
+            <a:schemeClr val="accent1"/>
+          </a:fillRef>
+          <a:effectRef idx="0">
+            <a:schemeClr val="accent1"/>
+          </a:effectRef>
+          <a:fontRef idx="minor">
+            <a:schemeClr val="lt1"/>
+          </a:fontRef>
+        </p:style>
+        <p:txBody>
+          <a:bodyPr rtlCol="0" anchor="ctr"/>
+          <a:lstStyle/>
+          <a:p>
+            <a:pPr algn="ctr"/>
+            <a:endParaRPr lang="en-US"/>
+          </a:p>
+        </p:txBody>
+      </p:sp>
       <p:sp>
         <p:nvSpPr>
           <p:cNvPr id="2" name="Title 1">
             <a:extLst>
               <a:ext uri="{FF2B5EF4-FFF2-40B4-BE49-F238E27FC236}">
-                <a16:creationId xmlns:a16="http://schemas.microsoft.com/office/drawing/2014/main" id="{921FC15E-4E6B-FE44-8E64-DCB0485AC376}"/>
+                <a16:creationId xmlns:a16="http://schemas.microsoft.com/office/drawing/2014/main" id="{66554A0F-0FB7-AC49-A66D-1B7BB34702AC}"/>
               </a:ext>
             </a:extLst>
           </p:cNvPr>
@@ -6027,24 +8388,219 @@
             <p:ph type="title"/>
           </p:nvPr>
         </p:nvSpPr>
-        <p:spPr/>
-        <p:txBody>
-          <a:bodyPr/>
+        <p:spPr>
+          <a:xfrm>
+            <a:off x="411480" y="991443"/>
+            <a:ext cx="4443154" cy="1087819"/>
+          </a:xfrm>
+        </p:spPr>
+        <p:txBody>
+          <a:bodyPr anchor="b">
+            <a:normAutofit/>
+          </a:bodyPr>
           <a:lstStyle/>
           <a:p>
             <a:r>
-              <a:rPr lang="en-US" dirty="0"/>
-              <a:t>Recommendation #2</a:t>
+              <a:rPr lang="en-US" sz="3400"/>
+              <a:t>Recommendation #1: Schools</a:t>
             </a:r>
           </a:p>
         </p:txBody>
       </p:sp>
       <p:sp>
         <p:nvSpPr>
-          <p:cNvPr id="3" name="Content Placeholder 2">
-            <a:extLst>
-              <a:ext uri="{FF2B5EF4-FFF2-40B4-BE49-F238E27FC236}">
-                <a16:creationId xmlns:a16="http://schemas.microsoft.com/office/drawing/2014/main" id="{4DA681F5-54AE-274F-8E99-92763BA84040}"/>
+          <p:cNvPr id="14" name="Rectangle 13">
+            <a:extLst>
+              <a:ext uri="{FF2B5EF4-FFF2-40B4-BE49-F238E27FC236}">
+                <a16:creationId xmlns:a16="http://schemas.microsoft.com/office/drawing/2014/main" id="{33AE4636-AEEC-45D6-84D4-7AC2DA48ECF8}"/>
+              </a:ext>
+              <a:ext uri="{C183D7F6-B498-43B3-948B-1728B52AA6E4}">
+                <adec:decorative xmlns:adec="http://schemas.microsoft.com/office/drawing/2017/decorative" val="1"/>
+              </a:ext>
+            </a:extLst>
+          </p:cNvPr>
+          <p:cNvSpPr>
+            <a:spLocks noGrp="1" noRot="1" noChangeAspect="1" noMove="1" noResize="1" noEditPoints="1" noAdjustHandles="1" noChangeArrowheads="1" noChangeShapeType="1" noTextEdit="1"/>
+          </p:cNvSpPr>
+          <p:nvPr>
+            <p:extLst>
+              <p:ext uri="{386F3935-93C4-4BCD-93E2-E3B085C9AB24}">
+                <p16:designElem xmlns:p16="http://schemas.microsoft.com/office/powerpoint/2015/main" val="1"/>
+              </p:ext>
+            </p:extLst>
+          </p:nvPr>
+        </p:nvSpPr>
+        <p:spPr>
+          <a:xfrm rot="5400000">
+            <a:off x="649223" y="387939"/>
+            <a:ext cx="73152" cy="548640"/>
+          </a:xfrm>
+          <a:prstGeom prst="rect">
+            <a:avLst/>
+          </a:prstGeom>
+          <a:solidFill>
+            <a:schemeClr val="accent1"/>
+          </a:solidFill>
+          <a:ln>
+            <a:noFill/>
+          </a:ln>
+        </p:spPr>
+        <p:style>
+          <a:lnRef idx="2">
+            <a:schemeClr val="accent1">
+              <a:shade val="50000"/>
+            </a:schemeClr>
+          </a:lnRef>
+          <a:fillRef idx="1">
+            <a:schemeClr val="accent1"/>
+          </a:fillRef>
+          <a:effectRef idx="0">
+            <a:schemeClr val="accent1"/>
+          </a:effectRef>
+          <a:fontRef idx="minor">
+            <a:schemeClr val="lt1"/>
+          </a:fontRef>
+        </p:style>
+        <p:txBody>
+          <a:bodyPr rtlCol="0" anchor="ctr"/>
+          <a:lstStyle/>
+          <a:p>
+            <a:pPr marL="0" marR="0" lvl="0" indent="0" algn="ctr" defTabSz="914400" rtl="0" eaLnBrk="1" fontAlgn="auto" latinLnBrk="0" hangingPunct="1">
+              <a:lnSpc>
+                <a:spcPct val="100000"/>
+              </a:lnSpc>
+              <a:spcBef>
+                <a:spcPts val="0"/>
+              </a:spcBef>
+              <a:spcAft>
+                <a:spcPts val="0"/>
+              </a:spcAft>
+              <a:buClrTx/>
+              <a:buSzTx/>
+              <a:buFontTx/>
+              <a:buNone/>
+              <a:tabLst/>
+              <a:defRPr/>
+            </a:pPr>
+            <a:endParaRPr kumimoji="0" lang="en-US" sz="1800" b="0" i="0" u="none" strike="noStrike" kern="1200" cap="none" spc="0" normalizeH="0" baseline="0" noProof="0">
+              <a:ln>
+                <a:noFill/>
+              </a:ln>
+              <a:solidFill>
+                <a:prstClr val="white"/>
+              </a:solidFill>
+              <a:effectLst/>
+              <a:uLnTx/>
+              <a:uFillTx/>
+              <a:latin typeface="Calibri" panose="020F0502020204030204"/>
+              <a:ea typeface="+mn-ea"/>
+              <a:cs typeface="+mn-cs"/>
+            </a:endParaRPr>
+          </a:p>
+        </p:txBody>
+      </p:sp>
+      <p:sp>
+        <p:nvSpPr>
+          <p:cNvPr id="16" name="Rectangle 15">
+            <a:extLst>
+              <a:ext uri="{FF2B5EF4-FFF2-40B4-BE49-F238E27FC236}">
+                <a16:creationId xmlns:a16="http://schemas.microsoft.com/office/drawing/2014/main" id="{8D9CE0F4-2EB2-4F1F-8AAC-DB3571D9FE10}"/>
+              </a:ext>
+              <a:ext uri="{C183D7F6-B498-43B3-948B-1728B52AA6E4}">
+                <adec:decorative xmlns:adec="http://schemas.microsoft.com/office/drawing/2017/decorative" val="1"/>
+              </a:ext>
+            </a:extLst>
+          </p:cNvPr>
+          <p:cNvSpPr>
+            <a:spLocks noGrp="1" noRot="1" noChangeAspect="1" noMove="1" noResize="1" noEditPoints="1" noAdjustHandles="1" noChangeArrowheads="1" noChangeShapeType="1" noTextEdit="1"/>
+          </p:cNvSpPr>
+          <p:nvPr>
+            <p:extLst>
+              <p:ext uri="{386F3935-93C4-4BCD-93E2-E3B085C9AB24}">
+                <p16:designElem xmlns:p16="http://schemas.microsoft.com/office/powerpoint/2015/main" val="1"/>
+              </p:ext>
+            </p:extLst>
+          </p:nvPr>
+        </p:nvSpPr>
+        <p:spPr>
+          <a:xfrm>
+            <a:off x="411480" y="2285541"/>
+            <a:ext cx="4389120" cy="18288"/>
+          </a:xfrm>
+          <a:prstGeom prst="rect">
+            <a:avLst/>
+          </a:prstGeom>
+          <a:solidFill>
+            <a:schemeClr val="tx2">
+              <a:lumMod val="25000"/>
+              <a:lumOff val="75000"/>
+            </a:schemeClr>
+          </a:solidFill>
+          <a:ln w="3175">
+            <a:noFill/>
+          </a:ln>
+          <a:effectLst/>
+        </p:spPr>
+        <p:style>
+          <a:lnRef idx="2">
+            <a:schemeClr val="accent1">
+              <a:shade val="50000"/>
+            </a:schemeClr>
+          </a:lnRef>
+          <a:fillRef idx="1">
+            <a:schemeClr val="accent1"/>
+          </a:fillRef>
+          <a:effectRef idx="0">
+            <a:schemeClr val="accent1"/>
+          </a:effectRef>
+          <a:fontRef idx="minor">
+            <a:schemeClr val="lt1"/>
+          </a:fontRef>
+        </p:style>
+        <p:txBody>
+          <a:bodyPr rtlCol="0" anchor="ctr"/>
+          <a:lstStyle/>
+          <a:p>
+            <a:pPr marL="0" marR="0" lvl="0" indent="0" algn="ctr" defTabSz="914400" rtl="0" eaLnBrk="1" fontAlgn="auto" latinLnBrk="0" hangingPunct="1">
+              <a:lnSpc>
+                <a:spcPct val="100000"/>
+              </a:lnSpc>
+              <a:spcBef>
+                <a:spcPts val="0"/>
+              </a:spcBef>
+              <a:spcAft>
+                <a:spcPts val="0"/>
+              </a:spcAft>
+              <a:buClrTx/>
+              <a:buSzTx/>
+              <a:buFontTx/>
+              <a:buNone/>
+              <a:tabLst/>
+              <a:defRPr/>
+            </a:pPr>
+            <a:endParaRPr kumimoji="0" lang="en-US" sz="1800" b="0" i="0" u="none" strike="noStrike" kern="1200" cap="none" spc="0" normalizeH="0" baseline="0" noProof="0">
+              <a:ln>
+                <a:noFill/>
+              </a:ln>
+              <a:solidFill>
+                <a:prstClr val="white"/>
+              </a:solidFill>
+              <a:effectLst/>
+              <a:uLnTx/>
+              <a:uFillTx/>
+              <a:latin typeface="Calibri" panose="020F0502020204030204"/>
+              <a:ea typeface="+mn-ea"/>
+              <a:cs typeface="+mn-cs"/>
+            </a:endParaRPr>
+          </a:p>
+        </p:txBody>
+      </p:sp>
+      <p:sp>
+        <p:nvSpPr>
+          <p:cNvPr id="9" name="Content Placeholder 8">
+            <a:extLst>
+              <a:ext uri="{FF2B5EF4-FFF2-40B4-BE49-F238E27FC236}">
+                <a16:creationId xmlns:a16="http://schemas.microsoft.com/office/drawing/2014/main" id="{CA39D83B-7750-4A73-B5EC-461EF2BD6D55}"/>
               </a:ext>
             </a:extLst>
           </p:cNvPr>
@@ -6055,19 +8611,81 @@
             <p:ph idx="1"/>
           </p:nvPr>
         </p:nvSpPr>
-        <p:spPr/>
-        <p:txBody>
-          <a:bodyPr/>
-          <a:lstStyle/>
-          <a:p>
-            <a:endParaRPr lang="en-US"/>
-          </a:p>
-        </p:txBody>
-      </p:sp>
+        <p:spPr>
+          <a:xfrm>
+            <a:off x="411480" y="2684095"/>
+            <a:ext cx="4443154" cy="3492868"/>
+          </a:xfrm>
+        </p:spPr>
+        <p:txBody>
+          <a:bodyPr>
+            <a:normAutofit/>
+          </a:bodyPr>
+          <a:lstStyle/>
+          <a:p>
+            <a:r>
+              <a:rPr lang="en-US" sz="1700" dirty="0"/>
+              <a:t>These are the top 20 schools that could’ve sent more SHSAT test takers (</a:t>
+            </a:r>
+            <a:r>
+              <a:rPr lang="en-US" sz="1700" dirty="0" err="1"/>
+              <a:t>PotentialTakers</a:t>
+            </a:r>
+            <a:r>
+              <a:rPr lang="en-US" sz="1700" dirty="0"/>
+              <a:t>).</a:t>
+            </a:r>
+          </a:p>
+          <a:p>
+            <a:r>
+              <a:rPr lang="en-US" sz="1700" dirty="0"/>
+              <a:t>Most have 50+% Black &amp; Latinx student bodies (</a:t>
+            </a:r>
+            <a:r>
+              <a:rPr lang="en-US" sz="1700" dirty="0" err="1"/>
+              <a:t>PctBlackOrHispanic</a:t>
+            </a:r>
+            <a:r>
+              <a:rPr lang="en-US" sz="1700" dirty="0"/>
+              <a:t>). </a:t>
+            </a:r>
+          </a:p>
+        </p:txBody>
+      </p:sp>
+      <p:pic>
+        <p:nvPicPr>
+          <p:cNvPr id="5" name="Content Placeholder 4" descr="Table&#10;&#10;Description automatically generated">
+            <a:extLst>
+              <a:ext uri="{FF2B5EF4-FFF2-40B4-BE49-F238E27FC236}">
+                <a16:creationId xmlns:a16="http://schemas.microsoft.com/office/drawing/2014/main" id="{613C296F-0536-D947-96BF-B6FE3206793D}"/>
+              </a:ext>
+            </a:extLst>
+          </p:cNvPr>
+          <p:cNvPicPr>
+            <a:picLocks noChangeAspect="1"/>
+          </p:cNvPicPr>
+          <p:nvPr/>
+        </p:nvPicPr>
+        <p:blipFill>
+          <a:blip r:embed="rId2"/>
+          <a:stretch>
+            <a:fillRect/>
+          </a:stretch>
+        </p:blipFill>
+        <p:spPr>
+          <a:xfrm>
+            <a:off x="5692509" y="42799"/>
+            <a:ext cx="5827037" cy="6717049"/>
+          </a:xfrm>
+          <a:prstGeom prst="rect">
+            <a:avLst/>
+          </a:prstGeom>
+        </p:spPr>
+      </p:pic>
     </p:spTree>
     <p:extLst>
       <p:ext uri="{BB962C8B-B14F-4D97-AF65-F5344CB8AC3E}">
-        <p14:creationId xmlns:p14="http://schemas.microsoft.com/office/powerpoint/2010/main" val="1568419895"/>
+        <p14:creationId xmlns:p14="http://schemas.microsoft.com/office/powerpoint/2010/main" val="4207377131"/>
       </p:ext>
     </p:extLst>
   </p:cSld>
@@ -6080,6 +8698,14 @@
 <file path=ppt/slides/slide16.xml><?xml version="1.0" encoding="utf-8"?>
 <p:sld xmlns:a="http://schemas.openxmlformats.org/drawingml/2006/main" xmlns:r="http://schemas.openxmlformats.org/officeDocument/2006/relationships" xmlns:p="http://schemas.openxmlformats.org/presentationml/2006/main">
   <p:cSld>
+    <p:bg>
+      <p:bgPr>
+        <a:solidFill>
+          <a:schemeClr val="bg1"/>
+        </a:solidFill>
+        <a:effectLst/>
+      </p:bgPr>
+    </p:bg>
     <p:spTree>
       <p:nvGrpSpPr>
         <p:cNvPr id="1" name=""/>
@@ -6094,12 +8720,410 @@
           <a:chExt cx="0" cy="0"/>
         </a:xfrm>
       </p:grpSpPr>
+      <p:sp useBgFill="1">
+        <p:nvSpPr>
+          <p:cNvPr id="25" name="Rectangle 24">
+            <a:extLst>
+              <a:ext uri="{FF2B5EF4-FFF2-40B4-BE49-F238E27FC236}">
+                <a16:creationId xmlns:a16="http://schemas.microsoft.com/office/drawing/2014/main" id="{0288C6B4-AFC3-407F-A595-EFFD38D4CCAF}"/>
+              </a:ext>
+              <a:ext uri="{C183D7F6-B498-43B3-948B-1728B52AA6E4}">
+                <adec:decorative xmlns:adec="http://schemas.microsoft.com/office/drawing/2017/decorative" val="1"/>
+              </a:ext>
+            </a:extLst>
+          </p:cNvPr>
+          <p:cNvSpPr>
+            <a:spLocks noGrp="1" noRot="1" noChangeAspect="1" noMove="1" noResize="1" noEditPoints="1" noAdjustHandles="1" noChangeArrowheads="1" noChangeShapeType="1" noTextEdit="1"/>
+          </p:cNvSpPr>
+          <p:nvPr>
+            <p:extLst>
+              <p:ext uri="{386F3935-93C4-4BCD-93E2-E3B085C9AB24}">
+                <p16:designElem xmlns:p16="http://schemas.microsoft.com/office/powerpoint/2015/main" val="1"/>
+              </p:ext>
+            </p:extLst>
+          </p:nvPr>
+        </p:nvSpPr>
+        <p:spPr>
+          <a:xfrm>
+            <a:off x="0" y="0"/>
+            <a:ext cx="12192000" cy="6858000"/>
+          </a:xfrm>
+          <a:prstGeom prst="rect">
+            <a:avLst/>
+          </a:prstGeom>
+          <a:ln>
+            <a:noFill/>
+          </a:ln>
+        </p:spPr>
+        <p:style>
+          <a:lnRef idx="2">
+            <a:schemeClr val="accent1">
+              <a:shade val="50000"/>
+            </a:schemeClr>
+          </a:lnRef>
+          <a:fillRef idx="1">
+            <a:schemeClr val="accent1"/>
+          </a:fillRef>
+          <a:effectRef idx="0">
+            <a:schemeClr val="accent1"/>
+          </a:effectRef>
+          <a:fontRef idx="minor">
+            <a:schemeClr val="lt1"/>
+          </a:fontRef>
+        </p:style>
+        <p:txBody>
+          <a:bodyPr rtlCol="0" anchor="ctr"/>
+          <a:lstStyle/>
+          <a:p>
+            <a:pPr algn="ctr"/>
+            <a:endParaRPr lang="en-US"/>
+          </a:p>
+        </p:txBody>
+      </p:sp>
+      <p:sp useBgFill="1">
+        <p:nvSpPr>
+          <p:cNvPr id="27" name="Freeform: Shape 26">
+            <a:extLst>
+              <a:ext uri="{FF2B5EF4-FFF2-40B4-BE49-F238E27FC236}">
+                <a16:creationId xmlns:a16="http://schemas.microsoft.com/office/drawing/2014/main" id="{CF236821-17FE-429B-8D2C-08E13A64EA40}"/>
+              </a:ext>
+              <a:ext uri="{C183D7F6-B498-43B3-948B-1728B52AA6E4}">
+                <adec:decorative xmlns:adec="http://schemas.microsoft.com/office/drawing/2017/decorative" val="1"/>
+              </a:ext>
+            </a:extLst>
+          </p:cNvPr>
+          <p:cNvSpPr>
+            <a:spLocks noGrp="1" noRot="1" noChangeAspect="1" noMove="1" noResize="1" noEditPoints="1" noAdjustHandles="1" noChangeArrowheads="1" noChangeShapeType="1" noTextEdit="1"/>
+          </p:cNvSpPr>
+          <p:nvPr>
+            <p:extLst>
+              <p:ext uri="{386F3935-93C4-4BCD-93E2-E3B085C9AB24}">
+                <p16:designElem xmlns:p16="http://schemas.microsoft.com/office/powerpoint/2015/main" val="1"/>
+              </p:ext>
+            </p:extLst>
+          </p:nvPr>
+        </p:nvSpPr>
+        <p:spPr>
+          <a:xfrm>
+            <a:off x="-1" y="0"/>
+            <a:ext cx="4455673" cy="6858000"/>
+          </a:xfrm>
+          <a:custGeom>
+            <a:avLst/>
+            <a:gdLst>
+              <a:gd name="connsiteX0" fmla="*/ 0 w 4455673"/>
+              <a:gd name="connsiteY0" fmla="*/ 0 h 6858000"/>
+              <a:gd name="connsiteX1" fmla="*/ 3242695 w 4455673"/>
+              <a:gd name="connsiteY1" fmla="*/ 0 h 6858000"/>
+              <a:gd name="connsiteX2" fmla="*/ 3305678 w 4455673"/>
+              <a:gd name="connsiteY2" fmla="*/ 69271 h 6858000"/>
+              <a:gd name="connsiteX3" fmla="*/ 4455673 w 4455673"/>
+              <a:gd name="connsiteY3" fmla="*/ 3429000 h 6858000"/>
+              <a:gd name="connsiteX4" fmla="*/ 3305678 w 4455673"/>
+              <a:gd name="connsiteY4" fmla="*/ 6788730 h 6858000"/>
+              <a:gd name="connsiteX5" fmla="*/ 3242695 w 4455673"/>
+              <a:gd name="connsiteY5" fmla="*/ 6858000 h 6858000"/>
+              <a:gd name="connsiteX6" fmla="*/ 0 w 4455673"/>
+              <a:gd name="connsiteY6" fmla="*/ 6858000 h 6858000"/>
+            </a:gdLst>
+            <a:ahLst/>
+            <a:cxnLst>
+              <a:cxn ang="0">
+                <a:pos x="connsiteX0" y="connsiteY0"/>
+              </a:cxn>
+              <a:cxn ang="0">
+                <a:pos x="connsiteX1" y="connsiteY1"/>
+              </a:cxn>
+              <a:cxn ang="0">
+                <a:pos x="connsiteX2" y="connsiteY2"/>
+              </a:cxn>
+              <a:cxn ang="0">
+                <a:pos x="connsiteX3" y="connsiteY3"/>
+              </a:cxn>
+              <a:cxn ang="0">
+                <a:pos x="connsiteX4" y="connsiteY4"/>
+              </a:cxn>
+              <a:cxn ang="0">
+                <a:pos x="connsiteX5" y="connsiteY5"/>
+              </a:cxn>
+              <a:cxn ang="0">
+                <a:pos x="connsiteX6" y="connsiteY6"/>
+              </a:cxn>
+            </a:cxnLst>
+            <a:rect l="l" t="t" r="r" b="b"/>
+            <a:pathLst>
+              <a:path w="4455673" h="6858000">
+                <a:moveTo>
+                  <a:pt x="0" y="0"/>
+                </a:moveTo>
+                <a:lnTo>
+                  <a:pt x="3242695" y="0"/>
+                </a:lnTo>
+                <a:lnTo>
+                  <a:pt x="3305678" y="69271"/>
+                </a:lnTo>
+                <a:cubicBezTo>
+                  <a:pt x="4016204" y="929100"/>
+                  <a:pt x="4455673" y="2116944"/>
+                  <a:pt x="4455673" y="3429000"/>
+                </a:cubicBezTo>
+                <a:cubicBezTo>
+                  <a:pt x="4455673" y="4741056"/>
+                  <a:pt x="4016204" y="5928900"/>
+                  <a:pt x="3305678" y="6788730"/>
+                </a:cubicBezTo>
+                <a:lnTo>
+                  <a:pt x="3242695" y="6858000"/>
+                </a:lnTo>
+                <a:lnTo>
+                  <a:pt x="0" y="6858000"/>
+                </a:lnTo>
+                <a:close/>
+              </a:path>
+            </a:pathLst>
+          </a:custGeom>
+          <a:ln w="9525">
+            <a:solidFill>
+              <a:schemeClr val="tx2">
+                <a:lumMod val="10000"/>
+                <a:lumOff val="90000"/>
+              </a:schemeClr>
+            </a:solidFill>
+          </a:ln>
+          <a:effectLst>
+            <a:outerShdw blurRad="50800" dist="38100" algn="l" rotWithShape="0">
+              <a:schemeClr val="bg1">
+                <a:lumMod val="85000"/>
+                <a:alpha val="30000"/>
+              </a:schemeClr>
+            </a:outerShdw>
+          </a:effectLst>
+        </p:spPr>
+        <p:style>
+          <a:lnRef idx="2">
+            <a:schemeClr val="accent1">
+              <a:shade val="50000"/>
+            </a:schemeClr>
+          </a:lnRef>
+          <a:fillRef idx="1">
+            <a:schemeClr val="accent1"/>
+          </a:fillRef>
+          <a:effectRef idx="0">
+            <a:schemeClr val="accent1"/>
+          </a:effectRef>
+          <a:fontRef idx="minor">
+            <a:schemeClr val="lt1"/>
+          </a:fontRef>
+        </p:style>
+        <p:txBody>
+          <a:bodyPr wrap="square" rtlCol="0" anchor="ctr">
+            <a:noAutofit/>
+          </a:bodyPr>
+          <a:lstStyle/>
+          <a:p>
+            <a:pPr marL="0" marR="0" lvl="0" indent="0" algn="ctr" defTabSz="914400" rtl="0" eaLnBrk="1" fontAlgn="auto" latinLnBrk="0" hangingPunct="1">
+              <a:lnSpc>
+                <a:spcPct val="100000"/>
+              </a:lnSpc>
+              <a:spcBef>
+                <a:spcPts val="0"/>
+              </a:spcBef>
+              <a:spcAft>
+                <a:spcPts val="0"/>
+              </a:spcAft>
+              <a:buClrTx/>
+              <a:buSzTx/>
+              <a:buFontTx/>
+              <a:buNone/>
+              <a:tabLst/>
+              <a:defRPr/>
+            </a:pPr>
+            <a:endParaRPr kumimoji="0" lang="en-US" sz="1800" b="0" i="0" u="none" strike="noStrike" kern="1200" cap="none" spc="0" normalizeH="0" baseline="0" noProof="0">
+              <a:ln>
+                <a:noFill/>
+              </a:ln>
+              <a:solidFill>
+                <a:prstClr val="white"/>
+              </a:solidFill>
+              <a:effectLst/>
+              <a:uLnTx/>
+              <a:uFillTx/>
+              <a:latin typeface="Calibri" panose="020F0502020204030204"/>
+              <a:ea typeface="+mn-ea"/>
+              <a:cs typeface="+mn-cs"/>
+            </a:endParaRPr>
+          </a:p>
+        </p:txBody>
+      </p:sp>
+      <p:sp useBgFill="1">
+        <p:nvSpPr>
+          <p:cNvPr id="29" name="Freeform: Shape 28">
+            <a:extLst>
+              <a:ext uri="{FF2B5EF4-FFF2-40B4-BE49-F238E27FC236}">
+                <a16:creationId xmlns:a16="http://schemas.microsoft.com/office/drawing/2014/main" id="{C0BDBCD2-E081-43AB-9119-C55465E59757}"/>
+              </a:ext>
+              <a:ext uri="{C183D7F6-B498-43B3-948B-1728B52AA6E4}">
+                <adec:decorative xmlns:adec="http://schemas.microsoft.com/office/drawing/2017/decorative" val="1"/>
+              </a:ext>
+            </a:extLst>
+          </p:cNvPr>
+          <p:cNvSpPr>
+            <a:spLocks noGrp="1" noRot="1" noChangeAspect="1" noMove="1" noResize="1" noEditPoints="1" noAdjustHandles="1" noChangeArrowheads="1" noChangeShapeType="1" noTextEdit="1"/>
+          </p:cNvSpPr>
+          <p:nvPr>
+            <p:extLst>
+              <p:ext uri="{386F3935-93C4-4BCD-93E2-E3B085C9AB24}">
+                <p16:designElem xmlns:p16="http://schemas.microsoft.com/office/powerpoint/2015/main" val="1"/>
+              </p:ext>
+            </p:extLst>
+          </p:nvPr>
+        </p:nvSpPr>
+        <p:spPr>
+          <a:xfrm>
+            <a:off x="0" y="0"/>
+            <a:ext cx="4446529" cy="6858000"/>
+          </a:xfrm>
+          <a:custGeom>
+            <a:avLst/>
+            <a:gdLst>
+              <a:gd name="connsiteX0" fmla="*/ 0 w 4446529"/>
+              <a:gd name="connsiteY0" fmla="*/ 0 h 6858000"/>
+              <a:gd name="connsiteX1" fmla="*/ 3233551 w 4446529"/>
+              <a:gd name="connsiteY1" fmla="*/ 0 h 6858000"/>
+              <a:gd name="connsiteX2" fmla="*/ 3296534 w 4446529"/>
+              <a:gd name="connsiteY2" fmla="*/ 69271 h 6858000"/>
+              <a:gd name="connsiteX3" fmla="*/ 4446529 w 4446529"/>
+              <a:gd name="connsiteY3" fmla="*/ 3429000 h 6858000"/>
+              <a:gd name="connsiteX4" fmla="*/ 3296534 w 4446529"/>
+              <a:gd name="connsiteY4" fmla="*/ 6788730 h 6858000"/>
+              <a:gd name="connsiteX5" fmla="*/ 3233551 w 4446529"/>
+              <a:gd name="connsiteY5" fmla="*/ 6858000 h 6858000"/>
+              <a:gd name="connsiteX6" fmla="*/ 0 w 4446529"/>
+              <a:gd name="connsiteY6" fmla="*/ 6858000 h 6858000"/>
+            </a:gdLst>
+            <a:ahLst/>
+            <a:cxnLst>
+              <a:cxn ang="0">
+                <a:pos x="connsiteX0" y="connsiteY0"/>
+              </a:cxn>
+              <a:cxn ang="0">
+                <a:pos x="connsiteX1" y="connsiteY1"/>
+              </a:cxn>
+              <a:cxn ang="0">
+                <a:pos x="connsiteX2" y="connsiteY2"/>
+              </a:cxn>
+              <a:cxn ang="0">
+                <a:pos x="connsiteX3" y="connsiteY3"/>
+              </a:cxn>
+              <a:cxn ang="0">
+                <a:pos x="connsiteX4" y="connsiteY4"/>
+              </a:cxn>
+              <a:cxn ang="0">
+                <a:pos x="connsiteX5" y="connsiteY5"/>
+              </a:cxn>
+              <a:cxn ang="0">
+                <a:pos x="connsiteX6" y="connsiteY6"/>
+              </a:cxn>
+            </a:cxnLst>
+            <a:rect l="l" t="t" r="r" b="b"/>
+            <a:pathLst>
+              <a:path w="4446529" h="6858000">
+                <a:moveTo>
+                  <a:pt x="0" y="0"/>
+                </a:moveTo>
+                <a:lnTo>
+                  <a:pt x="3233551" y="0"/>
+                </a:lnTo>
+                <a:lnTo>
+                  <a:pt x="3296534" y="69271"/>
+                </a:lnTo>
+                <a:cubicBezTo>
+                  <a:pt x="4007060" y="929100"/>
+                  <a:pt x="4446529" y="2116944"/>
+                  <a:pt x="4446529" y="3429000"/>
+                </a:cubicBezTo>
+                <a:cubicBezTo>
+                  <a:pt x="4446529" y="4741056"/>
+                  <a:pt x="4007060" y="5928900"/>
+                  <a:pt x="3296534" y="6788730"/>
+                </a:cubicBezTo>
+                <a:lnTo>
+                  <a:pt x="3233551" y="6858000"/>
+                </a:lnTo>
+                <a:lnTo>
+                  <a:pt x="0" y="6858000"/>
+                </a:lnTo>
+                <a:close/>
+              </a:path>
+            </a:pathLst>
+          </a:custGeom>
+          <a:ln w="9525">
+            <a:noFill/>
+          </a:ln>
+          <a:effectLst/>
+        </p:spPr>
+        <p:style>
+          <a:lnRef idx="2">
+            <a:schemeClr val="accent1">
+              <a:shade val="50000"/>
+            </a:schemeClr>
+          </a:lnRef>
+          <a:fillRef idx="1">
+            <a:schemeClr val="accent1"/>
+          </a:fillRef>
+          <a:effectRef idx="0">
+            <a:schemeClr val="accent1"/>
+          </a:effectRef>
+          <a:fontRef idx="minor">
+            <a:schemeClr val="lt1"/>
+          </a:fontRef>
+        </p:style>
+        <p:txBody>
+          <a:bodyPr wrap="square" rtlCol="0" anchor="ctr">
+            <a:noAutofit/>
+          </a:bodyPr>
+          <a:lstStyle/>
+          <a:p>
+            <a:pPr marL="0" marR="0" lvl="0" indent="0" algn="ctr" defTabSz="914400" rtl="0" eaLnBrk="1" fontAlgn="auto" latinLnBrk="0" hangingPunct="1">
+              <a:lnSpc>
+                <a:spcPct val="100000"/>
+              </a:lnSpc>
+              <a:spcBef>
+                <a:spcPts val="0"/>
+              </a:spcBef>
+              <a:spcAft>
+                <a:spcPts val="0"/>
+              </a:spcAft>
+              <a:buClrTx/>
+              <a:buSzTx/>
+              <a:buFontTx/>
+              <a:buNone/>
+              <a:tabLst/>
+              <a:defRPr/>
+            </a:pPr>
+            <a:endParaRPr kumimoji="0" lang="en-US" sz="1800" b="0" i="0" u="none" strike="noStrike" kern="1200" cap="none" spc="0" normalizeH="0" baseline="0" noProof="0">
+              <a:ln>
+                <a:noFill/>
+              </a:ln>
+              <a:solidFill>
+                <a:prstClr val="white"/>
+              </a:solidFill>
+              <a:effectLst/>
+              <a:uLnTx/>
+              <a:uFillTx/>
+              <a:latin typeface="Calibri" panose="020F0502020204030204"/>
+              <a:ea typeface="+mn-ea"/>
+              <a:cs typeface="+mn-cs"/>
+            </a:endParaRPr>
+          </a:p>
+        </p:txBody>
+      </p:sp>
       <p:sp>
         <p:nvSpPr>
           <p:cNvPr id="2" name="Title 1">
             <a:extLst>
               <a:ext uri="{FF2B5EF4-FFF2-40B4-BE49-F238E27FC236}">
-                <a16:creationId xmlns:a16="http://schemas.microsoft.com/office/drawing/2014/main" id="{016D498D-1952-FC4B-A878-A87AA6D2D283}"/>
+                <a16:creationId xmlns:a16="http://schemas.microsoft.com/office/drawing/2014/main" id="{921FC15E-4E6B-FE44-8E64-DCB0485AC376}"/>
               </a:ext>
             </a:extLst>
           </p:cNvPr>
@@ -6110,24 +9134,219 @@
             <p:ph type="title"/>
           </p:nvPr>
         </p:nvSpPr>
-        <p:spPr/>
-        <p:txBody>
-          <a:bodyPr/>
+        <p:spPr>
+          <a:xfrm>
+            <a:off x="371094" y="1161288"/>
+            <a:ext cx="3438144" cy="1239012"/>
+          </a:xfrm>
+        </p:spPr>
+        <p:txBody>
+          <a:bodyPr anchor="ctr">
+            <a:normAutofit/>
+          </a:bodyPr>
           <a:lstStyle/>
           <a:p>
             <a:r>
-              <a:rPr lang="en-US" dirty="0"/>
-              <a:t>Recommendation #2: School</a:t>
+              <a:rPr lang="en-US" sz="2800" dirty="0"/>
+              <a:t>Recommendation #2: More Level 4s</a:t>
             </a:r>
           </a:p>
         </p:txBody>
       </p:sp>
       <p:sp>
         <p:nvSpPr>
-          <p:cNvPr id="3" name="Content Placeholder 2">
-            <a:extLst>
-              <a:ext uri="{FF2B5EF4-FFF2-40B4-BE49-F238E27FC236}">
-                <a16:creationId xmlns:a16="http://schemas.microsoft.com/office/drawing/2014/main" id="{5C7835D7-3E79-6049-9979-57F2926E5489}"/>
+          <p:cNvPr id="31" name="Rectangle 30">
+            <a:extLst>
+              <a:ext uri="{FF2B5EF4-FFF2-40B4-BE49-F238E27FC236}">
+                <a16:creationId xmlns:a16="http://schemas.microsoft.com/office/drawing/2014/main" id="{98E79BE4-34FE-485A-98A5-92CE8F7C4743}"/>
+              </a:ext>
+              <a:ext uri="{C183D7F6-B498-43B3-948B-1728B52AA6E4}">
+                <adec:decorative xmlns:adec="http://schemas.microsoft.com/office/drawing/2017/decorative" val="1"/>
+              </a:ext>
+            </a:extLst>
+          </p:cNvPr>
+          <p:cNvSpPr>
+            <a:spLocks noGrp="1" noRot="1" noChangeAspect="1" noMove="1" noResize="1" noEditPoints="1" noAdjustHandles="1" noChangeArrowheads="1" noChangeShapeType="1" noTextEdit="1"/>
+          </p:cNvSpPr>
+          <p:nvPr>
+            <p:extLst>
+              <p:ext uri="{386F3935-93C4-4BCD-93E2-E3B085C9AB24}">
+                <p16:designElem xmlns:p16="http://schemas.microsoft.com/office/powerpoint/2015/main" val="1"/>
+              </p:ext>
+            </p:extLst>
+          </p:nvPr>
+        </p:nvSpPr>
+        <p:spPr>
+          <a:xfrm>
+            <a:off x="0" y="1426546"/>
+            <a:ext cx="128016" cy="653903"/>
+          </a:xfrm>
+          <a:prstGeom prst="rect">
+            <a:avLst/>
+          </a:prstGeom>
+          <a:solidFill>
+            <a:schemeClr val="accent1"/>
+          </a:solidFill>
+          <a:ln>
+            <a:noFill/>
+          </a:ln>
+        </p:spPr>
+        <p:style>
+          <a:lnRef idx="2">
+            <a:schemeClr val="accent1">
+              <a:shade val="50000"/>
+            </a:schemeClr>
+          </a:lnRef>
+          <a:fillRef idx="1">
+            <a:schemeClr val="accent1"/>
+          </a:fillRef>
+          <a:effectRef idx="0">
+            <a:schemeClr val="accent1"/>
+          </a:effectRef>
+          <a:fontRef idx="minor">
+            <a:schemeClr val="lt1"/>
+          </a:fontRef>
+        </p:style>
+        <p:txBody>
+          <a:bodyPr rtlCol="0" anchor="ctr"/>
+          <a:lstStyle/>
+          <a:p>
+            <a:pPr marL="0" marR="0" lvl="0" indent="0" algn="ctr" defTabSz="914400" rtl="0" eaLnBrk="1" fontAlgn="auto" latinLnBrk="0" hangingPunct="1">
+              <a:lnSpc>
+                <a:spcPct val="100000"/>
+              </a:lnSpc>
+              <a:spcBef>
+                <a:spcPts val="0"/>
+              </a:spcBef>
+              <a:spcAft>
+                <a:spcPts val="0"/>
+              </a:spcAft>
+              <a:buClrTx/>
+              <a:buSzTx/>
+              <a:buFontTx/>
+              <a:buNone/>
+              <a:tabLst/>
+              <a:defRPr/>
+            </a:pPr>
+            <a:endParaRPr kumimoji="0" lang="en-US" sz="1800" b="0" i="0" u="none" strike="noStrike" kern="1200" cap="none" spc="0" normalizeH="0" baseline="0" noProof="0">
+              <a:ln>
+                <a:noFill/>
+              </a:ln>
+              <a:solidFill>
+                <a:prstClr val="white"/>
+              </a:solidFill>
+              <a:effectLst/>
+              <a:uLnTx/>
+              <a:uFillTx/>
+              <a:latin typeface="Calibri" panose="020F0502020204030204"/>
+              <a:ea typeface="+mn-ea"/>
+              <a:cs typeface="+mn-cs"/>
+            </a:endParaRPr>
+          </a:p>
+        </p:txBody>
+      </p:sp>
+      <p:sp>
+        <p:nvSpPr>
+          <p:cNvPr id="33" name="Rectangle 32">
+            <a:extLst>
+              <a:ext uri="{FF2B5EF4-FFF2-40B4-BE49-F238E27FC236}">
+                <a16:creationId xmlns:a16="http://schemas.microsoft.com/office/drawing/2014/main" id="{7A5F0580-5EE9-419F-96EE-B6529EF6E7D0}"/>
+              </a:ext>
+              <a:ext uri="{C183D7F6-B498-43B3-948B-1728B52AA6E4}">
+                <adec:decorative xmlns:adec="http://schemas.microsoft.com/office/drawing/2017/decorative" val="1"/>
+              </a:ext>
+            </a:extLst>
+          </p:cNvPr>
+          <p:cNvSpPr>
+            <a:spLocks noGrp="1" noRot="1" noChangeAspect="1" noMove="1" noResize="1" noEditPoints="1" noAdjustHandles="1" noChangeArrowheads="1" noChangeShapeType="1" noTextEdit="1"/>
+          </p:cNvSpPr>
+          <p:nvPr>
+            <p:extLst>
+              <p:ext uri="{386F3935-93C4-4BCD-93E2-E3B085C9AB24}">
+                <p16:designElem xmlns:p16="http://schemas.microsoft.com/office/powerpoint/2015/main" val="1"/>
+              </p:ext>
+            </p:extLst>
+          </p:nvPr>
+        </p:nvSpPr>
+        <p:spPr>
+          <a:xfrm>
+            <a:off x="395893" y="2443480"/>
+            <a:ext cx="3383280" cy="18288"/>
+          </a:xfrm>
+          <a:prstGeom prst="rect">
+            <a:avLst/>
+          </a:prstGeom>
+          <a:solidFill>
+            <a:schemeClr val="tx2">
+              <a:lumMod val="25000"/>
+              <a:lumOff val="75000"/>
+            </a:schemeClr>
+          </a:solidFill>
+          <a:ln w="3175">
+            <a:noFill/>
+          </a:ln>
+          <a:effectLst/>
+        </p:spPr>
+        <p:style>
+          <a:lnRef idx="2">
+            <a:schemeClr val="accent1">
+              <a:shade val="50000"/>
+            </a:schemeClr>
+          </a:lnRef>
+          <a:fillRef idx="1">
+            <a:schemeClr val="accent1"/>
+          </a:fillRef>
+          <a:effectRef idx="0">
+            <a:schemeClr val="accent1"/>
+          </a:effectRef>
+          <a:fontRef idx="minor">
+            <a:schemeClr val="lt1"/>
+          </a:fontRef>
+        </p:style>
+        <p:txBody>
+          <a:bodyPr rtlCol="0" anchor="ctr"/>
+          <a:lstStyle/>
+          <a:p>
+            <a:pPr marL="0" marR="0" lvl="0" indent="0" algn="ctr" defTabSz="914400" rtl="0" eaLnBrk="1" fontAlgn="auto" latinLnBrk="0" hangingPunct="1">
+              <a:lnSpc>
+                <a:spcPct val="100000"/>
+              </a:lnSpc>
+              <a:spcBef>
+                <a:spcPts val="0"/>
+              </a:spcBef>
+              <a:spcAft>
+                <a:spcPts val="0"/>
+              </a:spcAft>
+              <a:buClrTx/>
+              <a:buSzTx/>
+              <a:buFontTx/>
+              <a:buNone/>
+              <a:tabLst/>
+              <a:defRPr/>
+            </a:pPr>
+            <a:endParaRPr kumimoji="0" lang="en-US" sz="1800" b="0" i="0" u="none" strike="noStrike" kern="1200" cap="none" spc="0" normalizeH="0" baseline="0" noProof="0">
+              <a:ln>
+                <a:noFill/>
+              </a:ln>
+              <a:solidFill>
+                <a:prstClr val="white"/>
+              </a:solidFill>
+              <a:effectLst/>
+              <a:uLnTx/>
+              <a:uFillTx/>
+              <a:latin typeface="Calibri" panose="020F0502020204030204"/>
+              <a:ea typeface="+mn-ea"/>
+              <a:cs typeface="+mn-cs"/>
+            </a:endParaRPr>
+          </a:p>
+        </p:txBody>
+      </p:sp>
+      <p:sp>
+        <p:nvSpPr>
+          <p:cNvPr id="9" name="Content Placeholder 8">
+            <a:extLst>
+              <a:ext uri="{FF2B5EF4-FFF2-40B4-BE49-F238E27FC236}">
+                <a16:creationId xmlns:a16="http://schemas.microsoft.com/office/drawing/2014/main" id="{526090FE-6A5B-4E38-8015-FD879F7D78D5}"/>
               </a:ext>
             </a:extLst>
           </p:cNvPr>
@@ -6138,19 +9357,59 @@
             <p:ph idx="1"/>
           </p:nvPr>
         </p:nvSpPr>
-        <p:spPr/>
-        <p:txBody>
-          <a:bodyPr/>
-          <a:lstStyle/>
-          <a:p>
-            <a:endParaRPr lang="en-US"/>
-          </a:p>
-        </p:txBody>
-      </p:sp>
+        <p:spPr>
+          <a:xfrm>
+            <a:off x="371094" y="2718054"/>
+            <a:ext cx="3438906" cy="3207258"/>
+          </a:xfrm>
+        </p:spPr>
+        <p:txBody>
+          <a:bodyPr anchor="t">
+            <a:normAutofit/>
+          </a:bodyPr>
+          <a:lstStyle/>
+          <a:p>
+            <a:r>
+              <a:rPr lang="en-US" sz="1700" dirty="0"/>
+              <a:t>The assumption proved true that those schools with high performers (level 4 ELA/Math scores) had a strong correlation to more admissions offers.</a:t>
+            </a:r>
+          </a:p>
+        </p:txBody>
+      </p:sp>
+      <p:pic>
+        <p:nvPicPr>
+          <p:cNvPr id="5" name="Content Placeholder 4" descr="Chart, scatter chart&#10;&#10;Description automatically generated">
+            <a:extLst>
+              <a:ext uri="{FF2B5EF4-FFF2-40B4-BE49-F238E27FC236}">
+                <a16:creationId xmlns:a16="http://schemas.microsoft.com/office/drawing/2014/main" id="{AC367796-6949-BB40-8DAE-68FB15D9DC86}"/>
+              </a:ext>
+            </a:extLst>
+          </p:cNvPr>
+          <p:cNvPicPr>
+            <a:picLocks noChangeAspect="1"/>
+          </p:cNvPicPr>
+          <p:nvPr/>
+        </p:nvPicPr>
+        <p:blipFill>
+          <a:blip r:embed="rId2"/>
+          <a:stretch>
+            <a:fillRect/>
+          </a:stretch>
+        </p:blipFill>
+        <p:spPr>
+          <a:xfrm>
+            <a:off x="4426747" y="938050"/>
+            <a:ext cx="7808361" cy="5212080"/>
+          </a:xfrm>
+          <a:prstGeom prst="rect">
+            <a:avLst/>
+          </a:prstGeom>
+        </p:spPr>
+      </p:pic>
     </p:spTree>
     <p:extLst>
       <p:ext uri="{BB962C8B-B14F-4D97-AF65-F5344CB8AC3E}">
-        <p14:creationId xmlns:p14="http://schemas.microsoft.com/office/powerpoint/2010/main" val="666643231"/>
+        <p14:creationId xmlns:p14="http://schemas.microsoft.com/office/powerpoint/2010/main" val="1568419895"/>
       </p:ext>
     </p:extLst>
   </p:cSld>
@@ -6163,6 +9422,14 @@
 <file path=ppt/slides/slide17.xml><?xml version="1.0" encoding="utf-8"?>
 <p:sld xmlns:a="http://schemas.openxmlformats.org/drawingml/2006/main" xmlns:r="http://schemas.openxmlformats.org/officeDocument/2006/relationships" xmlns:p="http://schemas.openxmlformats.org/presentationml/2006/main">
   <p:cSld>
+    <p:bg>
+      <p:bgPr>
+        <a:solidFill>
+          <a:schemeClr val="bg1"/>
+        </a:solidFill>
+        <a:effectLst/>
+      </p:bgPr>
+    </p:bg>
     <p:spTree>
       <p:nvGrpSpPr>
         <p:cNvPr id="1" name=""/>
@@ -6177,11 +9444,578 @@
           <a:chExt cx="0" cy="0"/>
         </a:xfrm>
       </p:grpSpPr>
+      <p:sp useBgFill="1">
+        <p:nvSpPr>
+          <p:cNvPr id="12" name="Rectangle 11">
+            <a:extLst>
+              <a:ext uri="{FF2B5EF4-FFF2-40B4-BE49-F238E27FC236}">
+                <a16:creationId xmlns:a16="http://schemas.microsoft.com/office/drawing/2014/main" id="{0B9EE3F3-89B7-43C3-8651-C4C96830993D}"/>
+              </a:ext>
+              <a:ext uri="{C183D7F6-B498-43B3-948B-1728B52AA6E4}">
+                <adec:decorative xmlns:adec="http://schemas.microsoft.com/office/drawing/2017/decorative" val="1"/>
+              </a:ext>
+            </a:extLst>
+          </p:cNvPr>
+          <p:cNvSpPr>
+            <a:spLocks noGrp="1" noRot="1" noChangeAspect="1" noMove="1" noResize="1" noEditPoints="1" noAdjustHandles="1" noChangeArrowheads="1" noChangeShapeType="1" noTextEdit="1"/>
+          </p:cNvSpPr>
+          <p:nvPr>
+            <p:extLst>
+              <p:ext uri="{386F3935-93C4-4BCD-93E2-E3B085C9AB24}">
+                <p16:designElem xmlns:p16="http://schemas.microsoft.com/office/powerpoint/2015/main" val="1"/>
+              </p:ext>
+            </p:extLst>
+          </p:nvPr>
+        </p:nvSpPr>
+        <p:spPr>
+          <a:xfrm>
+            <a:off x="0" y="0"/>
+            <a:ext cx="12192000" cy="6858000"/>
+          </a:xfrm>
+          <a:prstGeom prst="rect">
+            <a:avLst/>
+          </a:prstGeom>
+          <a:ln>
+            <a:noFill/>
+          </a:ln>
+        </p:spPr>
+        <p:style>
+          <a:lnRef idx="2">
+            <a:schemeClr val="accent1">
+              <a:shade val="50000"/>
+            </a:schemeClr>
+          </a:lnRef>
+          <a:fillRef idx="1">
+            <a:schemeClr val="accent1"/>
+          </a:fillRef>
+          <a:effectRef idx="0">
+            <a:schemeClr val="accent1"/>
+          </a:effectRef>
+          <a:fontRef idx="minor">
+            <a:schemeClr val="lt1"/>
+          </a:fontRef>
+        </p:style>
+        <p:txBody>
+          <a:bodyPr rtlCol="0" anchor="ctr"/>
+          <a:lstStyle/>
+          <a:p>
+            <a:pPr algn="ctr"/>
+            <a:endParaRPr lang="en-US"/>
+          </a:p>
+        </p:txBody>
+      </p:sp>
       <p:sp>
         <p:nvSpPr>
           <p:cNvPr id="2" name="Title 1">
             <a:extLst>
               <a:ext uri="{FF2B5EF4-FFF2-40B4-BE49-F238E27FC236}">
+                <a16:creationId xmlns:a16="http://schemas.microsoft.com/office/drawing/2014/main" id="{016D498D-1952-FC4B-A878-A87AA6D2D283}"/>
+              </a:ext>
+            </a:extLst>
+          </p:cNvPr>
+          <p:cNvSpPr>
+            <a:spLocks noGrp="1"/>
+          </p:cNvSpPr>
+          <p:nvPr>
+            <p:ph type="title"/>
+          </p:nvPr>
+        </p:nvSpPr>
+        <p:spPr>
+          <a:xfrm>
+            <a:off x="411480" y="991443"/>
+            <a:ext cx="4443154" cy="1087819"/>
+          </a:xfrm>
+        </p:spPr>
+        <p:txBody>
+          <a:bodyPr anchor="b">
+            <a:normAutofit/>
+          </a:bodyPr>
+          <a:lstStyle/>
+          <a:p>
+            <a:r>
+              <a:rPr lang="en-US" sz="3400"/>
+              <a:t>Recommendation #2: School</a:t>
+            </a:r>
+          </a:p>
+        </p:txBody>
+      </p:sp>
+      <p:sp>
+        <p:nvSpPr>
+          <p:cNvPr id="14" name="Rectangle 13">
+            <a:extLst>
+              <a:ext uri="{FF2B5EF4-FFF2-40B4-BE49-F238E27FC236}">
+                <a16:creationId xmlns:a16="http://schemas.microsoft.com/office/drawing/2014/main" id="{33AE4636-AEEC-45D6-84D4-7AC2DA48ECF8}"/>
+              </a:ext>
+              <a:ext uri="{C183D7F6-B498-43B3-948B-1728B52AA6E4}">
+                <adec:decorative xmlns:adec="http://schemas.microsoft.com/office/drawing/2017/decorative" val="1"/>
+              </a:ext>
+            </a:extLst>
+          </p:cNvPr>
+          <p:cNvSpPr>
+            <a:spLocks noGrp="1" noRot="1" noChangeAspect="1" noMove="1" noResize="1" noEditPoints="1" noAdjustHandles="1" noChangeArrowheads="1" noChangeShapeType="1" noTextEdit="1"/>
+          </p:cNvSpPr>
+          <p:nvPr>
+            <p:extLst>
+              <p:ext uri="{386F3935-93C4-4BCD-93E2-E3B085C9AB24}">
+                <p16:designElem xmlns:p16="http://schemas.microsoft.com/office/powerpoint/2015/main" val="1"/>
+              </p:ext>
+            </p:extLst>
+          </p:nvPr>
+        </p:nvSpPr>
+        <p:spPr>
+          <a:xfrm rot="5400000">
+            <a:off x="649223" y="387939"/>
+            <a:ext cx="73152" cy="548640"/>
+          </a:xfrm>
+          <a:prstGeom prst="rect">
+            <a:avLst/>
+          </a:prstGeom>
+          <a:solidFill>
+            <a:schemeClr val="accent1"/>
+          </a:solidFill>
+          <a:ln>
+            <a:noFill/>
+          </a:ln>
+        </p:spPr>
+        <p:style>
+          <a:lnRef idx="2">
+            <a:schemeClr val="accent1">
+              <a:shade val="50000"/>
+            </a:schemeClr>
+          </a:lnRef>
+          <a:fillRef idx="1">
+            <a:schemeClr val="accent1"/>
+          </a:fillRef>
+          <a:effectRef idx="0">
+            <a:schemeClr val="accent1"/>
+          </a:effectRef>
+          <a:fontRef idx="minor">
+            <a:schemeClr val="lt1"/>
+          </a:fontRef>
+        </p:style>
+        <p:txBody>
+          <a:bodyPr rtlCol="0" anchor="ctr"/>
+          <a:lstStyle/>
+          <a:p>
+            <a:pPr marL="0" marR="0" lvl="0" indent="0" algn="ctr" defTabSz="914400" rtl="0" eaLnBrk="1" fontAlgn="auto" latinLnBrk="0" hangingPunct="1">
+              <a:lnSpc>
+                <a:spcPct val="100000"/>
+              </a:lnSpc>
+              <a:spcBef>
+                <a:spcPts val="0"/>
+              </a:spcBef>
+              <a:spcAft>
+                <a:spcPts val="0"/>
+              </a:spcAft>
+              <a:buClrTx/>
+              <a:buSzTx/>
+              <a:buFontTx/>
+              <a:buNone/>
+              <a:tabLst/>
+              <a:defRPr/>
+            </a:pPr>
+            <a:endParaRPr kumimoji="0" lang="en-US" sz="1800" b="0" i="0" u="none" strike="noStrike" kern="1200" cap="none" spc="0" normalizeH="0" baseline="0" noProof="0">
+              <a:ln>
+                <a:noFill/>
+              </a:ln>
+              <a:solidFill>
+                <a:prstClr val="white"/>
+              </a:solidFill>
+              <a:effectLst/>
+              <a:uLnTx/>
+              <a:uFillTx/>
+              <a:latin typeface="Calibri" panose="020F0502020204030204"/>
+              <a:ea typeface="+mn-ea"/>
+              <a:cs typeface="+mn-cs"/>
+            </a:endParaRPr>
+          </a:p>
+        </p:txBody>
+      </p:sp>
+      <p:sp>
+        <p:nvSpPr>
+          <p:cNvPr id="16" name="Rectangle 15">
+            <a:extLst>
+              <a:ext uri="{FF2B5EF4-FFF2-40B4-BE49-F238E27FC236}">
+                <a16:creationId xmlns:a16="http://schemas.microsoft.com/office/drawing/2014/main" id="{8D9CE0F4-2EB2-4F1F-8AAC-DB3571D9FE10}"/>
+              </a:ext>
+              <a:ext uri="{C183D7F6-B498-43B3-948B-1728B52AA6E4}">
+                <adec:decorative xmlns:adec="http://schemas.microsoft.com/office/drawing/2017/decorative" val="1"/>
+              </a:ext>
+            </a:extLst>
+          </p:cNvPr>
+          <p:cNvSpPr>
+            <a:spLocks noGrp="1" noRot="1" noChangeAspect="1" noMove="1" noResize="1" noEditPoints="1" noAdjustHandles="1" noChangeArrowheads="1" noChangeShapeType="1" noTextEdit="1"/>
+          </p:cNvSpPr>
+          <p:nvPr>
+            <p:extLst>
+              <p:ext uri="{386F3935-93C4-4BCD-93E2-E3B085C9AB24}">
+                <p16:designElem xmlns:p16="http://schemas.microsoft.com/office/powerpoint/2015/main" val="1"/>
+              </p:ext>
+            </p:extLst>
+          </p:nvPr>
+        </p:nvSpPr>
+        <p:spPr>
+          <a:xfrm>
+            <a:off x="411480" y="2285541"/>
+            <a:ext cx="4389120" cy="18288"/>
+          </a:xfrm>
+          <a:prstGeom prst="rect">
+            <a:avLst/>
+          </a:prstGeom>
+          <a:solidFill>
+            <a:schemeClr val="tx2">
+              <a:lumMod val="25000"/>
+              <a:lumOff val="75000"/>
+            </a:schemeClr>
+          </a:solidFill>
+          <a:ln w="3175">
+            <a:noFill/>
+          </a:ln>
+          <a:effectLst/>
+        </p:spPr>
+        <p:style>
+          <a:lnRef idx="2">
+            <a:schemeClr val="accent1">
+              <a:shade val="50000"/>
+            </a:schemeClr>
+          </a:lnRef>
+          <a:fillRef idx="1">
+            <a:schemeClr val="accent1"/>
+          </a:fillRef>
+          <a:effectRef idx="0">
+            <a:schemeClr val="accent1"/>
+          </a:effectRef>
+          <a:fontRef idx="minor">
+            <a:schemeClr val="lt1"/>
+          </a:fontRef>
+        </p:style>
+        <p:txBody>
+          <a:bodyPr rtlCol="0" anchor="ctr"/>
+          <a:lstStyle/>
+          <a:p>
+            <a:pPr marL="0" marR="0" lvl="0" indent="0" algn="ctr" defTabSz="914400" rtl="0" eaLnBrk="1" fontAlgn="auto" latinLnBrk="0" hangingPunct="1">
+              <a:lnSpc>
+                <a:spcPct val="100000"/>
+              </a:lnSpc>
+              <a:spcBef>
+                <a:spcPts val="0"/>
+              </a:spcBef>
+              <a:spcAft>
+                <a:spcPts val="0"/>
+              </a:spcAft>
+              <a:buClrTx/>
+              <a:buSzTx/>
+              <a:buFontTx/>
+              <a:buNone/>
+              <a:tabLst/>
+              <a:defRPr/>
+            </a:pPr>
+            <a:endParaRPr kumimoji="0" lang="en-US" sz="1800" b="0" i="0" u="none" strike="noStrike" kern="1200" cap="none" spc="0" normalizeH="0" baseline="0" noProof="0">
+              <a:ln>
+                <a:noFill/>
+              </a:ln>
+              <a:solidFill>
+                <a:prstClr val="white"/>
+              </a:solidFill>
+              <a:effectLst/>
+              <a:uLnTx/>
+              <a:uFillTx/>
+              <a:latin typeface="Calibri" panose="020F0502020204030204"/>
+              <a:ea typeface="+mn-ea"/>
+              <a:cs typeface="+mn-cs"/>
+            </a:endParaRPr>
+          </a:p>
+        </p:txBody>
+      </p:sp>
+      <p:sp>
+        <p:nvSpPr>
+          <p:cNvPr id="9" name="Content Placeholder 8">
+            <a:extLst>
+              <a:ext uri="{FF2B5EF4-FFF2-40B4-BE49-F238E27FC236}">
+                <a16:creationId xmlns:a16="http://schemas.microsoft.com/office/drawing/2014/main" id="{4F9E9CB2-ABBF-474E-A150-D2014D232052}"/>
+              </a:ext>
+            </a:extLst>
+          </p:cNvPr>
+          <p:cNvSpPr>
+            <a:spLocks noGrp="1"/>
+          </p:cNvSpPr>
+          <p:nvPr>
+            <p:ph idx="1"/>
+          </p:nvPr>
+        </p:nvSpPr>
+        <p:spPr>
+          <a:xfrm>
+            <a:off x="411480" y="2684095"/>
+            <a:ext cx="4443154" cy="3492868"/>
+          </a:xfrm>
+        </p:spPr>
+        <p:txBody>
+          <a:bodyPr>
+            <a:normAutofit/>
+          </a:bodyPr>
+          <a:lstStyle/>
+          <a:p>
+            <a:r>
+              <a:rPr lang="en-US" sz="1700" dirty="0"/>
+              <a:t>These are the top 20 schools that could’ve received 10+ more admissions offers by sending more of their level 4 students to take the SHSAT.</a:t>
+            </a:r>
+          </a:p>
+          <a:p>
+            <a:r>
+              <a:rPr lang="en-US" sz="1700" dirty="0"/>
+              <a:t>Many have 50+% Black &amp; Latinx student bodies.</a:t>
+            </a:r>
+          </a:p>
+        </p:txBody>
+      </p:sp>
+      <p:pic>
+        <p:nvPicPr>
+          <p:cNvPr id="5" name="Content Placeholder 4" descr="Table&#10;&#10;Description automatically generated">
+            <a:extLst>
+              <a:ext uri="{FF2B5EF4-FFF2-40B4-BE49-F238E27FC236}">
+                <a16:creationId xmlns:a16="http://schemas.microsoft.com/office/drawing/2014/main" id="{9E8F1BEB-E560-A044-A629-833365FA4FB8}"/>
+              </a:ext>
+            </a:extLst>
+          </p:cNvPr>
+          <p:cNvPicPr>
+            <a:picLocks noChangeAspect="1"/>
+          </p:cNvPicPr>
+          <p:nvPr/>
+        </p:nvPicPr>
+        <p:blipFill>
+          <a:blip r:embed="rId2"/>
+          <a:stretch>
+            <a:fillRect/>
+          </a:stretch>
+        </p:blipFill>
+        <p:spPr>
+          <a:xfrm>
+            <a:off x="5868831" y="42799"/>
+            <a:ext cx="5474392" cy="6717049"/>
+          </a:xfrm>
+          <a:prstGeom prst="rect">
+            <a:avLst/>
+          </a:prstGeom>
+        </p:spPr>
+      </p:pic>
+    </p:spTree>
+    <p:extLst>
+      <p:ext uri="{BB962C8B-B14F-4D97-AF65-F5344CB8AC3E}">
+        <p14:creationId xmlns:p14="http://schemas.microsoft.com/office/powerpoint/2010/main" val="666643231"/>
+      </p:ext>
+    </p:extLst>
+  </p:cSld>
+  <p:clrMapOvr>
+    <a:masterClrMapping/>
+  </p:clrMapOvr>
+</p:sld>
+</file>
+
+<file path=ppt/slides/slide18.xml><?xml version="1.0" encoding="utf-8"?>
+<p:sld xmlns:a="http://schemas.openxmlformats.org/drawingml/2006/main" xmlns:r="http://schemas.openxmlformats.org/officeDocument/2006/relationships" xmlns:p="http://schemas.openxmlformats.org/presentationml/2006/main">
+  <p:cSld>
+    <p:bg>
+      <p:bgPr>
+        <a:solidFill>
+          <a:schemeClr val="bg1"/>
+        </a:solidFill>
+        <a:effectLst/>
+      </p:bgPr>
+    </p:bg>
+    <p:spTree>
+      <p:nvGrpSpPr>
+        <p:cNvPr id="1" name=""/>
+        <p:cNvGrpSpPr/>
+        <p:nvPr/>
+      </p:nvGrpSpPr>
+      <p:grpSpPr>
+        <a:xfrm>
+          <a:off x="0" y="0"/>
+          <a:ext cx="0" cy="0"/>
+          <a:chOff x="0" y="0"/>
+          <a:chExt cx="0" cy="0"/>
+        </a:xfrm>
+      </p:grpSpPr>
+      <p:sp useBgFill="1">
+        <p:nvSpPr>
+          <p:cNvPr id="23" name="Rectangle 22">
+            <a:extLst>
+              <a:ext uri="{FF2B5EF4-FFF2-40B4-BE49-F238E27FC236}">
+                <a16:creationId xmlns:a16="http://schemas.microsoft.com/office/drawing/2014/main" id="{8FC9BE17-9A7B-462D-AE50-3D8777387304}"/>
+              </a:ext>
+              <a:ext uri="{C183D7F6-B498-43B3-948B-1728B52AA6E4}">
+                <adec:decorative xmlns:adec="http://schemas.microsoft.com/office/drawing/2017/decorative" val="1"/>
+              </a:ext>
+            </a:extLst>
+          </p:cNvPr>
+          <p:cNvSpPr>
+            <a:spLocks noGrp="1" noRot="1" noChangeAspect="1" noMove="1" noResize="1" noEditPoints="1" noAdjustHandles="1" noChangeArrowheads="1" noChangeShapeType="1" noTextEdit="1"/>
+          </p:cNvSpPr>
+          <p:nvPr>
+            <p:extLst>
+              <p:ext uri="{386F3935-93C4-4BCD-93E2-E3B085C9AB24}">
+                <p16:designElem xmlns:p16="http://schemas.microsoft.com/office/powerpoint/2015/main" val="1"/>
+              </p:ext>
+            </p:extLst>
+          </p:nvPr>
+        </p:nvSpPr>
+        <p:spPr>
+          <a:xfrm>
+            <a:off x="0" y="0"/>
+            <a:ext cx="12192000" cy="6858000"/>
+          </a:xfrm>
+          <a:prstGeom prst="rect">
+            <a:avLst/>
+          </a:prstGeom>
+          <a:ln>
+            <a:noFill/>
+          </a:ln>
+        </p:spPr>
+        <p:style>
+          <a:lnRef idx="2">
+            <a:schemeClr val="accent1">
+              <a:shade val="50000"/>
+            </a:schemeClr>
+          </a:lnRef>
+          <a:fillRef idx="1">
+            <a:schemeClr val="accent1"/>
+          </a:fillRef>
+          <a:effectRef idx="0">
+            <a:schemeClr val="accent1"/>
+          </a:effectRef>
+          <a:fontRef idx="minor">
+            <a:schemeClr val="lt1"/>
+          </a:fontRef>
+        </p:style>
+        <p:txBody>
+          <a:bodyPr rtlCol="0" anchor="ctr"/>
+          <a:lstStyle/>
+          <a:p>
+            <a:pPr algn="ctr"/>
+            <a:endParaRPr lang="en-US"/>
+          </a:p>
+        </p:txBody>
+      </p:sp>
+      <p:pic>
+        <p:nvPicPr>
+          <p:cNvPr id="18" name="Picture 4">
+            <a:extLst>
+              <a:ext uri="{FF2B5EF4-FFF2-40B4-BE49-F238E27FC236}">
+                <a16:creationId xmlns:a16="http://schemas.microsoft.com/office/drawing/2014/main" id="{6973957D-3ADC-444C-8606-F4FC345CC928}"/>
+              </a:ext>
+            </a:extLst>
+          </p:cNvPr>
+          <p:cNvPicPr>
+            <a:picLocks noChangeAspect="1"/>
+          </p:cNvPicPr>
+          <p:nvPr/>
+        </p:nvPicPr>
+        <p:blipFill rotWithShape="1">
+          <a:blip r:embed="rId2"/>
+          <a:srcRect l="4635" r="10992" b="-1"/>
+          <a:stretch/>
+        </p:blipFill>
+        <p:spPr>
+          <a:xfrm>
+            <a:off x="3523488" y="10"/>
+            <a:ext cx="8668512" cy="6857990"/>
+          </a:xfrm>
+          <a:prstGeom prst="rect">
+            <a:avLst/>
+          </a:prstGeom>
+        </p:spPr>
+      </p:pic>
+      <p:sp>
+        <p:nvSpPr>
+          <p:cNvPr id="25" name="Rectangle 24">
+            <a:extLst>
+              <a:ext uri="{FF2B5EF4-FFF2-40B4-BE49-F238E27FC236}">
+                <a16:creationId xmlns:a16="http://schemas.microsoft.com/office/drawing/2014/main" id="{3EBE8569-6AEC-4B8C-8D53-2DE337CDBA65}"/>
+              </a:ext>
+              <a:ext uri="{C183D7F6-B498-43B3-948B-1728B52AA6E4}">
+                <adec:decorative xmlns:adec="http://schemas.microsoft.com/office/drawing/2017/decorative" val="1"/>
+              </a:ext>
+            </a:extLst>
+          </p:cNvPr>
+          <p:cNvSpPr>
+            <a:spLocks noGrp="1" noRot="1" noChangeAspect="1" noMove="1" noResize="1" noEditPoints="1" noAdjustHandles="1" noChangeArrowheads="1" noChangeShapeType="1" noTextEdit="1"/>
+          </p:cNvSpPr>
+          <p:nvPr>
+            <p:extLst>
+              <p:ext uri="{386F3935-93C4-4BCD-93E2-E3B085C9AB24}">
+                <p16:designElem xmlns:p16="http://schemas.microsoft.com/office/powerpoint/2015/main" val="1"/>
+              </p:ext>
+            </p:extLst>
+          </p:nvPr>
+        </p:nvSpPr>
+        <p:spPr>
+          <a:xfrm>
+            <a:off x="2" y="0"/>
+            <a:ext cx="9756601" cy="6858000"/>
+          </a:xfrm>
+          <a:prstGeom prst="rect">
+            <a:avLst/>
+          </a:prstGeom>
+          <a:gradFill>
+            <a:gsLst>
+              <a:gs pos="58000">
+                <a:schemeClr val="bg1"/>
+              </a:gs>
+              <a:gs pos="35000">
+                <a:schemeClr val="bg1">
+                  <a:alpha val="78000"/>
+                </a:schemeClr>
+              </a:gs>
+              <a:gs pos="19000">
+                <a:schemeClr val="bg1">
+                  <a:alpha val="38000"/>
+                </a:schemeClr>
+              </a:gs>
+              <a:gs pos="0">
+                <a:schemeClr val="bg1">
+                  <a:alpha val="0"/>
+                </a:schemeClr>
+              </a:gs>
+              <a:gs pos="100000">
+                <a:schemeClr val="bg1"/>
+              </a:gs>
+            </a:gsLst>
+            <a:lin ang="10800000" scaled="0"/>
+          </a:gradFill>
+          <a:ln>
+            <a:noFill/>
+          </a:ln>
+        </p:spPr>
+        <p:style>
+          <a:lnRef idx="2">
+            <a:schemeClr val="accent1">
+              <a:shade val="50000"/>
+            </a:schemeClr>
+          </a:lnRef>
+          <a:fillRef idx="1">
+            <a:schemeClr val="accent1"/>
+          </a:fillRef>
+          <a:effectRef idx="0">
+            <a:schemeClr val="accent1"/>
+          </a:effectRef>
+          <a:fontRef idx="minor">
+            <a:schemeClr val="lt1"/>
+          </a:fontRef>
+        </p:style>
+        <p:txBody>
+          <a:bodyPr rtlCol="0" anchor="ctr"/>
+          <a:lstStyle/>
+          <a:p>
+            <a:pPr algn="ctr"/>
+            <a:endParaRPr lang="en-US" dirty="0"/>
+          </a:p>
+        </p:txBody>
+      </p:sp>
+      <p:sp>
+        <p:nvSpPr>
+          <p:cNvPr id="2" name="Title 1">
+            <a:extLst>
+              <a:ext uri="{FF2B5EF4-FFF2-40B4-BE49-F238E27FC236}">
                 <a16:creationId xmlns:a16="http://schemas.microsoft.com/office/drawing/2014/main" id="{055831D1-F8FE-CF4E-9F75-6B2D1AD229B4}"/>
               </a:ext>
             </a:extLst>
@@ -6193,13 +10027,20 @@
             <p:ph type="title"/>
           </p:nvPr>
         </p:nvSpPr>
-        <p:spPr/>
-        <p:txBody>
-          <a:bodyPr/>
+        <p:spPr>
+          <a:xfrm>
+            <a:off x="371094" y="1161288"/>
+            <a:ext cx="3438144" cy="1124712"/>
+          </a:xfrm>
+        </p:spPr>
+        <p:txBody>
+          <a:bodyPr anchor="b">
+            <a:normAutofit/>
+          </a:bodyPr>
           <a:lstStyle/>
           <a:p>
             <a:r>
-              <a:rPr lang="en-US" dirty="0"/>
+              <a:rPr lang="en-US" sz="2800"/>
               <a:t>Future Analyses</a:t>
             </a:r>
           </a:p>
@@ -6207,6 +10048,199 @@
       </p:sp>
       <p:sp>
         <p:nvSpPr>
+          <p:cNvPr id="27" name="Rectangle 26">
+            <a:extLst>
+              <a:ext uri="{FF2B5EF4-FFF2-40B4-BE49-F238E27FC236}">
+                <a16:creationId xmlns:a16="http://schemas.microsoft.com/office/drawing/2014/main" id="{55D4142C-5077-457F-A6AD-3FECFDB39685}"/>
+              </a:ext>
+              <a:ext uri="{C183D7F6-B498-43B3-948B-1728B52AA6E4}">
+                <adec:decorative xmlns:adec="http://schemas.microsoft.com/office/drawing/2017/decorative" val="1"/>
+              </a:ext>
+            </a:extLst>
+          </p:cNvPr>
+          <p:cNvSpPr>
+            <a:spLocks noGrp="1" noRot="1" noChangeAspect="1" noMove="1" noResize="1" noEditPoints="1" noAdjustHandles="1" noChangeArrowheads="1" noChangeShapeType="1" noTextEdit="1"/>
+          </p:cNvSpPr>
+          <p:nvPr>
+            <p:extLst>
+              <p:ext uri="{386F3935-93C4-4BCD-93E2-E3B085C9AB24}">
+                <p16:designElem xmlns:p16="http://schemas.microsoft.com/office/powerpoint/2015/main" val="1"/>
+              </p:ext>
+            </p:extLst>
+          </p:nvPr>
+        </p:nvSpPr>
+        <p:spPr>
+          <a:xfrm rot="5400000">
+            <a:off x="662559" y="605790"/>
+            <a:ext cx="73152" cy="548640"/>
+          </a:xfrm>
+          <a:prstGeom prst="rect">
+            <a:avLst/>
+          </a:prstGeom>
+          <a:solidFill>
+            <a:schemeClr val="accent1"/>
+          </a:solidFill>
+          <a:ln>
+            <a:noFill/>
+          </a:ln>
+        </p:spPr>
+        <p:style>
+          <a:lnRef idx="2">
+            <a:schemeClr val="accent1">
+              <a:shade val="50000"/>
+            </a:schemeClr>
+          </a:lnRef>
+          <a:fillRef idx="1">
+            <a:schemeClr val="accent1"/>
+          </a:fillRef>
+          <a:effectRef idx="0">
+            <a:schemeClr val="accent1"/>
+          </a:effectRef>
+          <a:fontRef idx="minor">
+            <a:schemeClr val="lt1"/>
+          </a:fontRef>
+        </p:style>
+        <p:txBody>
+          <a:bodyPr rtlCol="0" anchor="ctr"/>
+          <a:lstStyle/>
+          <a:p>
+            <a:pPr marL="0" marR="0" lvl="0" indent="0" algn="ctr" defTabSz="914400" rtl="0" eaLnBrk="1" fontAlgn="auto" latinLnBrk="0" hangingPunct="1">
+              <a:lnSpc>
+                <a:spcPct val="100000"/>
+              </a:lnSpc>
+              <a:spcBef>
+                <a:spcPts val="0"/>
+              </a:spcBef>
+              <a:spcAft>
+                <a:spcPts val="0"/>
+              </a:spcAft>
+              <a:buClrTx/>
+              <a:buSzTx/>
+              <a:buFontTx/>
+              <a:buNone/>
+              <a:tabLst/>
+              <a:defRPr/>
+            </a:pPr>
+            <a:endParaRPr kumimoji="0" lang="en-US" sz="1800" b="0" i="0" u="none" strike="noStrike" kern="1200" cap="none" spc="0" normalizeH="0" baseline="0" noProof="0">
+              <a:ln>
+                <a:noFill/>
+              </a:ln>
+              <a:solidFill>
+                <a:prstClr val="white"/>
+              </a:solidFill>
+              <a:effectLst/>
+              <a:uLnTx/>
+              <a:uFillTx/>
+              <a:latin typeface="Calibri" panose="020F0502020204030204"/>
+              <a:ea typeface="+mn-ea"/>
+              <a:cs typeface="+mn-cs"/>
+            </a:endParaRPr>
+          </a:p>
+        </p:txBody>
+      </p:sp>
+      <p:sp>
+        <p:nvSpPr>
+          <p:cNvPr id="29" name="Rectangle 28">
+            <a:extLst>
+              <a:ext uri="{FF2B5EF4-FFF2-40B4-BE49-F238E27FC236}">
+                <a16:creationId xmlns:a16="http://schemas.microsoft.com/office/drawing/2014/main" id="{7A5F0580-5EE9-419F-96EE-B6529EF6E7D0}"/>
+              </a:ext>
+              <a:ext uri="{C183D7F6-B498-43B3-948B-1728B52AA6E4}">
+                <adec:decorative xmlns:adec="http://schemas.microsoft.com/office/drawing/2017/decorative" val="1"/>
+              </a:ext>
+            </a:extLst>
+          </p:cNvPr>
+          <p:cNvSpPr>
+            <a:spLocks noGrp="1" noRot="1" noChangeAspect="1" noMove="1" noResize="1" noEditPoints="1" noAdjustHandles="1" noChangeArrowheads="1" noChangeShapeType="1" noTextEdit="1"/>
+          </p:cNvSpPr>
+          <p:nvPr>
+            <p:extLst>
+              <p:ext uri="{386F3935-93C4-4BCD-93E2-E3B085C9AB24}">
+                <p16:designElem xmlns:p16="http://schemas.microsoft.com/office/powerpoint/2015/main" val="1"/>
+              </p:ext>
+            </p:extLst>
+          </p:nvPr>
+        </p:nvSpPr>
+        <p:spPr>
+          <a:xfrm>
+            <a:off x="428244" y="2443480"/>
+            <a:ext cx="3300984" cy="9144"/>
+          </a:xfrm>
+          <a:prstGeom prst="rect">
+            <a:avLst/>
+          </a:prstGeom>
+          <a:solidFill>
+            <a:schemeClr val="tx2">
+              <a:lumMod val="25000"/>
+              <a:lumOff val="75000"/>
+            </a:schemeClr>
+          </a:solidFill>
+          <a:ln w="3175">
+            <a:solidFill>
+              <a:schemeClr val="tx2">
+                <a:lumMod val="25000"/>
+                <a:lumOff val="75000"/>
+              </a:schemeClr>
+            </a:solidFill>
+          </a:ln>
+          <a:effectLst/>
+        </p:spPr>
+        <p:style>
+          <a:lnRef idx="2">
+            <a:schemeClr val="accent1">
+              <a:shade val="50000"/>
+            </a:schemeClr>
+          </a:lnRef>
+          <a:fillRef idx="1">
+            <a:schemeClr val="accent1"/>
+          </a:fillRef>
+          <a:effectRef idx="0">
+            <a:schemeClr val="accent1"/>
+          </a:effectRef>
+          <a:fontRef idx="minor">
+            <a:schemeClr val="lt1"/>
+          </a:fontRef>
+        </p:style>
+        <p:txBody>
+          <a:bodyPr rtlCol="0" anchor="ctr"/>
+          <a:lstStyle/>
+          <a:p>
+            <a:pPr marL="0" marR="0" lvl="0" indent="0" algn="ctr" defTabSz="914400" rtl="0" eaLnBrk="1" fontAlgn="auto" latinLnBrk="0" hangingPunct="1">
+              <a:lnSpc>
+                <a:spcPct val="100000"/>
+              </a:lnSpc>
+              <a:spcBef>
+                <a:spcPts val="0"/>
+              </a:spcBef>
+              <a:spcAft>
+                <a:spcPts val="0"/>
+              </a:spcAft>
+              <a:buClrTx/>
+              <a:buSzTx/>
+              <a:buFontTx/>
+              <a:buNone/>
+              <a:tabLst/>
+              <a:defRPr/>
+            </a:pPr>
+            <a:endParaRPr kumimoji="0" lang="en-US" sz="1800" b="0" i="0" u="none" strike="noStrike" kern="1200" cap="none" spc="0" normalizeH="0" baseline="0" noProof="0">
+              <a:ln>
+                <a:noFill/>
+              </a:ln>
+              <a:solidFill>
+                <a:prstClr val="white"/>
+              </a:solidFill>
+              <a:effectLst/>
+              <a:uLnTx/>
+              <a:uFillTx/>
+              <a:latin typeface="Calibri" panose="020F0502020204030204"/>
+              <a:ea typeface="+mn-ea"/>
+              <a:cs typeface="+mn-cs"/>
+            </a:endParaRPr>
+          </a:p>
+        </p:txBody>
+      </p:sp>
+      <p:sp>
+        <p:nvSpPr>
           <p:cNvPr id="3" name="Content Placeholder 2">
             <a:extLst>
               <a:ext uri="{FF2B5EF4-FFF2-40B4-BE49-F238E27FC236}">
@@ -6221,12 +10255,87 @@
             <p:ph idx="1"/>
           </p:nvPr>
         </p:nvSpPr>
-        <p:spPr/>
-        <p:txBody>
-          <a:bodyPr/>
-          <a:lstStyle/>
-          <a:p>
-            <a:endParaRPr lang="en-US"/>
+        <p:spPr>
+          <a:xfrm>
+            <a:off x="371094" y="2718054"/>
+            <a:ext cx="3438906" cy="3207258"/>
+          </a:xfrm>
+        </p:spPr>
+        <p:txBody>
+          <a:bodyPr anchor="t">
+            <a:normAutofit/>
+          </a:bodyPr>
+          <a:lstStyle/>
+          <a:p>
+            <a:pPr>
+              <a:lnSpc>
+                <a:spcPct val="100000"/>
+              </a:lnSpc>
+            </a:pPr>
+            <a:r>
+              <a:rPr lang="en-US" sz="900"/>
+              <a:t>Using GIS to determine if there’re any differences in admissions offers to schools/students based on how close the feeder school is to the specialized high school.</a:t>
+            </a:r>
+          </a:p>
+          <a:p>
+            <a:pPr>
+              <a:lnSpc>
+                <a:spcPct val="100000"/>
+              </a:lnSpc>
+            </a:pPr>
+            <a:r>
+              <a:rPr lang="en-US" sz="900"/>
+              <a:t>I was only able to use one year of admissions and test data. It would have been interesting to determine if there're any trends in the data across more than one year of data.</a:t>
+            </a:r>
+          </a:p>
+          <a:p>
+            <a:pPr>
+              <a:lnSpc>
+                <a:spcPct val="100000"/>
+              </a:lnSpc>
+            </a:pPr>
+            <a:r>
+              <a:rPr lang="en-US" sz="900"/>
+              <a:t>The data only contained the performance on tests that are administered to students during a typical school year. </a:t>
+            </a:r>
+          </a:p>
+          <a:p>
+            <a:pPr lvl="1">
+              <a:lnSpc>
+                <a:spcPct val="100000"/>
+              </a:lnSpc>
+            </a:pPr>
+            <a:r>
+              <a:rPr lang="en-US" sz="900"/>
+              <a:t>It would be interesting to see how preparatory tests for the SHSAT relate to the number of offers received by schools/students. </a:t>
+            </a:r>
+          </a:p>
+          <a:p>
+            <a:pPr lvl="1">
+              <a:lnSpc>
+                <a:spcPct val="100000"/>
+              </a:lnSpc>
+            </a:pPr>
+            <a:r>
+              <a:rPr lang="en-US" sz="900"/>
+              <a:t>Also, looking at any after-school prep programs' impact on the number of offers received, would be interesting</a:t>
+            </a:r>
+          </a:p>
+          <a:p>
+            <a:pPr>
+              <a:lnSpc>
+                <a:spcPct val="100000"/>
+              </a:lnSpc>
+            </a:pPr>
+            <a:endParaRPr lang="en-US" sz="900"/>
+          </a:p>
+          <a:p>
+            <a:pPr>
+              <a:lnSpc>
+                <a:spcPct val="100000"/>
+              </a:lnSpc>
+            </a:pPr>
+            <a:endParaRPr lang="en-US" sz="900"/>
           </a:p>
         </p:txBody>
       </p:sp>
@@ -6246,6 +10355,14 @@
 <file path=ppt/slides/slide2.xml><?xml version="1.0" encoding="utf-8"?>
 <p:sld xmlns:a="http://schemas.openxmlformats.org/drawingml/2006/main" xmlns:r="http://schemas.openxmlformats.org/officeDocument/2006/relationships" xmlns:p="http://schemas.openxmlformats.org/presentationml/2006/main">
   <p:cSld>
+    <p:bg>
+      <p:bgPr>
+        <a:solidFill>
+          <a:schemeClr val="bg1"/>
+        </a:solidFill>
+        <a:effectLst/>
+      </p:bgPr>
+    </p:bg>
     <p:spTree>
       <p:nvGrpSpPr>
         <p:cNvPr id="1" name=""/>
@@ -6260,6 +10377,66 @@
           <a:chExt cx="0" cy="0"/>
         </a:xfrm>
       </p:grpSpPr>
+      <p:sp useBgFill="1">
+        <p:nvSpPr>
+          <p:cNvPr id="17" name="Rectangle 16">
+            <a:extLst>
+              <a:ext uri="{FF2B5EF4-FFF2-40B4-BE49-F238E27FC236}">
+                <a16:creationId xmlns:a16="http://schemas.microsoft.com/office/drawing/2014/main" id="{CBB2B1F0-0DD6-4744-9A46-7A344FB48E40}"/>
+              </a:ext>
+              <a:ext uri="{C183D7F6-B498-43B3-948B-1728B52AA6E4}">
+                <adec:decorative xmlns:adec="http://schemas.microsoft.com/office/drawing/2017/decorative" val="1"/>
+              </a:ext>
+            </a:extLst>
+          </p:cNvPr>
+          <p:cNvSpPr>
+            <a:spLocks noGrp="1" noRot="1" noChangeAspect="1" noMove="1" noResize="1" noEditPoints="1" noAdjustHandles="1" noChangeArrowheads="1" noChangeShapeType="1" noTextEdit="1"/>
+          </p:cNvSpPr>
+          <p:nvPr>
+            <p:extLst>
+              <p:ext uri="{386F3935-93C4-4BCD-93E2-E3B085C9AB24}">
+                <p16:designElem xmlns:p16="http://schemas.microsoft.com/office/powerpoint/2015/main" val="1"/>
+              </p:ext>
+            </p:extLst>
+          </p:nvPr>
+        </p:nvSpPr>
+        <p:spPr>
+          <a:xfrm>
+            <a:off x="0" y="0"/>
+            <a:ext cx="12192000" cy="6858000"/>
+          </a:xfrm>
+          <a:prstGeom prst="rect">
+            <a:avLst/>
+          </a:prstGeom>
+          <a:ln>
+            <a:noFill/>
+          </a:ln>
+        </p:spPr>
+        <p:style>
+          <a:lnRef idx="2">
+            <a:schemeClr val="accent1">
+              <a:shade val="50000"/>
+            </a:schemeClr>
+          </a:lnRef>
+          <a:fillRef idx="1">
+            <a:schemeClr val="accent1"/>
+          </a:fillRef>
+          <a:effectRef idx="0">
+            <a:schemeClr val="accent1"/>
+          </a:effectRef>
+          <a:fontRef idx="minor">
+            <a:schemeClr val="lt1"/>
+          </a:fontRef>
+        </p:style>
+        <p:txBody>
+          <a:bodyPr rtlCol="0" anchor="ctr"/>
+          <a:lstStyle/>
+          <a:p>
+            <a:pPr algn="ctr"/>
+            <a:endParaRPr lang="en-US"/>
+          </a:p>
+        </p:txBody>
+      </p:sp>
       <p:sp>
         <p:nvSpPr>
           <p:cNvPr id="2" name="Title 1">
@@ -6276,13 +10453,20 @@
             <p:ph type="title"/>
           </p:nvPr>
         </p:nvSpPr>
-        <p:spPr/>
-        <p:txBody>
-          <a:bodyPr/>
+        <p:spPr>
+          <a:xfrm>
+            <a:off x="841248" y="426720"/>
+            <a:ext cx="10506456" cy="1919141"/>
+          </a:xfrm>
+        </p:spPr>
+        <p:txBody>
+          <a:bodyPr anchor="b">
+            <a:normAutofit/>
+          </a:bodyPr>
           <a:lstStyle/>
           <a:p>
             <a:r>
-              <a:rPr lang="en-US" dirty="0"/>
+              <a:rPr lang="en-US" sz="6000"/>
               <a:t>Background</a:t>
             </a:r>
           </a:p>
@@ -6290,6 +10474,194 @@
       </p:sp>
       <p:sp>
         <p:nvSpPr>
+          <p:cNvPr id="19" name="Rectangle 18">
+            <a:extLst>
+              <a:ext uri="{FF2B5EF4-FFF2-40B4-BE49-F238E27FC236}">
+                <a16:creationId xmlns:a16="http://schemas.microsoft.com/office/drawing/2014/main" id="{7A0B5DEA-ADF6-4BA5-9307-147F0A4685A0}"/>
+              </a:ext>
+              <a:ext uri="{C183D7F6-B498-43B3-948B-1728B52AA6E4}">
+                <adec:decorative xmlns:adec="http://schemas.microsoft.com/office/drawing/2017/decorative" val="1"/>
+              </a:ext>
+            </a:extLst>
+          </p:cNvPr>
+          <p:cNvSpPr>
+            <a:spLocks noGrp="1" noRot="1" noChangeAspect="1" noMove="1" noResize="1" noEditPoints="1" noAdjustHandles="1" noChangeArrowheads="1" noChangeShapeType="1" noTextEdit="1"/>
+          </p:cNvSpPr>
+          <p:nvPr>
+            <p:extLst>
+              <p:ext uri="{386F3935-93C4-4BCD-93E2-E3B085C9AB24}">
+                <p16:designElem xmlns:p16="http://schemas.microsoft.com/office/powerpoint/2015/main" val="1"/>
+              </p:ext>
+            </p:extLst>
+          </p:nvPr>
+        </p:nvSpPr>
+        <p:spPr>
+          <a:xfrm>
+            <a:off x="868680" y="2898648"/>
+            <a:ext cx="10506456" cy="18288"/>
+          </a:xfrm>
+          <a:prstGeom prst="rect">
+            <a:avLst/>
+          </a:prstGeom>
+          <a:solidFill>
+            <a:schemeClr val="tx2">
+              <a:lumMod val="25000"/>
+              <a:lumOff val="75000"/>
+            </a:schemeClr>
+          </a:solidFill>
+          <a:ln w="3175">
+            <a:noFill/>
+          </a:ln>
+          <a:effectLst/>
+        </p:spPr>
+        <p:style>
+          <a:lnRef idx="2">
+            <a:schemeClr val="accent1">
+              <a:shade val="50000"/>
+            </a:schemeClr>
+          </a:lnRef>
+          <a:fillRef idx="1">
+            <a:schemeClr val="accent1"/>
+          </a:fillRef>
+          <a:effectRef idx="0">
+            <a:schemeClr val="accent1"/>
+          </a:effectRef>
+          <a:fontRef idx="minor">
+            <a:schemeClr val="lt1"/>
+          </a:fontRef>
+        </p:style>
+        <p:txBody>
+          <a:bodyPr rtlCol="0" anchor="ctr"/>
+          <a:lstStyle/>
+          <a:p>
+            <a:pPr marL="0" marR="0" lvl="0" indent="0" algn="ctr" defTabSz="914400" rtl="0" eaLnBrk="1" fontAlgn="auto" latinLnBrk="0" hangingPunct="1">
+              <a:lnSpc>
+                <a:spcPct val="100000"/>
+              </a:lnSpc>
+              <a:spcBef>
+                <a:spcPts val="0"/>
+              </a:spcBef>
+              <a:spcAft>
+                <a:spcPts val="0"/>
+              </a:spcAft>
+              <a:buClrTx/>
+              <a:buSzTx/>
+              <a:buFontTx/>
+              <a:buNone/>
+              <a:tabLst/>
+              <a:defRPr/>
+            </a:pPr>
+            <a:endParaRPr kumimoji="0" lang="en-US" sz="1800" b="0" i="0" u="none" strike="noStrike" kern="1200" cap="none" spc="0" normalizeH="0" baseline="0" noProof="0">
+              <a:ln>
+                <a:noFill/>
+              </a:ln>
+              <a:solidFill>
+                <a:prstClr val="white"/>
+              </a:solidFill>
+              <a:effectLst/>
+              <a:uLnTx/>
+              <a:uFillTx/>
+              <a:latin typeface="Calibri" panose="020F0502020204030204"/>
+              <a:ea typeface="+mn-ea"/>
+              <a:cs typeface="+mn-cs"/>
+            </a:endParaRPr>
+          </a:p>
+        </p:txBody>
+      </p:sp>
+      <p:sp>
+        <p:nvSpPr>
+          <p:cNvPr id="21" name="Rectangle 20">
+            <a:extLst>
+              <a:ext uri="{FF2B5EF4-FFF2-40B4-BE49-F238E27FC236}">
+                <a16:creationId xmlns:a16="http://schemas.microsoft.com/office/drawing/2014/main" id="{9DECDBF4-02B6-4BB4-B65B-B8107AD6A9E8}"/>
+              </a:ext>
+              <a:ext uri="{C183D7F6-B498-43B3-948B-1728B52AA6E4}">
+                <adec:decorative xmlns:adec="http://schemas.microsoft.com/office/drawing/2017/decorative" val="1"/>
+              </a:ext>
+            </a:extLst>
+          </p:cNvPr>
+          <p:cNvSpPr>
+            <a:spLocks noGrp="1" noRot="1" noChangeAspect="1" noMove="1" noResize="1" noEditPoints="1" noAdjustHandles="1" noChangeArrowheads="1" noChangeShapeType="1" noTextEdit="1"/>
+          </p:cNvSpPr>
+          <p:nvPr>
+            <p:extLst>
+              <p:ext uri="{386F3935-93C4-4BCD-93E2-E3B085C9AB24}">
+                <p16:designElem xmlns:p16="http://schemas.microsoft.com/office/powerpoint/2015/main" val="1"/>
+              </p:ext>
+            </p:extLst>
+          </p:nvPr>
+        </p:nvSpPr>
+        <p:spPr>
+          <a:xfrm flipV="1">
+            <a:off x="841248" y="2783982"/>
+            <a:ext cx="1873457" cy="137160"/>
+          </a:xfrm>
+          <a:prstGeom prst="rect">
+            <a:avLst/>
+          </a:prstGeom>
+          <a:solidFill>
+            <a:schemeClr val="accent1"/>
+          </a:solidFill>
+          <a:ln>
+            <a:noFill/>
+          </a:ln>
+        </p:spPr>
+        <p:style>
+          <a:lnRef idx="2">
+            <a:schemeClr val="accent1">
+              <a:shade val="50000"/>
+            </a:schemeClr>
+          </a:lnRef>
+          <a:fillRef idx="1">
+            <a:schemeClr val="accent1"/>
+          </a:fillRef>
+          <a:effectRef idx="0">
+            <a:schemeClr val="accent1"/>
+          </a:effectRef>
+          <a:fontRef idx="minor">
+            <a:schemeClr val="lt1"/>
+          </a:fontRef>
+        </p:style>
+        <p:txBody>
+          <a:bodyPr rtlCol="0" anchor="ctr"/>
+          <a:lstStyle/>
+          <a:p>
+            <a:pPr marL="0" marR="0" lvl="0" indent="0" algn="ctr" defTabSz="914400" rtl="0" eaLnBrk="1" fontAlgn="auto" latinLnBrk="0" hangingPunct="1">
+              <a:lnSpc>
+                <a:spcPct val="100000"/>
+              </a:lnSpc>
+              <a:spcBef>
+                <a:spcPts val="0"/>
+              </a:spcBef>
+              <a:spcAft>
+                <a:spcPts val="0"/>
+              </a:spcAft>
+              <a:buClrTx/>
+              <a:buSzTx/>
+              <a:buFontTx/>
+              <a:buNone/>
+              <a:tabLst/>
+              <a:defRPr/>
+            </a:pPr>
+            <a:endParaRPr kumimoji="0" lang="en-US" sz="1800" b="0" i="0" u="none" strike="noStrike" kern="1200" cap="none" spc="0" normalizeH="0" baseline="0" noProof="0">
+              <a:ln>
+                <a:noFill/>
+              </a:ln>
+              <a:solidFill>
+                <a:prstClr val="white"/>
+              </a:solidFill>
+              <a:effectLst/>
+              <a:uLnTx/>
+              <a:uFillTx/>
+              <a:latin typeface="Calibri" panose="020F0502020204030204"/>
+              <a:ea typeface="+mn-ea"/>
+              <a:cs typeface="+mn-cs"/>
+            </a:endParaRPr>
+          </a:p>
+        </p:txBody>
+      </p:sp>
+      <p:sp>
+        <p:nvSpPr>
           <p:cNvPr id="3" name="Content Placeholder 2">
             <a:extLst>
               <a:ext uri="{FF2B5EF4-FFF2-40B4-BE49-F238E27FC236}">
@@ -6304,12 +10676,35 @@
             <p:ph idx="1"/>
           </p:nvPr>
         </p:nvSpPr>
-        <p:spPr/>
-        <p:txBody>
-          <a:bodyPr/>
-          <a:lstStyle/>
-          <a:p>
-            <a:endParaRPr lang="en-US" dirty="0"/>
+        <p:spPr>
+          <a:xfrm>
+            <a:off x="841248" y="3337269"/>
+            <a:ext cx="10509504" cy="2905686"/>
+          </a:xfrm>
+        </p:spPr>
+        <p:txBody>
+          <a:bodyPr>
+            <a:normAutofit/>
+          </a:bodyPr>
+          <a:lstStyle/>
+          <a:p>
+            <a:r>
+              <a:rPr lang="en-US" sz="2000" dirty="0"/>
+              <a:t>Performance on the Specialized High School Admissions Test (SHSAT) determines eligibility to one of the eight specialized high schools in New York City.</a:t>
+            </a:r>
+          </a:p>
+          <a:p>
+            <a:r>
+              <a:rPr lang="en-US" sz="2000" dirty="0"/>
+              <a:t>Of major concern is the racial &amp; ethnic breakdown of admitted students, showing significant underrepresentation from Black and Latinx students.</a:t>
+            </a:r>
+          </a:p>
+          <a:p>
+            <a:pPr lvl="1"/>
+            <a:r>
+              <a:rPr lang="en-US"/>
+              <a:t>This is especially apparent given the percentage of NYC that is represented by Black &amp; Latinx residents. </a:t>
+            </a:r>
           </a:p>
         </p:txBody>
       </p:sp>
@@ -6329,6 +10724,14 @@
 <file path=ppt/slides/slide3.xml><?xml version="1.0" encoding="utf-8"?>
 <p:sld xmlns:a="http://schemas.openxmlformats.org/drawingml/2006/main" xmlns:r="http://schemas.openxmlformats.org/officeDocument/2006/relationships" xmlns:p="http://schemas.openxmlformats.org/presentationml/2006/main">
   <p:cSld>
+    <p:bg>
+      <p:bgPr>
+        <a:solidFill>
+          <a:schemeClr val="bg1"/>
+        </a:solidFill>
+        <a:effectLst/>
+      </p:bgPr>
+    </p:bg>
     <p:spTree>
       <p:nvGrpSpPr>
         <p:cNvPr id="1" name=""/>
@@ -6343,6 +10746,66 @@
           <a:chExt cx="0" cy="0"/>
         </a:xfrm>
       </p:grpSpPr>
+      <p:sp useBgFill="1">
+        <p:nvSpPr>
+          <p:cNvPr id="8" name="Rectangle 7">
+            <a:extLst>
+              <a:ext uri="{FF2B5EF4-FFF2-40B4-BE49-F238E27FC236}">
+                <a16:creationId xmlns:a16="http://schemas.microsoft.com/office/drawing/2014/main" id="{CBB2B1F0-0DD6-4744-9A46-7A344FB48E40}"/>
+              </a:ext>
+              <a:ext uri="{C183D7F6-B498-43B3-948B-1728B52AA6E4}">
+                <adec:decorative xmlns:adec="http://schemas.microsoft.com/office/drawing/2017/decorative" val="1"/>
+              </a:ext>
+            </a:extLst>
+          </p:cNvPr>
+          <p:cNvSpPr>
+            <a:spLocks noGrp="1" noRot="1" noChangeAspect="1" noMove="1" noResize="1" noEditPoints="1" noAdjustHandles="1" noChangeArrowheads="1" noChangeShapeType="1" noTextEdit="1"/>
+          </p:cNvSpPr>
+          <p:nvPr>
+            <p:extLst>
+              <p:ext uri="{386F3935-93C4-4BCD-93E2-E3B085C9AB24}">
+                <p16:designElem xmlns:p16="http://schemas.microsoft.com/office/powerpoint/2015/main" val="1"/>
+              </p:ext>
+            </p:extLst>
+          </p:nvPr>
+        </p:nvSpPr>
+        <p:spPr>
+          <a:xfrm>
+            <a:off x="0" y="0"/>
+            <a:ext cx="12192000" cy="6858000"/>
+          </a:xfrm>
+          <a:prstGeom prst="rect">
+            <a:avLst/>
+          </a:prstGeom>
+          <a:ln>
+            <a:noFill/>
+          </a:ln>
+        </p:spPr>
+        <p:style>
+          <a:lnRef idx="2">
+            <a:schemeClr val="accent1">
+              <a:shade val="50000"/>
+            </a:schemeClr>
+          </a:lnRef>
+          <a:fillRef idx="1">
+            <a:schemeClr val="accent1"/>
+          </a:fillRef>
+          <a:effectRef idx="0">
+            <a:schemeClr val="accent1"/>
+          </a:effectRef>
+          <a:fontRef idx="minor">
+            <a:schemeClr val="lt1"/>
+          </a:fontRef>
+        </p:style>
+        <p:txBody>
+          <a:bodyPr rtlCol="0" anchor="ctr"/>
+          <a:lstStyle/>
+          <a:p>
+            <a:pPr algn="ctr"/>
+            <a:endParaRPr lang="en-US"/>
+          </a:p>
+        </p:txBody>
+      </p:sp>
       <p:sp>
         <p:nvSpPr>
           <p:cNvPr id="2" name="Title 1">
@@ -6359,13 +10822,20 @@
             <p:ph type="title"/>
           </p:nvPr>
         </p:nvSpPr>
-        <p:spPr/>
-        <p:txBody>
-          <a:bodyPr/>
+        <p:spPr>
+          <a:xfrm>
+            <a:off x="841248" y="426720"/>
+            <a:ext cx="10506456" cy="1919141"/>
+          </a:xfrm>
+        </p:spPr>
+        <p:txBody>
+          <a:bodyPr anchor="b">
+            <a:normAutofit/>
+          </a:bodyPr>
           <a:lstStyle/>
           <a:p>
             <a:r>
-              <a:rPr lang="en-US" dirty="0"/>
+              <a:rPr lang="en-US" sz="6000"/>
               <a:t>Problem</a:t>
             </a:r>
           </a:p>
@@ -6373,6 +10843,194 @@
       </p:sp>
       <p:sp>
         <p:nvSpPr>
+          <p:cNvPr id="10" name="Rectangle 9">
+            <a:extLst>
+              <a:ext uri="{FF2B5EF4-FFF2-40B4-BE49-F238E27FC236}">
+                <a16:creationId xmlns:a16="http://schemas.microsoft.com/office/drawing/2014/main" id="{7A0B5DEA-ADF6-4BA5-9307-147F0A4685A0}"/>
+              </a:ext>
+              <a:ext uri="{C183D7F6-B498-43B3-948B-1728B52AA6E4}">
+                <adec:decorative xmlns:adec="http://schemas.microsoft.com/office/drawing/2017/decorative" val="1"/>
+              </a:ext>
+            </a:extLst>
+          </p:cNvPr>
+          <p:cNvSpPr>
+            <a:spLocks noGrp="1" noRot="1" noChangeAspect="1" noMove="1" noResize="1" noEditPoints="1" noAdjustHandles="1" noChangeArrowheads="1" noChangeShapeType="1" noTextEdit="1"/>
+          </p:cNvSpPr>
+          <p:nvPr>
+            <p:extLst>
+              <p:ext uri="{386F3935-93C4-4BCD-93E2-E3B085C9AB24}">
+                <p16:designElem xmlns:p16="http://schemas.microsoft.com/office/powerpoint/2015/main" val="1"/>
+              </p:ext>
+            </p:extLst>
+          </p:nvPr>
+        </p:nvSpPr>
+        <p:spPr>
+          <a:xfrm>
+            <a:off x="868680" y="2898648"/>
+            <a:ext cx="10506456" cy="18288"/>
+          </a:xfrm>
+          <a:prstGeom prst="rect">
+            <a:avLst/>
+          </a:prstGeom>
+          <a:solidFill>
+            <a:schemeClr val="tx2">
+              <a:lumMod val="25000"/>
+              <a:lumOff val="75000"/>
+            </a:schemeClr>
+          </a:solidFill>
+          <a:ln w="3175">
+            <a:noFill/>
+          </a:ln>
+          <a:effectLst/>
+        </p:spPr>
+        <p:style>
+          <a:lnRef idx="2">
+            <a:schemeClr val="accent1">
+              <a:shade val="50000"/>
+            </a:schemeClr>
+          </a:lnRef>
+          <a:fillRef idx="1">
+            <a:schemeClr val="accent1"/>
+          </a:fillRef>
+          <a:effectRef idx="0">
+            <a:schemeClr val="accent1"/>
+          </a:effectRef>
+          <a:fontRef idx="minor">
+            <a:schemeClr val="lt1"/>
+          </a:fontRef>
+        </p:style>
+        <p:txBody>
+          <a:bodyPr rtlCol="0" anchor="ctr"/>
+          <a:lstStyle/>
+          <a:p>
+            <a:pPr marL="0" marR="0" lvl="0" indent="0" algn="ctr" defTabSz="914400" rtl="0" eaLnBrk="1" fontAlgn="auto" latinLnBrk="0" hangingPunct="1">
+              <a:lnSpc>
+                <a:spcPct val="100000"/>
+              </a:lnSpc>
+              <a:spcBef>
+                <a:spcPts val="0"/>
+              </a:spcBef>
+              <a:spcAft>
+                <a:spcPts val="0"/>
+              </a:spcAft>
+              <a:buClrTx/>
+              <a:buSzTx/>
+              <a:buFontTx/>
+              <a:buNone/>
+              <a:tabLst/>
+              <a:defRPr/>
+            </a:pPr>
+            <a:endParaRPr kumimoji="0" lang="en-US" sz="1800" b="0" i="0" u="none" strike="noStrike" kern="1200" cap="none" spc="0" normalizeH="0" baseline="0" noProof="0">
+              <a:ln>
+                <a:noFill/>
+              </a:ln>
+              <a:solidFill>
+                <a:prstClr val="white"/>
+              </a:solidFill>
+              <a:effectLst/>
+              <a:uLnTx/>
+              <a:uFillTx/>
+              <a:latin typeface="Calibri" panose="020F0502020204030204"/>
+              <a:ea typeface="+mn-ea"/>
+              <a:cs typeface="+mn-cs"/>
+            </a:endParaRPr>
+          </a:p>
+        </p:txBody>
+      </p:sp>
+      <p:sp>
+        <p:nvSpPr>
+          <p:cNvPr id="12" name="Rectangle 11">
+            <a:extLst>
+              <a:ext uri="{FF2B5EF4-FFF2-40B4-BE49-F238E27FC236}">
+                <a16:creationId xmlns:a16="http://schemas.microsoft.com/office/drawing/2014/main" id="{9DECDBF4-02B6-4BB4-B65B-B8107AD6A9E8}"/>
+              </a:ext>
+              <a:ext uri="{C183D7F6-B498-43B3-948B-1728B52AA6E4}">
+                <adec:decorative xmlns:adec="http://schemas.microsoft.com/office/drawing/2017/decorative" val="1"/>
+              </a:ext>
+            </a:extLst>
+          </p:cNvPr>
+          <p:cNvSpPr>
+            <a:spLocks noGrp="1" noRot="1" noChangeAspect="1" noMove="1" noResize="1" noEditPoints="1" noAdjustHandles="1" noChangeArrowheads="1" noChangeShapeType="1" noTextEdit="1"/>
+          </p:cNvSpPr>
+          <p:nvPr>
+            <p:extLst>
+              <p:ext uri="{386F3935-93C4-4BCD-93E2-E3B085C9AB24}">
+                <p16:designElem xmlns:p16="http://schemas.microsoft.com/office/powerpoint/2015/main" val="1"/>
+              </p:ext>
+            </p:extLst>
+          </p:nvPr>
+        </p:nvSpPr>
+        <p:spPr>
+          <a:xfrm flipV="1">
+            <a:off x="841248" y="2783982"/>
+            <a:ext cx="1873457" cy="137160"/>
+          </a:xfrm>
+          <a:prstGeom prst="rect">
+            <a:avLst/>
+          </a:prstGeom>
+          <a:solidFill>
+            <a:schemeClr val="accent1"/>
+          </a:solidFill>
+          <a:ln>
+            <a:noFill/>
+          </a:ln>
+        </p:spPr>
+        <p:style>
+          <a:lnRef idx="2">
+            <a:schemeClr val="accent1">
+              <a:shade val="50000"/>
+            </a:schemeClr>
+          </a:lnRef>
+          <a:fillRef idx="1">
+            <a:schemeClr val="accent1"/>
+          </a:fillRef>
+          <a:effectRef idx="0">
+            <a:schemeClr val="accent1"/>
+          </a:effectRef>
+          <a:fontRef idx="minor">
+            <a:schemeClr val="lt1"/>
+          </a:fontRef>
+        </p:style>
+        <p:txBody>
+          <a:bodyPr rtlCol="0" anchor="ctr"/>
+          <a:lstStyle/>
+          <a:p>
+            <a:pPr marL="0" marR="0" lvl="0" indent="0" algn="ctr" defTabSz="914400" rtl="0" eaLnBrk="1" fontAlgn="auto" latinLnBrk="0" hangingPunct="1">
+              <a:lnSpc>
+                <a:spcPct val="100000"/>
+              </a:lnSpc>
+              <a:spcBef>
+                <a:spcPts val="0"/>
+              </a:spcBef>
+              <a:spcAft>
+                <a:spcPts val="0"/>
+              </a:spcAft>
+              <a:buClrTx/>
+              <a:buSzTx/>
+              <a:buFontTx/>
+              <a:buNone/>
+              <a:tabLst/>
+              <a:defRPr/>
+            </a:pPr>
+            <a:endParaRPr kumimoji="0" lang="en-US" sz="1800" b="0" i="0" u="none" strike="noStrike" kern="1200" cap="none" spc="0" normalizeH="0" baseline="0" noProof="0">
+              <a:ln>
+                <a:noFill/>
+              </a:ln>
+              <a:solidFill>
+                <a:prstClr val="white"/>
+              </a:solidFill>
+              <a:effectLst/>
+              <a:uLnTx/>
+              <a:uFillTx/>
+              <a:latin typeface="Calibri" panose="020F0502020204030204"/>
+              <a:ea typeface="+mn-ea"/>
+              <a:cs typeface="+mn-cs"/>
+            </a:endParaRPr>
+          </a:p>
+        </p:txBody>
+      </p:sp>
+      <p:sp>
+        <p:nvSpPr>
           <p:cNvPr id="3" name="Content Placeholder 2">
             <a:extLst>
               <a:ext uri="{FF2B5EF4-FFF2-40B4-BE49-F238E27FC236}">
@@ -6387,12 +11045,22 @@
             <p:ph idx="1"/>
           </p:nvPr>
         </p:nvSpPr>
-        <p:spPr/>
-        <p:txBody>
-          <a:bodyPr/>
-          <a:lstStyle/>
-          <a:p>
-            <a:endParaRPr lang="en-US"/>
+        <p:spPr>
+          <a:xfrm>
+            <a:off x="841248" y="3337269"/>
+            <a:ext cx="10509504" cy="2905686"/>
+          </a:xfrm>
+        </p:spPr>
+        <p:txBody>
+          <a:bodyPr>
+            <a:normAutofit/>
+          </a:bodyPr>
+          <a:lstStyle/>
+          <a:p>
+            <a:r>
+              <a:rPr lang="en-US" sz="2000" dirty="0"/>
+              <a:t>What factors not only predict the number of specialized high school admissions offers received by students, across the board, but specifically for Black &amp; Latinx students?</a:t>
+            </a:r>
           </a:p>
         </p:txBody>
       </p:sp>
@@ -6412,6 +11080,14 @@
 <file path=ppt/slides/slide4.xml><?xml version="1.0" encoding="utf-8"?>
 <p:sld xmlns:a="http://schemas.openxmlformats.org/drawingml/2006/main" xmlns:r="http://schemas.openxmlformats.org/officeDocument/2006/relationships" xmlns:p="http://schemas.openxmlformats.org/presentationml/2006/main">
   <p:cSld>
+    <p:bg>
+      <p:bgPr>
+        <a:solidFill>
+          <a:schemeClr val="bg1"/>
+        </a:solidFill>
+        <a:effectLst/>
+      </p:bgPr>
+    </p:bg>
     <p:spTree>
       <p:nvGrpSpPr>
         <p:cNvPr id="1" name=""/>
@@ -6426,6 +11102,66 @@
           <a:chExt cx="0" cy="0"/>
         </a:xfrm>
       </p:grpSpPr>
+      <p:sp useBgFill="1">
+        <p:nvSpPr>
+          <p:cNvPr id="8" name="Rectangle 7">
+            <a:extLst>
+              <a:ext uri="{FF2B5EF4-FFF2-40B4-BE49-F238E27FC236}">
+                <a16:creationId xmlns:a16="http://schemas.microsoft.com/office/drawing/2014/main" id="{CBB2B1F0-0DD6-4744-9A46-7A344FB48E40}"/>
+              </a:ext>
+              <a:ext uri="{C183D7F6-B498-43B3-948B-1728B52AA6E4}">
+                <adec:decorative xmlns:adec="http://schemas.microsoft.com/office/drawing/2017/decorative" val="1"/>
+              </a:ext>
+            </a:extLst>
+          </p:cNvPr>
+          <p:cNvSpPr>
+            <a:spLocks noGrp="1" noRot="1" noChangeAspect="1" noMove="1" noResize="1" noEditPoints="1" noAdjustHandles="1" noChangeArrowheads="1" noChangeShapeType="1" noTextEdit="1"/>
+          </p:cNvSpPr>
+          <p:nvPr>
+            <p:extLst>
+              <p:ext uri="{386F3935-93C4-4BCD-93E2-E3B085C9AB24}">
+                <p16:designElem xmlns:p16="http://schemas.microsoft.com/office/powerpoint/2015/main" val="1"/>
+              </p:ext>
+            </p:extLst>
+          </p:nvPr>
+        </p:nvSpPr>
+        <p:spPr>
+          <a:xfrm>
+            <a:off x="0" y="0"/>
+            <a:ext cx="12192000" cy="6858000"/>
+          </a:xfrm>
+          <a:prstGeom prst="rect">
+            <a:avLst/>
+          </a:prstGeom>
+          <a:ln>
+            <a:noFill/>
+          </a:ln>
+        </p:spPr>
+        <p:style>
+          <a:lnRef idx="2">
+            <a:schemeClr val="accent1">
+              <a:shade val="50000"/>
+            </a:schemeClr>
+          </a:lnRef>
+          <a:fillRef idx="1">
+            <a:schemeClr val="accent1"/>
+          </a:fillRef>
+          <a:effectRef idx="0">
+            <a:schemeClr val="accent1"/>
+          </a:effectRef>
+          <a:fontRef idx="minor">
+            <a:schemeClr val="lt1"/>
+          </a:fontRef>
+        </p:style>
+        <p:txBody>
+          <a:bodyPr rtlCol="0" anchor="ctr"/>
+          <a:lstStyle/>
+          <a:p>
+            <a:pPr algn="ctr"/>
+            <a:endParaRPr lang="en-US"/>
+          </a:p>
+        </p:txBody>
+      </p:sp>
       <p:sp>
         <p:nvSpPr>
           <p:cNvPr id="2" name="Title 1">
@@ -6442,16 +11178,210 @@
             <p:ph type="title"/>
           </p:nvPr>
         </p:nvSpPr>
-        <p:spPr/>
-        <p:txBody>
-          <a:bodyPr/>
+        <p:spPr>
+          <a:xfrm>
+            <a:off x="841248" y="426720"/>
+            <a:ext cx="10506456" cy="1919141"/>
+          </a:xfrm>
+        </p:spPr>
+        <p:txBody>
+          <a:bodyPr anchor="b">
+            <a:normAutofit/>
+          </a:bodyPr>
           <a:lstStyle/>
           <a:p>
             <a:r>
-              <a:rPr lang="en-US"/>
+              <a:rPr lang="en-US" sz="6000"/>
               <a:t>Data</a:t>
             </a:r>
-            <a:endParaRPr lang="en-US" dirty="0"/>
+          </a:p>
+        </p:txBody>
+      </p:sp>
+      <p:sp>
+        <p:nvSpPr>
+          <p:cNvPr id="10" name="Rectangle 9">
+            <a:extLst>
+              <a:ext uri="{FF2B5EF4-FFF2-40B4-BE49-F238E27FC236}">
+                <a16:creationId xmlns:a16="http://schemas.microsoft.com/office/drawing/2014/main" id="{7A0B5DEA-ADF6-4BA5-9307-147F0A4685A0}"/>
+              </a:ext>
+              <a:ext uri="{C183D7F6-B498-43B3-948B-1728B52AA6E4}">
+                <adec:decorative xmlns:adec="http://schemas.microsoft.com/office/drawing/2017/decorative" val="1"/>
+              </a:ext>
+            </a:extLst>
+          </p:cNvPr>
+          <p:cNvSpPr>
+            <a:spLocks noGrp="1" noRot="1" noChangeAspect="1" noMove="1" noResize="1" noEditPoints="1" noAdjustHandles="1" noChangeArrowheads="1" noChangeShapeType="1" noTextEdit="1"/>
+          </p:cNvSpPr>
+          <p:nvPr>
+            <p:extLst>
+              <p:ext uri="{386F3935-93C4-4BCD-93E2-E3B085C9AB24}">
+                <p16:designElem xmlns:p16="http://schemas.microsoft.com/office/powerpoint/2015/main" val="1"/>
+              </p:ext>
+            </p:extLst>
+          </p:nvPr>
+        </p:nvSpPr>
+        <p:spPr>
+          <a:xfrm>
+            <a:off x="868680" y="2898648"/>
+            <a:ext cx="10506456" cy="18288"/>
+          </a:xfrm>
+          <a:prstGeom prst="rect">
+            <a:avLst/>
+          </a:prstGeom>
+          <a:solidFill>
+            <a:schemeClr val="tx2">
+              <a:lumMod val="25000"/>
+              <a:lumOff val="75000"/>
+            </a:schemeClr>
+          </a:solidFill>
+          <a:ln w="3175">
+            <a:noFill/>
+          </a:ln>
+          <a:effectLst/>
+        </p:spPr>
+        <p:style>
+          <a:lnRef idx="2">
+            <a:schemeClr val="accent1">
+              <a:shade val="50000"/>
+            </a:schemeClr>
+          </a:lnRef>
+          <a:fillRef idx="1">
+            <a:schemeClr val="accent1"/>
+          </a:fillRef>
+          <a:effectRef idx="0">
+            <a:schemeClr val="accent1"/>
+          </a:effectRef>
+          <a:fontRef idx="minor">
+            <a:schemeClr val="lt1"/>
+          </a:fontRef>
+        </p:style>
+        <p:txBody>
+          <a:bodyPr rtlCol="0" anchor="ctr"/>
+          <a:lstStyle/>
+          <a:p>
+            <a:pPr marL="0" marR="0" lvl="0" indent="0" algn="ctr" defTabSz="914400" rtl="0" eaLnBrk="1" fontAlgn="auto" latinLnBrk="0" hangingPunct="1">
+              <a:lnSpc>
+                <a:spcPct val="100000"/>
+              </a:lnSpc>
+              <a:spcBef>
+                <a:spcPts val="0"/>
+              </a:spcBef>
+              <a:spcAft>
+                <a:spcPts val="0"/>
+              </a:spcAft>
+              <a:buClrTx/>
+              <a:buSzTx/>
+              <a:buFontTx/>
+              <a:buNone/>
+              <a:tabLst/>
+              <a:defRPr/>
+            </a:pPr>
+            <a:endParaRPr kumimoji="0" lang="en-US" sz="1800" b="0" i="0" u="none" strike="noStrike" kern="1200" cap="none" spc="0" normalizeH="0" baseline="0" noProof="0">
+              <a:ln>
+                <a:noFill/>
+              </a:ln>
+              <a:solidFill>
+                <a:prstClr val="white"/>
+              </a:solidFill>
+              <a:effectLst/>
+              <a:uLnTx/>
+              <a:uFillTx/>
+              <a:latin typeface="Calibri" panose="020F0502020204030204"/>
+              <a:ea typeface="+mn-ea"/>
+              <a:cs typeface="+mn-cs"/>
+            </a:endParaRPr>
+          </a:p>
+        </p:txBody>
+      </p:sp>
+      <p:sp>
+        <p:nvSpPr>
+          <p:cNvPr id="12" name="Rectangle 11">
+            <a:extLst>
+              <a:ext uri="{FF2B5EF4-FFF2-40B4-BE49-F238E27FC236}">
+                <a16:creationId xmlns:a16="http://schemas.microsoft.com/office/drawing/2014/main" id="{9DECDBF4-02B6-4BB4-B65B-B8107AD6A9E8}"/>
+              </a:ext>
+              <a:ext uri="{C183D7F6-B498-43B3-948B-1728B52AA6E4}">
+                <adec:decorative xmlns:adec="http://schemas.microsoft.com/office/drawing/2017/decorative" val="1"/>
+              </a:ext>
+            </a:extLst>
+          </p:cNvPr>
+          <p:cNvSpPr>
+            <a:spLocks noGrp="1" noRot="1" noChangeAspect="1" noMove="1" noResize="1" noEditPoints="1" noAdjustHandles="1" noChangeArrowheads="1" noChangeShapeType="1" noTextEdit="1"/>
+          </p:cNvSpPr>
+          <p:nvPr>
+            <p:extLst>
+              <p:ext uri="{386F3935-93C4-4BCD-93E2-E3B085C9AB24}">
+                <p16:designElem xmlns:p16="http://schemas.microsoft.com/office/powerpoint/2015/main" val="1"/>
+              </p:ext>
+            </p:extLst>
+          </p:nvPr>
+        </p:nvSpPr>
+        <p:spPr>
+          <a:xfrm flipV="1">
+            <a:off x="841248" y="2783982"/>
+            <a:ext cx="1873457" cy="137160"/>
+          </a:xfrm>
+          <a:prstGeom prst="rect">
+            <a:avLst/>
+          </a:prstGeom>
+          <a:solidFill>
+            <a:schemeClr val="accent1"/>
+          </a:solidFill>
+          <a:ln>
+            <a:noFill/>
+          </a:ln>
+        </p:spPr>
+        <p:style>
+          <a:lnRef idx="2">
+            <a:schemeClr val="accent1">
+              <a:shade val="50000"/>
+            </a:schemeClr>
+          </a:lnRef>
+          <a:fillRef idx="1">
+            <a:schemeClr val="accent1"/>
+          </a:fillRef>
+          <a:effectRef idx="0">
+            <a:schemeClr val="accent1"/>
+          </a:effectRef>
+          <a:fontRef idx="minor">
+            <a:schemeClr val="lt1"/>
+          </a:fontRef>
+        </p:style>
+        <p:txBody>
+          <a:bodyPr rtlCol="0" anchor="ctr"/>
+          <a:lstStyle/>
+          <a:p>
+            <a:pPr marL="0" marR="0" lvl="0" indent="0" algn="ctr" defTabSz="914400" rtl="0" eaLnBrk="1" fontAlgn="auto" latinLnBrk="0" hangingPunct="1">
+              <a:lnSpc>
+                <a:spcPct val="100000"/>
+              </a:lnSpc>
+              <a:spcBef>
+                <a:spcPts val="0"/>
+              </a:spcBef>
+              <a:spcAft>
+                <a:spcPts val="0"/>
+              </a:spcAft>
+              <a:buClrTx/>
+              <a:buSzTx/>
+              <a:buFontTx/>
+              <a:buNone/>
+              <a:tabLst/>
+              <a:defRPr/>
+            </a:pPr>
+            <a:endParaRPr kumimoji="0" lang="en-US" sz="1800" b="0" i="0" u="none" strike="noStrike" kern="1200" cap="none" spc="0" normalizeH="0" baseline="0" noProof="0">
+              <a:ln>
+                <a:noFill/>
+              </a:ln>
+              <a:solidFill>
+                <a:prstClr val="white"/>
+              </a:solidFill>
+              <a:effectLst/>
+              <a:uLnTx/>
+              <a:uFillTx/>
+              <a:latin typeface="Calibri" panose="020F0502020204030204"/>
+              <a:ea typeface="+mn-ea"/>
+              <a:cs typeface="+mn-cs"/>
+            </a:endParaRPr>
           </a:p>
         </p:txBody>
       </p:sp>
@@ -6471,12 +11401,129 @@
             <p:ph idx="1"/>
           </p:nvPr>
         </p:nvSpPr>
-        <p:spPr/>
-        <p:txBody>
-          <a:bodyPr/>
-          <a:lstStyle/>
-          <a:p>
-            <a:endParaRPr lang="en-US"/>
+        <p:spPr>
+          <a:xfrm>
+            <a:off x="841248" y="3337269"/>
+            <a:ext cx="10509504" cy="2905686"/>
+          </a:xfrm>
+        </p:spPr>
+        <p:txBody>
+          <a:bodyPr>
+            <a:normAutofit/>
+          </a:bodyPr>
+          <a:lstStyle/>
+          <a:p>
+            <a:pPr>
+              <a:lnSpc>
+                <a:spcPct val="100000"/>
+              </a:lnSpc>
+            </a:pPr>
+            <a:r>
+              <a:rPr lang="en-US" sz="1900"/>
+              <a:t>Two main datasets are used:</a:t>
+            </a:r>
+          </a:p>
+          <a:p>
+            <a:pPr lvl="1">
+              <a:lnSpc>
+                <a:spcPct val="100000"/>
+              </a:lnSpc>
+            </a:pPr>
+            <a:r>
+              <a:rPr lang="en-US" sz="1900"/>
+              <a:t>2016 School Explorer</a:t>
+            </a:r>
+          </a:p>
+          <a:p>
+            <a:pPr lvl="2">
+              <a:lnSpc>
+                <a:spcPct val="100000"/>
+              </a:lnSpc>
+            </a:pPr>
+            <a:r>
+              <a:rPr lang="en-US" sz="1900"/>
+              <a:t>Consists of 1,272 schools in New York City, and 161 variables, provided via </a:t>
+            </a:r>
+            <a:r>
+              <a:rPr lang="en-US" sz="1900">
+                <a:hlinkClick r:id="rId2"/>
+              </a:rPr>
+              <a:t>Kaggle</a:t>
+            </a:r>
+            <a:r>
+              <a:rPr lang="en-US" sz="1900"/>
+              <a:t>.</a:t>
+            </a:r>
+          </a:p>
+          <a:p>
+            <a:pPr lvl="2">
+              <a:lnSpc>
+                <a:spcPct val="100000"/>
+              </a:lnSpc>
+            </a:pPr>
+            <a:r>
+              <a:rPr lang="en-US" sz="1900"/>
+              <a:t>Primarily, it’s school descriptors, e.g. grades, race &amp; ethnicity student percentages, high/low performing percentages of students.</a:t>
+            </a:r>
+          </a:p>
+          <a:p>
+            <a:pPr lvl="1">
+              <a:lnSpc>
+                <a:spcPct val="100000"/>
+              </a:lnSpc>
+            </a:pPr>
+            <a:r>
+              <a:rPr lang="en-US" sz="1900"/>
+              <a:t>2017-2018 SHSAT Admissions Test Offers By Sending School</a:t>
+            </a:r>
+          </a:p>
+          <a:p>
+            <a:pPr lvl="2">
+              <a:lnSpc>
+                <a:spcPct val="100000"/>
+              </a:lnSpc>
+            </a:pPr>
+            <a:r>
+              <a:rPr lang="en-US" sz="1900"/>
+              <a:t>Consists of the 2017 SHSAT results, available via NYC’s </a:t>
+            </a:r>
+            <a:r>
+              <a:rPr lang="en-US" sz="1900">
+                <a:hlinkClick r:id="rId3"/>
+              </a:rPr>
+              <a:t>Open Data Portal</a:t>
+            </a:r>
+            <a:r>
+              <a:rPr lang="en-US" sz="1900"/>
+              <a:t>. </a:t>
+            </a:r>
+          </a:p>
+          <a:p>
+            <a:pPr lvl="2">
+              <a:lnSpc>
+                <a:spcPct val="100000"/>
+              </a:lnSpc>
+            </a:pPr>
+            <a:r>
+              <a:rPr lang="en-US" sz="1900"/>
+              <a:t>All test takers are 28,000+, grade 8 students, grouped by school.</a:t>
+            </a:r>
+          </a:p>
+          <a:p>
+            <a:pPr>
+              <a:lnSpc>
+                <a:spcPct val="100000"/>
+              </a:lnSpc>
+            </a:pPr>
+            <a:endParaRPr lang="en-US" sz="1900"/>
+          </a:p>
+          <a:p>
+            <a:pPr>
+              <a:lnSpc>
+                <a:spcPct val="100000"/>
+              </a:lnSpc>
+            </a:pPr>
+            <a:endParaRPr lang="en-US" sz="1900"/>
           </a:p>
         </p:txBody>
       </p:sp>
@@ -6496,6 +11543,14 @@
 <file path=ppt/slides/slide5.xml><?xml version="1.0" encoding="utf-8"?>
 <p:sld xmlns:a="http://schemas.openxmlformats.org/drawingml/2006/main" xmlns:r="http://schemas.openxmlformats.org/officeDocument/2006/relationships" xmlns:p="http://schemas.openxmlformats.org/presentationml/2006/main">
   <p:cSld>
+    <p:bg>
+      <p:bgPr>
+        <a:solidFill>
+          <a:schemeClr val="bg1"/>
+        </a:solidFill>
+        <a:effectLst/>
+      </p:bgPr>
+    </p:bg>
     <p:spTree>
       <p:nvGrpSpPr>
         <p:cNvPr id="1" name=""/>
@@ -6510,12 +11565,72 @@
           <a:chExt cx="0" cy="0"/>
         </a:xfrm>
       </p:grpSpPr>
+      <p:sp useBgFill="1">
+        <p:nvSpPr>
+          <p:cNvPr id="8" name="Rectangle 7">
+            <a:extLst>
+              <a:ext uri="{FF2B5EF4-FFF2-40B4-BE49-F238E27FC236}">
+                <a16:creationId xmlns:a16="http://schemas.microsoft.com/office/drawing/2014/main" id="{CBB2B1F0-0DD6-4744-9A46-7A344FB48E40}"/>
+              </a:ext>
+              <a:ext uri="{C183D7F6-B498-43B3-948B-1728B52AA6E4}">
+                <adec:decorative xmlns:adec="http://schemas.microsoft.com/office/drawing/2017/decorative" val="1"/>
+              </a:ext>
+            </a:extLst>
+          </p:cNvPr>
+          <p:cNvSpPr>
+            <a:spLocks noGrp="1" noRot="1" noChangeAspect="1" noMove="1" noResize="1" noEditPoints="1" noAdjustHandles="1" noChangeArrowheads="1" noChangeShapeType="1" noTextEdit="1"/>
+          </p:cNvSpPr>
+          <p:nvPr>
+            <p:extLst>
+              <p:ext uri="{386F3935-93C4-4BCD-93E2-E3B085C9AB24}">
+                <p16:designElem xmlns:p16="http://schemas.microsoft.com/office/powerpoint/2015/main" val="1"/>
+              </p:ext>
+            </p:extLst>
+          </p:nvPr>
+        </p:nvSpPr>
+        <p:spPr>
+          <a:xfrm>
+            <a:off x="0" y="0"/>
+            <a:ext cx="12192000" cy="6858000"/>
+          </a:xfrm>
+          <a:prstGeom prst="rect">
+            <a:avLst/>
+          </a:prstGeom>
+          <a:ln>
+            <a:noFill/>
+          </a:ln>
+        </p:spPr>
+        <p:style>
+          <a:lnRef idx="2">
+            <a:schemeClr val="accent1">
+              <a:shade val="50000"/>
+            </a:schemeClr>
+          </a:lnRef>
+          <a:fillRef idx="1">
+            <a:schemeClr val="accent1"/>
+          </a:fillRef>
+          <a:effectRef idx="0">
+            <a:schemeClr val="accent1"/>
+          </a:effectRef>
+          <a:fontRef idx="minor">
+            <a:schemeClr val="lt1"/>
+          </a:fontRef>
+        </p:style>
+        <p:txBody>
+          <a:bodyPr rtlCol="0" anchor="ctr"/>
+          <a:lstStyle/>
+          <a:p>
+            <a:pPr algn="ctr"/>
+            <a:endParaRPr lang="en-US"/>
+          </a:p>
+        </p:txBody>
+      </p:sp>
       <p:sp>
         <p:nvSpPr>
           <p:cNvPr id="2" name="Title 1">
             <a:extLst>
               <a:ext uri="{FF2B5EF4-FFF2-40B4-BE49-F238E27FC236}">
-                <a16:creationId xmlns:a16="http://schemas.microsoft.com/office/drawing/2014/main" id="{DCC5BE86-6828-5149-8BED-A7EB2BBDDAF5}"/>
+                <a16:creationId xmlns:a16="http://schemas.microsoft.com/office/drawing/2014/main" id="{874A4C2B-DC95-F44F-B77F-F5F05821C7EE}"/>
               </a:ext>
             </a:extLst>
           </p:cNvPr>
@@ -6526,24 +11641,219 @@
             <p:ph type="title"/>
           </p:nvPr>
         </p:nvSpPr>
-        <p:spPr/>
-        <p:txBody>
-          <a:bodyPr/>
+        <p:spPr>
+          <a:xfrm>
+            <a:off x="841248" y="426720"/>
+            <a:ext cx="10506456" cy="1919141"/>
+          </a:xfrm>
+        </p:spPr>
+        <p:txBody>
+          <a:bodyPr anchor="b">
+            <a:normAutofit/>
+          </a:bodyPr>
           <a:lstStyle/>
           <a:p>
             <a:r>
-              <a:rPr lang="en-US" dirty="0"/>
-              <a:t>Cleaning &amp; Feature Engineering</a:t>
+              <a:rPr lang="en-US" sz="6000"/>
+              <a:t>Approach &amp; Method</a:t>
             </a:r>
           </a:p>
         </p:txBody>
       </p:sp>
       <p:sp>
         <p:nvSpPr>
+          <p:cNvPr id="10" name="Rectangle 9">
+            <a:extLst>
+              <a:ext uri="{FF2B5EF4-FFF2-40B4-BE49-F238E27FC236}">
+                <a16:creationId xmlns:a16="http://schemas.microsoft.com/office/drawing/2014/main" id="{7A0B5DEA-ADF6-4BA5-9307-147F0A4685A0}"/>
+              </a:ext>
+              <a:ext uri="{C183D7F6-B498-43B3-948B-1728B52AA6E4}">
+                <adec:decorative xmlns:adec="http://schemas.microsoft.com/office/drawing/2017/decorative" val="1"/>
+              </a:ext>
+            </a:extLst>
+          </p:cNvPr>
+          <p:cNvSpPr>
+            <a:spLocks noGrp="1" noRot="1" noChangeAspect="1" noMove="1" noResize="1" noEditPoints="1" noAdjustHandles="1" noChangeArrowheads="1" noChangeShapeType="1" noTextEdit="1"/>
+          </p:cNvSpPr>
+          <p:nvPr>
+            <p:extLst>
+              <p:ext uri="{386F3935-93C4-4BCD-93E2-E3B085C9AB24}">
+                <p16:designElem xmlns:p16="http://schemas.microsoft.com/office/powerpoint/2015/main" val="1"/>
+              </p:ext>
+            </p:extLst>
+          </p:nvPr>
+        </p:nvSpPr>
+        <p:spPr>
+          <a:xfrm>
+            <a:off x="868680" y="2898648"/>
+            <a:ext cx="10506456" cy="18288"/>
+          </a:xfrm>
+          <a:prstGeom prst="rect">
+            <a:avLst/>
+          </a:prstGeom>
+          <a:solidFill>
+            <a:schemeClr val="tx2">
+              <a:lumMod val="25000"/>
+              <a:lumOff val="75000"/>
+            </a:schemeClr>
+          </a:solidFill>
+          <a:ln w="3175">
+            <a:noFill/>
+          </a:ln>
+          <a:effectLst/>
+        </p:spPr>
+        <p:style>
+          <a:lnRef idx="2">
+            <a:schemeClr val="accent1">
+              <a:shade val="50000"/>
+            </a:schemeClr>
+          </a:lnRef>
+          <a:fillRef idx="1">
+            <a:schemeClr val="accent1"/>
+          </a:fillRef>
+          <a:effectRef idx="0">
+            <a:schemeClr val="accent1"/>
+          </a:effectRef>
+          <a:fontRef idx="minor">
+            <a:schemeClr val="lt1"/>
+          </a:fontRef>
+        </p:style>
+        <p:txBody>
+          <a:bodyPr rtlCol="0" anchor="ctr"/>
+          <a:lstStyle/>
+          <a:p>
+            <a:pPr marL="0" marR="0" lvl="0" indent="0" algn="ctr" defTabSz="914400" rtl="0" eaLnBrk="1" fontAlgn="auto" latinLnBrk="0" hangingPunct="1">
+              <a:lnSpc>
+                <a:spcPct val="100000"/>
+              </a:lnSpc>
+              <a:spcBef>
+                <a:spcPts val="0"/>
+              </a:spcBef>
+              <a:spcAft>
+                <a:spcPts val="0"/>
+              </a:spcAft>
+              <a:buClrTx/>
+              <a:buSzTx/>
+              <a:buFontTx/>
+              <a:buNone/>
+              <a:tabLst/>
+              <a:defRPr/>
+            </a:pPr>
+            <a:endParaRPr kumimoji="0" lang="en-US" sz="1800" b="0" i="0" u="none" strike="noStrike" kern="1200" cap="none" spc="0" normalizeH="0" baseline="0" noProof="0">
+              <a:ln>
+                <a:noFill/>
+              </a:ln>
+              <a:solidFill>
+                <a:prstClr val="white"/>
+              </a:solidFill>
+              <a:effectLst/>
+              <a:uLnTx/>
+              <a:uFillTx/>
+              <a:latin typeface="Calibri" panose="020F0502020204030204"/>
+              <a:ea typeface="+mn-ea"/>
+              <a:cs typeface="+mn-cs"/>
+            </a:endParaRPr>
+          </a:p>
+        </p:txBody>
+      </p:sp>
+      <p:sp>
+        <p:nvSpPr>
+          <p:cNvPr id="12" name="Rectangle 11">
+            <a:extLst>
+              <a:ext uri="{FF2B5EF4-FFF2-40B4-BE49-F238E27FC236}">
+                <a16:creationId xmlns:a16="http://schemas.microsoft.com/office/drawing/2014/main" id="{9DECDBF4-02B6-4BB4-B65B-B8107AD6A9E8}"/>
+              </a:ext>
+              <a:ext uri="{C183D7F6-B498-43B3-948B-1728B52AA6E4}">
+                <adec:decorative xmlns:adec="http://schemas.microsoft.com/office/drawing/2017/decorative" val="1"/>
+              </a:ext>
+            </a:extLst>
+          </p:cNvPr>
+          <p:cNvSpPr>
+            <a:spLocks noGrp="1" noRot="1" noChangeAspect="1" noMove="1" noResize="1" noEditPoints="1" noAdjustHandles="1" noChangeArrowheads="1" noChangeShapeType="1" noTextEdit="1"/>
+          </p:cNvSpPr>
+          <p:nvPr>
+            <p:extLst>
+              <p:ext uri="{386F3935-93C4-4BCD-93E2-E3B085C9AB24}">
+                <p16:designElem xmlns:p16="http://schemas.microsoft.com/office/powerpoint/2015/main" val="1"/>
+              </p:ext>
+            </p:extLst>
+          </p:nvPr>
+        </p:nvSpPr>
+        <p:spPr>
+          <a:xfrm flipV="1">
+            <a:off x="841248" y="2783982"/>
+            <a:ext cx="1873457" cy="137160"/>
+          </a:xfrm>
+          <a:prstGeom prst="rect">
+            <a:avLst/>
+          </a:prstGeom>
+          <a:solidFill>
+            <a:schemeClr val="accent1"/>
+          </a:solidFill>
+          <a:ln>
+            <a:noFill/>
+          </a:ln>
+        </p:spPr>
+        <p:style>
+          <a:lnRef idx="2">
+            <a:schemeClr val="accent1">
+              <a:shade val="50000"/>
+            </a:schemeClr>
+          </a:lnRef>
+          <a:fillRef idx="1">
+            <a:schemeClr val="accent1"/>
+          </a:fillRef>
+          <a:effectRef idx="0">
+            <a:schemeClr val="accent1"/>
+          </a:effectRef>
+          <a:fontRef idx="minor">
+            <a:schemeClr val="lt1"/>
+          </a:fontRef>
+        </p:style>
+        <p:txBody>
+          <a:bodyPr rtlCol="0" anchor="ctr"/>
+          <a:lstStyle/>
+          <a:p>
+            <a:pPr marL="0" marR="0" lvl="0" indent="0" algn="ctr" defTabSz="914400" rtl="0" eaLnBrk="1" fontAlgn="auto" latinLnBrk="0" hangingPunct="1">
+              <a:lnSpc>
+                <a:spcPct val="100000"/>
+              </a:lnSpc>
+              <a:spcBef>
+                <a:spcPts val="0"/>
+              </a:spcBef>
+              <a:spcAft>
+                <a:spcPts val="0"/>
+              </a:spcAft>
+              <a:buClrTx/>
+              <a:buSzTx/>
+              <a:buFontTx/>
+              <a:buNone/>
+              <a:tabLst/>
+              <a:defRPr/>
+            </a:pPr>
+            <a:endParaRPr kumimoji="0" lang="en-US" sz="1800" b="0" i="0" u="none" strike="noStrike" kern="1200" cap="none" spc="0" normalizeH="0" baseline="0" noProof="0">
+              <a:ln>
+                <a:noFill/>
+              </a:ln>
+              <a:solidFill>
+                <a:prstClr val="white"/>
+              </a:solidFill>
+              <a:effectLst/>
+              <a:uLnTx/>
+              <a:uFillTx/>
+              <a:latin typeface="Calibri" panose="020F0502020204030204"/>
+              <a:ea typeface="+mn-ea"/>
+              <a:cs typeface="+mn-cs"/>
+            </a:endParaRPr>
+          </a:p>
+        </p:txBody>
+      </p:sp>
+      <p:sp>
+        <p:nvSpPr>
           <p:cNvPr id="3" name="Content Placeholder 2">
             <a:extLst>
               <a:ext uri="{FF2B5EF4-FFF2-40B4-BE49-F238E27FC236}">
-                <a16:creationId xmlns:a16="http://schemas.microsoft.com/office/drawing/2014/main" id="{331326CC-BF8A-1743-94D9-AB8F25F3EFB0}"/>
+                <a16:creationId xmlns:a16="http://schemas.microsoft.com/office/drawing/2014/main" id="{1B3F1E97-8652-2F4C-9A17-7D73C182066B}"/>
               </a:ext>
             </a:extLst>
           </p:cNvPr>
@@ -6554,19 +11864,35 @@
             <p:ph idx="1"/>
           </p:nvPr>
         </p:nvSpPr>
-        <p:spPr/>
-        <p:txBody>
-          <a:bodyPr/>
-          <a:lstStyle/>
-          <a:p>
-            <a:endParaRPr lang="en-US"/>
+        <p:spPr>
+          <a:xfrm>
+            <a:off x="841248" y="3337269"/>
+            <a:ext cx="10509504" cy="2905686"/>
+          </a:xfrm>
+        </p:spPr>
+        <p:txBody>
+          <a:bodyPr>
+            <a:normAutofit/>
+          </a:bodyPr>
+          <a:lstStyle/>
+          <a:p>
+            <a:r>
+              <a:rPr lang="en-US" sz="2000"/>
+              <a:t>The goal of this analysis is to elicit which factors predict performance on the SHSAT. These factors will serve as beacons to direct or draw services, whether education-based or otherwise, towards improving the percentage of Black and Latinx students admitted to the specialized high schools.</a:t>
+            </a:r>
+          </a:p>
+          <a:p>
+            <a:r>
+              <a:rPr lang="en-US" sz="2000"/>
+              <a:t>As a bit of forecasting, I'll use linear regression models to determine how many admissions offers schools, that fit a certain testing aptitude standard could be getting, based on their standardized (yearly) testing scores.</a:t>
+            </a:r>
           </a:p>
         </p:txBody>
       </p:sp>
     </p:spTree>
     <p:extLst>
       <p:ext uri="{BB962C8B-B14F-4D97-AF65-F5344CB8AC3E}">
-        <p14:creationId xmlns:p14="http://schemas.microsoft.com/office/powerpoint/2010/main" val="1853604275"/>
+        <p14:creationId xmlns:p14="http://schemas.microsoft.com/office/powerpoint/2010/main" val="2136526382"/>
       </p:ext>
     </p:extLst>
   </p:cSld>
@@ -6579,6 +11905,14 @@
 <file path=ppt/slides/slide6.xml><?xml version="1.0" encoding="utf-8"?>
 <p:sld xmlns:a="http://schemas.openxmlformats.org/drawingml/2006/main" xmlns:r="http://schemas.openxmlformats.org/officeDocument/2006/relationships" xmlns:p="http://schemas.openxmlformats.org/presentationml/2006/main">
   <p:cSld>
+    <p:bg>
+      <p:bgPr>
+        <a:solidFill>
+          <a:schemeClr val="bg1"/>
+        </a:solidFill>
+        <a:effectLst/>
+      </p:bgPr>
+    </p:bg>
     <p:spTree>
       <p:nvGrpSpPr>
         <p:cNvPr id="1" name=""/>
@@ -6593,12 +11927,72 @@
           <a:chExt cx="0" cy="0"/>
         </a:xfrm>
       </p:grpSpPr>
+      <p:sp useBgFill="1">
+        <p:nvSpPr>
+          <p:cNvPr id="9" name="Rectangle 8">
+            <a:extLst>
+              <a:ext uri="{FF2B5EF4-FFF2-40B4-BE49-F238E27FC236}">
+                <a16:creationId xmlns:a16="http://schemas.microsoft.com/office/drawing/2014/main" id="{8380AD67-C5CA-4918-B4BB-C359BB03EEDD}"/>
+              </a:ext>
+              <a:ext uri="{C183D7F6-B498-43B3-948B-1728B52AA6E4}">
+                <adec:decorative xmlns:adec="http://schemas.microsoft.com/office/drawing/2017/decorative" val="1"/>
+              </a:ext>
+            </a:extLst>
+          </p:cNvPr>
+          <p:cNvSpPr>
+            <a:spLocks noGrp="1" noRot="1" noChangeAspect="1" noMove="1" noResize="1" noEditPoints="1" noAdjustHandles="1" noChangeArrowheads="1" noChangeShapeType="1" noTextEdit="1"/>
+          </p:cNvSpPr>
+          <p:nvPr>
+            <p:extLst>
+              <p:ext uri="{386F3935-93C4-4BCD-93E2-E3B085C9AB24}">
+                <p16:designElem xmlns:p16="http://schemas.microsoft.com/office/powerpoint/2015/main" val="1"/>
+              </p:ext>
+            </p:extLst>
+          </p:nvPr>
+        </p:nvSpPr>
+        <p:spPr>
+          <a:xfrm>
+            <a:off x="0" y="0"/>
+            <a:ext cx="12192000" cy="6858000"/>
+          </a:xfrm>
+          <a:prstGeom prst="rect">
+            <a:avLst/>
+          </a:prstGeom>
+          <a:ln>
+            <a:noFill/>
+          </a:ln>
+        </p:spPr>
+        <p:style>
+          <a:lnRef idx="2">
+            <a:schemeClr val="accent1">
+              <a:shade val="50000"/>
+            </a:schemeClr>
+          </a:lnRef>
+          <a:fillRef idx="1">
+            <a:schemeClr val="accent1"/>
+          </a:fillRef>
+          <a:effectRef idx="0">
+            <a:schemeClr val="accent1"/>
+          </a:effectRef>
+          <a:fontRef idx="minor">
+            <a:schemeClr val="lt1"/>
+          </a:fontRef>
+        </p:style>
+        <p:txBody>
+          <a:bodyPr rtlCol="0" anchor="ctr"/>
+          <a:lstStyle/>
+          <a:p>
+            <a:pPr algn="ctr"/>
+            <a:endParaRPr lang="en-US"/>
+          </a:p>
+        </p:txBody>
+      </p:sp>
       <p:sp>
         <p:nvSpPr>
           <p:cNvPr id="2" name="Title 1">
             <a:extLst>
               <a:ext uri="{FF2B5EF4-FFF2-40B4-BE49-F238E27FC236}">
-                <a16:creationId xmlns:a16="http://schemas.microsoft.com/office/drawing/2014/main" id="{F2CC9760-7BD4-A248-A6CC-AA1B231B3F30}"/>
+                <a16:creationId xmlns:a16="http://schemas.microsoft.com/office/drawing/2014/main" id="{DCC5BE86-6828-5149-8BED-A7EB2BBDDAF5}"/>
               </a:ext>
             </a:extLst>
           </p:cNvPr>
@@ -6609,24 +12003,248 @@
             <p:ph type="title"/>
           </p:nvPr>
         </p:nvSpPr>
-        <p:spPr/>
-        <p:txBody>
-          <a:bodyPr/>
+        <p:spPr>
+          <a:xfrm>
+            <a:off x="5080216" y="1076324"/>
+            <a:ext cx="6272784" cy="1535051"/>
+          </a:xfrm>
+        </p:spPr>
+        <p:txBody>
+          <a:bodyPr anchor="b">
+            <a:normAutofit/>
+          </a:bodyPr>
           <a:lstStyle/>
           <a:p>
             <a:r>
-              <a:rPr lang="en-US" dirty="0"/>
-              <a:t>Exploratory Data Analysis: Ethnicity</a:t>
+              <a:rPr lang="en-US" sz="4800"/>
+              <a:t>Data Status &amp; Feature Engineering</a:t>
             </a:r>
           </a:p>
         </p:txBody>
       </p:sp>
+      <p:pic>
+        <p:nvPicPr>
+          <p:cNvPr id="5" name="Picture 4">
+            <a:extLst>
+              <a:ext uri="{FF2B5EF4-FFF2-40B4-BE49-F238E27FC236}">
+                <a16:creationId xmlns:a16="http://schemas.microsoft.com/office/drawing/2014/main" id="{D453D521-5B34-4AC8-9EBF-44BC050E2C49}"/>
+              </a:ext>
+            </a:extLst>
+          </p:cNvPr>
+          <p:cNvPicPr>
+            <a:picLocks noChangeAspect="1"/>
+          </p:cNvPicPr>
+          <p:nvPr/>
+        </p:nvPicPr>
+        <p:blipFill rotWithShape="1">
+          <a:blip r:embed="rId2"/>
+          <a:srcRect l="51928" r="7670"/>
+          <a:stretch/>
+        </p:blipFill>
+        <p:spPr>
+          <a:xfrm>
+            <a:off x="20" y="10"/>
+            <a:ext cx="4505305" cy="6857990"/>
+          </a:xfrm>
+          <a:prstGeom prst="rect">
+            <a:avLst/>
+          </a:prstGeom>
+        </p:spPr>
+      </p:pic>
+      <p:sp>
+        <p:nvSpPr>
+          <p:cNvPr id="11" name="Rectangle 10">
+            <a:extLst>
+              <a:ext uri="{FF2B5EF4-FFF2-40B4-BE49-F238E27FC236}">
+                <a16:creationId xmlns:a16="http://schemas.microsoft.com/office/drawing/2014/main" id="{EABAD4DA-87BA-4F70-9EF0-45C6BCF17823}"/>
+              </a:ext>
+              <a:ext uri="{C183D7F6-B498-43B3-948B-1728B52AA6E4}">
+                <adec:decorative xmlns:adec="http://schemas.microsoft.com/office/drawing/2017/decorative" val="1"/>
+              </a:ext>
+            </a:extLst>
+          </p:cNvPr>
+          <p:cNvSpPr>
+            <a:spLocks noGrp="1" noRot="1" noChangeAspect="1" noMove="1" noResize="1" noEditPoints="1" noAdjustHandles="1" noChangeArrowheads="1" noChangeShapeType="1" noTextEdit="1"/>
+          </p:cNvSpPr>
+          <p:nvPr>
+            <p:extLst>
+              <p:ext uri="{386F3935-93C4-4BCD-93E2-E3B085C9AB24}">
+                <p16:designElem xmlns:p16="http://schemas.microsoft.com/office/powerpoint/2015/main" val="1"/>
+              </p:ext>
+            </p:extLst>
+          </p:nvPr>
+        </p:nvSpPr>
+        <p:spPr>
+          <a:xfrm rot="5400000">
+            <a:off x="5317960" y="363389"/>
+            <a:ext cx="73152" cy="548640"/>
+          </a:xfrm>
+          <a:prstGeom prst="rect">
+            <a:avLst/>
+          </a:prstGeom>
+          <a:solidFill>
+            <a:schemeClr val="accent1"/>
+          </a:solidFill>
+          <a:ln>
+            <a:noFill/>
+          </a:ln>
+        </p:spPr>
+        <p:style>
+          <a:lnRef idx="2">
+            <a:schemeClr val="accent1">
+              <a:shade val="50000"/>
+            </a:schemeClr>
+          </a:lnRef>
+          <a:fillRef idx="1">
+            <a:schemeClr val="accent1"/>
+          </a:fillRef>
+          <a:effectRef idx="0">
+            <a:schemeClr val="accent1"/>
+          </a:effectRef>
+          <a:fontRef idx="minor">
+            <a:schemeClr val="lt1"/>
+          </a:fontRef>
+        </p:style>
+        <p:txBody>
+          <a:bodyPr rtlCol="0" anchor="ctr"/>
+          <a:lstStyle/>
+          <a:p>
+            <a:pPr marL="0" marR="0" lvl="0" indent="0" algn="ctr" defTabSz="914400" rtl="0" eaLnBrk="1" fontAlgn="auto" latinLnBrk="0" hangingPunct="1">
+              <a:lnSpc>
+                <a:spcPct val="100000"/>
+              </a:lnSpc>
+              <a:spcBef>
+                <a:spcPts val="0"/>
+              </a:spcBef>
+              <a:spcAft>
+                <a:spcPts val="0"/>
+              </a:spcAft>
+              <a:buClrTx/>
+              <a:buSzTx/>
+              <a:buFontTx/>
+              <a:buNone/>
+              <a:tabLst/>
+              <a:defRPr/>
+            </a:pPr>
+            <a:endParaRPr kumimoji="0" lang="en-US" sz="1800" b="0" i="0" u="none" strike="noStrike" kern="1200" cap="none" spc="0" normalizeH="0" baseline="0" noProof="0">
+              <a:ln>
+                <a:noFill/>
+              </a:ln>
+              <a:solidFill>
+                <a:prstClr val="white"/>
+              </a:solidFill>
+              <a:effectLst/>
+              <a:uLnTx/>
+              <a:uFillTx/>
+              <a:latin typeface="Calibri" panose="020F0502020204030204"/>
+              <a:ea typeface="+mn-ea"/>
+              <a:cs typeface="+mn-cs"/>
+            </a:endParaRPr>
+          </a:p>
+        </p:txBody>
+      </p:sp>
+      <p:sp>
+        <p:nvSpPr>
+          <p:cNvPr id="13" name="Rectangle 12">
+            <a:extLst>
+              <a:ext uri="{FF2B5EF4-FFF2-40B4-BE49-F238E27FC236}">
+                <a16:creationId xmlns:a16="http://schemas.microsoft.com/office/drawing/2014/main" id="{915128D9-2797-47FA-B6FE-EC24E6B8437A}"/>
+              </a:ext>
+              <a:ext uri="{C183D7F6-B498-43B3-948B-1728B52AA6E4}">
+                <adec:decorative xmlns:adec="http://schemas.microsoft.com/office/drawing/2017/decorative" val="1"/>
+              </a:ext>
+            </a:extLst>
+          </p:cNvPr>
+          <p:cNvSpPr>
+            <a:spLocks noGrp="1" noRot="1" noChangeAspect="1" noMove="1" noResize="1" noEditPoints="1" noAdjustHandles="1" noChangeArrowheads="1" noChangeShapeType="1" noTextEdit="1"/>
+          </p:cNvSpPr>
+          <p:nvPr>
+            <p:extLst>
+              <p:ext uri="{386F3935-93C4-4BCD-93E2-E3B085C9AB24}">
+                <p16:designElem xmlns:p16="http://schemas.microsoft.com/office/powerpoint/2015/main" val="1"/>
+              </p:ext>
+            </p:extLst>
+          </p:nvPr>
+        </p:nvSpPr>
+        <p:spPr>
+          <a:xfrm>
+            <a:off x="5099266" y="2935541"/>
+            <a:ext cx="6217920" cy="18288"/>
+          </a:xfrm>
+          <a:prstGeom prst="rect">
+            <a:avLst/>
+          </a:prstGeom>
+          <a:solidFill>
+            <a:schemeClr val="tx2">
+              <a:lumMod val="25000"/>
+              <a:lumOff val="75000"/>
+            </a:schemeClr>
+          </a:solidFill>
+          <a:ln w="3175">
+            <a:noFill/>
+          </a:ln>
+          <a:effectLst/>
+        </p:spPr>
+        <p:style>
+          <a:lnRef idx="2">
+            <a:schemeClr val="accent1">
+              <a:shade val="50000"/>
+            </a:schemeClr>
+          </a:lnRef>
+          <a:fillRef idx="1">
+            <a:schemeClr val="accent1"/>
+          </a:fillRef>
+          <a:effectRef idx="0">
+            <a:schemeClr val="accent1"/>
+          </a:effectRef>
+          <a:fontRef idx="minor">
+            <a:schemeClr val="lt1"/>
+          </a:fontRef>
+        </p:style>
+        <p:txBody>
+          <a:bodyPr rtlCol="0" anchor="ctr"/>
+          <a:lstStyle/>
+          <a:p>
+            <a:pPr marL="0" marR="0" lvl="0" indent="0" algn="ctr" defTabSz="914400" rtl="0" eaLnBrk="1" fontAlgn="auto" latinLnBrk="0" hangingPunct="1">
+              <a:lnSpc>
+                <a:spcPct val="100000"/>
+              </a:lnSpc>
+              <a:spcBef>
+                <a:spcPts val="0"/>
+              </a:spcBef>
+              <a:spcAft>
+                <a:spcPts val="0"/>
+              </a:spcAft>
+              <a:buClrTx/>
+              <a:buSzTx/>
+              <a:buFontTx/>
+              <a:buNone/>
+              <a:tabLst/>
+              <a:defRPr/>
+            </a:pPr>
+            <a:endParaRPr kumimoji="0" lang="en-US" sz="1800" b="0" i="0" u="none" strike="noStrike" kern="1200" cap="none" spc="0" normalizeH="0" baseline="0" noProof="0">
+              <a:ln>
+                <a:noFill/>
+              </a:ln>
+              <a:solidFill>
+                <a:prstClr val="white"/>
+              </a:solidFill>
+              <a:effectLst/>
+              <a:uLnTx/>
+              <a:uFillTx/>
+              <a:latin typeface="Calibri" panose="020F0502020204030204"/>
+              <a:ea typeface="+mn-ea"/>
+              <a:cs typeface="+mn-cs"/>
+            </a:endParaRPr>
+          </a:p>
+        </p:txBody>
+      </p:sp>
       <p:sp>
         <p:nvSpPr>
           <p:cNvPr id="3" name="Content Placeholder 2">
             <a:extLst>
               <a:ext uri="{FF2B5EF4-FFF2-40B4-BE49-F238E27FC236}">
-                <a16:creationId xmlns:a16="http://schemas.microsoft.com/office/drawing/2014/main" id="{C6A45595-E193-8C49-9720-E3B088F9246B}"/>
+                <a16:creationId xmlns:a16="http://schemas.microsoft.com/office/drawing/2014/main" id="{331326CC-BF8A-1743-94D9-AB8F25F3EFB0}"/>
               </a:ext>
             </a:extLst>
           </p:cNvPr>
@@ -6637,19 +12255,64 @@
             <p:ph idx="1"/>
           </p:nvPr>
         </p:nvSpPr>
-        <p:spPr/>
-        <p:txBody>
-          <a:bodyPr/>
-          <a:lstStyle/>
-          <a:p>
-            <a:endParaRPr lang="en-US"/>
+        <p:spPr>
+          <a:xfrm>
+            <a:off x="5080216" y="3351276"/>
+            <a:ext cx="6272784" cy="2825686"/>
+          </a:xfrm>
+        </p:spPr>
+        <p:txBody>
+          <a:bodyPr>
+            <a:normAutofit/>
+          </a:bodyPr>
+          <a:lstStyle/>
+          <a:p>
+            <a:pPr>
+              <a:lnSpc>
+                <a:spcPct val="100000"/>
+              </a:lnSpc>
+            </a:pPr>
+            <a:r>
+              <a:rPr lang="en-US" sz="1800" dirty="0"/>
+              <a:t>In order to better group the schools, several new features were created that account for scores on regularly </a:t>
+            </a:r>
+            <a:r>
+              <a:rPr lang="en-US" sz="1800" dirty="0" err="1"/>
+              <a:t>adminitered</a:t>
+            </a:r>
+            <a:r>
+              <a:rPr lang="en-US" sz="1800" dirty="0"/>
+              <a:t> standardized tests. </a:t>
+            </a:r>
+          </a:p>
+          <a:p>
+            <a:pPr lvl="1">
+              <a:lnSpc>
+                <a:spcPct val="100000"/>
+              </a:lnSpc>
+            </a:pPr>
+            <a:r>
+              <a:rPr lang="en-US" sz="1800" dirty="0"/>
+              <a:t>This data is broken up into two kinds of information, ELA (English Language Arts) &amp; Math. Scoring on these tests top out at 4, with 1 representing the worst score.</a:t>
+            </a:r>
+          </a:p>
+          <a:p>
+            <a:pPr>
+              <a:lnSpc>
+                <a:spcPct val="100000"/>
+              </a:lnSpc>
+            </a:pPr>
+            <a:r>
+              <a:rPr lang="en-US" sz="1800" dirty="0"/>
+              <a:t>This allows us to better train the linear regression model on fewer features/variables.</a:t>
+            </a:r>
           </a:p>
         </p:txBody>
       </p:sp>
     </p:spTree>
     <p:extLst>
       <p:ext uri="{BB962C8B-B14F-4D97-AF65-F5344CB8AC3E}">
-        <p14:creationId xmlns:p14="http://schemas.microsoft.com/office/powerpoint/2010/main" val="1924220352"/>
+        <p14:creationId xmlns:p14="http://schemas.microsoft.com/office/powerpoint/2010/main" val="1853604275"/>
       </p:ext>
     </p:extLst>
   </p:cSld>
@@ -6662,6 +12325,14 @@
 <file path=ppt/slides/slide7.xml><?xml version="1.0" encoding="utf-8"?>
 <p:sld xmlns:a="http://schemas.openxmlformats.org/drawingml/2006/main" xmlns:r="http://schemas.openxmlformats.org/officeDocument/2006/relationships" xmlns:p="http://schemas.openxmlformats.org/presentationml/2006/main">
   <p:cSld>
+    <p:bg>
+      <p:bgPr>
+        <a:solidFill>
+          <a:schemeClr val="bg1"/>
+        </a:solidFill>
+        <a:effectLst/>
+      </p:bgPr>
+    </p:bg>
     <p:spTree>
       <p:nvGrpSpPr>
         <p:cNvPr id="1" name=""/>
@@ -6676,12 +12347,410 @@
           <a:chExt cx="0" cy="0"/>
         </a:xfrm>
       </p:grpSpPr>
+      <p:sp useBgFill="1">
+        <p:nvSpPr>
+          <p:cNvPr id="24" name="Rectangle 11">
+            <a:extLst>
+              <a:ext uri="{FF2B5EF4-FFF2-40B4-BE49-F238E27FC236}">
+                <a16:creationId xmlns:a16="http://schemas.microsoft.com/office/drawing/2014/main" id="{5C9B446A-6343-4E56-90BA-061E4DDF0FFB}"/>
+              </a:ext>
+              <a:ext uri="{C183D7F6-B498-43B3-948B-1728B52AA6E4}">
+                <adec:decorative xmlns:adec="http://schemas.microsoft.com/office/drawing/2017/decorative" val="1"/>
+              </a:ext>
+            </a:extLst>
+          </p:cNvPr>
+          <p:cNvSpPr>
+            <a:spLocks noGrp="1" noRot="1" noChangeAspect="1" noMove="1" noResize="1" noEditPoints="1" noAdjustHandles="1" noChangeArrowheads="1" noChangeShapeType="1" noTextEdit="1"/>
+          </p:cNvSpPr>
+          <p:nvPr>
+            <p:extLst>
+              <p:ext uri="{386F3935-93C4-4BCD-93E2-E3B085C9AB24}">
+                <p16:designElem xmlns:p16="http://schemas.microsoft.com/office/powerpoint/2015/main" val="1"/>
+              </p:ext>
+            </p:extLst>
+          </p:nvPr>
+        </p:nvSpPr>
+        <p:spPr>
+          <a:xfrm>
+            <a:off x="0" y="0"/>
+            <a:ext cx="12192000" cy="6858000"/>
+          </a:xfrm>
+          <a:prstGeom prst="rect">
+            <a:avLst/>
+          </a:prstGeom>
+          <a:ln>
+            <a:noFill/>
+          </a:ln>
+        </p:spPr>
+        <p:style>
+          <a:lnRef idx="2">
+            <a:schemeClr val="accent1">
+              <a:shade val="50000"/>
+            </a:schemeClr>
+          </a:lnRef>
+          <a:fillRef idx="1">
+            <a:schemeClr val="accent1"/>
+          </a:fillRef>
+          <a:effectRef idx="0">
+            <a:schemeClr val="accent1"/>
+          </a:effectRef>
+          <a:fontRef idx="minor">
+            <a:schemeClr val="lt1"/>
+          </a:fontRef>
+        </p:style>
+        <p:txBody>
+          <a:bodyPr rtlCol="0" anchor="ctr"/>
+          <a:lstStyle/>
+          <a:p>
+            <a:pPr algn="ctr"/>
+            <a:endParaRPr lang="en-US"/>
+          </a:p>
+        </p:txBody>
+      </p:sp>
+      <p:sp useBgFill="1">
+        <p:nvSpPr>
+          <p:cNvPr id="25" name="Freeform: Shape 13">
+            <a:extLst>
+              <a:ext uri="{FF2B5EF4-FFF2-40B4-BE49-F238E27FC236}">
+                <a16:creationId xmlns:a16="http://schemas.microsoft.com/office/drawing/2014/main" id="{3EC72A1B-03D3-499C-B4BF-AC68EEC22B10}"/>
+              </a:ext>
+              <a:ext uri="{C183D7F6-B498-43B3-948B-1728B52AA6E4}">
+                <adec:decorative xmlns:adec="http://schemas.microsoft.com/office/drawing/2017/decorative" val="1"/>
+              </a:ext>
+            </a:extLst>
+          </p:cNvPr>
+          <p:cNvSpPr>
+            <a:spLocks noGrp="1" noRot="1" noChangeAspect="1" noMove="1" noResize="1" noEditPoints="1" noAdjustHandles="1" noChangeArrowheads="1" noChangeShapeType="1" noTextEdit="1"/>
+          </p:cNvSpPr>
+          <p:nvPr>
+            <p:extLst>
+              <p:ext uri="{386F3935-93C4-4BCD-93E2-E3B085C9AB24}">
+                <p16:designElem xmlns:p16="http://schemas.microsoft.com/office/powerpoint/2015/main" val="1"/>
+              </p:ext>
+            </p:extLst>
+          </p:nvPr>
+        </p:nvSpPr>
+        <p:spPr>
+          <a:xfrm>
+            <a:off x="-1" y="0"/>
+            <a:ext cx="4455673" cy="6858000"/>
+          </a:xfrm>
+          <a:custGeom>
+            <a:avLst/>
+            <a:gdLst>
+              <a:gd name="connsiteX0" fmla="*/ 0 w 4455673"/>
+              <a:gd name="connsiteY0" fmla="*/ 0 h 6858000"/>
+              <a:gd name="connsiteX1" fmla="*/ 3242695 w 4455673"/>
+              <a:gd name="connsiteY1" fmla="*/ 0 h 6858000"/>
+              <a:gd name="connsiteX2" fmla="*/ 3305678 w 4455673"/>
+              <a:gd name="connsiteY2" fmla="*/ 69271 h 6858000"/>
+              <a:gd name="connsiteX3" fmla="*/ 4455673 w 4455673"/>
+              <a:gd name="connsiteY3" fmla="*/ 3429000 h 6858000"/>
+              <a:gd name="connsiteX4" fmla="*/ 3305678 w 4455673"/>
+              <a:gd name="connsiteY4" fmla="*/ 6788730 h 6858000"/>
+              <a:gd name="connsiteX5" fmla="*/ 3242695 w 4455673"/>
+              <a:gd name="connsiteY5" fmla="*/ 6858000 h 6858000"/>
+              <a:gd name="connsiteX6" fmla="*/ 0 w 4455673"/>
+              <a:gd name="connsiteY6" fmla="*/ 6858000 h 6858000"/>
+            </a:gdLst>
+            <a:ahLst/>
+            <a:cxnLst>
+              <a:cxn ang="0">
+                <a:pos x="connsiteX0" y="connsiteY0"/>
+              </a:cxn>
+              <a:cxn ang="0">
+                <a:pos x="connsiteX1" y="connsiteY1"/>
+              </a:cxn>
+              <a:cxn ang="0">
+                <a:pos x="connsiteX2" y="connsiteY2"/>
+              </a:cxn>
+              <a:cxn ang="0">
+                <a:pos x="connsiteX3" y="connsiteY3"/>
+              </a:cxn>
+              <a:cxn ang="0">
+                <a:pos x="connsiteX4" y="connsiteY4"/>
+              </a:cxn>
+              <a:cxn ang="0">
+                <a:pos x="connsiteX5" y="connsiteY5"/>
+              </a:cxn>
+              <a:cxn ang="0">
+                <a:pos x="connsiteX6" y="connsiteY6"/>
+              </a:cxn>
+            </a:cxnLst>
+            <a:rect l="l" t="t" r="r" b="b"/>
+            <a:pathLst>
+              <a:path w="4455673" h="6858000">
+                <a:moveTo>
+                  <a:pt x="0" y="0"/>
+                </a:moveTo>
+                <a:lnTo>
+                  <a:pt x="3242695" y="0"/>
+                </a:lnTo>
+                <a:lnTo>
+                  <a:pt x="3305678" y="69271"/>
+                </a:lnTo>
+                <a:cubicBezTo>
+                  <a:pt x="4016204" y="929100"/>
+                  <a:pt x="4455673" y="2116944"/>
+                  <a:pt x="4455673" y="3429000"/>
+                </a:cubicBezTo>
+                <a:cubicBezTo>
+                  <a:pt x="4455673" y="4741056"/>
+                  <a:pt x="4016204" y="5928900"/>
+                  <a:pt x="3305678" y="6788730"/>
+                </a:cubicBezTo>
+                <a:lnTo>
+                  <a:pt x="3242695" y="6858000"/>
+                </a:lnTo>
+                <a:lnTo>
+                  <a:pt x="0" y="6858000"/>
+                </a:lnTo>
+                <a:close/>
+              </a:path>
+            </a:pathLst>
+          </a:custGeom>
+          <a:ln w="9525">
+            <a:solidFill>
+              <a:schemeClr val="tx2">
+                <a:lumMod val="10000"/>
+                <a:lumOff val="90000"/>
+              </a:schemeClr>
+            </a:solidFill>
+          </a:ln>
+          <a:effectLst>
+            <a:outerShdw blurRad="50800" dist="38100" algn="l" rotWithShape="0">
+              <a:schemeClr val="bg1">
+                <a:lumMod val="85000"/>
+                <a:alpha val="30000"/>
+              </a:schemeClr>
+            </a:outerShdw>
+          </a:effectLst>
+        </p:spPr>
+        <p:style>
+          <a:lnRef idx="2">
+            <a:schemeClr val="accent1">
+              <a:shade val="50000"/>
+            </a:schemeClr>
+          </a:lnRef>
+          <a:fillRef idx="1">
+            <a:schemeClr val="accent1"/>
+          </a:fillRef>
+          <a:effectRef idx="0">
+            <a:schemeClr val="accent1"/>
+          </a:effectRef>
+          <a:fontRef idx="minor">
+            <a:schemeClr val="lt1"/>
+          </a:fontRef>
+        </p:style>
+        <p:txBody>
+          <a:bodyPr wrap="square" rtlCol="0" anchor="ctr">
+            <a:noAutofit/>
+          </a:bodyPr>
+          <a:lstStyle/>
+          <a:p>
+            <a:pPr marL="0" marR="0" lvl="0" indent="0" algn="ctr" defTabSz="914400" rtl="0" eaLnBrk="1" fontAlgn="auto" latinLnBrk="0" hangingPunct="1">
+              <a:lnSpc>
+                <a:spcPct val="100000"/>
+              </a:lnSpc>
+              <a:spcBef>
+                <a:spcPts val="0"/>
+              </a:spcBef>
+              <a:spcAft>
+                <a:spcPts val="0"/>
+              </a:spcAft>
+              <a:buClrTx/>
+              <a:buSzTx/>
+              <a:buFontTx/>
+              <a:buNone/>
+              <a:tabLst/>
+              <a:defRPr/>
+            </a:pPr>
+            <a:endParaRPr kumimoji="0" lang="en-US" sz="1800" b="0" i="0" u="none" strike="noStrike" kern="1200" cap="none" spc="0" normalizeH="0" baseline="0" noProof="0">
+              <a:ln>
+                <a:noFill/>
+              </a:ln>
+              <a:solidFill>
+                <a:prstClr val="white"/>
+              </a:solidFill>
+              <a:effectLst/>
+              <a:uLnTx/>
+              <a:uFillTx/>
+              <a:latin typeface="Calibri" panose="020F0502020204030204"/>
+              <a:ea typeface="+mn-ea"/>
+              <a:cs typeface="+mn-cs"/>
+            </a:endParaRPr>
+          </a:p>
+        </p:txBody>
+      </p:sp>
+      <p:sp useBgFill="1">
+        <p:nvSpPr>
+          <p:cNvPr id="26" name="Freeform: Shape 15">
+            <a:extLst>
+              <a:ext uri="{FF2B5EF4-FFF2-40B4-BE49-F238E27FC236}">
+                <a16:creationId xmlns:a16="http://schemas.microsoft.com/office/drawing/2014/main" id="{216322C2-3CF0-4D33-BF90-3F384CF6D232}"/>
+              </a:ext>
+              <a:ext uri="{C183D7F6-B498-43B3-948B-1728B52AA6E4}">
+                <adec:decorative xmlns:adec="http://schemas.microsoft.com/office/drawing/2017/decorative" val="1"/>
+              </a:ext>
+            </a:extLst>
+          </p:cNvPr>
+          <p:cNvSpPr>
+            <a:spLocks noGrp="1" noRot="1" noChangeAspect="1" noMove="1" noResize="1" noEditPoints="1" noAdjustHandles="1" noChangeArrowheads="1" noChangeShapeType="1" noTextEdit="1"/>
+          </p:cNvSpPr>
+          <p:nvPr>
+            <p:extLst>
+              <p:ext uri="{386F3935-93C4-4BCD-93E2-E3B085C9AB24}">
+                <p16:designElem xmlns:p16="http://schemas.microsoft.com/office/powerpoint/2015/main" val="1"/>
+              </p:ext>
+            </p:extLst>
+          </p:nvPr>
+        </p:nvSpPr>
+        <p:spPr>
+          <a:xfrm>
+            <a:off x="0" y="0"/>
+            <a:ext cx="4446529" cy="6858000"/>
+          </a:xfrm>
+          <a:custGeom>
+            <a:avLst/>
+            <a:gdLst>
+              <a:gd name="connsiteX0" fmla="*/ 0 w 4446529"/>
+              <a:gd name="connsiteY0" fmla="*/ 0 h 6858000"/>
+              <a:gd name="connsiteX1" fmla="*/ 3233551 w 4446529"/>
+              <a:gd name="connsiteY1" fmla="*/ 0 h 6858000"/>
+              <a:gd name="connsiteX2" fmla="*/ 3296534 w 4446529"/>
+              <a:gd name="connsiteY2" fmla="*/ 69271 h 6858000"/>
+              <a:gd name="connsiteX3" fmla="*/ 4446529 w 4446529"/>
+              <a:gd name="connsiteY3" fmla="*/ 3429000 h 6858000"/>
+              <a:gd name="connsiteX4" fmla="*/ 3296534 w 4446529"/>
+              <a:gd name="connsiteY4" fmla="*/ 6788730 h 6858000"/>
+              <a:gd name="connsiteX5" fmla="*/ 3233551 w 4446529"/>
+              <a:gd name="connsiteY5" fmla="*/ 6858000 h 6858000"/>
+              <a:gd name="connsiteX6" fmla="*/ 0 w 4446529"/>
+              <a:gd name="connsiteY6" fmla="*/ 6858000 h 6858000"/>
+            </a:gdLst>
+            <a:ahLst/>
+            <a:cxnLst>
+              <a:cxn ang="0">
+                <a:pos x="connsiteX0" y="connsiteY0"/>
+              </a:cxn>
+              <a:cxn ang="0">
+                <a:pos x="connsiteX1" y="connsiteY1"/>
+              </a:cxn>
+              <a:cxn ang="0">
+                <a:pos x="connsiteX2" y="connsiteY2"/>
+              </a:cxn>
+              <a:cxn ang="0">
+                <a:pos x="connsiteX3" y="connsiteY3"/>
+              </a:cxn>
+              <a:cxn ang="0">
+                <a:pos x="connsiteX4" y="connsiteY4"/>
+              </a:cxn>
+              <a:cxn ang="0">
+                <a:pos x="connsiteX5" y="connsiteY5"/>
+              </a:cxn>
+              <a:cxn ang="0">
+                <a:pos x="connsiteX6" y="connsiteY6"/>
+              </a:cxn>
+            </a:cxnLst>
+            <a:rect l="l" t="t" r="r" b="b"/>
+            <a:pathLst>
+              <a:path w="4446529" h="6858000">
+                <a:moveTo>
+                  <a:pt x="0" y="0"/>
+                </a:moveTo>
+                <a:lnTo>
+                  <a:pt x="3233551" y="0"/>
+                </a:lnTo>
+                <a:lnTo>
+                  <a:pt x="3296534" y="69271"/>
+                </a:lnTo>
+                <a:cubicBezTo>
+                  <a:pt x="4007060" y="929100"/>
+                  <a:pt x="4446529" y="2116944"/>
+                  <a:pt x="4446529" y="3429000"/>
+                </a:cubicBezTo>
+                <a:cubicBezTo>
+                  <a:pt x="4446529" y="4741056"/>
+                  <a:pt x="4007060" y="5928900"/>
+                  <a:pt x="3296534" y="6788730"/>
+                </a:cubicBezTo>
+                <a:lnTo>
+                  <a:pt x="3233551" y="6858000"/>
+                </a:lnTo>
+                <a:lnTo>
+                  <a:pt x="0" y="6858000"/>
+                </a:lnTo>
+                <a:close/>
+              </a:path>
+            </a:pathLst>
+          </a:custGeom>
+          <a:ln w="9525">
+            <a:noFill/>
+          </a:ln>
+          <a:effectLst/>
+        </p:spPr>
+        <p:style>
+          <a:lnRef idx="2">
+            <a:schemeClr val="accent1">
+              <a:shade val="50000"/>
+            </a:schemeClr>
+          </a:lnRef>
+          <a:fillRef idx="1">
+            <a:schemeClr val="accent1"/>
+          </a:fillRef>
+          <a:effectRef idx="0">
+            <a:schemeClr val="accent1"/>
+          </a:effectRef>
+          <a:fontRef idx="minor">
+            <a:schemeClr val="lt1"/>
+          </a:fontRef>
+        </p:style>
+        <p:txBody>
+          <a:bodyPr wrap="square" rtlCol="0" anchor="ctr">
+            <a:noAutofit/>
+          </a:bodyPr>
+          <a:lstStyle/>
+          <a:p>
+            <a:pPr marL="0" marR="0" lvl="0" indent="0" algn="ctr" defTabSz="914400" rtl="0" eaLnBrk="1" fontAlgn="auto" latinLnBrk="0" hangingPunct="1">
+              <a:lnSpc>
+                <a:spcPct val="100000"/>
+              </a:lnSpc>
+              <a:spcBef>
+                <a:spcPts val="0"/>
+              </a:spcBef>
+              <a:spcAft>
+                <a:spcPts val="0"/>
+              </a:spcAft>
+              <a:buClrTx/>
+              <a:buSzTx/>
+              <a:buFontTx/>
+              <a:buNone/>
+              <a:tabLst/>
+              <a:defRPr/>
+            </a:pPr>
+            <a:endParaRPr kumimoji="0" lang="en-US" sz="1800" b="0" i="0" u="none" strike="noStrike" kern="1200" cap="none" spc="0" normalizeH="0" baseline="0" noProof="0">
+              <a:ln>
+                <a:noFill/>
+              </a:ln>
+              <a:solidFill>
+                <a:prstClr val="white"/>
+              </a:solidFill>
+              <a:effectLst/>
+              <a:uLnTx/>
+              <a:uFillTx/>
+              <a:latin typeface="Calibri" panose="020F0502020204030204"/>
+              <a:ea typeface="+mn-ea"/>
+              <a:cs typeface="+mn-cs"/>
+            </a:endParaRPr>
+          </a:p>
+        </p:txBody>
+      </p:sp>
       <p:sp>
         <p:nvSpPr>
           <p:cNvPr id="2" name="Title 1">
             <a:extLst>
               <a:ext uri="{FF2B5EF4-FFF2-40B4-BE49-F238E27FC236}">
-                <a16:creationId xmlns:a16="http://schemas.microsoft.com/office/drawing/2014/main" id="{3DFC8E25-1DC8-C647-A23E-DAD359505D34}"/>
+                <a16:creationId xmlns:a16="http://schemas.microsoft.com/office/drawing/2014/main" id="{F2CC9760-7BD4-A248-A6CC-AA1B231B3F30}"/>
               </a:ext>
             </a:extLst>
           </p:cNvPr>
@@ -6692,24 +12761,219 @@
             <p:ph type="title"/>
           </p:nvPr>
         </p:nvSpPr>
-        <p:spPr/>
-        <p:txBody>
-          <a:bodyPr/>
+        <p:spPr>
+          <a:xfrm>
+            <a:off x="371094" y="1161288"/>
+            <a:ext cx="3438144" cy="1124712"/>
+          </a:xfrm>
+        </p:spPr>
+        <p:txBody>
+          <a:bodyPr anchor="b">
+            <a:normAutofit fontScale="90000"/>
+          </a:bodyPr>
           <a:lstStyle/>
           <a:p>
             <a:r>
-              <a:rPr lang="en-US" dirty="0"/>
-              <a:t>EDA: Highest Number of Test Takers</a:t>
+              <a:rPr lang="en-US" sz="2800" dirty="0"/>
+              <a:t>Exploratory Data Analysis: Race &amp; Ethnicity</a:t>
             </a:r>
           </a:p>
         </p:txBody>
       </p:sp>
       <p:sp>
         <p:nvSpPr>
-          <p:cNvPr id="4" name="Content Placeholder 3">
-            <a:extLst>
-              <a:ext uri="{FF2B5EF4-FFF2-40B4-BE49-F238E27FC236}">
-                <a16:creationId xmlns:a16="http://schemas.microsoft.com/office/drawing/2014/main" id="{883A5AF2-16EC-A54A-9717-705E09E9619B}"/>
+          <p:cNvPr id="27" name="Rectangle 17">
+            <a:extLst>
+              <a:ext uri="{FF2B5EF4-FFF2-40B4-BE49-F238E27FC236}">
+                <a16:creationId xmlns:a16="http://schemas.microsoft.com/office/drawing/2014/main" id="{55D4142C-5077-457F-A6AD-3FECFDB39685}"/>
+              </a:ext>
+              <a:ext uri="{C183D7F6-B498-43B3-948B-1728B52AA6E4}">
+                <adec:decorative xmlns:adec="http://schemas.microsoft.com/office/drawing/2017/decorative" val="1"/>
+              </a:ext>
+            </a:extLst>
+          </p:cNvPr>
+          <p:cNvSpPr>
+            <a:spLocks noGrp="1" noRot="1" noChangeAspect="1" noMove="1" noResize="1" noEditPoints="1" noAdjustHandles="1" noChangeArrowheads="1" noChangeShapeType="1" noTextEdit="1"/>
+          </p:cNvSpPr>
+          <p:nvPr>
+            <p:extLst>
+              <p:ext uri="{386F3935-93C4-4BCD-93E2-E3B085C9AB24}">
+                <p16:designElem xmlns:p16="http://schemas.microsoft.com/office/powerpoint/2015/main" val="1"/>
+              </p:ext>
+            </p:extLst>
+          </p:nvPr>
+        </p:nvSpPr>
+        <p:spPr>
+          <a:xfrm rot="5400000">
+            <a:off x="662559" y="605790"/>
+            <a:ext cx="73152" cy="548640"/>
+          </a:xfrm>
+          <a:prstGeom prst="rect">
+            <a:avLst/>
+          </a:prstGeom>
+          <a:solidFill>
+            <a:schemeClr val="accent1"/>
+          </a:solidFill>
+          <a:ln>
+            <a:noFill/>
+          </a:ln>
+        </p:spPr>
+        <p:style>
+          <a:lnRef idx="2">
+            <a:schemeClr val="accent1">
+              <a:shade val="50000"/>
+            </a:schemeClr>
+          </a:lnRef>
+          <a:fillRef idx="1">
+            <a:schemeClr val="accent1"/>
+          </a:fillRef>
+          <a:effectRef idx="0">
+            <a:schemeClr val="accent1"/>
+          </a:effectRef>
+          <a:fontRef idx="minor">
+            <a:schemeClr val="lt1"/>
+          </a:fontRef>
+        </p:style>
+        <p:txBody>
+          <a:bodyPr rtlCol="0" anchor="ctr"/>
+          <a:lstStyle/>
+          <a:p>
+            <a:pPr marL="0" marR="0" lvl="0" indent="0" algn="ctr" defTabSz="914400" rtl="0" eaLnBrk="1" fontAlgn="auto" latinLnBrk="0" hangingPunct="1">
+              <a:lnSpc>
+                <a:spcPct val="100000"/>
+              </a:lnSpc>
+              <a:spcBef>
+                <a:spcPts val="0"/>
+              </a:spcBef>
+              <a:spcAft>
+                <a:spcPts val="0"/>
+              </a:spcAft>
+              <a:buClrTx/>
+              <a:buSzTx/>
+              <a:buFontTx/>
+              <a:buNone/>
+              <a:tabLst/>
+              <a:defRPr/>
+            </a:pPr>
+            <a:endParaRPr kumimoji="0" lang="en-US" sz="1800" b="0" i="0" u="none" strike="noStrike" kern="1200" cap="none" spc="0" normalizeH="0" baseline="0" noProof="0">
+              <a:ln>
+                <a:noFill/>
+              </a:ln>
+              <a:solidFill>
+                <a:prstClr val="white"/>
+              </a:solidFill>
+              <a:effectLst/>
+              <a:uLnTx/>
+              <a:uFillTx/>
+              <a:latin typeface="Calibri" panose="020F0502020204030204"/>
+              <a:ea typeface="+mn-ea"/>
+              <a:cs typeface="+mn-cs"/>
+            </a:endParaRPr>
+          </a:p>
+        </p:txBody>
+      </p:sp>
+      <p:sp>
+        <p:nvSpPr>
+          <p:cNvPr id="28" name="Rectangle 19">
+            <a:extLst>
+              <a:ext uri="{FF2B5EF4-FFF2-40B4-BE49-F238E27FC236}">
+                <a16:creationId xmlns:a16="http://schemas.microsoft.com/office/drawing/2014/main" id="{7A5F0580-5EE9-419F-96EE-B6529EF6E7D0}"/>
+              </a:ext>
+              <a:ext uri="{C183D7F6-B498-43B3-948B-1728B52AA6E4}">
+                <adec:decorative xmlns:adec="http://schemas.microsoft.com/office/drawing/2017/decorative" val="1"/>
+              </a:ext>
+            </a:extLst>
+          </p:cNvPr>
+          <p:cNvSpPr>
+            <a:spLocks noGrp="1" noRot="1" noChangeAspect="1" noMove="1" noResize="1" noEditPoints="1" noAdjustHandles="1" noChangeArrowheads="1" noChangeShapeType="1" noTextEdit="1"/>
+          </p:cNvSpPr>
+          <p:nvPr>
+            <p:extLst>
+              <p:ext uri="{386F3935-93C4-4BCD-93E2-E3B085C9AB24}">
+                <p16:designElem xmlns:p16="http://schemas.microsoft.com/office/powerpoint/2015/main" val="1"/>
+              </p:ext>
+            </p:extLst>
+          </p:nvPr>
+        </p:nvSpPr>
+        <p:spPr>
+          <a:xfrm>
+            <a:off x="428244" y="2443480"/>
+            <a:ext cx="3337560" cy="18288"/>
+          </a:xfrm>
+          <a:prstGeom prst="rect">
+            <a:avLst/>
+          </a:prstGeom>
+          <a:solidFill>
+            <a:schemeClr val="tx2">
+              <a:lumMod val="25000"/>
+              <a:lumOff val="75000"/>
+            </a:schemeClr>
+          </a:solidFill>
+          <a:ln w="3175">
+            <a:noFill/>
+          </a:ln>
+          <a:effectLst/>
+        </p:spPr>
+        <p:style>
+          <a:lnRef idx="2">
+            <a:schemeClr val="accent1">
+              <a:shade val="50000"/>
+            </a:schemeClr>
+          </a:lnRef>
+          <a:fillRef idx="1">
+            <a:schemeClr val="accent1"/>
+          </a:fillRef>
+          <a:effectRef idx="0">
+            <a:schemeClr val="accent1"/>
+          </a:effectRef>
+          <a:fontRef idx="minor">
+            <a:schemeClr val="lt1"/>
+          </a:fontRef>
+        </p:style>
+        <p:txBody>
+          <a:bodyPr rtlCol="0" anchor="ctr"/>
+          <a:lstStyle/>
+          <a:p>
+            <a:pPr marL="0" marR="0" lvl="0" indent="0" algn="ctr" defTabSz="914400" rtl="0" eaLnBrk="1" fontAlgn="auto" latinLnBrk="0" hangingPunct="1">
+              <a:lnSpc>
+                <a:spcPct val="100000"/>
+              </a:lnSpc>
+              <a:spcBef>
+                <a:spcPts val="0"/>
+              </a:spcBef>
+              <a:spcAft>
+                <a:spcPts val="0"/>
+              </a:spcAft>
+              <a:buClrTx/>
+              <a:buSzTx/>
+              <a:buFontTx/>
+              <a:buNone/>
+              <a:tabLst/>
+              <a:defRPr/>
+            </a:pPr>
+            <a:endParaRPr kumimoji="0" lang="en-US" sz="1800" b="0" i="0" u="none" strike="noStrike" kern="1200" cap="none" spc="0" normalizeH="0" baseline="0" noProof="0">
+              <a:ln>
+                <a:noFill/>
+              </a:ln>
+              <a:solidFill>
+                <a:prstClr val="white"/>
+              </a:solidFill>
+              <a:effectLst/>
+              <a:uLnTx/>
+              <a:uFillTx/>
+              <a:latin typeface="Calibri" panose="020F0502020204030204"/>
+              <a:ea typeface="+mn-ea"/>
+              <a:cs typeface="+mn-cs"/>
+            </a:endParaRPr>
+          </a:p>
+        </p:txBody>
+      </p:sp>
+      <p:sp>
+        <p:nvSpPr>
+          <p:cNvPr id="9" name="Content Placeholder 8">
+            <a:extLst>
+              <a:ext uri="{FF2B5EF4-FFF2-40B4-BE49-F238E27FC236}">
+                <a16:creationId xmlns:a16="http://schemas.microsoft.com/office/drawing/2014/main" id="{344D3523-77B1-45D0-98D7-439D37D356F5}"/>
               </a:ext>
             </a:extLst>
           </p:cNvPr>
@@ -6720,19 +12984,65 @@
             <p:ph idx="1"/>
           </p:nvPr>
         </p:nvSpPr>
-        <p:spPr/>
-        <p:txBody>
-          <a:bodyPr/>
-          <a:lstStyle/>
-          <a:p>
-            <a:endParaRPr lang="en-US"/>
-          </a:p>
-        </p:txBody>
-      </p:sp>
+        <p:spPr>
+          <a:xfrm>
+            <a:off x="371094" y="2718054"/>
+            <a:ext cx="3438906" cy="3207258"/>
+          </a:xfrm>
+        </p:spPr>
+        <p:txBody>
+          <a:bodyPr anchor="t">
+            <a:normAutofit/>
+          </a:bodyPr>
+          <a:lstStyle/>
+          <a:p>
+            <a:r>
+              <a:rPr lang="en-US" sz="1700" dirty="0"/>
+              <a:t>An initial assumption is that those students who perform well on standardized tests would equally perform well on the SHSAT.</a:t>
+            </a:r>
+          </a:p>
+          <a:p>
+            <a:r>
+              <a:rPr lang="en-US" sz="1700" dirty="0"/>
+              <a:t>This breakdown may hint, on these limited criteria, why less Black &amp; Latinx students receive admissions offers.</a:t>
+            </a:r>
+          </a:p>
+        </p:txBody>
+      </p:sp>
+      <p:pic>
+        <p:nvPicPr>
+          <p:cNvPr id="5" name="Content Placeholder 4" descr="Chart, bar chart&#10;&#10;Description automatically generated">
+            <a:extLst>
+              <a:ext uri="{FF2B5EF4-FFF2-40B4-BE49-F238E27FC236}">
+                <a16:creationId xmlns:a16="http://schemas.microsoft.com/office/drawing/2014/main" id="{1F0663A8-8C47-1241-8F5E-CC898E29CDB1}"/>
+              </a:ext>
+            </a:extLst>
+          </p:cNvPr>
+          <p:cNvPicPr>
+            <a:picLocks noChangeAspect="1"/>
+          </p:cNvPicPr>
+          <p:nvPr/>
+        </p:nvPicPr>
+        <p:blipFill>
+          <a:blip r:embed="rId2"/>
+          <a:stretch>
+            <a:fillRect/>
+          </a:stretch>
+        </p:blipFill>
+        <p:spPr>
+          <a:xfrm>
+            <a:off x="4562085" y="1805050"/>
+            <a:ext cx="7541445" cy="3657600"/>
+          </a:xfrm>
+          <a:prstGeom prst="rect">
+            <a:avLst/>
+          </a:prstGeom>
+        </p:spPr>
+      </p:pic>
     </p:spTree>
     <p:extLst>
       <p:ext uri="{BB962C8B-B14F-4D97-AF65-F5344CB8AC3E}">
-        <p14:creationId xmlns:p14="http://schemas.microsoft.com/office/powerpoint/2010/main" val="937433295"/>
+        <p14:creationId xmlns:p14="http://schemas.microsoft.com/office/powerpoint/2010/main" val="1924220352"/>
       </p:ext>
     </p:extLst>
   </p:cSld>
@@ -6745,6 +13055,14 @@
 <file path=ppt/slides/slide8.xml><?xml version="1.0" encoding="utf-8"?>
 <p:sld xmlns:a="http://schemas.openxmlformats.org/drawingml/2006/main" xmlns:r="http://schemas.openxmlformats.org/officeDocument/2006/relationships" xmlns:p="http://schemas.openxmlformats.org/presentationml/2006/main">
   <p:cSld>
+    <p:bg>
+      <p:bgPr>
+        <a:solidFill>
+          <a:schemeClr val="bg1"/>
+        </a:solidFill>
+        <a:effectLst/>
+      </p:bgPr>
+    </p:bg>
     <p:spTree>
       <p:nvGrpSpPr>
         <p:cNvPr id="1" name=""/>
@@ -6759,12 +13077,72 @@
           <a:chExt cx="0" cy="0"/>
         </a:xfrm>
       </p:grpSpPr>
+      <p:sp useBgFill="1">
+        <p:nvSpPr>
+          <p:cNvPr id="22" name="Rectangle 21">
+            <a:extLst>
+              <a:ext uri="{FF2B5EF4-FFF2-40B4-BE49-F238E27FC236}">
+                <a16:creationId xmlns:a16="http://schemas.microsoft.com/office/drawing/2014/main" id="{F94AA2BD-2E3F-4B1D-8127-5744B8115311}"/>
+              </a:ext>
+              <a:ext uri="{C183D7F6-B498-43B3-948B-1728B52AA6E4}">
+                <adec:decorative xmlns:adec="http://schemas.microsoft.com/office/drawing/2017/decorative" val="1"/>
+              </a:ext>
+            </a:extLst>
+          </p:cNvPr>
+          <p:cNvSpPr>
+            <a:spLocks noGrp="1" noRot="1" noChangeAspect="1" noMove="1" noResize="1" noEditPoints="1" noAdjustHandles="1" noChangeArrowheads="1" noChangeShapeType="1" noTextEdit="1"/>
+          </p:cNvSpPr>
+          <p:nvPr>
+            <p:extLst>
+              <p:ext uri="{386F3935-93C4-4BCD-93E2-E3B085C9AB24}">
+                <p16:designElem xmlns:p16="http://schemas.microsoft.com/office/powerpoint/2015/main" val="1"/>
+              </p:ext>
+            </p:extLst>
+          </p:nvPr>
+        </p:nvSpPr>
+        <p:spPr>
+          <a:xfrm>
+            <a:off x="0" y="0"/>
+            <a:ext cx="12192000" cy="6858000"/>
+          </a:xfrm>
+          <a:prstGeom prst="rect">
+            <a:avLst/>
+          </a:prstGeom>
+          <a:ln>
+            <a:noFill/>
+          </a:ln>
+        </p:spPr>
+        <p:style>
+          <a:lnRef idx="2">
+            <a:schemeClr val="accent1">
+              <a:shade val="50000"/>
+            </a:schemeClr>
+          </a:lnRef>
+          <a:fillRef idx="1">
+            <a:schemeClr val="accent1"/>
+          </a:fillRef>
+          <a:effectRef idx="0">
+            <a:schemeClr val="accent1"/>
+          </a:effectRef>
+          <a:fontRef idx="minor">
+            <a:schemeClr val="lt1"/>
+          </a:fontRef>
+        </p:style>
+        <p:txBody>
+          <a:bodyPr rtlCol="0" anchor="ctr"/>
+          <a:lstStyle/>
+          <a:p>
+            <a:pPr algn="ctr"/>
+            <a:endParaRPr lang="en-US"/>
+          </a:p>
+        </p:txBody>
+      </p:sp>
       <p:sp>
         <p:nvSpPr>
           <p:cNvPr id="2" name="Title 1">
             <a:extLst>
               <a:ext uri="{FF2B5EF4-FFF2-40B4-BE49-F238E27FC236}">
-                <a16:creationId xmlns:a16="http://schemas.microsoft.com/office/drawing/2014/main" id="{955C8287-F972-E14D-BA83-238C851CC836}"/>
+                <a16:creationId xmlns:a16="http://schemas.microsoft.com/office/drawing/2014/main" id="{3DFC8E25-1DC8-C647-A23E-DAD359505D34}"/>
               </a:ext>
             </a:extLst>
           </p:cNvPr>
@@ -6775,24 +13153,219 @@
             <p:ph type="title"/>
           </p:nvPr>
         </p:nvSpPr>
-        <p:spPr/>
-        <p:txBody>
-          <a:bodyPr/>
+        <p:spPr>
+          <a:xfrm>
+            <a:off x="411480" y="987552"/>
+            <a:ext cx="4485861" cy="1088136"/>
+          </a:xfrm>
+        </p:spPr>
+        <p:txBody>
+          <a:bodyPr anchor="b">
+            <a:normAutofit/>
+          </a:bodyPr>
           <a:lstStyle/>
           <a:p>
             <a:r>
-              <a:rPr lang="en-US" dirty="0"/>
-              <a:t>EDA: Least Number of Test Takers</a:t>
+              <a:rPr lang="en-US" sz="3100"/>
+              <a:t>EDA: Highest Number of Test Takers</a:t>
             </a:r>
           </a:p>
         </p:txBody>
       </p:sp>
       <p:sp>
         <p:nvSpPr>
-          <p:cNvPr id="3" name="Content Placeholder 2">
-            <a:extLst>
-              <a:ext uri="{FF2B5EF4-FFF2-40B4-BE49-F238E27FC236}">
-                <a16:creationId xmlns:a16="http://schemas.microsoft.com/office/drawing/2014/main" id="{24D55979-ADBE-0D4B-BBCB-77E97FE16459}"/>
+          <p:cNvPr id="24" name="Rectangle 23">
+            <a:extLst>
+              <a:ext uri="{FF2B5EF4-FFF2-40B4-BE49-F238E27FC236}">
+                <a16:creationId xmlns:a16="http://schemas.microsoft.com/office/drawing/2014/main" id="{4BD02261-2DC8-4AA8-9E16-7751AE892445}"/>
+              </a:ext>
+              <a:ext uri="{C183D7F6-B498-43B3-948B-1728B52AA6E4}">
+                <adec:decorative xmlns:adec="http://schemas.microsoft.com/office/drawing/2017/decorative" val="1"/>
+              </a:ext>
+            </a:extLst>
+          </p:cNvPr>
+          <p:cNvSpPr>
+            <a:spLocks noGrp="1" noRot="1" noChangeAspect="1" noMove="1" noResize="1" noEditPoints="1" noAdjustHandles="1" noChangeArrowheads="1" noChangeShapeType="1" noTextEdit="1"/>
+          </p:cNvSpPr>
+          <p:nvPr>
+            <p:extLst>
+              <p:ext uri="{386F3935-93C4-4BCD-93E2-E3B085C9AB24}">
+                <p16:designElem xmlns:p16="http://schemas.microsoft.com/office/powerpoint/2015/main" val="1"/>
+              </p:ext>
+            </p:extLst>
+          </p:nvPr>
+        </p:nvSpPr>
+        <p:spPr>
+          <a:xfrm rot="5400000">
+            <a:off x="649223" y="387939"/>
+            <a:ext cx="73152" cy="548640"/>
+          </a:xfrm>
+          <a:prstGeom prst="rect">
+            <a:avLst/>
+          </a:prstGeom>
+          <a:solidFill>
+            <a:schemeClr val="accent1"/>
+          </a:solidFill>
+          <a:ln>
+            <a:noFill/>
+          </a:ln>
+        </p:spPr>
+        <p:style>
+          <a:lnRef idx="2">
+            <a:schemeClr val="accent1">
+              <a:shade val="50000"/>
+            </a:schemeClr>
+          </a:lnRef>
+          <a:fillRef idx="1">
+            <a:schemeClr val="accent1"/>
+          </a:fillRef>
+          <a:effectRef idx="0">
+            <a:schemeClr val="accent1"/>
+          </a:effectRef>
+          <a:fontRef idx="minor">
+            <a:schemeClr val="lt1"/>
+          </a:fontRef>
+        </p:style>
+        <p:txBody>
+          <a:bodyPr rtlCol="0" anchor="ctr"/>
+          <a:lstStyle/>
+          <a:p>
+            <a:pPr marL="0" marR="0" lvl="0" indent="0" algn="ctr" defTabSz="914400" rtl="0" eaLnBrk="1" fontAlgn="auto" latinLnBrk="0" hangingPunct="1">
+              <a:lnSpc>
+                <a:spcPct val="100000"/>
+              </a:lnSpc>
+              <a:spcBef>
+                <a:spcPts val="0"/>
+              </a:spcBef>
+              <a:spcAft>
+                <a:spcPts val="0"/>
+              </a:spcAft>
+              <a:buClrTx/>
+              <a:buSzTx/>
+              <a:buFontTx/>
+              <a:buNone/>
+              <a:tabLst/>
+              <a:defRPr/>
+            </a:pPr>
+            <a:endParaRPr kumimoji="0" lang="en-US" sz="1800" b="0" i="0" u="none" strike="noStrike" kern="1200" cap="none" spc="0" normalizeH="0" baseline="0" noProof="0">
+              <a:ln>
+                <a:noFill/>
+              </a:ln>
+              <a:solidFill>
+                <a:prstClr val="white"/>
+              </a:solidFill>
+              <a:effectLst/>
+              <a:uLnTx/>
+              <a:uFillTx/>
+              <a:latin typeface="Calibri" panose="020F0502020204030204"/>
+              <a:ea typeface="+mn-ea"/>
+              <a:cs typeface="+mn-cs"/>
+            </a:endParaRPr>
+          </a:p>
+        </p:txBody>
+      </p:sp>
+      <p:sp>
+        <p:nvSpPr>
+          <p:cNvPr id="26" name="Rectangle 25">
+            <a:extLst>
+              <a:ext uri="{FF2B5EF4-FFF2-40B4-BE49-F238E27FC236}">
+                <a16:creationId xmlns:a16="http://schemas.microsoft.com/office/drawing/2014/main" id="{3D752CF2-2291-40B5-B462-C17B174C10BC}"/>
+              </a:ext>
+              <a:ext uri="{C183D7F6-B498-43B3-948B-1728B52AA6E4}">
+                <adec:decorative xmlns:adec="http://schemas.microsoft.com/office/drawing/2017/decorative" val="1"/>
+              </a:ext>
+            </a:extLst>
+          </p:cNvPr>
+          <p:cNvSpPr>
+            <a:spLocks noGrp="1" noRot="1" noChangeAspect="1" noMove="1" noResize="1" noEditPoints="1" noAdjustHandles="1" noChangeArrowheads="1" noChangeShapeType="1" noTextEdit="1"/>
+          </p:cNvSpPr>
+          <p:nvPr>
+            <p:extLst>
+              <p:ext uri="{386F3935-93C4-4BCD-93E2-E3B085C9AB24}">
+                <p16:designElem xmlns:p16="http://schemas.microsoft.com/office/powerpoint/2015/main" val="1"/>
+              </p:ext>
+            </p:extLst>
+          </p:nvPr>
+        </p:nvSpPr>
+        <p:spPr>
+          <a:xfrm>
+            <a:off x="411480" y="2286000"/>
+            <a:ext cx="4389120" cy="18288"/>
+          </a:xfrm>
+          <a:prstGeom prst="rect">
+            <a:avLst/>
+          </a:prstGeom>
+          <a:solidFill>
+            <a:schemeClr val="tx2">
+              <a:lumMod val="25000"/>
+              <a:lumOff val="75000"/>
+            </a:schemeClr>
+          </a:solidFill>
+          <a:ln w="3175">
+            <a:noFill/>
+          </a:ln>
+          <a:effectLst/>
+        </p:spPr>
+        <p:style>
+          <a:lnRef idx="2">
+            <a:schemeClr val="accent1">
+              <a:shade val="50000"/>
+            </a:schemeClr>
+          </a:lnRef>
+          <a:fillRef idx="1">
+            <a:schemeClr val="accent1"/>
+          </a:fillRef>
+          <a:effectRef idx="0">
+            <a:schemeClr val="accent1"/>
+          </a:effectRef>
+          <a:fontRef idx="minor">
+            <a:schemeClr val="lt1"/>
+          </a:fontRef>
+        </p:style>
+        <p:txBody>
+          <a:bodyPr rtlCol="0" anchor="ctr"/>
+          <a:lstStyle/>
+          <a:p>
+            <a:pPr marL="0" marR="0" lvl="0" indent="0" algn="ctr" defTabSz="914400" rtl="0" eaLnBrk="1" fontAlgn="auto" latinLnBrk="0" hangingPunct="1">
+              <a:lnSpc>
+                <a:spcPct val="100000"/>
+              </a:lnSpc>
+              <a:spcBef>
+                <a:spcPts val="0"/>
+              </a:spcBef>
+              <a:spcAft>
+                <a:spcPts val="0"/>
+              </a:spcAft>
+              <a:buClrTx/>
+              <a:buSzTx/>
+              <a:buFontTx/>
+              <a:buNone/>
+              <a:tabLst/>
+              <a:defRPr/>
+            </a:pPr>
+            <a:endParaRPr kumimoji="0" lang="en-US" sz="1800" b="0" i="0" u="none" strike="noStrike" kern="1200" cap="none" spc="0" normalizeH="0" baseline="0" noProof="0">
+              <a:ln>
+                <a:noFill/>
+              </a:ln>
+              <a:solidFill>
+                <a:prstClr val="white"/>
+              </a:solidFill>
+              <a:effectLst/>
+              <a:uLnTx/>
+              <a:uFillTx/>
+              <a:latin typeface="Calibri" panose="020F0502020204030204"/>
+              <a:ea typeface="+mn-ea"/>
+              <a:cs typeface="+mn-cs"/>
+            </a:endParaRPr>
+          </a:p>
+        </p:txBody>
+      </p:sp>
+      <p:sp>
+        <p:nvSpPr>
+          <p:cNvPr id="10" name="Content Placeholder 9">
+            <a:extLst>
+              <a:ext uri="{FF2B5EF4-FFF2-40B4-BE49-F238E27FC236}">
+                <a16:creationId xmlns:a16="http://schemas.microsoft.com/office/drawing/2014/main" id="{1FABAF21-D289-4161-978C-2A9418824174}"/>
               </a:ext>
             </a:extLst>
           </p:cNvPr>
@@ -6803,19 +13376,100 @@
             <p:ph idx="1"/>
           </p:nvPr>
         </p:nvSpPr>
-        <p:spPr/>
-        <p:txBody>
-          <a:bodyPr/>
-          <a:lstStyle/>
-          <a:p>
-            <a:endParaRPr lang="en-US"/>
-          </a:p>
-        </p:txBody>
-      </p:sp>
+        <p:spPr>
+          <a:xfrm>
+            <a:off x="411479" y="2688336"/>
+            <a:ext cx="4498848" cy="3584448"/>
+          </a:xfrm>
+        </p:spPr>
+        <p:txBody>
+          <a:bodyPr anchor="t">
+            <a:normAutofit/>
+          </a:bodyPr>
+          <a:lstStyle/>
+          <a:p>
+            <a:r>
+              <a:rPr lang="en-US" sz="1700" dirty="0"/>
+              <a:t>Looking at schools with the highest number of SHSAT test takers, we can see most of them have low percentages of Black &amp; Latinx student bodies (green).</a:t>
+            </a:r>
+          </a:p>
+        </p:txBody>
+      </p:sp>
+      <p:pic>
+        <p:nvPicPr>
+          <p:cNvPr id="6" name="Content Placeholder 5" descr="Chart&#10;&#10;Description automatically generated">
+            <a:extLst>
+              <a:ext uri="{FF2B5EF4-FFF2-40B4-BE49-F238E27FC236}">
+                <a16:creationId xmlns:a16="http://schemas.microsoft.com/office/drawing/2014/main" id="{FE003F6D-D8E7-8241-8AAD-59B06DC666AB}"/>
+              </a:ext>
+            </a:extLst>
+          </p:cNvPr>
+          <p:cNvPicPr>
+            <a:picLocks noChangeAspect="1"/>
+          </p:cNvPicPr>
+          <p:nvPr/>
+        </p:nvPicPr>
+        <p:blipFill rotWithShape="1">
+          <a:blip r:embed="rId2"/>
+          <a:srcRect l="14176" r="2" b="2"/>
+          <a:stretch/>
+        </p:blipFill>
+        <p:spPr>
+          <a:xfrm>
+            <a:off x="5308052" y="10"/>
+            <a:ext cx="6883948" cy="6857990"/>
+          </a:xfrm>
+          <a:custGeom>
+            <a:avLst/>
+            <a:gdLst/>
+            <a:ahLst/>
+            <a:cxnLst/>
+            <a:rect l="l" t="t" r="r" b="b"/>
+            <a:pathLst>
+              <a:path w="6883948" h="6858000">
+                <a:moveTo>
+                  <a:pt x="365648" y="0"/>
+                </a:moveTo>
+                <a:lnTo>
+                  <a:pt x="6883948" y="0"/>
+                </a:lnTo>
+                <a:lnTo>
+                  <a:pt x="6883948" y="6858000"/>
+                </a:lnTo>
+                <a:lnTo>
+                  <a:pt x="365648" y="6858000"/>
+                </a:lnTo>
+                <a:lnTo>
+                  <a:pt x="360213" y="6835050"/>
+                </a:lnTo>
+                <a:cubicBezTo>
+                  <a:pt x="128263" y="5788167"/>
+                  <a:pt x="0" y="4637179"/>
+                  <a:pt x="0" y="3429001"/>
+                </a:cubicBezTo>
+                <a:cubicBezTo>
+                  <a:pt x="0" y="2220824"/>
+                  <a:pt x="128263" y="1069835"/>
+                  <a:pt x="360213" y="22952"/>
+                </a:cubicBezTo>
+                <a:close/>
+              </a:path>
+            </a:pathLst>
+          </a:custGeom>
+          <a:effectLst>
+            <a:outerShdw blurRad="50800" dist="38100" dir="10800000" algn="r" rotWithShape="0">
+              <a:schemeClr val="bg1">
+                <a:lumMod val="85000"/>
+                <a:alpha val="30000"/>
+              </a:schemeClr>
+            </a:outerShdw>
+          </a:effectLst>
+        </p:spPr>
+      </p:pic>
     </p:spTree>
     <p:extLst>
       <p:ext uri="{BB962C8B-B14F-4D97-AF65-F5344CB8AC3E}">
-        <p14:creationId xmlns:p14="http://schemas.microsoft.com/office/powerpoint/2010/main" val="2448766035"/>
+        <p14:creationId xmlns:p14="http://schemas.microsoft.com/office/powerpoint/2010/main" val="937433295"/>
       </p:ext>
     </p:extLst>
   </p:cSld>
@@ -6828,6 +13482,14 @@
 <file path=ppt/slides/slide9.xml><?xml version="1.0" encoding="utf-8"?>
 <p:sld xmlns:a="http://schemas.openxmlformats.org/drawingml/2006/main" xmlns:r="http://schemas.openxmlformats.org/officeDocument/2006/relationships" xmlns:p="http://schemas.openxmlformats.org/presentationml/2006/main">
   <p:cSld>
+    <p:bg>
+      <p:bgPr>
+        <a:solidFill>
+          <a:schemeClr val="bg1"/>
+        </a:solidFill>
+        <a:effectLst/>
+      </p:bgPr>
+    </p:bg>
     <p:spTree>
       <p:nvGrpSpPr>
         <p:cNvPr id="1" name=""/>
@@ -6842,12 +13504,72 @@
           <a:chExt cx="0" cy="0"/>
         </a:xfrm>
       </p:grpSpPr>
+      <p:sp useBgFill="1">
+        <p:nvSpPr>
+          <p:cNvPr id="41" name="Rectangle 34">
+            <a:extLst>
+              <a:ext uri="{FF2B5EF4-FFF2-40B4-BE49-F238E27FC236}">
+                <a16:creationId xmlns:a16="http://schemas.microsoft.com/office/drawing/2014/main" id="{0B9EE3F3-89B7-43C3-8651-C4C96830993D}"/>
+              </a:ext>
+              <a:ext uri="{C183D7F6-B498-43B3-948B-1728B52AA6E4}">
+                <adec:decorative xmlns:adec="http://schemas.microsoft.com/office/drawing/2017/decorative" val="1"/>
+              </a:ext>
+            </a:extLst>
+          </p:cNvPr>
+          <p:cNvSpPr>
+            <a:spLocks noGrp="1" noRot="1" noChangeAspect="1" noMove="1" noResize="1" noEditPoints="1" noAdjustHandles="1" noChangeArrowheads="1" noChangeShapeType="1" noTextEdit="1"/>
+          </p:cNvSpPr>
+          <p:nvPr>
+            <p:extLst>
+              <p:ext uri="{386F3935-93C4-4BCD-93E2-E3B085C9AB24}">
+                <p16:designElem xmlns:p16="http://schemas.microsoft.com/office/powerpoint/2015/main" val="1"/>
+              </p:ext>
+            </p:extLst>
+          </p:nvPr>
+        </p:nvSpPr>
+        <p:spPr>
+          <a:xfrm>
+            <a:off x="0" y="0"/>
+            <a:ext cx="12192000" cy="6858000"/>
+          </a:xfrm>
+          <a:prstGeom prst="rect">
+            <a:avLst/>
+          </a:prstGeom>
+          <a:ln>
+            <a:noFill/>
+          </a:ln>
+        </p:spPr>
+        <p:style>
+          <a:lnRef idx="2">
+            <a:schemeClr val="accent1">
+              <a:shade val="50000"/>
+            </a:schemeClr>
+          </a:lnRef>
+          <a:fillRef idx="1">
+            <a:schemeClr val="accent1"/>
+          </a:fillRef>
+          <a:effectRef idx="0">
+            <a:schemeClr val="accent1"/>
+          </a:effectRef>
+          <a:fontRef idx="minor">
+            <a:schemeClr val="lt1"/>
+          </a:fontRef>
+        </p:style>
+        <p:txBody>
+          <a:bodyPr rtlCol="0" anchor="ctr"/>
+          <a:lstStyle/>
+          <a:p>
+            <a:pPr algn="ctr"/>
+            <a:endParaRPr lang="en-US"/>
+          </a:p>
+        </p:txBody>
+      </p:sp>
       <p:sp>
         <p:nvSpPr>
           <p:cNvPr id="2" name="Title 1">
             <a:extLst>
               <a:ext uri="{FF2B5EF4-FFF2-40B4-BE49-F238E27FC236}">
-                <a16:creationId xmlns:a16="http://schemas.microsoft.com/office/drawing/2014/main" id="{69B8BA33-CF05-0548-999E-720A8E0240B2}"/>
+                <a16:creationId xmlns:a16="http://schemas.microsoft.com/office/drawing/2014/main" id="{955C8287-F972-E14D-BA83-238C851CC836}"/>
               </a:ext>
             </a:extLst>
           </p:cNvPr>
@@ -6858,49 +13580,283 @@
             <p:ph type="title"/>
           </p:nvPr>
         </p:nvSpPr>
-        <p:spPr/>
+        <p:spPr>
+          <a:xfrm>
+            <a:off x="411480" y="991443"/>
+            <a:ext cx="4443154" cy="1087819"/>
+          </a:xfrm>
+        </p:spPr>
+        <p:txBody>
+          <a:bodyPr anchor="b">
+            <a:normAutofit/>
+          </a:bodyPr>
+          <a:lstStyle/>
+          <a:p>
+            <a:r>
+              <a:rPr lang="en-US" sz="3400"/>
+              <a:t>EDA: Least Number of Test Takers</a:t>
+            </a:r>
+          </a:p>
+        </p:txBody>
+      </p:sp>
+      <p:sp>
+        <p:nvSpPr>
+          <p:cNvPr id="42" name="Rectangle 36">
+            <a:extLst>
+              <a:ext uri="{FF2B5EF4-FFF2-40B4-BE49-F238E27FC236}">
+                <a16:creationId xmlns:a16="http://schemas.microsoft.com/office/drawing/2014/main" id="{33AE4636-AEEC-45D6-84D4-7AC2DA48ECF8}"/>
+              </a:ext>
+              <a:ext uri="{C183D7F6-B498-43B3-948B-1728B52AA6E4}">
+                <adec:decorative xmlns:adec="http://schemas.microsoft.com/office/drawing/2017/decorative" val="1"/>
+              </a:ext>
+            </a:extLst>
+          </p:cNvPr>
+          <p:cNvSpPr>
+            <a:spLocks noGrp="1" noRot="1" noChangeAspect="1" noMove="1" noResize="1" noEditPoints="1" noAdjustHandles="1" noChangeArrowheads="1" noChangeShapeType="1" noTextEdit="1"/>
+          </p:cNvSpPr>
+          <p:nvPr>
+            <p:extLst>
+              <p:ext uri="{386F3935-93C4-4BCD-93E2-E3B085C9AB24}">
+                <p16:designElem xmlns:p16="http://schemas.microsoft.com/office/powerpoint/2015/main" val="1"/>
+              </p:ext>
+            </p:extLst>
+          </p:nvPr>
+        </p:nvSpPr>
+        <p:spPr>
+          <a:xfrm rot="5400000">
+            <a:off x="649223" y="387939"/>
+            <a:ext cx="73152" cy="548640"/>
+          </a:xfrm>
+          <a:prstGeom prst="rect">
+            <a:avLst/>
+          </a:prstGeom>
+          <a:solidFill>
+            <a:schemeClr val="accent1"/>
+          </a:solidFill>
+          <a:ln>
+            <a:noFill/>
+          </a:ln>
+        </p:spPr>
+        <p:style>
+          <a:lnRef idx="2">
+            <a:schemeClr val="accent1">
+              <a:shade val="50000"/>
+            </a:schemeClr>
+          </a:lnRef>
+          <a:fillRef idx="1">
+            <a:schemeClr val="accent1"/>
+          </a:fillRef>
+          <a:effectRef idx="0">
+            <a:schemeClr val="accent1"/>
+          </a:effectRef>
+          <a:fontRef idx="minor">
+            <a:schemeClr val="lt1"/>
+          </a:fontRef>
+        </p:style>
+        <p:txBody>
+          <a:bodyPr rtlCol="0" anchor="ctr"/>
+          <a:lstStyle/>
+          <a:p>
+            <a:pPr marL="0" marR="0" lvl="0" indent="0" algn="ctr" defTabSz="914400" rtl="0" eaLnBrk="1" fontAlgn="auto" latinLnBrk="0" hangingPunct="1">
+              <a:lnSpc>
+                <a:spcPct val="100000"/>
+              </a:lnSpc>
+              <a:spcBef>
+                <a:spcPts val="0"/>
+              </a:spcBef>
+              <a:spcAft>
+                <a:spcPts val="0"/>
+              </a:spcAft>
+              <a:buClrTx/>
+              <a:buSzTx/>
+              <a:buFontTx/>
+              <a:buNone/>
+              <a:tabLst/>
+              <a:defRPr/>
+            </a:pPr>
+            <a:endParaRPr kumimoji="0" lang="en-US" sz="1800" b="0" i="0" u="none" strike="noStrike" kern="1200" cap="none" spc="0" normalizeH="0" baseline="0" noProof="0">
+              <a:ln>
+                <a:noFill/>
+              </a:ln>
+              <a:solidFill>
+                <a:prstClr val="white"/>
+              </a:solidFill>
+              <a:effectLst/>
+              <a:uLnTx/>
+              <a:uFillTx/>
+              <a:latin typeface="Calibri" panose="020F0502020204030204"/>
+              <a:ea typeface="+mn-ea"/>
+              <a:cs typeface="+mn-cs"/>
+            </a:endParaRPr>
+          </a:p>
+        </p:txBody>
+      </p:sp>
+      <p:sp>
+        <p:nvSpPr>
+          <p:cNvPr id="43" name="Rectangle 38">
+            <a:extLst>
+              <a:ext uri="{FF2B5EF4-FFF2-40B4-BE49-F238E27FC236}">
+                <a16:creationId xmlns:a16="http://schemas.microsoft.com/office/drawing/2014/main" id="{8D9CE0F4-2EB2-4F1F-8AAC-DB3571D9FE10}"/>
+              </a:ext>
+              <a:ext uri="{C183D7F6-B498-43B3-948B-1728B52AA6E4}">
+                <adec:decorative xmlns:adec="http://schemas.microsoft.com/office/drawing/2017/decorative" val="1"/>
+              </a:ext>
+            </a:extLst>
+          </p:cNvPr>
+          <p:cNvSpPr>
+            <a:spLocks noGrp="1" noRot="1" noChangeAspect="1" noMove="1" noResize="1" noEditPoints="1" noAdjustHandles="1" noChangeArrowheads="1" noChangeShapeType="1" noTextEdit="1"/>
+          </p:cNvSpPr>
+          <p:nvPr>
+            <p:extLst>
+              <p:ext uri="{386F3935-93C4-4BCD-93E2-E3B085C9AB24}">
+                <p16:designElem xmlns:p16="http://schemas.microsoft.com/office/powerpoint/2015/main" val="1"/>
+              </p:ext>
+            </p:extLst>
+          </p:nvPr>
+        </p:nvSpPr>
+        <p:spPr>
+          <a:xfrm>
+            <a:off x="411480" y="2285541"/>
+            <a:ext cx="4389120" cy="18288"/>
+          </a:xfrm>
+          <a:prstGeom prst="rect">
+            <a:avLst/>
+          </a:prstGeom>
+          <a:solidFill>
+            <a:schemeClr val="tx2">
+              <a:lumMod val="25000"/>
+              <a:lumOff val="75000"/>
+            </a:schemeClr>
+          </a:solidFill>
+          <a:ln w="3175">
+            <a:noFill/>
+          </a:ln>
+          <a:effectLst/>
+        </p:spPr>
+        <p:style>
+          <a:lnRef idx="2">
+            <a:schemeClr val="accent1">
+              <a:shade val="50000"/>
+            </a:schemeClr>
+          </a:lnRef>
+          <a:fillRef idx="1">
+            <a:schemeClr val="accent1"/>
+          </a:fillRef>
+          <a:effectRef idx="0">
+            <a:schemeClr val="accent1"/>
+          </a:effectRef>
+          <a:fontRef idx="minor">
+            <a:schemeClr val="lt1"/>
+          </a:fontRef>
+        </p:style>
+        <p:txBody>
+          <a:bodyPr rtlCol="0" anchor="ctr"/>
+          <a:lstStyle/>
+          <a:p>
+            <a:pPr marL="0" marR="0" lvl="0" indent="0" algn="ctr" defTabSz="914400" rtl="0" eaLnBrk="1" fontAlgn="auto" latinLnBrk="0" hangingPunct="1">
+              <a:lnSpc>
+                <a:spcPct val="100000"/>
+              </a:lnSpc>
+              <a:spcBef>
+                <a:spcPts val="0"/>
+              </a:spcBef>
+              <a:spcAft>
+                <a:spcPts val="0"/>
+              </a:spcAft>
+              <a:buClrTx/>
+              <a:buSzTx/>
+              <a:buFontTx/>
+              <a:buNone/>
+              <a:tabLst/>
+              <a:defRPr/>
+            </a:pPr>
+            <a:endParaRPr kumimoji="0" lang="en-US" sz="1800" b="0" i="0" u="none" strike="noStrike" kern="1200" cap="none" spc="0" normalizeH="0" baseline="0" noProof="0">
+              <a:ln>
+                <a:noFill/>
+              </a:ln>
+              <a:solidFill>
+                <a:prstClr val="white"/>
+              </a:solidFill>
+              <a:effectLst/>
+              <a:uLnTx/>
+              <a:uFillTx/>
+              <a:latin typeface="Calibri" panose="020F0502020204030204"/>
+              <a:ea typeface="+mn-ea"/>
+              <a:cs typeface="+mn-cs"/>
+            </a:endParaRPr>
+          </a:p>
+        </p:txBody>
+      </p:sp>
+      <p:sp>
+        <p:nvSpPr>
+          <p:cNvPr id="9" name="Content Placeholder 8">
+            <a:extLst>
+              <a:ext uri="{FF2B5EF4-FFF2-40B4-BE49-F238E27FC236}">
+                <a16:creationId xmlns:a16="http://schemas.microsoft.com/office/drawing/2014/main" id="{2F68EBB8-E7BF-4CFC-8AE3-1802DF63D460}"/>
+              </a:ext>
+            </a:extLst>
+          </p:cNvPr>
+          <p:cNvSpPr>
+            <a:spLocks noGrp="1"/>
+          </p:cNvSpPr>
+          <p:nvPr>
+            <p:ph idx="1"/>
+          </p:nvPr>
+        </p:nvSpPr>
+        <p:spPr>
+          <a:xfrm>
+            <a:off x="411480" y="2684095"/>
+            <a:ext cx="4443154" cy="3492868"/>
+          </a:xfrm>
+        </p:spPr>
         <p:txBody>
           <a:bodyPr>
-            <a:normAutofit fontScale="90000"/>
+            <a:normAutofit/>
           </a:bodyPr>
           <a:lstStyle/>
           <a:p>
             <a:r>
-              <a:rPr lang="en-US" dirty="0"/>
-              <a:t>EDA: Most Percentage of Admissions Offers</a:t>
+              <a:rPr lang="en-US" sz="1700"/>
+              <a:t>Schools with the least number of SHSAT test takers have nearly 100% Black &amp; Latinx student bodies (orange)</a:t>
             </a:r>
-          </a:p>
-        </p:txBody>
-      </p:sp>
-      <p:sp>
-        <p:nvSpPr>
-          <p:cNvPr id="3" name="Content Placeholder 2">
-            <a:extLst>
-              <a:ext uri="{FF2B5EF4-FFF2-40B4-BE49-F238E27FC236}">
-                <a16:creationId xmlns:a16="http://schemas.microsoft.com/office/drawing/2014/main" id="{D906CE3F-83E1-4C4A-97A1-332D15A86945}"/>
-              </a:ext>
-            </a:extLst>
-          </p:cNvPr>
-          <p:cNvSpPr>
-            <a:spLocks noGrp="1"/>
-          </p:cNvSpPr>
-          <p:nvPr>
-            <p:ph idx="1"/>
-          </p:nvPr>
-        </p:nvSpPr>
-        <p:spPr/>
-        <p:txBody>
-          <a:bodyPr/>
-          <a:lstStyle/>
-          <a:p>
-            <a:endParaRPr lang="en-US"/>
-          </a:p>
-        </p:txBody>
-      </p:sp>
+            <a:endParaRPr lang="en-US" sz="1700" dirty="0"/>
+          </a:p>
+        </p:txBody>
+      </p:sp>
+      <p:pic>
+        <p:nvPicPr>
+          <p:cNvPr id="5" name="Content Placeholder 4">
+            <a:extLst>
+              <a:ext uri="{FF2B5EF4-FFF2-40B4-BE49-F238E27FC236}">
+                <a16:creationId xmlns:a16="http://schemas.microsoft.com/office/drawing/2014/main" id="{E14FF060-71E8-F046-91B7-1F86CB1F7E3C}"/>
+              </a:ext>
+            </a:extLst>
+          </p:cNvPr>
+          <p:cNvPicPr>
+            <a:picLocks noChangeAspect="1"/>
+          </p:cNvPicPr>
+          <p:nvPr/>
+        </p:nvPicPr>
+        <p:blipFill>
+          <a:blip r:embed="rId2"/>
+          <a:stretch>
+            <a:fillRect/>
+          </a:stretch>
+        </p:blipFill>
+        <p:spPr>
+          <a:xfrm>
+            <a:off x="5616941" y="42799"/>
+            <a:ext cx="5978173" cy="6717049"/>
+          </a:xfrm>
+          <a:prstGeom prst="rect">
+            <a:avLst/>
+          </a:prstGeom>
+        </p:spPr>
+      </p:pic>
     </p:spTree>
     <p:extLst>
       <p:ext uri="{BB962C8B-B14F-4D97-AF65-F5344CB8AC3E}">
-        <p14:creationId xmlns:p14="http://schemas.microsoft.com/office/powerpoint/2010/main" val="1895960851"/>
+        <p14:creationId xmlns:p14="http://schemas.microsoft.com/office/powerpoint/2010/main" val="2448766035"/>
       </p:ext>
     </p:extLst>
   </p:cSld>

--- a/reports/submission/Capstone_Final_Presentation.pptx
+++ b/reports/submission/Capstone_Final_Presentation.pptx
@@ -9,20 +9,19 @@
     <p:sldId id="257" r:id="rId3"/>
     <p:sldId id="261" r:id="rId4"/>
     <p:sldId id="258" r:id="rId5"/>
-    <p:sldId id="273" r:id="rId6"/>
-    <p:sldId id="259" r:id="rId7"/>
-    <p:sldId id="260" r:id="rId8"/>
-    <p:sldId id="262" r:id="rId9"/>
-    <p:sldId id="264" r:id="rId10"/>
-    <p:sldId id="263" r:id="rId11"/>
-    <p:sldId id="265" r:id="rId12"/>
-    <p:sldId id="266" r:id="rId13"/>
-    <p:sldId id="267" r:id="rId14"/>
-    <p:sldId id="268" r:id="rId15"/>
-    <p:sldId id="269" r:id="rId16"/>
-    <p:sldId id="270" r:id="rId17"/>
-    <p:sldId id="271" r:id="rId18"/>
-    <p:sldId id="272" r:id="rId19"/>
+    <p:sldId id="259" r:id="rId6"/>
+    <p:sldId id="260" r:id="rId7"/>
+    <p:sldId id="262" r:id="rId8"/>
+    <p:sldId id="264" r:id="rId9"/>
+    <p:sldId id="263" r:id="rId10"/>
+    <p:sldId id="265" r:id="rId11"/>
+    <p:sldId id="266" r:id="rId12"/>
+    <p:sldId id="267" r:id="rId13"/>
+    <p:sldId id="268" r:id="rId14"/>
+    <p:sldId id="269" r:id="rId15"/>
+    <p:sldId id="270" r:id="rId16"/>
+    <p:sldId id="271" r:id="rId17"/>
+    <p:sldId id="272" r:id="rId18"/>
   </p:sldIdLst>
   <p:sldSz cx="12192000" cy="6858000"/>
   <p:notesSz cx="6858000" cy="9144000"/>
@@ -121,6 +120,11 @@
       </a:defRPr>
     </a:lvl9pPr>
   </p:defaultTextStyle>
+  <p:extLst>
+    <p:ext uri="{EFAFB233-063F-42B5-8137-9DF3F51BA10A}">
+      <p15:sldGuideLst xmlns:p15="http://schemas.microsoft.com/office/powerpoint/2012/main"/>
+    </p:ext>
+  </p:extLst>
 </p:presentation>
 </file>
 
@@ -5605,391 +5609,6 @@
       </p:grpSpPr>
       <p:sp useBgFill="1">
         <p:nvSpPr>
-          <p:cNvPr id="23" name="Rectangle 22">
-            <a:extLst>
-              <a:ext uri="{FF2B5EF4-FFF2-40B4-BE49-F238E27FC236}">
-                <a16:creationId xmlns:a16="http://schemas.microsoft.com/office/drawing/2014/main" id="{0B9EE3F3-89B7-43C3-8651-C4C96830993D}"/>
-              </a:ext>
-              <a:ext uri="{C183D7F6-B498-43B3-948B-1728B52AA6E4}">
-                <adec:decorative xmlns:adec="http://schemas.microsoft.com/office/drawing/2017/decorative" val="1"/>
-              </a:ext>
-            </a:extLst>
-          </p:cNvPr>
-          <p:cNvSpPr>
-            <a:spLocks noGrp="1" noRot="1" noChangeAspect="1" noMove="1" noResize="1" noEditPoints="1" noAdjustHandles="1" noChangeArrowheads="1" noChangeShapeType="1" noTextEdit="1"/>
-          </p:cNvSpPr>
-          <p:nvPr>
-            <p:extLst>
-              <p:ext uri="{386F3935-93C4-4BCD-93E2-E3B085C9AB24}">
-                <p16:designElem xmlns:p16="http://schemas.microsoft.com/office/powerpoint/2015/main" val="1"/>
-              </p:ext>
-            </p:extLst>
-          </p:nvPr>
-        </p:nvSpPr>
-        <p:spPr>
-          <a:xfrm>
-            <a:off x="0" y="0"/>
-            <a:ext cx="12192000" cy="6858000"/>
-          </a:xfrm>
-          <a:prstGeom prst="rect">
-            <a:avLst/>
-          </a:prstGeom>
-          <a:ln>
-            <a:noFill/>
-          </a:ln>
-        </p:spPr>
-        <p:style>
-          <a:lnRef idx="2">
-            <a:schemeClr val="accent1">
-              <a:shade val="50000"/>
-            </a:schemeClr>
-          </a:lnRef>
-          <a:fillRef idx="1">
-            <a:schemeClr val="accent1"/>
-          </a:fillRef>
-          <a:effectRef idx="0">
-            <a:schemeClr val="accent1"/>
-          </a:effectRef>
-          <a:fontRef idx="minor">
-            <a:schemeClr val="lt1"/>
-          </a:fontRef>
-        </p:style>
-        <p:txBody>
-          <a:bodyPr rtlCol="0" anchor="ctr"/>
-          <a:lstStyle/>
-          <a:p>
-            <a:pPr algn="ctr"/>
-            <a:endParaRPr lang="en-US"/>
-          </a:p>
-        </p:txBody>
-      </p:sp>
-      <p:sp>
-        <p:nvSpPr>
-          <p:cNvPr id="2" name="Title 1">
-            <a:extLst>
-              <a:ext uri="{FF2B5EF4-FFF2-40B4-BE49-F238E27FC236}">
-                <a16:creationId xmlns:a16="http://schemas.microsoft.com/office/drawing/2014/main" id="{69B8BA33-CF05-0548-999E-720A8E0240B2}"/>
-              </a:ext>
-            </a:extLst>
-          </p:cNvPr>
-          <p:cNvSpPr>
-            <a:spLocks noGrp="1"/>
-          </p:cNvSpPr>
-          <p:nvPr>
-            <p:ph type="title"/>
-          </p:nvPr>
-        </p:nvSpPr>
-        <p:spPr>
-          <a:xfrm>
-            <a:off x="411480" y="991443"/>
-            <a:ext cx="4443154" cy="1087819"/>
-          </a:xfrm>
-        </p:spPr>
-        <p:txBody>
-          <a:bodyPr anchor="b">
-            <a:normAutofit/>
-          </a:bodyPr>
-          <a:lstStyle/>
-          <a:p>
-            <a:r>
-              <a:rPr lang="en-US" sz="2900"/>
-              <a:t>EDA: Most Percentage of Admissions Offers</a:t>
-            </a:r>
-          </a:p>
-        </p:txBody>
-      </p:sp>
-      <p:sp>
-        <p:nvSpPr>
-          <p:cNvPr id="25" name="Rectangle 24">
-            <a:extLst>
-              <a:ext uri="{FF2B5EF4-FFF2-40B4-BE49-F238E27FC236}">
-                <a16:creationId xmlns:a16="http://schemas.microsoft.com/office/drawing/2014/main" id="{33AE4636-AEEC-45D6-84D4-7AC2DA48ECF8}"/>
-              </a:ext>
-              <a:ext uri="{C183D7F6-B498-43B3-948B-1728B52AA6E4}">
-                <adec:decorative xmlns:adec="http://schemas.microsoft.com/office/drawing/2017/decorative" val="1"/>
-              </a:ext>
-            </a:extLst>
-          </p:cNvPr>
-          <p:cNvSpPr>
-            <a:spLocks noGrp="1" noRot="1" noChangeAspect="1" noMove="1" noResize="1" noEditPoints="1" noAdjustHandles="1" noChangeArrowheads="1" noChangeShapeType="1" noTextEdit="1"/>
-          </p:cNvSpPr>
-          <p:nvPr>
-            <p:extLst>
-              <p:ext uri="{386F3935-93C4-4BCD-93E2-E3B085C9AB24}">
-                <p16:designElem xmlns:p16="http://schemas.microsoft.com/office/powerpoint/2015/main" val="1"/>
-              </p:ext>
-            </p:extLst>
-          </p:nvPr>
-        </p:nvSpPr>
-        <p:spPr>
-          <a:xfrm rot="5400000">
-            <a:off x="649223" y="387939"/>
-            <a:ext cx="73152" cy="548640"/>
-          </a:xfrm>
-          <a:prstGeom prst="rect">
-            <a:avLst/>
-          </a:prstGeom>
-          <a:solidFill>
-            <a:schemeClr val="accent1"/>
-          </a:solidFill>
-          <a:ln>
-            <a:noFill/>
-          </a:ln>
-        </p:spPr>
-        <p:style>
-          <a:lnRef idx="2">
-            <a:schemeClr val="accent1">
-              <a:shade val="50000"/>
-            </a:schemeClr>
-          </a:lnRef>
-          <a:fillRef idx="1">
-            <a:schemeClr val="accent1"/>
-          </a:fillRef>
-          <a:effectRef idx="0">
-            <a:schemeClr val="accent1"/>
-          </a:effectRef>
-          <a:fontRef idx="minor">
-            <a:schemeClr val="lt1"/>
-          </a:fontRef>
-        </p:style>
-        <p:txBody>
-          <a:bodyPr rtlCol="0" anchor="ctr"/>
-          <a:lstStyle/>
-          <a:p>
-            <a:pPr marL="0" marR="0" lvl="0" indent="0" algn="ctr" defTabSz="914400" rtl="0" eaLnBrk="1" fontAlgn="auto" latinLnBrk="0" hangingPunct="1">
-              <a:lnSpc>
-                <a:spcPct val="100000"/>
-              </a:lnSpc>
-              <a:spcBef>
-                <a:spcPts val="0"/>
-              </a:spcBef>
-              <a:spcAft>
-                <a:spcPts val="0"/>
-              </a:spcAft>
-              <a:buClrTx/>
-              <a:buSzTx/>
-              <a:buFontTx/>
-              <a:buNone/>
-              <a:tabLst/>
-              <a:defRPr/>
-            </a:pPr>
-            <a:endParaRPr kumimoji="0" lang="en-US" sz="1800" b="0" i="0" u="none" strike="noStrike" kern="1200" cap="none" spc="0" normalizeH="0" baseline="0" noProof="0">
-              <a:ln>
-                <a:noFill/>
-              </a:ln>
-              <a:solidFill>
-                <a:prstClr val="white"/>
-              </a:solidFill>
-              <a:effectLst/>
-              <a:uLnTx/>
-              <a:uFillTx/>
-              <a:latin typeface="Calibri" panose="020F0502020204030204"/>
-              <a:ea typeface="+mn-ea"/>
-              <a:cs typeface="+mn-cs"/>
-            </a:endParaRPr>
-          </a:p>
-        </p:txBody>
-      </p:sp>
-      <p:sp>
-        <p:nvSpPr>
-          <p:cNvPr id="27" name="Rectangle 26">
-            <a:extLst>
-              <a:ext uri="{FF2B5EF4-FFF2-40B4-BE49-F238E27FC236}">
-                <a16:creationId xmlns:a16="http://schemas.microsoft.com/office/drawing/2014/main" id="{8D9CE0F4-2EB2-4F1F-8AAC-DB3571D9FE10}"/>
-              </a:ext>
-              <a:ext uri="{C183D7F6-B498-43B3-948B-1728B52AA6E4}">
-                <adec:decorative xmlns:adec="http://schemas.microsoft.com/office/drawing/2017/decorative" val="1"/>
-              </a:ext>
-            </a:extLst>
-          </p:cNvPr>
-          <p:cNvSpPr>
-            <a:spLocks noGrp="1" noRot="1" noChangeAspect="1" noMove="1" noResize="1" noEditPoints="1" noAdjustHandles="1" noChangeArrowheads="1" noChangeShapeType="1" noTextEdit="1"/>
-          </p:cNvSpPr>
-          <p:nvPr>
-            <p:extLst>
-              <p:ext uri="{386F3935-93C4-4BCD-93E2-E3B085C9AB24}">
-                <p16:designElem xmlns:p16="http://schemas.microsoft.com/office/powerpoint/2015/main" val="1"/>
-              </p:ext>
-            </p:extLst>
-          </p:nvPr>
-        </p:nvSpPr>
-        <p:spPr>
-          <a:xfrm>
-            <a:off x="411480" y="2285541"/>
-            <a:ext cx="4389120" cy="18288"/>
-          </a:xfrm>
-          <a:prstGeom prst="rect">
-            <a:avLst/>
-          </a:prstGeom>
-          <a:solidFill>
-            <a:schemeClr val="tx2">
-              <a:lumMod val="25000"/>
-              <a:lumOff val="75000"/>
-            </a:schemeClr>
-          </a:solidFill>
-          <a:ln w="3175">
-            <a:noFill/>
-          </a:ln>
-          <a:effectLst/>
-        </p:spPr>
-        <p:style>
-          <a:lnRef idx="2">
-            <a:schemeClr val="accent1">
-              <a:shade val="50000"/>
-            </a:schemeClr>
-          </a:lnRef>
-          <a:fillRef idx="1">
-            <a:schemeClr val="accent1"/>
-          </a:fillRef>
-          <a:effectRef idx="0">
-            <a:schemeClr val="accent1"/>
-          </a:effectRef>
-          <a:fontRef idx="minor">
-            <a:schemeClr val="lt1"/>
-          </a:fontRef>
-        </p:style>
-        <p:txBody>
-          <a:bodyPr rtlCol="0" anchor="ctr"/>
-          <a:lstStyle/>
-          <a:p>
-            <a:pPr marL="0" marR="0" lvl="0" indent="0" algn="ctr" defTabSz="914400" rtl="0" eaLnBrk="1" fontAlgn="auto" latinLnBrk="0" hangingPunct="1">
-              <a:lnSpc>
-                <a:spcPct val="100000"/>
-              </a:lnSpc>
-              <a:spcBef>
-                <a:spcPts val="0"/>
-              </a:spcBef>
-              <a:spcAft>
-                <a:spcPts val="0"/>
-              </a:spcAft>
-              <a:buClrTx/>
-              <a:buSzTx/>
-              <a:buFontTx/>
-              <a:buNone/>
-              <a:tabLst/>
-              <a:defRPr/>
-            </a:pPr>
-            <a:endParaRPr kumimoji="0" lang="en-US" sz="1800" b="0" i="0" u="none" strike="noStrike" kern="1200" cap="none" spc="0" normalizeH="0" baseline="0" noProof="0">
-              <a:ln>
-                <a:noFill/>
-              </a:ln>
-              <a:solidFill>
-                <a:prstClr val="white"/>
-              </a:solidFill>
-              <a:effectLst/>
-              <a:uLnTx/>
-              <a:uFillTx/>
-              <a:latin typeface="Calibri" panose="020F0502020204030204"/>
-              <a:ea typeface="+mn-ea"/>
-              <a:cs typeface="+mn-cs"/>
-            </a:endParaRPr>
-          </a:p>
-        </p:txBody>
-      </p:sp>
-      <p:sp>
-        <p:nvSpPr>
-          <p:cNvPr id="9" name="Content Placeholder 8">
-            <a:extLst>
-              <a:ext uri="{FF2B5EF4-FFF2-40B4-BE49-F238E27FC236}">
-                <a16:creationId xmlns:a16="http://schemas.microsoft.com/office/drawing/2014/main" id="{2D19A7FD-C0F9-4A34-B3FA-1E782BC1D38A}"/>
-              </a:ext>
-            </a:extLst>
-          </p:cNvPr>
-          <p:cNvSpPr>
-            <a:spLocks noGrp="1"/>
-          </p:cNvSpPr>
-          <p:nvPr>
-            <p:ph idx="1"/>
-          </p:nvPr>
-        </p:nvSpPr>
-        <p:spPr>
-          <a:xfrm>
-            <a:off x="411480" y="2684095"/>
-            <a:ext cx="4443154" cy="3492868"/>
-          </a:xfrm>
-        </p:spPr>
-        <p:txBody>
-          <a:bodyPr>
-            <a:normAutofit/>
-          </a:bodyPr>
-          <a:lstStyle/>
-          <a:p>
-            <a:r>
-              <a:rPr lang="en-US" sz="1700" dirty="0"/>
-              <a:t>Among the schools with the highest percentage of their test takers/students receiving admissions offers, nearly all have less than 50% Black &amp; Latinx student bodies (green).</a:t>
-            </a:r>
-          </a:p>
-        </p:txBody>
-      </p:sp>
-      <p:pic>
-        <p:nvPicPr>
-          <p:cNvPr id="5" name="Content Placeholder 4" descr="A picture containing chart&#10;&#10;Description automatically generated">
-            <a:extLst>
-              <a:ext uri="{FF2B5EF4-FFF2-40B4-BE49-F238E27FC236}">
-                <a16:creationId xmlns:a16="http://schemas.microsoft.com/office/drawing/2014/main" id="{59D188C5-604C-D347-B824-35D674034778}"/>
-              </a:ext>
-            </a:extLst>
-          </p:cNvPr>
-          <p:cNvPicPr>
-            <a:picLocks noChangeAspect="1"/>
-          </p:cNvPicPr>
-          <p:nvPr/>
-        </p:nvPicPr>
-        <p:blipFill rotWithShape="1">
-          <a:blip r:embed="rId2"/>
-          <a:srcRect l="7020" r="3" b="3"/>
-          <a:stretch/>
-        </p:blipFill>
-        <p:spPr>
-          <a:xfrm>
-            <a:off x="4855249" y="477391"/>
-            <a:ext cx="7311226" cy="6035040"/>
-          </a:xfrm>
-          <a:prstGeom prst="rect">
-            <a:avLst/>
-          </a:prstGeom>
-        </p:spPr>
-      </p:pic>
-    </p:spTree>
-    <p:extLst>
-      <p:ext uri="{BB962C8B-B14F-4D97-AF65-F5344CB8AC3E}">
-        <p14:creationId xmlns:p14="http://schemas.microsoft.com/office/powerpoint/2010/main" val="1895960851"/>
-      </p:ext>
-    </p:extLst>
-  </p:cSld>
-  <p:clrMapOvr>
-    <a:masterClrMapping/>
-  </p:clrMapOvr>
-</p:sld>
-</file>
-
-<file path=ppt/slides/slide11.xml><?xml version="1.0" encoding="utf-8"?>
-<p:sld xmlns:a="http://schemas.openxmlformats.org/drawingml/2006/main" xmlns:r="http://schemas.openxmlformats.org/officeDocument/2006/relationships" xmlns:p="http://schemas.openxmlformats.org/presentationml/2006/main">
-  <p:cSld>
-    <p:bg>
-      <p:bgPr>
-        <a:solidFill>
-          <a:schemeClr val="bg1"/>
-        </a:solidFill>
-        <a:effectLst/>
-      </p:bgPr>
-    </p:bg>
-    <p:spTree>
-      <p:nvGrpSpPr>
-        <p:cNvPr id="1" name=""/>
-        <p:cNvGrpSpPr/>
-        <p:nvPr/>
-      </p:nvGrpSpPr>
-      <p:grpSpPr>
-        <a:xfrm>
-          <a:off x="0" y="0"/>
-          <a:ext cx="0" cy="0"/>
-          <a:chOff x="0" y="0"/>
-          <a:chExt cx="0" cy="0"/>
-        </a:xfrm>
-      </p:grpSpPr>
-      <p:sp useBgFill="1">
-        <p:nvSpPr>
           <p:cNvPr id="21" name="Rectangle 20">
             <a:extLst>
               <a:ext uri="{FF2B5EF4-FFF2-40B4-BE49-F238E27FC236}">
@@ -6390,7 +6009,7 @@
 </p:sld>
 </file>
 
-<file path=ppt/slides/slide12.xml><?xml version="1.0" encoding="utf-8"?>
+<file path=ppt/slides/slide11.xml><?xml version="1.0" encoding="utf-8"?>
 <p:sld xmlns:a="http://schemas.openxmlformats.org/drawingml/2006/main" xmlns:r="http://schemas.openxmlformats.org/officeDocument/2006/relationships" xmlns:p="http://schemas.openxmlformats.org/presentationml/2006/main">
   <p:cSld>
     <p:bg>
@@ -6817,7 +6436,7 @@
 </p:sld>
 </file>
 
-<file path=ppt/slides/slide13.xml><?xml version="1.0" encoding="utf-8"?>
+<file path=ppt/slides/slide12.xml><?xml version="1.0" encoding="utf-8"?>
 <p:sld xmlns:a="http://schemas.openxmlformats.org/drawingml/2006/main" xmlns:r="http://schemas.openxmlformats.org/officeDocument/2006/relationships" xmlns:p="http://schemas.openxmlformats.org/presentationml/2006/main">
   <p:cSld>
     <p:bg>
@@ -7497,8 +7116,8 @@
               </a:lnSpc>
             </a:pPr>
             <a:r>
-              <a:rPr lang="en-US" sz="1400"/>
-              <a:t>I compared 3 different regression models and an ensemble method to determine which approach produced accurate results of predicting the number of offers a schools received.</a:t>
+              <a:rPr lang="en-US" sz="1400" dirty="0"/>
+              <a:t>I compared 3 different regression models and an ensemble method to determine which approach produced accurate results of predicting the number of offers a school received.</a:t>
             </a:r>
           </a:p>
           <a:p>
@@ -7508,8 +7127,16 @@
               </a:lnSpc>
             </a:pPr>
             <a:r>
-              <a:rPr lang="en-US" sz="1400"/>
-              <a:t>I determined that the ensemble method’s (Voting) 3% increase in accuracy wasn’t worth the trade off of more time/complexity of the simpler linear regression (OLS).</a:t>
+              <a:rPr lang="en-US" sz="1400" dirty="0"/>
+              <a:t>I determined that the ensemble method’s (Voting) 3% increase in R</a:t>
+            </a:r>
+            <a:r>
+              <a:rPr lang="en-US" sz="1400" baseline="30000" dirty="0"/>
+              <a:t>2</a:t>
+            </a:r>
+            <a:r>
+              <a:rPr lang="en-US" sz="1400" dirty="0"/>
+              <a:t> (0.96 vs 0.93) wasn’t worth the trade off of more time/complexity of the simpler linear regression (OLS).</a:t>
             </a:r>
           </a:p>
         </p:txBody>
@@ -7564,7 +7191,7 @@
 </p:sld>
 </file>
 
-<file path=ppt/slides/slide14.xml><?xml version="1.0" encoding="utf-8"?>
+<file path=ppt/slides/slide13.xml><?xml version="1.0" encoding="utf-8"?>
 <p:sld xmlns:a="http://schemas.openxmlformats.org/drawingml/2006/main" xmlns:r="http://schemas.openxmlformats.org/officeDocument/2006/relationships" xmlns:p="http://schemas.openxmlformats.org/presentationml/2006/main">
   <p:cSld>
     <p:bg>
@@ -8287,7 +7914,7 @@
 </p:sld>
 </file>
 
-<file path=ppt/slides/slide15.xml><?xml version="1.0" encoding="utf-8"?>
+<file path=ppt/slides/slide14.xml><?xml version="1.0" encoding="utf-8"?>
 <p:sld xmlns:a="http://schemas.openxmlformats.org/drawingml/2006/main" xmlns:r="http://schemas.openxmlformats.org/officeDocument/2006/relationships" xmlns:p="http://schemas.openxmlformats.org/presentationml/2006/main">
   <p:cSld>
     <p:bg>
@@ -8695,7 +8322,7 @@
 </p:sld>
 </file>
 
-<file path=ppt/slides/slide16.xml><?xml version="1.0" encoding="utf-8"?>
+<file path=ppt/slides/slide15.xml><?xml version="1.0" encoding="utf-8"?>
 <p:sld xmlns:a="http://schemas.openxmlformats.org/drawingml/2006/main" xmlns:r="http://schemas.openxmlformats.org/officeDocument/2006/relationships" xmlns:p="http://schemas.openxmlformats.org/presentationml/2006/main">
   <p:cSld>
     <p:bg>
@@ -9419,7 +9046,7 @@
 </p:sld>
 </file>
 
-<file path=ppt/slides/slide17.xml><?xml version="1.0" encoding="utf-8"?>
+<file path=ppt/slides/slide16.xml><?xml version="1.0" encoding="utf-8"?>
 <p:sld xmlns:a="http://schemas.openxmlformats.org/drawingml/2006/main" xmlns:r="http://schemas.openxmlformats.org/officeDocument/2006/relationships" xmlns:p="http://schemas.openxmlformats.org/presentationml/2006/main">
   <p:cSld>
     <p:bg>
@@ -9811,7 +9438,7 @@
 </p:sld>
 </file>
 
-<file path=ppt/slides/slide18.xml><?xml version="1.0" encoding="utf-8"?>
+<file path=ppt/slides/slide17.xml><?xml version="1.0" encoding="utf-8"?>
 <p:sld xmlns:a="http://schemas.openxmlformats.org/drawingml/2006/main" xmlns:r="http://schemas.openxmlformats.org/officeDocument/2006/relationships" xmlns:p="http://schemas.openxmlformats.org/presentationml/2006/main">
   <p:cSld>
     <p:bg>
@@ -10379,7 +10006,7 @@
       </p:grpSpPr>
       <p:sp useBgFill="1">
         <p:nvSpPr>
-          <p:cNvPr id="17" name="Rectangle 16">
+          <p:cNvPr id="39" name="Rectangle 25">
             <a:extLst>
               <a:ext uri="{FF2B5EF4-FFF2-40B4-BE49-F238E27FC236}">
                 <a16:creationId xmlns:a16="http://schemas.microsoft.com/office/drawing/2014/main" id="{CBB2B1F0-0DD6-4744-9A46-7A344FB48E40}"/>
@@ -10474,7 +10101,7 @@
       </p:sp>
       <p:sp>
         <p:nvSpPr>
-          <p:cNvPr id="19" name="Rectangle 18">
+          <p:cNvPr id="40" name="Rectangle 27">
             <a:extLst>
               <a:ext uri="{FF2B5EF4-FFF2-40B4-BE49-F238E27FC236}">
                 <a16:creationId xmlns:a16="http://schemas.microsoft.com/office/drawing/2014/main" id="{7A0B5DEA-ADF6-4BA5-9307-147F0A4685A0}"/>
@@ -10570,7 +10197,7 @@
       </p:sp>
       <p:sp>
         <p:nvSpPr>
-          <p:cNvPr id="21" name="Rectangle 20">
+          <p:cNvPr id="41" name="Rectangle 29">
             <a:extLst>
               <a:ext uri="{FF2B5EF4-FFF2-40B4-BE49-F238E27FC236}">
                 <a16:creationId xmlns:a16="http://schemas.microsoft.com/office/drawing/2014/main" id="{9DECDBF4-02B6-4BB4-B65B-B8107AD6A9E8}"/>
@@ -10689,22 +10316,16 @@
           <a:lstStyle/>
           <a:p>
             <a:r>
-              <a:rPr lang="en-US" sz="2000" dirty="0"/>
+              <a:rPr lang="en-US" sz="2000"/>
               <a:t>Performance on the Specialized High School Admissions Test (SHSAT) determines eligibility to one of the eight specialized high schools in New York City.</a:t>
             </a:r>
           </a:p>
           <a:p>
             <a:r>
-              <a:rPr lang="en-US" sz="2000" dirty="0"/>
-              <a:t>Of major concern is the racial &amp; ethnic breakdown of admitted students, showing significant underrepresentation from Black and Latinx students.</a:t>
+              <a:rPr lang="en-US" sz="2000"/>
+              <a:t>Black &amp; Latinx student representation is significantly lower, than other race &amp; ethnicities, amongst the specialized high school admitted students, given the demographics of NYC.</a:t>
             </a:r>
-          </a:p>
-          <a:p>
-            <a:pPr lvl="1"/>
-            <a:r>
-              <a:rPr lang="en-US"/>
-              <a:t>This is especially apparent given the percentage of NYC that is represented by Black &amp; Latinx residents. </a:t>
-            </a:r>
+            <a:endParaRPr lang="en-US" sz="2000" dirty="0"/>
           </a:p>
         </p:txBody>
       </p:sp>
@@ -10835,7 +10456,7 @@
           <a:lstStyle/>
           <a:p>
             <a:r>
-              <a:rPr lang="en-US" sz="6000"/>
+              <a:rPr lang="en-US" sz="6000" dirty="0"/>
               <a:t>Problem</a:t>
             </a:r>
           </a:p>
@@ -11059,8 +10680,9 @@
           <a:p>
             <a:r>
               <a:rPr lang="en-US" sz="2000" dirty="0"/>
-              <a:t>What factors not only predict the number of specialized high school admissions offers received by students, across the board, but specifically for Black &amp; Latinx students?</a:t>
+              <a:t>Which factors that predict success on the SHSAT can increase the number of specialized high school admissions offers received by Black &amp; Latinx students? </a:t>
             </a:r>
+            <a:endParaRPr lang="en-US" sz="1600" dirty="0"/>
           </a:p>
         </p:txBody>
       </p:sp>
@@ -11419,7 +11041,7 @@
               </a:lnSpc>
             </a:pPr>
             <a:r>
-              <a:rPr lang="en-US" sz="1900"/>
+              <a:rPr lang="en-US" sz="1900" dirty="0"/>
               <a:t>Two main datasets are used:</a:t>
             </a:r>
           </a:p>
@@ -11430,7 +11052,7 @@
               </a:lnSpc>
             </a:pPr>
             <a:r>
-              <a:rPr lang="en-US" sz="1900"/>
+              <a:rPr lang="en-US" sz="1900" dirty="0"/>
               <a:t>2016 School Explorer</a:t>
             </a:r>
           </a:p>
@@ -11441,17 +11063,17 @@
               </a:lnSpc>
             </a:pPr>
             <a:r>
-              <a:rPr lang="en-US" sz="1900"/>
+              <a:rPr lang="en-US" sz="1900" dirty="0"/>
               <a:t>Consists of 1,272 schools in New York City, and 161 variables, provided via </a:t>
             </a:r>
             <a:r>
-              <a:rPr lang="en-US" sz="1900">
+              <a:rPr lang="en-US" sz="1900" dirty="0">
                 <a:hlinkClick r:id="rId2"/>
               </a:rPr>
               <a:t>Kaggle</a:t>
             </a:r>
             <a:r>
-              <a:rPr lang="en-US" sz="1900"/>
+              <a:rPr lang="en-US" sz="1900" dirty="0"/>
               <a:t>.</a:t>
             </a:r>
           </a:p>
@@ -11462,8 +11084,8 @@
               </a:lnSpc>
             </a:pPr>
             <a:r>
-              <a:rPr lang="en-US" sz="1900"/>
-              <a:t>Primarily, it’s school descriptors, e.g. grades, race &amp; ethnicity student percentages, high/low performing percentages of students.</a:t>
+              <a:rPr lang="en-US" sz="1900" dirty="0"/>
+              <a:t>Primarily, it’s school descriptors, e.g. grades, race &amp; ethnicity demographics percentages, high/low performing percentages of students.</a:t>
             </a:r>
           </a:p>
           <a:p>
@@ -11473,7 +11095,7 @@
               </a:lnSpc>
             </a:pPr>
             <a:r>
-              <a:rPr lang="en-US" sz="1900"/>
+              <a:rPr lang="en-US" sz="1900" dirty="0"/>
               <a:t>2017-2018 SHSAT Admissions Test Offers By Sending School</a:t>
             </a:r>
           </a:p>
@@ -11484,29 +11106,18 @@
               </a:lnSpc>
             </a:pPr>
             <a:r>
-              <a:rPr lang="en-US" sz="1900"/>
-              <a:t>Consists of the 2017 SHSAT results, available via NYC’s </a:t>
+              <a:rPr lang="en-US" sz="1900" dirty="0"/>
+              <a:t>Consists of school-level count of admissions offers based on the 2017 SHSAT, available via NYC’s </a:t>
             </a:r>
             <a:r>
-              <a:rPr lang="en-US" sz="1900">
+              <a:rPr lang="en-US" sz="1900" dirty="0">
                 <a:hlinkClick r:id="rId3"/>
               </a:rPr>
               <a:t>Open Data Portal</a:t>
             </a:r>
             <a:r>
-              <a:rPr lang="en-US" sz="1900"/>
+              <a:rPr lang="en-US" sz="1900" dirty="0"/>
               <a:t>. </a:t>
-            </a:r>
-          </a:p>
-          <a:p>
-            <a:pPr lvl="2">
-              <a:lnSpc>
-                <a:spcPct val="100000"/>
-              </a:lnSpc>
-            </a:pPr>
-            <a:r>
-              <a:rPr lang="en-US" sz="1900"/>
-              <a:t>All test takers are 28,000+, grade 8 students, grouped by school.</a:t>
             </a:r>
           </a:p>
           <a:p>
@@ -11515,15 +11126,7 @@
                 <a:spcPct val="100000"/>
               </a:lnSpc>
             </a:pPr>
-            <a:endParaRPr lang="en-US" sz="1900"/>
-          </a:p>
-          <a:p>
-            <a:pPr>
-              <a:lnSpc>
-                <a:spcPct val="100000"/>
-              </a:lnSpc>
-            </a:pPr>
-            <a:endParaRPr lang="en-US" sz="1900"/>
+            <a:endParaRPr lang="en-US" sz="1900" dirty="0"/>
           </a:p>
         </p:txBody>
       </p:sp>
@@ -11567,10 +11170,10 @@
       </p:grpSpPr>
       <p:sp useBgFill="1">
         <p:nvSpPr>
-          <p:cNvPr id="8" name="Rectangle 7">
-            <a:extLst>
-              <a:ext uri="{FF2B5EF4-FFF2-40B4-BE49-F238E27FC236}">
-                <a16:creationId xmlns:a16="http://schemas.microsoft.com/office/drawing/2014/main" id="{CBB2B1F0-0DD6-4744-9A46-7A344FB48E40}"/>
+          <p:cNvPr id="9" name="Rectangle 8">
+            <a:extLst>
+              <a:ext uri="{FF2B5EF4-FFF2-40B4-BE49-F238E27FC236}">
+                <a16:creationId xmlns:a16="http://schemas.microsoft.com/office/drawing/2014/main" id="{8380AD67-C5CA-4918-B4BB-C359BB03EEDD}"/>
               </a:ext>
               <a:ext uri="{C183D7F6-B498-43B3-948B-1728B52AA6E4}">
                 <adec:decorative xmlns:adec="http://schemas.microsoft.com/office/drawing/2017/decorative" val="1"/>
@@ -11630,7 +11233,7 @@
           <p:cNvPr id="2" name="Title 1">
             <a:extLst>
               <a:ext uri="{FF2B5EF4-FFF2-40B4-BE49-F238E27FC236}">
-                <a16:creationId xmlns:a16="http://schemas.microsoft.com/office/drawing/2014/main" id="{874A4C2B-DC95-F44F-B77F-F5F05821C7EE}"/>
+                <a16:creationId xmlns:a16="http://schemas.microsoft.com/office/drawing/2014/main" id="{DCC5BE86-6828-5149-8BED-A7EB2BBDDAF5}"/>
               </a:ext>
             </a:extLst>
           </p:cNvPr>
@@ -11643,8 +11246,8 @@
         </p:nvSpPr>
         <p:spPr>
           <a:xfrm>
-            <a:off x="841248" y="426720"/>
-            <a:ext cx="10506456" cy="1919141"/>
+            <a:off x="5080216" y="1076324"/>
+            <a:ext cx="6272784" cy="1535051"/>
           </a:xfrm>
         </p:spPr>
         <p:txBody>
@@ -11654,18 +11257,47 @@
           <a:lstStyle/>
           <a:p>
             <a:r>
-              <a:rPr lang="en-US" sz="6000"/>
-              <a:t>Approach &amp; Method</a:t>
+              <a:rPr lang="en-US" sz="4800" dirty="0"/>
+              <a:t>Feature Engineering</a:t>
             </a:r>
           </a:p>
         </p:txBody>
       </p:sp>
-      <p:sp>
-        <p:nvSpPr>
-          <p:cNvPr id="10" name="Rectangle 9">
-            <a:extLst>
-              <a:ext uri="{FF2B5EF4-FFF2-40B4-BE49-F238E27FC236}">
-                <a16:creationId xmlns:a16="http://schemas.microsoft.com/office/drawing/2014/main" id="{7A0B5DEA-ADF6-4BA5-9307-147F0A4685A0}"/>
+      <p:pic>
+        <p:nvPicPr>
+          <p:cNvPr id="5" name="Picture 4">
+            <a:extLst>
+              <a:ext uri="{FF2B5EF4-FFF2-40B4-BE49-F238E27FC236}">
+                <a16:creationId xmlns:a16="http://schemas.microsoft.com/office/drawing/2014/main" id="{D453D521-5B34-4AC8-9EBF-44BC050E2C49}"/>
+              </a:ext>
+            </a:extLst>
+          </p:cNvPr>
+          <p:cNvPicPr>
+            <a:picLocks noChangeAspect="1"/>
+          </p:cNvPicPr>
+          <p:nvPr/>
+        </p:nvPicPr>
+        <p:blipFill rotWithShape="1">
+          <a:blip r:embed="rId2"/>
+          <a:srcRect l="51928" r="7670"/>
+          <a:stretch/>
+        </p:blipFill>
+        <p:spPr>
+          <a:xfrm>
+            <a:off x="20" y="10"/>
+            <a:ext cx="4505305" cy="6857990"/>
+          </a:xfrm>
+          <a:prstGeom prst="rect">
+            <a:avLst/>
+          </a:prstGeom>
+        </p:spPr>
+      </p:pic>
+      <p:sp>
+        <p:nvSpPr>
+          <p:cNvPr id="11" name="Rectangle 10">
+            <a:extLst>
+              <a:ext uri="{FF2B5EF4-FFF2-40B4-BE49-F238E27FC236}">
+                <a16:creationId xmlns:a16="http://schemas.microsoft.com/office/drawing/2014/main" id="{EABAD4DA-87BA-4F70-9EF0-45C6BCF17823}"/>
               </a:ext>
               <a:ext uri="{C183D7F6-B498-43B3-948B-1728B52AA6E4}">
                 <adec:decorative xmlns:adec="http://schemas.microsoft.com/office/drawing/2017/decorative" val="1"/>
@@ -11684,23 +11316,19 @@
           </p:nvPr>
         </p:nvSpPr>
         <p:spPr>
-          <a:xfrm>
-            <a:off x="868680" y="2898648"/>
-            <a:ext cx="10506456" cy="18288"/>
+          <a:xfrm rot="5400000">
+            <a:off x="5317960" y="363389"/>
+            <a:ext cx="73152" cy="548640"/>
           </a:xfrm>
           <a:prstGeom prst="rect">
             <a:avLst/>
           </a:prstGeom>
           <a:solidFill>
-            <a:schemeClr val="tx2">
-              <a:lumMod val="25000"/>
-              <a:lumOff val="75000"/>
-            </a:schemeClr>
+            <a:schemeClr val="accent1"/>
           </a:solidFill>
-          <a:ln w="3175">
+          <a:ln>
             <a:noFill/>
           </a:ln>
-          <a:effectLst/>
         </p:spPr>
         <p:style>
           <a:lnRef idx="2">
@@ -11758,10 +11386,10 @@
       </p:sp>
       <p:sp>
         <p:nvSpPr>
-          <p:cNvPr id="12" name="Rectangle 11">
-            <a:extLst>
-              <a:ext uri="{FF2B5EF4-FFF2-40B4-BE49-F238E27FC236}">
-                <a16:creationId xmlns:a16="http://schemas.microsoft.com/office/drawing/2014/main" id="{9DECDBF4-02B6-4BB4-B65B-B8107AD6A9E8}"/>
+          <p:cNvPr id="13" name="Rectangle 12">
+            <a:extLst>
+              <a:ext uri="{FF2B5EF4-FFF2-40B4-BE49-F238E27FC236}">
+                <a16:creationId xmlns:a16="http://schemas.microsoft.com/office/drawing/2014/main" id="{915128D9-2797-47FA-B6FE-EC24E6B8437A}"/>
               </a:ext>
               <a:ext uri="{C183D7F6-B498-43B3-948B-1728B52AA6E4}">
                 <adec:decorative xmlns:adec="http://schemas.microsoft.com/office/drawing/2017/decorative" val="1"/>
@@ -11780,19 +11408,23 @@
           </p:nvPr>
         </p:nvSpPr>
         <p:spPr>
-          <a:xfrm flipV="1">
-            <a:off x="841248" y="2783982"/>
-            <a:ext cx="1873457" cy="137160"/>
+          <a:xfrm>
+            <a:off x="5099266" y="2935541"/>
+            <a:ext cx="6217920" cy="18288"/>
           </a:xfrm>
           <a:prstGeom prst="rect">
             <a:avLst/>
           </a:prstGeom>
           <a:solidFill>
-            <a:schemeClr val="accent1"/>
+            <a:schemeClr val="tx2">
+              <a:lumMod val="25000"/>
+              <a:lumOff val="75000"/>
+            </a:schemeClr>
           </a:solidFill>
-          <a:ln>
+          <a:ln w="3175">
             <a:noFill/>
           </a:ln>
+          <a:effectLst/>
         </p:spPr>
         <p:style>
           <a:lnRef idx="2">
@@ -11853,397 +11485,6 @@
           <p:cNvPr id="3" name="Content Placeholder 2">
             <a:extLst>
               <a:ext uri="{FF2B5EF4-FFF2-40B4-BE49-F238E27FC236}">
-                <a16:creationId xmlns:a16="http://schemas.microsoft.com/office/drawing/2014/main" id="{1B3F1E97-8652-2F4C-9A17-7D73C182066B}"/>
-              </a:ext>
-            </a:extLst>
-          </p:cNvPr>
-          <p:cNvSpPr>
-            <a:spLocks noGrp="1"/>
-          </p:cNvSpPr>
-          <p:nvPr>
-            <p:ph idx="1"/>
-          </p:nvPr>
-        </p:nvSpPr>
-        <p:spPr>
-          <a:xfrm>
-            <a:off x="841248" y="3337269"/>
-            <a:ext cx="10509504" cy="2905686"/>
-          </a:xfrm>
-        </p:spPr>
-        <p:txBody>
-          <a:bodyPr>
-            <a:normAutofit/>
-          </a:bodyPr>
-          <a:lstStyle/>
-          <a:p>
-            <a:r>
-              <a:rPr lang="en-US" sz="2000"/>
-              <a:t>The goal of this analysis is to elicit which factors predict performance on the SHSAT. These factors will serve as beacons to direct or draw services, whether education-based or otherwise, towards improving the percentage of Black and Latinx students admitted to the specialized high schools.</a:t>
-            </a:r>
-          </a:p>
-          <a:p>
-            <a:r>
-              <a:rPr lang="en-US" sz="2000"/>
-              <a:t>As a bit of forecasting, I'll use linear regression models to determine how many admissions offers schools, that fit a certain testing aptitude standard could be getting, based on their standardized (yearly) testing scores.</a:t>
-            </a:r>
-          </a:p>
-        </p:txBody>
-      </p:sp>
-    </p:spTree>
-    <p:extLst>
-      <p:ext uri="{BB962C8B-B14F-4D97-AF65-F5344CB8AC3E}">
-        <p14:creationId xmlns:p14="http://schemas.microsoft.com/office/powerpoint/2010/main" val="2136526382"/>
-      </p:ext>
-    </p:extLst>
-  </p:cSld>
-  <p:clrMapOvr>
-    <a:masterClrMapping/>
-  </p:clrMapOvr>
-</p:sld>
-</file>
-
-<file path=ppt/slides/slide6.xml><?xml version="1.0" encoding="utf-8"?>
-<p:sld xmlns:a="http://schemas.openxmlformats.org/drawingml/2006/main" xmlns:r="http://schemas.openxmlformats.org/officeDocument/2006/relationships" xmlns:p="http://schemas.openxmlformats.org/presentationml/2006/main">
-  <p:cSld>
-    <p:bg>
-      <p:bgPr>
-        <a:solidFill>
-          <a:schemeClr val="bg1"/>
-        </a:solidFill>
-        <a:effectLst/>
-      </p:bgPr>
-    </p:bg>
-    <p:spTree>
-      <p:nvGrpSpPr>
-        <p:cNvPr id="1" name=""/>
-        <p:cNvGrpSpPr/>
-        <p:nvPr/>
-      </p:nvGrpSpPr>
-      <p:grpSpPr>
-        <a:xfrm>
-          <a:off x="0" y="0"/>
-          <a:ext cx="0" cy="0"/>
-          <a:chOff x="0" y="0"/>
-          <a:chExt cx="0" cy="0"/>
-        </a:xfrm>
-      </p:grpSpPr>
-      <p:sp useBgFill="1">
-        <p:nvSpPr>
-          <p:cNvPr id="9" name="Rectangle 8">
-            <a:extLst>
-              <a:ext uri="{FF2B5EF4-FFF2-40B4-BE49-F238E27FC236}">
-                <a16:creationId xmlns:a16="http://schemas.microsoft.com/office/drawing/2014/main" id="{8380AD67-C5CA-4918-B4BB-C359BB03EEDD}"/>
-              </a:ext>
-              <a:ext uri="{C183D7F6-B498-43B3-948B-1728B52AA6E4}">
-                <adec:decorative xmlns:adec="http://schemas.microsoft.com/office/drawing/2017/decorative" val="1"/>
-              </a:ext>
-            </a:extLst>
-          </p:cNvPr>
-          <p:cNvSpPr>
-            <a:spLocks noGrp="1" noRot="1" noChangeAspect="1" noMove="1" noResize="1" noEditPoints="1" noAdjustHandles="1" noChangeArrowheads="1" noChangeShapeType="1" noTextEdit="1"/>
-          </p:cNvSpPr>
-          <p:nvPr>
-            <p:extLst>
-              <p:ext uri="{386F3935-93C4-4BCD-93E2-E3B085C9AB24}">
-                <p16:designElem xmlns:p16="http://schemas.microsoft.com/office/powerpoint/2015/main" val="1"/>
-              </p:ext>
-            </p:extLst>
-          </p:nvPr>
-        </p:nvSpPr>
-        <p:spPr>
-          <a:xfrm>
-            <a:off x="0" y="0"/>
-            <a:ext cx="12192000" cy="6858000"/>
-          </a:xfrm>
-          <a:prstGeom prst="rect">
-            <a:avLst/>
-          </a:prstGeom>
-          <a:ln>
-            <a:noFill/>
-          </a:ln>
-        </p:spPr>
-        <p:style>
-          <a:lnRef idx="2">
-            <a:schemeClr val="accent1">
-              <a:shade val="50000"/>
-            </a:schemeClr>
-          </a:lnRef>
-          <a:fillRef idx="1">
-            <a:schemeClr val="accent1"/>
-          </a:fillRef>
-          <a:effectRef idx="0">
-            <a:schemeClr val="accent1"/>
-          </a:effectRef>
-          <a:fontRef idx="minor">
-            <a:schemeClr val="lt1"/>
-          </a:fontRef>
-        </p:style>
-        <p:txBody>
-          <a:bodyPr rtlCol="0" anchor="ctr"/>
-          <a:lstStyle/>
-          <a:p>
-            <a:pPr algn="ctr"/>
-            <a:endParaRPr lang="en-US"/>
-          </a:p>
-        </p:txBody>
-      </p:sp>
-      <p:sp>
-        <p:nvSpPr>
-          <p:cNvPr id="2" name="Title 1">
-            <a:extLst>
-              <a:ext uri="{FF2B5EF4-FFF2-40B4-BE49-F238E27FC236}">
-                <a16:creationId xmlns:a16="http://schemas.microsoft.com/office/drawing/2014/main" id="{DCC5BE86-6828-5149-8BED-A7EB2BBDDAF5}"/>
-              </a:ext>
-            </a:extLst>
-          </p:cNvPr>
-          <p:cNvSpPr>
-            <a:spLocks noGrp="1"/>
-          </p:cNvSpPr>
-          <p:nvPr>
-            <p:ph type="title"/>
-          </p:nvPr>
-        </p:nvSpPr>
-        <p:spPr>
-          <a:xfrm>
-            <a:off x="5080216" y="1076324"/>
-            <a:ext cx="6272784" cy="1535051"/>
-          </a:xfrm>
-        </p:spPr>
-        <p:txBody>
-          <a:bodyPr anchor="b">
-            <a:normAutofit/>
-          </a:bodyPr>
-          <a:lstStyle/>
-          <a:p>
-            <a:r>
-              <a:rPr lang="en-US" sz="4800"/>
-              <a:t>Data Status &amp; Feature Engineering</a:t>
-            </a:r>
-          </a:p>
-        </p:txBody>
-      </p:sp>
-      <p:pic>
-        <p:nvPicPr>
-          <p:cNvPr id="5" name="Picture 4">
-            <a:extLst>
-              <a:ext uri="{FF2B5EF4-FFF2-40B4-BE49-F238E27FC236}">
-                <a16:creationId xmlns:a16="http://schemas.microsoft.com/office/drawing/2014/main" id="{D453D521-5B34-4AC8-9EBF-44BC050E2C49}"/>
-              </a:ext>
-            </a:extLst>
-          </p:cNvPr>
-          <p:cNvPicPr>
-            <a:picLocks noChangeAspect="1"/>
-          </p:cNvPicPr>
-          <p:nvPr/>
-        </p:nvPicPr>
-        <p:blipFill rotWithShape="1">
-          <a:blip r:embed="rId2"/>
-          <a:srcRect l="51928" r="7670"/>
-          <a:stretch/>
-        </p:blipFill>
-        <p:spPr>
-          <a:xfrm>
-            <a:off x="20" y="10"/>
-            <a:ext cx="4505305" cy="6857990"/>
-          </a:xfrm>
-          <a:prstGeom prst="rect">
-            <a:avLst/>
-          </a:prstGeom>
-        </p:spPr>
-      </p:pic>
-      <p:sp>
-        <p:nvSpPr>
-          <p:cNvPr id="11" name="Rectangle 10">
-            <a:extLst>
-              <a:ext uri="{FF2B5EF4-FFF2-40B4-BE49-F238E27FC236}">
-                <a16:creationId xmlns:a16="http://schemas.microsoft.com/office/drawing/2014/main" id="{EABAD4DA-87BA-4F70-9EF0-45C6BCF17823}"/>
-              </a:ext>
-              <a:ext uri="{C183D7F6-B498-43B3-948B-1728B52AA6E4}">
-                <adec:decorative xmlns:adec="http://schemas.microsoft.com/office/drawing/2017/decorative" val="1"/>
-              </a:ext>
-            </a:extLst>
-          </p:cNvPr>
-          <p:cNvSpPr>
-            <a:spLocks noGrp="1" noRot="1" noChangeAspect="1" noMove="1" noResize="1" noEditPoints="1" noAdjustHandles="1" noChangeArrowheads="1" noChangeShapeType="1" noTextEdit="1"/>
-          </p:cNvSpPr>
-          <p:nvPr>
-            <p:extLst>
-              <p:ext uri="{386F3935-93C4-4BCD-93E2-E3B085C9AB24}">
-                <p16:designElem xmlns:p16="http://schemas.microsoft.com/office/powerpoint/2015/main" val="1"/>
-              </p:ext>
-            </p:extLst>
-          </p:nvPr>
-        </p:nvSpPr>
-        <p:spPr>
-          <a:xfrm rot="5400000">
-            <a:off x="5317960" y="363389"/>
-            <a:ext cx="73152" cy="548640"/>
-          </a:xfrm>
-          <a:prstGeom prst="rect">
-            <a:avLst/>
-          </a:prstGeom>
-          <a:solidFill>
-            <a:schemeClr val="accent1"/>
-          </a:solidFill>
-          <a:ln>
-            <a:noFill/>
-          </a:ln>
-        </p:spPr>
-        <p:style>
-          <a:lnRef idx="2">
-            <a:schemeClr val="accent1">
-              <a:shade val="50000"/>
-            </a:schemeClr>
-          </a:lnRef>
-          <a:fillRef idx="1">
-            <a:schemeClr val="accent1"/>
-          </a:fillRef>
-          <a:effectRef idx="0">
-            <a:schemeClr val="accent1"/>
-          </a:effectRef>
-          <a:fontRef idx="minor">
-            <a:schemeClr val="lt1"/>
-          </a:fontRef>
-        </p:style>
-        <p:txBody>
-          <a:bodyPr rtlCol="0" anchor="ctr"/>
-          <a:lstStyle/>
-          <a:p>
-            <a:pPr marL="0" marR="0" lvl="0" indent="0" algn="ctr" defTabSz="914400" rtl="0" eaLnBrk="1" fontAlgn="auto" latinLnBrk="0" hangingPunct="1">
-              <a:lnSpc>
-                <a:spcPct val="100000"/>
-              </a:lnSpc>
-              <a:spcBef>
-                <a:spcPts val="0"/>
-              </a:spcBef>
-              <a:spcAft>
-                <a:spcPts val="0"/>
-              </a:spcAft>
-              <a:buClrTx/>
-              <a:buSzTx/>
-              <a:buFontTx/>
-              <a:buNone/>
-              <a:tabLst/>
-              <a:defRPr/>
-            </a:pPr>
-            <a:endParaRPr kumimoji="0" lang="en-US" sz="1800" b="0" i="0" u="none" strike="noStrike" kern="1200" cap="none" spc="0" normalizeH="0" baseline="0" noProof="0">
-              <a:ln>
-                <a:noFill/>
-              </a:ln>
-              <a:solidFill>
-                <a:prstClr val="white"/>
-              </a:solidFill>
-              <a:effectLst/>
-              <a:uLnTx/>
-              <a:uFillTx/>
-              <a:latin typeface="Calibri" panose="020F0502020204030204"/>
-              <a:ea typeface="+mn-ea"/>
-              <a:cs typeface="+mn-cs"/>
-            </a:endParaRPr>
-          </a:p>
-        </p:txBody>
-      </p:sp>
-      <p:sp>
-        <p:nvSpPr>
-          <p:cNvPr id="13" name="Rectangle 12">
-            <a:extLst>
-              <a:ext uri="{FF2B5EF4-FFF2-40B4-BE49-F238E27FC236}">
-                <a16:creationId xmlns:a16="http://schemas.microsoft.com/office/drawing/2014/main" id="{915128D9-2797-47FA-B6FE-EC24E6B8437A}"/>
-              </a:ext>
-              <a:ext uri="{C183D7F6-B498-43B3-948B-1728B52AA6E4}">
-                <adec:decorative xmlns:adec="http://schemas.microsoft.com/office/drawing/2017/decorative" val="1"/>
-              </a:ext>
-            </a:extLst>
-          </p:cNvPr>
-          <p:cNvSpPr>
-            <a:spLocks noGrp="1" noRot="1" noChangeAspect="1" noMove="1" noResize="1" noEditPoints="1" noAdjustHandles="1" noChangeArrowheads="1" noChangeShapeType="1" noTextEdit="1"/>
-          </p:cNvSpPr>
-          <p:nvPr>
-            <p:extLst>
-              <p:ext uri="{386F3935-93C4-4BCD-93E2-E3B085C9AB24}">
-                <p16:designElem xmlns:p16="http://schemas.microsoft.com/office/powerpoint/2015/main" val="1"/>
-              </p:ext>
-            </p:extLst>
-          </p:nvPr>
-        </p:nvSpPr>
-        <p:spPr>
-          <a:xfrm>
-            <a:off x="5099266" y="2935541"/>
-            <a:ext cx="6217920" cy="18288"/>
-          </a:xfrm>
-          <a:prstGeom prst="rect">
-            <a:avLst/>
-          </a:prstGeom>
-          <a:solidFill>
-            <a:schemeClr val="tx2">
-              <a:lumMod val="25000"/>
-              <a:lumOff val="75000"/>
-            </a:schemeClr>
-          </a:solidFill>
-          <a:ln w="3175">
-            <a:noFill/>
-          </a:ln>
-          <a:effectLst/>
-        </p:spPr>
-        <p:style>
-          <a:lnRef idx="2">
-            <a:schemeClr val="accent1">
-              <a:shade val="50000"/>
-            </a:schemeClr>
-          </a:lnRef>
-          <a:fillRef idx="1">
-            <a:schemeClr val="accent1"/>
-          </a:fillRef>
-          <a:effectRef idx="0">
-            <a:schemeClr val="accent1"/>
-          </a:effectRef>
-          <a:fontRef idx="minor">
-            <a:schemeClr val="lt1"/>
-          </a:fontRef>
-        </p:style>
-        <p:txBody>
-          <a:bodyPr rtlCol="0" anchor="ctr"/>
-          <a:lstStyle/>
-          <a:p>
-            <a:pPr marL="0" marR="0" lvl="0" indent="0" algn="ctr" defTabSz="914400" rtl="0" eaLnBrk="1" fontAlgn="auto" latinLnBrk="0" hangingPunct="1">
-              <a:lnSpc>
-                <a:spcPct val="100000"/>
-              </a:lnSpc>
-              <a:spcBef>
-                <a:spcPts val="0"/>
-              </a:spcBef>
-              <a:spcAft>
-                <a:spcPts val="0"/>
-              </a:spcAft>
-              <a:buClrTx/>
-              <a:buSzTx/>
-              <a:buFontTx/>
-              <a:buNone/>
-              <a:tabLst/>
-              <a:defRPr/>
-            </a:pPr>
-            <a:endParaRPr kumimoji="0" lang="en-US" sz="1800" b="0" i="0" u="none" strike="noStrike" kern="1200" cap="none" spc="0" normalizeH="0" baseline="0" noProof="0">
-              <a:ln>
-                <a:noFill/>
-              </a:ln>
-              <a:solidFill>
-                <a:prstClr val="white"/>
-              </a:solidFill>
-              <a:effectLst/>
-              <a:uLnTx/>
-              <a:uFillTx/>
-              <a:latin typeface="Calibri" panose="020F0502020204030204"/>
-              <a:ea typeface="+mn-ea"/>
-              <a:cs typeface="+mn-cs"/>
-            </a:endParaRPr>
-          </a:p>
-        </p:txBody>
-      </p:sp>
-      <p:sp>
-        <p:nvSpPr>
-          <p:cNvPr id="3" name="Content Placeholder 2">
-            <a:extLst>
-              <a:ext uri="{FF2B5EF4-FFF2-40B4-BE49-F238E27FC236}">
                 <a16:creationId xmlns:a16="http://schemas.microsoft.com/office/drawing/2014/main" id="{331326CC-BF8A-1743-94D9-AB8F25F3EFB0}"/>
               </a:ext>
             </a:extLst>
@@ -12263,7 +11504,7 @@
         </p:spPr>
         <p:txBody>
           <a:bodyPr>
-            <a:normAutofit/>
+            <a:normAutofit lnSpcReduction="10000"/>
           </a:bodyPr>
           <a:lstStyle/>
           <a:p>
@@ -12274,15 +11515,18 @@
             </a:pPr>
             <a:r>
               <a:rPr lang="en-US" sz="1800" dirty="0"/>
-              <a:t>In order to better group the schools, several new features were created that account for scores on regularly </a:t>
+              <a:t>In order to improve the dimensionality of the data, several features were created </a:t>
             </a:r>
-            <a:r>
-              <a:rPr lang="en-US" sz="1800" dirty="0" err="1"/>
-              <a:t>adminitered</a:t>
-            </a:r>
+          </a:p>
+          <a:p>
+            <a:pPr>
+              <a:lnSpc>
+                <a:spcPct val="100000"/>
+              </a:lnSpc>
+            </a:pPr>
             <a:r>
               <a:rPr lang="en-US" sz="1800" dirty="0"/>
-              <a:t> standardized tests. </a:t>
+              <a:t>For example, scores on standardized tests that were in several columns were summarized into one: </a:t>
             </a:r>
           </a:p>
           <a:p>
@@ -12293,18 +11537,29 @@
             </a:pPr>
             <a:r>
               <a:rPr lang="en-US" sz="1800" dirty="0"/>
-              <a:t>This data is broken up into two kinds of information, ELA (English Language Arts) &amp; Math. Scoring on these tests top out at 4, with 1 representing the worst score.</a:t>
+              <a:t>Standardized test scores, for each grade, consisted of two kinds of information, ELA (English Language Arts) &amp; Math.</a:t>
             </a:r>
           </a:p>
           <a:p>
-            <a:pPr>
+            <a:pPr lvl="2">
+              <a:lnSpc>
+                <a:spcPct val="100000"/>
+              </a:lnSpc>
+            </a:pPr>
+            <a:r>
+              <a:rPr lang="en-US" sz="1600" dirty="0"/>
+              <a:t>Scoring on these tests top out at 4, with 1 representing the worst score.</a:t>
+            </a:r>
+          </a:p>
+          <a:p>
+            <a:pPr lvl="1">
               <a:lnSpc>
                 <a:spcPct val="100000"/>
               </a:lnSpc>
             </a:pPr>
             <a:r>
               <a:rPr lang="en-US" sz="1800" dirty="0"/>
-              <a:t>This allows us to better train the linear regression model on fewer features/variables.</a:t>
+              <a:t>These scores were averaged to the school level.</a:t>
             </a:r>
           </a:p>
         </p:txBody>
@@ -12322,7 +11577,7 @@
 </p:sld>
 </file>
 
-<file path=ppt/slides/slide7.xml><?xml version="1.0" encoding="utf-8"?>
+<file path=ppt/slides/slide6.xml><?xml version="1.0" encoding="utf-8"?>
 <p:sld xmlns:a="http://schemas.openxmlformats.org/drawingml/2006/main" xmlns:r="http://schemas.openxmlformats.org/officeDocument/2006/relationships" xmlns:p="http://schemas.openxmlformats.org/presentationml/2006/main">
   <p:cSld>
     <p:bg>
@@ -12998,13 +12253,13 @@
           <a:p>
             <a:r>
               <a:rPr lang="en-US" sz="1700" dirty="0"/>
-              <a:t>An initial assumption is that those students who perform well on standardized tests would equally perform well on the SHSAT.</a:t>
+              <a:t>An initial assumption is that students who perform well on standardized tests also perform well on the SHSAT.</a:t>
             </a:r>
           </a:p>
           <a:p>
             <a:r>
               <a:rPr lang="en-US" sz="1700" dirty="0"/>
-              <a:t>This breakdown may hint, on these limited criteria, why less Black &amp; Latinx students receive admissions offers.</a:t>
+              <a:t>This breakdown may hint as to why Black &amp; Latinx students receive less specialized high school admissions offers.</a:t>
             </a:r>
           </a:p>
         </p:txBody>
@@ -13052,7 +12307,7 @@
 </p:sld>
 </file>
 
-<file path=ppt/slides/slide8.xml><?xml version="1.0" encoding="utf-8"?>
+<file path=ppt/slides/slide7.xml><?xml version="1.0" encoding="utf-8"?>
 <p:sld xmlns:a="http://schemas.openxmlformats.org/drawingml/2006/main" xmlns:r="http://schemas.openxmlformats.org/officeDocument/2006/relationships" xmlns:p="http://schemas.openxmlformats.org/presentationml/2006/main">
   <p:cSld>
     <p:bg>
@@ -13479,7 +12734,7 @@
 </p:sld>
 </file>
 
-<file path=ppt/slides/slide9.xml><?xml version="1.0" encoding="utf-8"?>
+<file path=ppt/slides/slide8.xml><?xml version="1.0" encoding="utf-8"?>
 <p:sld xmlns:a="http://schemas.openxmlformats.org/drawingml/2006/main" xmlns:r="http://schemas.openxmlformats.org/officeDocument/2006/relationships" xmlns:p="http://schemas.openxmlformats.org/presentationml/2006/main">
   <p:cSld>
     <p:bg>
@@ -13857,6 +13112,391 @@
     <p:extLst>
       <p:ext uri="{BB962C8B-B14F-4D97-AF65-F5344CB8AC3E}">
         <p14:creationId xmlns:p14="http://schemas.microsoft.com/office/powerpoint/2010/main" val="2448766035"/>
+      </p:ext>
+    </p:extLst>
+  </p:cSld>
+  <p:clrMapOvr>
+    <a:masterClrMapping/>
+  </p:clrMapOvr>
+</p:sld>
+</file>
+
+<file path=ppt/slides/slide9.xml><?xml version="1.0" encoding="utf-8"?>
+<p:sld xmlns:a="http://schemas.openxmlformats.org/drawingml/2006/main" xmlns:r="http://schemas.openxmlformats.org/officeDocument/2006/relationships" xmlns:p="http://schemas.openxmlformats.org/presentationml/2006/main">
+  <p:cSld>
+    <p:bg>
+      <p:bgPr>
+        <a:solidFill>
+          <a:schemeClr val="bg1"/>
+        </a:solidFill>
+        <a:effectLst/>
+      </p:bgPr>
+    </p:bg>
+    <p:spTree>
+      <p:nvGrpSpPr>
+        <p:cNvPr id="1" name=""/>
+        <p:cNvGrpSpPr/>
+        <p:nvPr/>
+      </p:nvGrpSpPr>
+      <p:grpSpPr>
+        <a:xfrm>
+          <a:off x="0" y="0"/>
+          <a:ext cx="0" cy="0"/>
+          <a:chOff x="0" y="0"/>
+          <a:chExt cx="0" cy="0"/>
+        </a:xfrm>
+      </p:grpSpPr>
+      <p:sp useBgFill="1">
+        <p:nvSpPr>
+          <p:cNvPr id="23" name="Rectangle 22">
+            <a:extLst>
+              <a:ext uri="{FF2B5EF4-FFF2-40B4-BE49-F238E27FC236}">
+                <a16:creationId xmlns:a16="http://schemas.microsoft.com/office/drawing/2014/main" id="{0B9EE3F3-89B7-43C3-8651-C4C96830993D}"/>
+              </a:ext>
+              <a:ext uri="{C183D7F6-B498-43B3-948B-1728B52AA6E4}">
+                <adec:decorative xmlns:adec="http://schemas.microsoft.com/office/drawing/2017/decorative" val="1"/>
+              </a:ext>
+            </a:extLst>
+          </p:cNvPr>
+          <p:cNvSpPr>
+            <a:spLocks noGrp="1" noRot="1" noChangeAspect="1" noMove="1" noResize="1" noEditPoints="1" noAdjustHandles="1" noChangeArrowheads="1" noChangeShapeType="1" noTextEdit="1"/>
+          </p:cNvSpPr>
+          <p:nvPr>
+            <p:extLst>
+              <p:ext uri="{386F3935-93C4-4BCD-93E2-E3B085C9AB24}">
+                <p16:designElem xmlns:p16="http://schemas.microsoft.com/office/powerpoint/2015/main" val="1"/>
+              </p:ext>
+            </p:extLst>
+          </p:nvPr>
+        </p:nvSpPr>
+        <p:spPr>
+          <a:xfrm>
+            <a:off x="0" y="0"/>
+            <a:ext cx="12192000" cy="6858000"/>
+          </a:xfrm>
+          <a:prstGeom prst="rect">
+            <a:avLst/>
+          </a:prstGeom>
+          <a:ln>
+            <a:noFill/>
+          </a:ln>
+        </p:spPr>
+        <p:style>
+          <a:lnRef idx="2">
+            <a:schemeClr val="accent1">
+              <a:shade val="50000"/>
+            </a:schemeClr>
+          </a:lnRef>
+          <a:fillRef idx="1">
+            <a:schemeClr val="accent1"/>
+          </a:fillRef>
+          <a:effectRef idx="0">
+            <a:schemeClr val="accent1"/>
+          </a:effectRef>
+          <a:fontRef idx="minor">
+            <a:schemeClr val="lt1"/>
+          </a:fontRef>
+        </p:style>
+        <p:txBody>
+          <a:bodyPr rtlCol="0" anchor="ctr"/>
+          <a:lstStyle/>
+          <a:p>
+            <a:pPr algn="ctr"/>
+            <a:endParaRPr lang="en-US"/>
+          </a:p>
+        </p:txBody>
+      </p:sp>
+      <p:sp>
+        <p:nvSpPr>
+          <p:cNvPr id="2" name="Title 1">
+            <a:extLst>
+              <a:ext uri="{FF2B5EF4-FFF2-40B4-BE49-F238E27FC236}">
+                <a16:creationId xmlns:a16="http://schemas.microsoft.com/office/drawing/2014/main" id="{69B8BA33-CF05-0548-999E-720A8E0240B2}"/>
+              </a:ext>
+            </a:extLst>
+          </p:cNvPr>
+          <p:cNvSpPr>
+            <a:spLocks noGrp="1"/>
+          </p:cNvSpPr>
+          <p:nvPr>
+            <p:ph type="title"/>
+          </p:nvPr>
+        </p:nvSpPr>
+        <p:spPr>
+          <a:xfrm>
+            <a:off x="411480" y="991443"/>
+            <a:ext cx="4443154" cy="1087819"/>
+          </a:xfrm>
+        </p:spPr>
+        <p:txBody>
+          <a:bodyPr anchor="b">
+            <a:normAutofit/>
+          </a:bodyPr>
+          <a:lstStyle/>
+          <a:p>
+            <a:r>
+              <a:rPr lang="en-US" sz="2900"/>
+              <a:t>EDA: Most Percentage of Admissions Offers</a:t>
+            </a:r>
+          </a:p>
+        </p:txBody>
+      </p:sp>
+      <p:sp>
+        <p:nvSpPr>
+          <p:cNvPr id="25" name="Rectangle 24">
+            <a:extLst>
+              <a:ext uri="{FF2B5EF4-FFF2-40B4-BE49-F238E27FC236}">
+                <a16:creationId xmlns:a16="http://schemas.microsoft.com/office/drawing/2014/main" id="{33AE4636-AEEC-45D6-84D4-7AC2DA48ECF8}"/>
+              </a:ext>
+              <a:ext uri="{C183D7F6-B498-43B3-948B-1728B52AA6E4}">
+                <adec:decorative xmlns:adec="http://schemas.microsoft.com/office/drawing/2017/decorative" val="1"/>
+              </a:ext>
+            </a:extLst>
+          </p:cNvPr>
+          <p:cNvSpPr>
+            <a:spLocks noGrp="1" noRot="1" noChangeAspect="1" noMove="1" noResize="1" noEditPoints="1" noAdjustHandles="1" noChangeArrowheads="1" noChangeShapeType="1" noTextEdit="1"/>
+          </p:cNvSpPr>
+          <p:nvPr>
+            <p:extLst>
+              <p:ext uri="{386F3935-93C4-4BCD-93E2-E3B085C9AB24}">
+                <p16:designElem xmlns:p16="http://schemas.microsoft.com/office/powerpoint/2015/main" val="1"/>
+              </p:ext>
+            </p:extLst>
+          </p:nvPr>
+        </p:nvSpPr>
+        <p:spPr>
+          <a:xfrm rot="5400000">
+            <a:off x="649223" y="387939"/>
+            <a:ext cx="73152" cy="548640"/>
+          </a:xfrm>
+          <a:prstGeom prst="rect">
+            <a:avLst/>
+          </a:prstGeom>
+          <a:solidFill>
+            <a:schemeClr val="accent1"/>
+          </a:solidFill>
+          <a:ln>
+            <a:noFill/>
+          </a:ln>
+        </p:spPr>
+        <p:style>
+          <a:lnRef idx="2">
+            <a:schemeClr val="accent1">
+              <a:shade val="50000"/>
+            </a:schemeClr>
+          </a:lnRef>
+          <a:fillRef idx="1">
+            <a:schemeClr val="accent1"/>
+          </a:fillRef>
+          <a:effectRef idx="0">
+            <a:schemeClr val="accent1"/>
+          </a:effectRef>
+          <a:fontRef idx="minor">
+            <a:schemeClr val="lt1"/>
+          </a:fontRef>
+        </p:style>
+        <p:txBody>
+          <a:bodyPr rtlCol="0" anchor="ctr"/>
+          <a:lstStyle/>
+          <a:p>
+            <a:pPr marL="0" marR="0" lvl="0" indent="0" algn="ctr" defTabSz="914400" rtl="0" eaLnBrk="1" fontAlgn="auto" latinLnBrk="0" hangingPunct="1">
+              <a:lnSpc>
+                <a:spcPct val="100000"/>
+              </a:lnSpc>
+              <a:spcBef>
+                <a:spcPts val="0"/>
+              </a:spcBef>
+              <a:spcAft>
+                <a:spcPts val="0"/>
+              </a:spcAft>
+              <a:buClrTx/>
+              <a:buSzTx/>
+              <a:buFontTx/>
+              <a:buNone/>
+              <a:tabLst/>
+              <a:defRPr/>
+            </a:pPr>
+            <a:endParaRPr kumimoji="0" lang="en-US" sz="1800" b="0" i="0" u="none" strike="noStrike" kern="1200" cap="none" spc="0" normalizeH="0" baseline="0" noProof="0">
+              <a:ln>
+                <a:noFill/>
+              </a:ln>
+              <a:solidFill>
+                <a:prstClr val="white"/>
+              </a:solidFill>
+              <a:effectLst/>
+              <a:uLnTx/>
+              <a:uFillTx/>
+              <a:latin typeface="Calibri" panose="020F0502020204030204"/>
+              <a:ea typeface="+mn-ea"/>
+              <a:cs typeface="+mn-cs"/>
+            </a:endParaRPr>
+          </a:p>
+        </p:txBody>
+      </p:sp>
+      <p:sp>
+        <p:nvSpPr>
+          <p:cNvPr id="27" name="Rectangle 26">
+            <a:extLst>
+              <a:ext uri="{FF2B5EF4-FFF2-40B4-BE49-F238E27FC236}">
+                <a16:creationId xmlns:a16="http://schemas.microsoft.com/office/drawing/2014/main" id="{8D9CE0F4-2EB2-4F1F-8AAC-DB3571D9FE10}"/>
+              </a:ext>
+              <a:ext uri="{C183D7F6-B498-43B3-948B-1728B52AA6E4}">
+                <adec:decorative xmlns:adec="http://schemas.microsoft.com/office/drawing/2017/decorative" val="1"/>
+              </a:ext>
+            </a:extLst>
+          </p:cNvPr>
+          <p:cNvSpPr>
+            <a:spLocks noGrp="1" noRot="1" noChangeAspect="1" noMove="1" noResize="1" noEditPoints="1" noAdjustHandles="1" noChangeArrowheads="1" noChangeShapeType="1" noTextEdit="1"/>
+          </p:cNvSpPr>
+          <p:nvPr>
+            <p:extLst>
+              <p:ext uri="{386F3935-93C4-4BCD-93E2-E3B085C9AB24}">
+                <p16:designElem xmlns:p16="http://schemas.microsoft.com/office/powerpoint/2015/main" val="1"/>
+              </p:ext>
+            </p:extLst>
+          </p:nvPr>
+        </p:nvSpPr>
+        <p:spPr>
+          <a:xfrm>
+            <a:off x="411480" y="2285541"/>
+            <a:ext cx="4389120" cy="18288"/>
+          </a:xfrm>
+          <a:prstGeom prst="rect">
+            <a:avLst/>
+          </a:prstGeom>
+          <a:solidFill>
+            <a:schemeClr val="tx2">
+              <a:lumMod val="25000"/>
+              <a:lumOff val="75000"/>
+            </a:schemeClr>
+          </a:solidFill>
+          <a:ln w="3175">
+            <a:noFill/>
+          </a:ln>
+          <a:effectLst/>
+        </p:spPr>
+        <p:style>
+          <a:lnRef idx="2">
+            <a:schemeClr val="accent1">
+              <a:shade val="50000"/>
+            </a:schemeClr>
+          </a:lnRef>
+          <a:fillRef idx="1">
+            <a:schemeClr val="accent1"/>
+          </a:fillRef>
+          <a:effectRef idx="0">
+            <a:schemeClr val="accent1"/>
+          </a:effectRef>
+          <a:fontRef idx="minor">
+            <a:schemeClr val="lt1"/>
+          </a:fontRef>
+        </p:style>
+        <p:txBody>
+          <a:bodyPr rtlCol="0" anchor="ctr"/>
+          <a:lstStyle/>
+          <a:p>
+            <a:pPr marL="0" marR="0" lvl="0" indent="0" algn="ctr" defTabSz="914400" rtl="0" eaLnBrk="1" fontAlgn="auto" latinLnBrk="0" hangingPunct="1">
+              <a:lnSpc>
+                <a:spcPct val="100000"/>
+              </a:lnSpc>
+              <a:spcBef>
+                <a:spcPts val="0"/>
+              </a:spcBef>
+              <a:spcAft>
+                <a:spcPts val="0"/>
+              </a:spcAft>
+              <a:buClrTx/>
+              <a:buSzTx/>
+              <a:buFontTx/>
+              <a:buNone/>
+              <a:tabLst/>
+              <a:defRPr/>
+            </a:pPr>
+            <a:endParaRPr kumimoji="0" lang="en-US" sz="1800" b="0" i="0" u="none" strike="noStrike" kern="1200" cap="none" spc="0" normalizeH="0" baseline="0" noProof="0">
+              <a:ln>
+                <a:noFill/>
+              </a:ln>
+              <a:solidFill>
+                <a:prstClr val="white"/>
+              </a:solidFill>
+              <a:effectLst/>
+              <a:uLnTx/>
+              <a:uFillTx/>
+              <a:latin typeface="Calibri" panose="020F0502020204030204"/>
+              <a:ea typeface="+mn-ea"/>
+              <a:cs typeface="+mn-cs"/>
+            </a:endParaRPr>
+          </a:p>
+        </p:txBody>
+      </p:sp>
+      <p:sp>
+        <p:nvSpPr>
+          <p:cNvPr id="9" name="Content Placeholder 8">
+            <a:extLst>
+              <a:ext uri="{FF2B5EF4-FFF2-40B4-BE49-F238E27FC236}">
+                <a16:creationId xmlns:a16="http://schemas.microsoft.com/office/drawing/2014/main" id="{2D19A7FD-C0F9-4A34-B3FA-1E782BC1D38A}"/>
+              </a:ext>
+            </a:extLst>
+          </p:cNvPr>
+          <p:cNvSpPr>
+            <a:spLocks noGrp="1"/>
+          </p:cNvSpPr>
+          <p:nvPr>
+            <p:ph idx="1"/>
+          </p:nvPr>
+        </p:nvSpPr>
+        <p:spPr>
+          <a:xfrm>
+            <a:off x="411480" y="2684095"/>
+            <a:ext cx="4443154" cy="3492868"/>
+          </a:xfrm>
+        </p:spPr>
+        <p:txBody>
+          <a:bodyPr>
+            <a:normAutofit/>
+          </a:bodyPr>
+          <a:lstStyle/>
+          <a:p>
+            <a:r>
+              <a:rPr lang="en-US" sz="1700" dirty="0"/>
+              <a:t>Among the schools with the highest percentage of their test takers/students receiving admissions offers, nearly all have less than 50% Black &amp; Latinx student bodies (green).</a:t>
+            </a:r>
+          </a:p>
+        </p:txBody>
+      </p:sp>
+      <p:pic>
+        <p:nvPicPr>
+          <p:cNvPr id="5" name="Content Placeholder 4" descr="A picture containing chart&#10;&#10;Description automatically generated">
+            <a:extLst>
+              <a:ext uri="{FF2B5EF4-FFF2-40B4-BE49-F238E27FC236}">
+                <a16:creationId xmlns:a16="http://schemas.microsoft.com/office/drawing/2014/main" id="{59D188C5-604C-D347-B824-35D674034778}"/>
+              </a:ext>
+            </a:extLst>
+          </p:cNvPr>
+          <p:cNvPicPr>
+            <a:picLocks noChangeAspect="1"/>
+          </p:cNvPicPr>
+          <p:nvPr/>
+        </p:nvPicPr>
+        <p:blipFill rotWithShape="1">
+          <a:blip r:embed="rId2"/>
+          <a:srcRect l="7020" r="3" b="3"/>
+          <a:stretch/>
+        </p:blipFill>
+        <p:spPr>
+          <a:xfrm>
+            <a:off x="4855249" y="477391"/>
+            <a:ext cx="7311226" cy="6035040"/>
+          </a:xfrm>
+          <a:prstGeom prst="rect">
+            <a:avLst/>
+          </a:prstGeom>
+        </p:spPr>
+      </p:pic>
+    </p:spTree>
+    <p:extLst>
+      <p:ext uri="{BB962C8B-B14F-4D97-AF65-F5344CB8AC3E}">
+        <p14:creationId xmlns:p14="http://schemas.microsoft.com/office/powerpoint/2010/main" val="1895960851"/>
       </p:ext>
     </p:extLst>
   </p:cSld>

--- a/reports/submission/Capstone_Final_Presentation.pptx
+++ b/reports/submission/Capstone_Final_Presentation.pptx
@@ -2549,9 +2549,7 @@
               </a:schemeClr>
             </a:solidFill>
             <a:ln>
-              <a:solidFill>
-                <a:schemeClr val="accent1"/>
-              </a:solidFill>
+              <a:noFill/>
             </a:ln>
             <a:effectLst/>
           </c:spPr>
@@ -6778,7 +6776,7 @@
           <a:p>
             <a:fld id="{02AC24A9-CCB6-4F8D-B8DB-C2F3692CFA5A}" type="datetimeFigureOut">
               <a:rPr lang="en-US" smtClean="0"/>
-              <a:t>11/16/20</a:t>
+              <a:t>11/17/20</a:t>
             </a:fld>
             <a:endParaRPr lang="en-US" dirty="0"/>
           </a:p>
@@ -7148,7 +7146,7 @@
           <a:p>
             <a:fld id="{02AC24A9-CCB6-4F8D-B8DB-C2F3692CFA5A}" type="datetimeFigureOut">
               <a:rPr lang="en-US" smtClean="0"/>
-              <a:t>11/16/20</a:t>
+              <a:t>11/17/20</a:t>
             </a:fld>
             <a:endParaRPr lang="en-US"/>
           </a:p>
@@ -7357,7 +7355,7 @@
           <a:p>
             <a:fld id="{02AC24A9-CCB6-4F8D-B8DB-C2F3692CFA5A}" type="datetimeFigureOut">
               <a:rPr lang="en-US" smtClean="0"/>
-              <a:t>11/16/20</a:t>
+              <a:t>11/17/20</a:t>
             </a:fld>
             <a:endParaRPr lang="en-US"/>
           </a:p>
@@ -7827,7 +7825,7 @@
           <a:p>
             <a:fld id="{02AC24A9-CCB6-4F8D-B8DB-C2F3692CFA5A}" type="datetimeFigureOut">
               <a:rPr lang="en-US" smtClean="0"/>
-              <a:t>11/16/20</a:t>
+              <a:t>11/17/20</a:t>
             </a:fld>
             <a:endParaRPr lang="en-US"/>
           </a:p>
@@ -8281,7 +8279,7 @@
           <a:p>
             <a:fld id="{02AC24A9-CCB6-4F8D-B8DB-C2F3692CFA5A}" type="datetimeFigureOut">
               <a:rPr lang="en-US" smtClean="0"/>
-              <a:t>11/16/20</a:t>
+              <a:t>11/17/20</a:t>
             </a:fld>
             <a:endParaRPr lang="en-US"/>
           </a:p>
@@ -8813,7 +8811,7 @@
           <a:p>
             <a:fld id="{02AC24A9-CCB6-4F8D-B8DB-C2F3692CFA5A}" type="datetimeFigureOut">
               <a:rPr lang="en-US" smtClean="0"/>
-              <a:t>11/16/20</a:t>
+              <a:t>11/17/20</a:t>
             </a:fld>
             <a:endParaRPr lang="en-US"/>
           </a:p>
@@ -9512,7 +9510,7 @@
           <a:p>
             <a:fld id="{02AC24A9-CCB6-4F8D-B8DB-C2F3692CFA5A}" type="datetimeFigureOut">
               <a:rPr lang="en-US" smtClean="0"/>
-              <a:t>11/16/20</a:t>
+              <a:t>11/17/20</a:t>
             </a:fld>
             <a:endParaRPr lang="en-US"/>
           </a:p>
@@ -9841,7 +9839,7 @@
           <a:p>
             <a:fld id="{02AC24A9-CCB6-4F8D-B8DB-C2F3692CFA5A}" type="datetimeFigureOut">
               <a:rPr lang="en-US" smtClean="0"/>
-              <a:t>11/16/20</a:t>
+              <a:t>11/17/20</a:t>
             </a:fld>
             <a:endParaRPr lang="en-US"/>
           </a:p>
@@ -9954,7 +9952,7 @@
           <a:p>
             <a:fld id="{02AC24A9-CCB6-4F8D-B8DB-C2F3692CFA5A}" type="datetimeFigureOut">
               <a:rPr lang="en-US" smtClean="0"/>
-              <a:t>11/16/20</a:t>
+              <a:t>11/17/20</a:t>
             </a:fld>
             <a:endParaRPr lang="en-US"/>
           </a:p>
@@ -10449,7 +10447,7 @@
           <a:p>
             <a:fld id="{02AC24A9-CCB6-4F8D-B8DB-C2F3692CFA5A}" type="datetimeFigureOut">
               <a:rPr lang="en-US" smtClean="0"/>
-              <a:t>11/16/20</a:t>
+              <a:t>11/17/20</a:t>
             </a:fld>
             <a:endParaRPr lang="en-US" dirty="0"/>
           </a:p>
@@ -10926,7 +10924,7 @@
           <a:p>
             <a:fld id="{02AC24A9-CCB6-4F8D-B8DB-C2F3692CFA5A}" type="datetimeFigureOut">
               <a:rPr lang="en-US" smtClean="0"/>
-              <a:t>11/16/20</a:t>
+              <a:t>11/17/20</a:t>
             </a:fld>
             <a:endParaRPr lang="en-US"/>
           </a:p>
@@ -11169,7 +11167,7 @@
           <a:p>
             <a:fld id="{02AC24A9-CCB6-4F8D-B8DB-C2F3692CFA5A}" type="datetimeFigureOut">
               <a:rPr lang="en-US" smtClean="0"/>
-              <a:t>11/16/20</a:t>
+              <a:t>11/17/20</a:t>
             </a:fld>
             <a:endParaRPr lang="en-US"/>
           </a:p>
@@ -12300,7 +12298,7 @@
             </a:br>
             <a:r>
               <a:rPr lang="en-US" sz="3200" dirty="0"/>
-              <a:t>Highest Percent of SH Offers</a:t>
+              <a:t>Highest Percent of SHS Offers</a:t>
             </a:r>
           </a:p>
         </p:txBody>
@@ -12803,7 +12801,7 @@
             </a:br>
             <a:r>
               <a:rPr lang="en-US" sz="3200" dirty="0"/>
-              <a:t>Least Percent of SH Offers</a:t>
+              <a:t>Least Percent of SHS Offers</a:t>
             </a:r>
           </a:p>
         </p:txBody>
@@ -14051,7 +14049,7 @@
           <p:nvPr>
             <p:extLst>
               <p:ext uri="{D42A27DB-BD31-4B8C-83A1-F6EECF244321}">
-                <p14:modId xmlns:p14="http://schemas.microsoft.com/office/powerpoint/2010/main" val="3813589528"/>
+                <p14:modId xmlns:p14="http://schemas.microsoft.com/office/powerpoint/2010/main" val="3078532683"/>
               </p:ext>
             </p:extLst>
           </p:nvPr>
@@ -15605,7 +15603,7 @@
           <a:p>
             <a:r>
               <a:rPr lang="en-US" sz="1700" dirty="0"/>
-              <a:t>We saw earlier the positive correlation between SH offers and SHSAT test takers.</a:t>
+              <a:t>We saw earlier the positive correlation between SHS offers and SHSAT test takers.</a:t>
             </a:r>
           </a:p>
           <a:p>
@@ -17270,7 +17268,7 @@
           <a:p>
             <a:r>
               <a:rPr lang="en-US" sz="1700" dirty="0"/>
-              <a:t>Here we see that the higher the percentage of ELA/Math 4 scorers you send to take SHSAT, the more of them receive SH offers.</a:t>
+              <a:t>Here we see that the higher the percentage of ELA/Math 4 scorers you send to take SHSAT, the more of them receive SHS offers.</a:t>
             </a:r>
           </a:p>
           <a:p>
@@ -19740,7 +19738,7 @@
           <a:lstStyle/>
           <a:p>
             <a:r>
-              <a:rPr lang="en-US" sz="1800"/>
+              <a:rPr lang="en-US" sz="1800" dirty="0"/>
               <a:t>Which factors that predict success on the SHSAT can increase the number of SHS admissions offers received by Black &amp; Latinx students? </a:t>
             </a:r>
           </a:p>
@@ -20604,7 +20602,7 @@
               </a:lnSpc>
             </a:pPr>
             <a:r>
-              <a:rPr lang="en-US" sz="1400"/>
+              <a:rPr lang="en-US" sz="1400" dirty="0"/>
               <a:t>For models to perform best, improvements to data dimensionality were implemented, and several summary features were created. </a:t>
             </a:r>
           </a:p>
@@ -20615,15 +20613,15 @@
               </a:lnSpc>
             </a:pPr>
             <a:r>
-              <a:rPr lang="en-US" sz="1400"/>
+              <a:rPr lang="en-US" sz="1400" dirty="0"/>
               <a:t>For example, scores on standardized tests that were in several columns for grades 3 – 8, were summarized into one, per test, for 7</a:t>
             </a:r>
             <a:r>
-              <a:rPr lang="en-US" sz="1400" baseline="30000"/>
+              <a:rPr lang="en-US" sz="1400" baseline="30000" dirty="0"/>
               <a:t>th</a:t>
             </a:r>
             <a:r>
-              <a:rPr lang="en-US" sz="1400"/>
+              <a:rPr lang="en-US" sz="1400" dirty="0"/>
               <a:t> graders: </a:t>
             </a:r>
           </a:p>
@@ -20634,7 +20632,7 @@
               </a:lnSpc>
             </a:pPr>
             <a:r>
-              <a:rPr lang="en-US" sz="1400"/>
+              <a:rPr lang="en-US" sz="1400" dirty="0"/>
               <a:t>Standardized test scores, for each grade, consisted of two kinds of information, ELA (English Language Arts) &amp; Math.</a:t>
             </a:r>
           </a:p>
@@ -20645,7 +20643,7 @@
               </a:lnSpc>
             </a:pPr>
             <a:r>
-              <a:rPr lang="en-US" sz="1400"/>
+              <a:rPr lang="en-US" sz="1400" dirty="0"/>
               <a:t>Scoring on these tests top out at 4, with 1 representing the worst score.</a:t>
             </a:r>
           </a:p>
@@ -20656,15 +20654,15 @@
               </a:lnSpc>
             </a:pPr>
             <a:r>
-              <a:rPr lang="en-US" sz="1400"/>
+              <a:rPr lang="en-US" sz="1400" dirty="0"/>
               <a:t>I’m only focusing on 7</a:t>
             </a:r>
             <a:r>
-              <a:rPr lang="en-US" sz="1400" baseline="30000"/>
+              <a:rPr lang="en-US" sz="1400" baseline="30000" dirty="0"/>
               <a:t>th</a:t>
             </a:r>
             <a:r>
-              <a:rPr lang="en-US" sz="1400"/>
+              <a:rPr lang="en-US" sz="1400" dirty="0"/>
               <a:t> graders as those were the pool of students taking the SHSAT in the 2017-2018 SHSAT dataset.</a:t>
             </a:r>
           </a:p>
@@ -21654,7 +21652,7 @@
           <a:p>
             <a:r>
               <a:rPr lang="en-US" sz="1700" dirty="0"/>
-              <a:t>Seeing that ELA &amp; Math 4 scores are tied to the number of SH offers, we’ll dig a bit deeper.</a:t>
+              <a:t>Seeing that ELA &amp; Math 4 scores are tied to the number of SHS offers, we’ll dig a bit deeper.</a:t>
             </a:r>
           </a:p>
           <a:p>
@@ -22426,7 +22424,7 @@
             </a:br>
             <a:r>
               <a:rPr lang="en-US" sz="3200" dirty="0"/>
-              <a:t>Highest Number of SH Offers</a:t>
+              <a:t>Highest Number of SHS Offers</a:t>
             </a:r>
           </a:p>
         </p:txBody>
@@ -22649,7 +22647,7 @@
           <a:p>
             <a:r>
               <a:rPr lang="en-US" sz="1800" dirty="0"/>
-              <a:t>Among the schools that received the highest number of SHS offers, nearly all are composed of fewer than 30% Black or Latinx students</a:t>
+              <a:t>Among the schools that received the highest number of SHS offers, nearly all are composed of fewer than 30% Black or Latinx students.</a:t>
             </a:r>
           </a:p>
         </p:txBody>
